--- a/05_Presentation/PARRHIPresentationv2.pptx
+++ b/05_Presentation/PARRHIPresentationv2.pptx
@@ -256,7 +256,6 @@
           </c:marker>
           <c:dLbls>
             <c:delete val="1"/>
-            <c:extLst/>
           </c:dLbls>
           <c:cat>
             <c:numRef>
@@ -1005,7 +1004,7 @@
               <a:pPr>
                 <a:defRPr/>
               </a:pPr>
-              <a:t>03/07/2019</a:t>
+              <a:t>04/07/2019</a:t>
             </a:fld>
             <a:endParaRPr lang="en-GB" dirty="0"/>
           </a:p>
@@ -1224,7 +1223,7 @@
               <a:pPr>
                 <a:defRPr/>
               </a:pPr>
-              <a:t>03/07/2019</a:t>
+              <a:t>04/07/2019</a:t>
             </a:fld>
             <a:endParaRPr lang="en-GB"/>
           </a:p>
@@ -13098,7 +13097,7 @@
           <a:blip r:embed="rId2">
             <a:alphaModFix amt="85000"/>
             <a:duotone>
-              <a:schemeClr val="accent6">
+              <a:schemeClr val="accent3">
                 <a:shade val="45000"/>
                 <a:satMod val="135000"/>
               </a:schemeClr>
@@ -13183,69 +13182,6 @@
           <a:prstGeom prst="rect">
             <a:avLst/>
           </a:prstGeom>
-        </p:spPr>
-      </p:pic>
-      <p:pic>
-        <p:nvPicPr>
-          <p:cNvPr id="6" name="Picture 4" descr="Bildergebnis für Fanuc Cr7 png">
-            <a:extLst>
-              <a:ext uri="{FF2B5EF4-FFF2-40B4-BE49-F238E27FC236}">
-                <a16:creationId xmlns:a16="http://schemas.microsoft.com/office/drawing/2014/main" id="{D380D12A-6AA7-4F53-8E14-DA91904DA554}"/>
-              </a:ext>
-            </a:extLst>
-          </p:cNvPr>
-          <p:cNvPicPr>
-            <a:picLocks noChangeAspect="1" noChangeArrowheads="1"/>
-          </p:cNvPicPr>
-          <p:nvPr/>
-        </p:nvPicPr>
-        <p:blipFill>
-          <a:blip r:embed="rId5">
-            <a:biLevel thresh="50000"/>
-            <a:extLst>
-              <a:ext uri="{BEBA8EAE-BF5A-486C-A8C5-ECC9F3942E4B}">
-                <a14:imgProps xmlns:a14="http://schemas.microsoft.com/office/drawing/2010/main">
-                  <a14:imgLayer r:embed="rId6">
-                    <a14:imgEffect>
-                      <a14:backgroundRemoval t="9455" b="93818" l="9290" r="89071">
-                        <a14:foregroundMark x1="43716" y1="89818" x2="54645" y2="90909"/>
-                        <a14:foregroundMark x1="43716" y1="93818" x2="67213" y2="92727"/>
-                      </a14:backgroundRemoval>
-                    </a14:imgEffect>
-                    <a14:imgEffect>
-                      <a14:saturation sat="0"/>
-                    </a14:imgEffect>
-                  </a14:imgLayer>
-                </a14:imgProps>
-              </a:ext>
-              <a:ext uri="{28A0092B-C50C-407E-A947-70E740481C1C}">
-                <a14:useLocalDpi xmlns:a14="http://schemas.microsoft.com/office/drawing/2010/main" val="0"/>
-              </a:ext>
-            </a:extLst>
-          </a:blip>
-          <a:srcRect/>
-          <a:stretch>
-            <a:fillRect/>
-          </a:stretch>
-        </p:blipFill>
-        <p:spPr bwMode="auto">
-          <a:xfrm>
-            <a:off x="6838660" y="2612541"/>
-            <a:ext cx="1382661" cy="2077769"/>
-          </a:xfrm>
-          <a:prstGeom prst="rect">
-            <a:avLst/>
-          </a:prstGeom>
-          <a:noFill/>
-          <a:extLst>
-            <a:ext uri="{909E8E84-426E-40DD-AFC4-6F175D3DCCD1}">
-              <a14:hiddenFill xmlns:a14="http://schemas.microsoft.com/office/drawing/2010/main">
-                <a:solidFill>
-                  <a:srgbClr val="FFFFFF"/>
-                </a:solidFill>
-              </a14:hiddenFill>
-            </a:ext>
-          </a:extLst>
         </p:spPr>
       </p:pic>
       <p:sp>
@@ -13590,10 +13526,10 @@
           <p:nvPr/>
         </p:nvPicPr>
         <p:blipFill>
-          <a:blip r:embed="rId7">
+          <a:blip r:embed="rId5">
             <a:extLst>
               <a:ext uri="{96DAC541-7B7A-43D3-8B79-37D633B846F1}">
-                <asvg:svgBlip xmlns:asvg="http://schemas.microsoft.com/office/drawing/2016/SVG/main" r:embed="rId8"/>
+                <asvg:svgBlip xmlns:asvg="http://schemas.microsoft.com/office/drawing/2016/SVG/main" r:embed="rId6"/>
               </a:ext>
             </a:extLst>
           </a:blip>
@@ -13626,13 +13562,13 @@
           <p:nvPr/>
         </p:nvPicPr>
         <p:blipFill>
-          <a:blip r:embed="rId9">
+          <a:blip r:embed="rId7">
             <a:extLst>
               <a:ext uri="{28A0092B-C50C-407E-A947-70E740481C1C}">
                 <a14:useLocalDpi xmlns:a14="http://schemas.microsoft.com/office/drawing/2010/main" val="0"/>
               </a:ext>
               <a:ext uri="{96DAC541-7B7A-43D3-8B79-37D633B846F1}">
-                <asvg:svgBlip xmlns:asvg="http://schemas.microsoft.com/office/drawing/2016/SVG/main" r:embed="rId10"/>
+                <asvg:svgBlip xmlns:asvg="http://schemas.microsoft.com/office/drawing/2016/SVG/main" r:embed="rId8"/>
               </a:ext>
             </a:extLst>
           </a:blip>
@@ -13674,7 +13610,7 @@
         </p:xfrm>
         <a:graphic>
           <a:graphicData uri="http://schemas.openxmlformats.org/drawingml/2006/chart">
-            <c:chart xmlns:c="http://schemas.openxmlformats.org/drawingml/2006/chart" xmlns:r="http://schemas.openxmlformats.org/officeDocument/2006/relationships" r:id="rId11"/>
+            <c:chart xmlns:c="http://schemas.openxmlformats.org/drawingml/2006/chart" xmlns:r="http://schemas.openxmlformats.org/officeDocument/2006/relationships" r:id="rId9"/>
           </a:graphicData>
         </a:graphic>
       </p:graphicFrame>
@@ -13908,10 +13844,10 @@
           <p:nvPr/>
         </p:nvPicPr>
         <p:blipFill>
-          <a:blip r:embed="rId7">
+          <a:blip r:embed="rId5">
             <a:extLst>
               <a:ext uri="{96DAC541-7B7A-43D3-8B79-37D633B846F1}">
-                <asvg:svgBlip xmlns:asvg="http://schemas.microsoft.com/office/drawing/2016/SVG/main" r:embed="rId8"/>
+                <asvg:svgBlip xmlns:asvg="http://schemas.microsoft.com/office/drawing/2016/SVG/main" r:embed="rId6"/>
               </a:ext>
             </a:extLst>
           </a:blip>
@@ -13973,118 +13909,202 @@
       </p:sp>
       <p:pic>
         <p:nvPicPr>
-          <p:cNvPr id="34" name="Grafik 33" descr="Ein Bild, das Teller enthält.&#10;&#10;Automatisch generierte Beschreibung">
+          <p:cNvPr id="25" name="Picture 4" descr="Bildergebnis für Fanuc Cr7 png">
             <a:extLst>
               <a:ext uri="{FF2B5EF4-FFF2-40B4-BE49-F238E27FC236}">
-                <a16:creationId xmlns:a16="http://schemas.microsoft.com/office/drawing/2014/main" id="{820E7251-768C-42A0-9A9B-C2B81132B386}"/>
+                <a16:creationId xmlns:a16="http://schemas.microsoft.com/office/drawing/2014/main" id="{00EE96E8-F87C-4F03-8E8D-9D1C8B73E91B}"/>
               </a:ext>
             </a:extLst>
           </p:cNvPr>
           <p:cNvPicPr>
-            <a:picLocks noChangeAspect="1"/>
+            <a:picLocks noChangeAspect="1" noChangeArrowheads="1"/>
           </p:cNvPicPr>
           <p:nvPr/>
         </p:nvPicPr>
-        <p:blipFill rotWithShape="1">
-          <a:blip r:embed="rId2">
-            <a:alphaModFix amt="85000"/>
-            <a:duotone>
-              <a:schemeClr val="accent6">
-                <a:shade val="45000"/>
-                <a:satMod val="135000"/>
-              </a:schemeClr>
-              <a:prstClr val="white"/>
-            </a:duotone>
+        <p:blipFill>
+          <a:blip r:embed="rId10">
+            <a:biLevel thresh="50000"/>
+            <a:extLst>
+              <a:ext uri="{BEBA8EAE-BF5A-486C-A8C5-ECC9F3942E4B}">
+                <a14:imgProps xmlns:a14="http://schemas.microsoft.com/office/drawing/2010/main">
+                  <a14:imgLayer r:embed="rId11">
+                    <a14:imgEffect>
+                      <a14:backgroundRemoval t="9455" b="93818" l="9290" r="89071">
+                        <a14:foregroundMark x1="43716" y1="89818" x2="54645" y2="90909"/>
+                        <a14:foregroundMark x1="43716" y1="93818" x2="67213" y2="92727"/>
+                      </a14:backgroundRemoval>
+                    </a14:imgEffect>
+                    <a14:imgEffect>
+                      <a14:saturation sat="0"/>
+                    </a14:imgEffect>
+                  </a14:imgLayer>
+                </a14:imgProps>
+              </a:ext>
+              <a:ext uri="{28A0092B-C50C-407E-A947-70E740481C1C}">
+                <a14:useLocalDpi xmlns:a14="http://schemas.microsoft.com/office/drawing/2010/main" val="0"/>
+              </a:ext>
+            </a:extLst>
           </a:blip>
-          <a:srcRect l="35840" t="51170" r="36426"/>
-          <a:stretch/>
+          <a:srcRect/>
+          <a:stretch>
+            <a:fillRect/>
+          </a:stretch>
         </p:blipFill>
-        <p:spPr>
+        <p:spPr bwMode="auto">
           <a:xfrm>
-            <a:off x="7185391" y="4328711"/>
-            <a:ext cx="767624" cy="907954"/>
+            <a:off x="6836789" y="2603297"/>
+            <a:ext cx="1382661" cy="2077769"/>
           </a:xfrm>
           <a:prstGeom prst="rect">
             <a:avLst/>
           </a:prstGeom>
+          <a:noFill/>
+          <a:extLst>
+            <a:ext uri="{909E8E84-426E-40DD-AFC4-6F175D3DCCD1}">
+              <a14:hiddenFill xmlns:a14="http://schemas.microsoft.com/office/drawing/2010/main">
+                <a:solidFill>
+                  <a:srgbClr val="FFFFFF"/>
+                </a:solidFill>
+              </a14:hiddenFill>
+            </a:ext>
+          </a:extLst>
         </p:spPr>
       </p:pic>
-      <p:pic>
-        <p:nvPicPr>
-          <p:cNvPr id="35" name="Grafik 34" descr="Ein Bild, das Teller enthält.&#10;&#10;Automatisch generierte Beschreibung">
+      <p:grpSp>
+        <p:nvGrpSpPr>
+          <p:cNvPr id="2" name="Gruppieren 1">
             <a:extLst>
               <a:ext uri="{FF2B5EF4-FFF2-40B4-BE49-F238E27FC236}">
-                <a16:creationId xmlns:a16="http://schemas.microsoft.com/office/drawing/2014/main" id="{833C0965-FEDC-4832-9CEE-6DC66B712A1B}"/>
+                <a16:creationId xmlns:a16="http://schemas.microsoft.com/office/drawing/2014/main" id="{4B5F2AAB-707F-460D-A86E-AFFB66662FFE}"/>
               </a:ext>
             </a:extLst>
           </p:cNvPr>
-          <p:cNvPicPr>
-            <a:picLocks noChangeAspect="1"/>
-          </p:cNvPicPr>
+          <p:cNvGrpSpPr/>
           <p:nvPr/>
-        </p:nvPicPr>
-        <p:blipFill rotWithShape="1">
-          <a:blip r:embed="rId2">
-            <a:alphaModFix amt="85000"/>
-            <a:duotone>
-              <a:schemeClr val="accent6">
-                <a:shade val="45000"/>
-                <a:satMod val="135000"/>
-              </a:schemeClr>
-              <a:prstClr val="white"/>
-            </a:duotone>
-          </a:blip>
-          <a:srcRect l="63574"/>
-          <a:stretch/>
-        </p:blipFill>
-        <p:spPr>
+        </p:nvGrpSpPr>
+        <p:grpSpPr>
           <a:xfrm>
-            <a:off x="7953016" y="3373526"/>
-            <a:ext cx="1008221" cy="1859441"/>
+            <a:off x="6179094" y="3373526"/>
+            <a:ext cx="2782143" cy="1863139"/>
+            <a:chOff x="6179094" y="3373526"/>
+            <a:chExt cx="2782143" cy="1863139"/>
           </a:xfrm>
-          <a:prstGeom prst="rect">
-            <a:avLst/>
-          </a:prstGeom>
-        </p:spPr>
-      </p:pic>
-      <p:pic>
-        <p:nvPicPr>
-          <p:cNvPr id="36" name="Grafik 35" descr="Ein Bild, das Teller enthält.&#10;&#10;Automatisch generierte Beschreibung">
-            <a:extLst>
-              <a:ext uri="{FF2B5EF4-FFF2-40B4-BE49-F238E27FC236}">
-                <a16:creationId xmlns:a16="http://schemas.microsoft.com/office/drawing/2014/main" id="{80DB4EB6-3FFE-4E77-A096-64DBE9E9F4C9}"/>
-              </a:ext>
-            </a:extLst>
-          </p:cNvPr>
-          <p:cNvPicPr>
-            <a:picLocks noChangeAspect="1"/>
-          </p:cNvPicPr>
-          <p:nvPr/>
-        </p:nvPicPr>
-        <p:blipFill rotWithShape="1">
-          <a:blip r:embed="rId2">
-            <a:alphaModFix amt="85000"/>
-            <a:duotone>
-              <a:schemeClr val="accent6">
-                <a:shade val="45000"/>
-                <a:satMod val="135000"/>
-              </a:schemeClr>
-              <a:prstClr val="white"/>
-            </a:duotone>
-          </a:blip>
-          <a:srcRect r="63643"/>
-          <a:stretch/>
-        </p:blipFill>
-        <p:spPr>
-          <a:xfrm>
-            <a:off x="6179094" y="3377224"/>
-            <a:ext cx="1006297" cy="1859441"/>
-          </a:xfrm>
-          <a:prstGeom prst="rect">
-            <a:avLst/>
-          </a:prstGeom>
-        </p:spPr>
-      </p:pic>
+        </p:grpSpPr>
+        <p:pic>
+          <p:nvPicPr>
+            <p:cNvPr id="34" name="Grafik 33" descr="Ein Bild, das Teller enthält.&#10;&#10;Automatisch generierte Beschreibung">
+              <a:extLst>
+                <a:ext uri="{FF2B5EF4-FFF2-40B4-BE49-F238E27FC236}">
+                  <a16:creationId xmlns:a16="http://schemas.microsoft.com/office/drawing/2014/main" id="{820E7251-768C-42A0-9A9B-C2B81132B386}"/>
+                </a:ext>
+              </a:extLst>
+            </p:cNvPr>
+            <p:cNvPicPr>
+              <a:picLocks noChangeAspect="1"/>
+            </p:cNvPicPr>
+            <p:nvPr/>
+          </p:nvPicPr>
+          <p:blipFill rotWithShape="1">
+            <a:blip r:embed="rId2">
+              <a:alphaModFix amt="85000"/>
+              <a:duotone>
+                <a:schemeClr val="accent3">
+                  <a:shade val="45000"/>
+                  <a:satMod val="135000"/>
+                </a:schemeClr>
+                <a:prstClr val="white"/>
+              </a:duotone>
+            </a:blip>
+            <a:srcRect l="35840" t="51170" r="36426"/>
+            <a:stretch/>
+          </p:blipFill>
+          <p:spPr>
+            <a:xfrm>
+              <a:off x="7185391" y="4328711"/>
+              <a:ext cx="767624" cy="907954"/>
+            </a:xfrm>
+            <a:prstGeom prst="rect">
+              <a:avLst/>
+            </a:prstGeom>
+          </p:spPr>
+        </p:pic>
+        <p:pic>
+          <p:nvPicPr>
+            <p:cNvPr id="35" name="Grafik 34" descr="Ein Bild, das Teller enthält.&#10;&#10;Automatisch generierte Beschreibung">
+              <a:extLst>
+                <a:ext uri="{FF2B5EF4-FFF2-40B4-BE49-F238E27FC236}">
+                  <a16:creationId xmlns:a16="http://schemas.microsoft.com/office/drawing/2014/main" id="{833C0965-FEDC-4832-9CEE-6DC66B712A1B}"/>
+                </a:ext>
+              </a:extLst>
+            </p:cNvPr>
+            <p:cNvPicPr>
+              <a:picLocks noChangeAspect="1"/>
+            </p:cNvPicPr>
+            <p:nvPr/>
+          </p:nvPicPr>
+          <p:blipFill rotWithShape="1">
+            <a:blip r:embed="rId2">
+              <a:alphaModFix amt="85000"/>
+              <a:duotone>
+                <a:schemeClr val="accent3">
+                  <a:shade val="45000"/>
+                  <a:satMod val="135000"/>
+                </a:schemeClr>
+                <a:prstClr val="white"/>
+              </a:duotone>
+            </a:blip>
+            <a:srcRect l="63574"/>
+            <a:stretch/>
+          </p:blipFill>
+          <p:spPr>
+            <a:xfrm>
+              <a:off x="7953016" y="3373526"/>
+              <a:ext cx="1008221" cy="1859441"/>
+            </a:xfrm>
+            <a:prstGeom prst="rect">
+              <a:avLst/>
+            </a:prstGeom>
+          </p:spPr>
+        </p:pic>
+        <p:pic>
+          <p:nvPicPr>
+            <p:cNvPr id="36" name="Grafik 35" descr="Ein Bild, das Teller enthält.&#10;&#10;Automatisch generierte Beschreibung">
+              <a:extLst>
+                <a:ext uri="{FF2B5EF4-FFF2-40B4-BE49-F238E27FC236}">
+                  <a16:creationId xmlns:a16="http://schemas.microsoft.com/office/drawing/2014/main" id="{80DB4EB6-3FFE-4E77-A096-64DBE9E9F4C9}"/>
+                </a:ext>
+              </a:extLst>
+            </p:cNvPr>
+            <p:cNvPicPr>
+              <a:picLocks noChangeAspect="1"/>
+            </p:cNvPicPr>
+            <p:nvPr/>
+          </p:nvPicPr>
+          <p:blipFill rotWithShape="1">
+            <a:blip r:embed="rId2">
+              <a:alphaModFix amt="85000"/>
+              <a:duotone>
+                <a:schemeClr val="accent3">
+                  <a:shade val="45000"/>
+                  <a:satMod val="135000"/>
+                </a:schemeClr>
+                <a:prstClr val="white"/>
+              </a:duotone>
+            </a:blip>
+            <a:srcRect r="63643"/>
+            <a:stretch/>
+          </p:blipFill>
+          <p:spPr>
+            <a:xfrm>
+              <a:off x="6179094" y="3377224"/>
+              <a:ext cx="1006297" cy="1859441"/>
+            </a:xfrm>
+            <a:prstGeom prst="rect">
+              <a:avLst/>
+            </a:prstGeom>
+          </p:spPr>
+        </p:pic>
+      </p:grpSp>
     </p:spTree>
     <p:extLst>
       <p:ext uri="{BB962C8B-B14F-4D97-AF65-F5344CB8AC3E}">
@@ -14095,6 +14115,92 @@
   <p:clrMapOvr>
     <a:masterClrMapping/>
   </p:clrMapOvr>
+  <p:timing>
+    <p:tnLst>
+      <p:par>
+        <p:cTn id="1" dur="indefinite" restart="never" nodeType="tmRoot">
+          <p:childTnLst>
+            <p:seq concurrent="1" nextAc="seek">
+              <p:cTn id="2" dur="indefinite" nodeType="mainSeq">
+                <p:childTnLst>
+                  <p:par>
+                    <p:cTn id="3" fill="hold">
+                      <p:stCondLst>
+                        <p:cond delay="indefinite"/>
+                        <p:cond evt="onBegin" delay="0">
+                          <p:tn val="2"/>
+                        </p:cond>
+                      </p:stCondLst>
+                      <p:childTnLst>
+                        <p:par>
+                          <p:cTn id="4" fill="hold">
+                            <p:stCondLst>
+                              <p:cond delay="0"/>
+                            </p:stCondLst>
+                            <p:childTnLst>
+                              <p:par>
+                                <p:cTn id="5" presetID="10" presetClass="entr" presetSubtype="0" fill="hold" nodeType="withEffect">
+                                  <p:stCondLst>
+                                    <p:cond delay="0"/>
+                                  </p:stCondLst>
+                                  <p:childTnLst>
+                                    <p:set>
+                                      <p:cBhvr>
+                                        <p:cTn id="6" dur="1" fill="hold">
+                                          <p:stCondLst>
+                                            <p:cond delay="0"/>
+                                          </p:stCondLst>
+                                        </p:cTn>
+                                        <p:tgtEl>
+                                          <p:spTgt spid="25"/>
+                                        </p:tgtEl>
+                                        <p:attrNameLst>
+                                          <p:attrName>style.visibility</p:attrName>
+                                        </p:attrNameLst>
+                                      </p:cBhvr>
+                                      <p:to>
+                                        <p:strVal val="visible"/>
+                                      </p:to>
+                                    </p:set>
+                                    <p:animEffect transition="in" filter="fade">
+                                      <p:cBhvr>
+                                        <p:cTn id="7" dur="500"/>
+                                        <p:tgtEl>
+                                          <p:spTgt spid="25"/>
+                                        </p:tgtEl>
+                                      </p:cBhvr>
+                                    </p:animEffect>
+                                  </p:childTnLst>
+                                </p:cTn>
+                              </p:par>
+                            </p:childTnLst>
+                          </p:cTn>
+                        </p:par>
+                      </p:childTnLst>
+                    </p:cTn>
+                  </p:par>
+                </p:childTnLst>
+              </p:cTn>
+              <p:prevCondLst>
+                <p:cond evt="onPrev" delay="0">
+                  <p:tgtEl>
+                    <p:sldTgt/>
+                  </p:tgtEl>
+                </p:cond>
+              </p:prevCondLst>
+              <p:nextCondLst>
+                <p:cond evt="onNext" delay="0">
+                  <p:tgtEl>
+                    <p:sldTgt/>
+                  </p:tgtEl>
+                </p:cond>
+              </p:nextCondLst>
+            </p:seq>
+          </p:childTnLst>
+        </p:cTn>
+      </p:par>
+    </p:tnLst>
+  </p:timing>
 </p:sld>
 </file>
 

--- a/05_Presentation/PARRHIPresentationv2.pptx
+++ b/05_Presentation/PARRHIPresentationv2.pptx
@@ -1,6 +1,6 @@
 
 <file path=ppt/presentation.xml><?xml version="1.0" encoding="utf-8"?>
-<p:presentation xmlns:a="http://schemas.openxmlformats.org/drawingml/2006/main" xmlns:r="http://schemas.openxmlformats.org/officeDocument/2006/relationships" xmlns:p="http://schemas.openxmlformats.org/presentationml/2006/main" showSpecialPlsOnTitleSld="0" saveSubsetFonts="1" autoCompressPictures="0">
+<p:presentation xmlns:a="http://schemas.openxmlformats.org/drawingml/2006/main" xmlns:r="http://schemas.openxmlformats.org/officeDocument/2006/relationships" xmlns:p="http://schemas.openxmlformats.org/presentationml/2006/main" saveSubsetFonts="1" autoCompressPictures="0">
   <p:sldMasterIdLst>
     <p:sldMasterId id="2147483663" r:id="rId1"/>
     <p:sldMasterId id="2147483668" r:id="rId2"/>
@@ -10,38 +10,39 @@
     <p:sldMasterId id="2147483697" r:id="rId6"/>
   </p:sldMasterIdLst>
   <p:notesMasterIdLst>
-    <p:notesMasterId r:id="rId33"/>
+    <p:notesMasterId r:id="rId34"/>
   </p:notesMasterIdLst>
   <p:handoutMasterIdLst>
-    <p:handoutMasterId r:id="rId34"/>
+    <p:handoutMasterId r:id="rId35"/>
   </p:handoutMasterIdLst>
   <p:sldIdLst>
     <p:sldId id="355" r:id="rId7"/>
     <p:sldId id="373" r:id="rId8"/>
     <p:sldId id="374" r:id="rId9"/>
-    <p:sldId id="384" r:id="rId10"/>
-    <p:sldId id="385" r:id="rId11"/>
-    <p:sldId id="382" r:id="rId12"/>
-    <p:sldId id="376" r:id="rId13"/>
-    <p:sldId id="386" r:id="rId14"/>
-    <p:sldId id="377" r:id="rId15"/>
-    <p:sldId id="388" r:id="rId16"/>
-    <p:sldId id="390" r:id="rId17"/>
-    <p:sldId id="389" r:id="rId18"/>
-    <p:sldId id="378" r:id="rId19"/>
-    <p:sldId id="391" r:id="rId20"/>
-    <p:sldId id="395" r:id="rId21"/>
-    <p:sldId id="397" r:id="rId22"/>
-    <p:sldId id="379" r:id="rId23"/>
-    <p:sldId id="398" r:id="rId24"/>
-    <p:sldId id="400" r:id="rId25"/>
-    <p:sldId id="401" r:id="rId26"/>
-    <p:sldId id="380" r:id="rId27"/>
-    <p:sldId id="404" r:id="rId28"/>
-    <p:sldId id="403" r:id="rId29"/>
-    <p:sldId id="381" r:id="rId30"/>
-    <p:sldId id="405" r:id="rId31"/>
-    <p:sldId id="387" r:id="rId32"/>
+    <p:sldId id="406" r:id="rId10"/>
+    <p:sldId id="384" r:id="rId11"/>
+    <p:sldId id="385" r:id="rId12"/>
+    <p:sldId id="382" r:id="rId13"/>
+    <p:sldId id="376" r:id="rId14"/>
+    <p:sldId id="386" r:id="rId15"/>
+    <p:sldId id="377" r:id="rId16"/>
+    <p:sldId id="388" r:id="rId17"/>
+    <p:sldId id="390" r:id="rId18"/>
+    <p:sldId id="389" r:id="rId19"/>
+    <p:sldId id="378" r:id="rId20"/>
+    <p:sldId id="391" r:id="rId21"/>
+    <p:sldId id="395" r:id="rId22"/>
+    <p:sldId id="397" r:id="rId23"/>
+    <p:sldId id="379" r:id="rId24"/>
+    <p:sldId id="398" r:id="rId25"/>
+    <p:sldId id="400" r:id="rId26"/>
+    <p:sldId id="401" r:id="rId27"/>
+    <p:sldId id="380" r:id="rId28"/>
+    <p:sldId id="404" r:id="rId29"/>
+    <p:sldId id="403" r:id="rId30"/>
+    <p:sldId id="381" r:id="rId31"/>
+    <p:sldId id="405" r:id="rId32"/>
+    <p:sldId id="387" r:id="rId33"/>
   </p:sldIdLst>
   <p:sldSz cx="9144000" cy="6858000" type="screen4x3"/>
   <p:notesSz cx="9925050" cy="6665913"/>
@@ -1015,7 +1016,7 @@
               <a:pPr>
                 <a:defRPr/>
               </a:pPr>
-              <a:t>08/07/2019</a:t>
+              <a:t>10/07/2019</a:t>
             </a:fld>
             <a:endParaRPr lang="en-GB" dirty="0"/>
           </a:p>
@@ -1234,7 +1235,7 @@
               <a:pPr>
                 <a:defRPr/>
               </a:pPr>
-              <a:t>08/07/2019</a:t>
+              <a:t>10/07/2019</a:t>
             </a:fld>
             <a:endParaRPr lang="en-GB"/>
           </a:p>
@@ -1704,71 +1705,7 @@
           <a:bodyPr/>
           <a:lstStyle/>
           <a:p>
-            <a:r>
-              <a:rPr lang="en-US" dirty="0"/>
-              <a:t>Who would is responsible?</a:t>
-            </a:r>
-          </a:p>
-          <a:p>
-            <a:endParaRPr lang="en-US" dirty="0"/>
-          </a:p>
-          <a:p>
-            <a:pPr marL="171450" indent="-171450">
-              <a:buFontTx/>
-              <a:buChar char="-"/>
-            </a:pPr>
-            <a:r>
-              <a:rPr lang="en-US" dirty="0"/>
-              <a:t>In roles like: Application engineer or plant operators</a:t>
-            </a:r>
-          </a:p>
-          <a:p>
-            <a:pPr marL="171450" indent="-171450">
-              <a:buFontTx/>
-              <a:buChar char="-"/>
-            </a:pPr>
-            <a:r>
-              <a:rPr lang="en-US" dirty="0"/>
-              <a:t>Most strong Tech </a:t>
-            </a:r>
-            <a:r>
-              <a:rPr lang="en-US" dirty="0" err="1"/>
-              <a:t>backgr</a:t>
-            </a:r>
-            <a:r>
-              <a:rPr lang="en-US" dirty="0"/>
-              <a:t>.</a:t>
-            </a:r>
-          </a:p>
-          <a:p>
-            <a:pPr marL="171450" indent="-171450">
-              <a:buFontTx/>
-              <a:buChar char="-"/>
-            </a:pPr>
-            <a:r>
-              <a:rPr lang="en-US" dirty="0"/>
-              <a:t>No AR dev exp, or</a:t>
-            </a:r>
-          </a:p>
-          <a:p>
-            <a:pPr marL="171450" indent="-171450">
-              <a:buFontTx/>
-              <a:buChar char="-"/>
-            </a:pPr>
-            <a:r>
-              <a:rPr lang="en-US" dirty="0"/>
-              <a:t>Even no SE skills</a:t>
-            </a:r>
-          </a:p>
-          <a:p>
-            <a:pPr marL="171450" indent="-171450">
-              <a:buFontTx/>
-              <a:buChar char="-"/>
-            </a:pPr>
-            <a:r>
-              <a:rPr lang="en-US" dirty="0"/>
-              <a:t>Guy that would develop with the PARRHI framework</a:t>
-            </a:r>
+            <a:endParaRPr lang="en-US"/>
           </a:p>
         </p:txBody>
       </p:sp>
@@ -1804,7 +1741,7 @@
     </p:spTree>
     <p:extLst>
       <p:ext uri="{BB962C8B-B14F-4D97-AF65-F5344CB8AC3E}">
-        <p14:creationId xmlns:p14="http://schemas.microsoft.com/office/powerpoint/2010/main" val="788887031"/>
+        <p14:creationId xmlns:p14="http://schemas.microsoft.com/office/powerpoint/2010/main" val="3858514661"/>
       </p:ext>
     </p:extLst>
   </p:cSld>
@@ -1860,46 +1797,68 @@
           <a:p>
             <a:r>
               <a:rPr lang="en-US" dirty="0"/>
-              <a:t>For the bigger picture:</a:t>
-            </a:r>
-          </a:p>
-          <a:p>
+              <a:t>Who would is responsible?</a:t>
+            </a:r>
+          </a:p>
+          <a:p>
+            <a:endParaRPr lang="en-US" dirty="0"/>
+          </a:p>
+          <a:p>
+            <a:pPr marL="171450" indent="-171450">
+              <a:buFontTx/>
+              <a:buChar char="-"/>
+            </a:pPr>
             <a:r>
               <a:rPr lang="en-US" dirty="0"/>
-              <a:t>In introduction mentioned: agile factory, many production lines</a:t>
-            </a:r>
-          </a:p>
-          <a:p>
+              <a:t>In roles like: Application engineer or plant operators</a:t>
+            </a:r>
+          </a:p>
+          <a:p>
+            <a:pPr marL="171450" indent="-171450">
+              <a:buFontTx/>
+              <a:buChar char="-"/>
+            </a:pPr>
             <a:r>
               <a:rPr lang="en-US" dirty="0"/>
-              <a:t>Better </a:t>
+              <a:t>Most strong Tech </a:t>
             </a:r>
             <a:r>
               <a:rPr lang="en-US" dirty="0" err="1"/>
-              <a:t>collab</a:t>
+              <a:t>backgr</a:t>
             </a:r>
             <a:r>
               <a:rPr lang="en-US" dirty="0"/>
-              <a:t> of </a:t>
-            </a:r>
-            <a:r>
-              <a:rPr lang="en-US" dirty="0" err="1"/>
-              <a:t>Mind+Machine</a:t>
-            </a:r>
-            <a:endParaRPr lang="en-US" dirty="0"/>
-          </a:p>
-          <a:p>
+              <a:t>.</a:t>
+            </a:r>
+          </a:p>
+          <a:p>
+            <a:pPr marL="171450" indent="-171450">
+              <a:buFontTx/>
+              <a:buChar char="-"/>
+            </a:pPr>
             <a:r>
               <a:rPr lang="en-US" dirty="0"/>
-              <a:t>App engineer tasked to develop </a:t>
-            </a:r>
-            <a:r>
-              <a:rPr lang="en-US" dirty="0" err="1"/>
-              <a:t>ar</a:t>
-            </a:r>
+              <a:t>No AR dev exp, or</a:t>
+            </a:r>
+          </a:p>
+          <a:p>
+            <a:pPr marL="171450" indent="-171450">
+              <a:buFontTx/>
+              <a:buChar char="-"/>
+            </a:pPr>
             <a:r>
               <a:rPr lang="en-US" dirty="0"/>
-              <a:t> application</a:t>
+              <a:t>Even no SE skills</a:t>
+            </a:r>
+          </a:p>
+          <a:p>
+            <a:pPr marL="171450" indent="-171450">
+              <a:buFontTx/>
+              <a:buChar char="-"/>
+            </a:pPr>
+            <a:r>
+              <a:rPr lang="en-US" dirty="0"/>
+              <a:t>Guy that would develop with the PARRHI framework</a:t>
             </a:r>
           </a:p>
         </p:txBody>
@@ -1936,7 +1895,7 @@
     </p:spTree>
     <p:extLst>
       <p:ext uri="{BB962C8B-B14F-4D97-AF65-F5344CB8AC3E}">
-        <p14:creationId xmlns:p14="http://schemas.microsoft.com/office/powerpoint/2010/main" val="1361572107"/>
+        <p14:creationId xmlns:p14="http://schemas.microsoft.com/office/powerpoint/2010/main" val="788887031"/>
       </p:ext>
     </p:extLst>
   </p:cSld>
@@ -1992,70 +1951,46 @@
           <a:p>
             <a:r>
               <a:rPr lang="en-US" dirty="0"/>
-              <a:t>PARRHI </a:t>
+              <a:t>For the bigger picture:</a:t>
+            </a:r>
+          </a:p>
+          <a:p>
+            <a:r>
+              <a:rPr lang="en-US" dirty="0"/>
+              <a:t>In introduction mentioned: agile factory, many production lines</a:t>
+            </a:r>
+          </a:p>
+          <a:p>
+            <a:r>
+              <a:rPr lang="en-US" dirty="0"/>
+              <a:t>Better </a:t>
             </a:r>
             <a:r>
               <a:rPr lang="en-US" dirty="0" err="1"/>
-              <a:t>requ</a:t>
+              <a:t>collab</a:t>
+            </a:r>
+            <a:r>
+              <a:rPr lang="en-US" dirty="0"/>
+              <a:t> of </a:t>
+            </a:r>
+            <a:r>
+              <a:rPr lang="en-US" dirty="0" err="1"/>
+              <a:t>Mind+Machine</a:t>
             </a:r>
             <a:endParaRPr lang="en-US" dirty="0"/>
           </a:p>
           <a:p>
-            <a:pPr marL="171450" indent="-171450">
-              <a:buFontTx/>
-              <a:buChar char="-"/>
-            </a:pPr>
             <a:r>
               <a:rPr lang="en-US" dirty="0"/>
-              <a:t>Since dev no AR exp, the framework handles everything from </a:t>
+              <a:t>App engineer tasked to develop </a:t>
             </a:r>
             <a:r>
               <a:rPr lang="en-US" dirty="0" err="1"/>
-              <a:t>imagetracking</a:t>
+              <a:t>ar</a:t>
             </a:r>
             <a:r>
               <a:rPr lang="en-US" dirty="0"/>
-              <a:t> to gestures</a:t>
-            </a:r>
-          </a:p>
-          <a:p>
-            <a:pPr marL="171450" indent="-171450">
-              <a:buFontTx/>
-              <a:buChar char="-"/>
-            </a:pPr>
-            <a:r>
-              <a:rPr lang="en-US" dirty="0"/>
-              <a:t>Intuitive dev</a:t>
-            </a:r>
-          </a:p>
-          <a:p>
-            <a:pPr marL="171450" indent="-171450">
-              <a:buFontTx/>
-              <a:buChar char="-"/>
-            </a:pPr>
-            <a:r>
-              <a:rPr lang="en-US" dirty="0"/>
-              <a:t>Allow variety of workflows: define 2d/3d objects/holograms, and logic operators for workflows</a:t>
-            </a:r>
-          </a:p>
-          <a:p>
-            <a:pPr marL="171450" indent="-171450">
-              <a:buFontTx/>
-              <a:buChar char="-"/>
-            </a:pPr>
-            <a:r>
-              <a:rPr lang="en-US" dirty="0"/>
-              <a:t>Communicate with robots</a:t>
-            </a:r>
-          </a:p>
-          <a:p>
-            <a:pPr marL="171450" indent="-171450">
-              <a:buFontTx/>
-              <a:buChar char="-"/>
-            </a:pPr>
-            <a:r>
-              <a:rPr lang="en-US" dirty="0"/>
-              <a:t>Combine Real and Augmented World data. Danger perimeter arbitrary area – should be included in the workflow</a:t>
+              <a:t> application</a:t>
             </a:r>
           </a:p>
         </p:txBody>
@@ -2092,7 +2027,7 @@
     </p:spTree>
     <p:extLst>
       <p:ext uri="{BB962C8B-B14F-4D97-AF65-F5344CB8AC3E}">
-        <p14:creationId xmlns:p14="http://schemas.microsoft.com/office/powerpoint/2010/main" val="2708391224"/>
+        <p14:creationId xmlns:p14="http://schemas.microsoft.com/office/powerpoint/2010/main" val="1361572107"/>
       </p:ext>
     </p:extLst>
   </p:cSld>
@@ -2148,101 +2083,70 @@
           <a:p>
             <a:r>
               <a:rPr lang="en-US" dirty="0"/>
-              <a:t>Left hand side: Developer that produces a document, which encodes the workflow, feel and look of the application. Domain specific knowledge</a:t>
-            </a:r>
-          </a:p>
-          <a:p>
+              <a:t>PARRHI </a:t>
+            </a:r>
+            <a:r>
+              <a:rPr lang="en-US" dirty="0" err="1"/>
+              <a:t>requ</a:t>
+            </a:r>
+            <a:endParaRPr lang="en-US" dirty="0"/>
+          </a:p>
+          <a:p>
+            <a:pPr marL="171450" indent="-171450">
+              <a:buFontTx/>
+              <a:buChar char="-"/>
+            </a:pPr>
             <a:r>
               <a:rPr lang="en-US" dirty="0"/>
-              <a:t>Produced doc is validated, </a:t>
+              <a:t>Since dev no AR exp, the framework handles everything from </a:t>
             </a:r>
             <a:r>
               <a:rPr lang="en-US" dirty="0" err="1"/>
-              <a:t>bevore</a:t>
+              <a:t>imagetracking</a:t>
             </a:r>
             <a:r>
               <a:rPr lang="en-US" dirty="0"/>
-              <a:t> access to </a:t>
-            </a:r>
-            <a:r>
-              <a:rPr lang="en-US" dirty="0" err="1"/>
-              <a:t>parrhi</a:t>
-            </a:r>
-            <a:endParaRPr lang="en-US" dirty="0"/>
-          </a:p>
-          <a:p>
+              <a:t> to gestures</a:t>
+            </a:r>
+          </a:p>
+          <a:p>
+            <a:pPr marL="171450" indent="-171450">
+              <a:buFontTx/>
+              <a:buChar char="-"/>
+            </a:pPr>
             <a:r>
               <a:rPr lang="en-US" dirty="0"/>
-              <a:t>-&gt; Called “</a:t>
-            </a:r>
-            <a:r>
-              <a:rPr lang="en-US" dirty="0" err="1"/>
-              <a:t>Parametrised</a:t>
-            </a:r>
+              <a:t>Intuitive dev</a:t>
+            </a:r>
+          </a:p>
+          <a:p>
+            <a:pPr marL="171450" indent="-171450">
+              <a:buFontTx/>
+              <a:buChar char="-"/>
+            </a:pPr>
             <a:r>
               <a:rPr lang="en-US" dirty="0"/>
-              <a:t> program” since written w/ placeholders (parameters). </a:t>
-            </a:r>
-          </a:p>
-          <a:p>
+              <a:t>Allow variety of workflows: define 2d/3d objects/holograms, and logic operators for workflows</a:t>
+            </a:r>
+          </a:p>
+          <a:p>
+            <a:pPr marL="171450" indent="-171450">
+              <a:buFontTx/>
+              <a:buChar char="-"/>
+            </a:pPr>
             <a:r>
               <a:rPr lang="en-US" dirty="0"/>
-              <a:t>Two types of parameters</a:t>
-            </a:r>
-          </a:p>
-          <a:p>
-            <a:pPr marL="228600" indent="-228600">
-              <a:buAutoNum type="arabicPeriod"/>
+              <a:t>Communicate with robots</a:t>
+            </a:r>
+          </a:p>
+          <a:p>
+            <a:pPr marL="171450" indent="-171450">
+              <a:buFontTx/>
+              <a:buChar char="-"/>
             </a:pPr>
             <a:r>
               <a:rPr lang="en-US" dirty="0"/>
-              <a:t>Provided by framework</a:t>
-            </a:r>
-          </a:p>
-          <a:p>
-            <a:pPr marL="228600" indent="-228600">
-              <a:buAutoNum type="arabicPeriod"/>
-            </a:pPr>
-            <a:r>
-              <a:rPr lang="en-US" dirty="0"/>
-              <a:t>Other object</a:t>
-            </a:r>
-          </a:p>
-          <a:p>
-            <a:pPr marL="0" indent="0">
-              <a:buNone/>
-            </a:pPr>
-            <a:r>
-              <a:rPr lang="en-US" dirty="0"/>
-              <a:t>framework param? -&gt; Input module, Model</a:t>
-            </a:r>
-          </a:p>
-          <a:p>
-            <a:pPr marL="0" indent="0">
-              <a:buNone/>
-            </a:pPr>
-            <a:r>
-              <a:rPr lang="en-US" dirty="0"/>
-              <a:t>Core Routing, Output Module, AR-</a:t>
-            </a:r>
-            <a:r>
-              <a:rPr lang="en-US" dirty="0" err="1"/>
-              <a:t>RealWorld</a:t>
-            </a:r>
-            <a:br>
-              <a:rPr lang="en-US" dirty="0"/>
-            </a:br>
-            <a:r>
-              <a:rPr lang="en-US" dirty="0"/>
-              <a:t>changes </a:t>
-            </a:r>
-            <a:r>
-              <a:rPr lang="en-US" dirty="0" err="1"/>
-              <a:t>reflechted</a:t>
-            </a:r>
-            <a:r>
-              <a:rPr lang="en-US" dirty="0"/>
-              <a:t> in the next cycle, PP updated</a:t>
+              <a:t>Combine Real and Augmented World data. Danger perimeter arbitrary area – should be included in the workflow</a:t>
             </a:r>
           </a:p>
         </p:txBody>
@@ -2270,7 +2174,7 @@
               <a:pPr>
                 <a:defRPr/>
               </a:pPr>
-              <a:t>14</a:t>
+              <a:t>13</a:t>
             </a:fld>
             <a:endParaRPr lang="en-GB"/>
           </a:p>
@@ -2279,7 +2183,7 @@
     </p:spTree>
     <p:extLst>
       <p:ext uri="{BB962C8B-B14F-4D97-AF65-F5344CB8AC3E}">
-        <p14:creationId xmlns:p14="http://schemas.microsoft.com/office/powerpoint/2010/main" val="447753422"/>
+        <p14:creationId xmlns:p14="http://schemas.microsoft.com/office/powerpoint/2010/main" val="2708391224"/>
       </p:ext>
     </p:extLst>
   </p:cSld>
@@ -2335,17 +2239,102 @@
           <a:p>
             <a:r>
               <a:rPr lang="en-US" dirty="0"/>
-              <a:t>Points: Different kind of points: Important: Disclose 3D data to the public.</a:t>
+              <a:t>Left hand side: Developer that produces a document, which encodes the workflow, feel and look of the application. Domain specific knowledge</a:t>
             </a:r>
           </a:p>
           <a:p>
             <a:r>
               <a:rPr lang="en-US" dirty="0"/>
-              <a:t>Some are parametrized with the robot’s data, some by fix values</a:t>
-            </a:r>
-          </a:p>
-          <a:p>
+              <a:t>Produced doc is validated, </a:t>
+            </a:r>
+            <a:r>
+              <a:rPr lang="en-US" dirty="0" err="1"/>
+              <a:t>bevore</a:t>
+            </a:r>
+            <a:r>
+              <a:rPr lang="en-US" dirty="0"/>
+              <a:t> access to </a:t>
+            </a:r>
+            <a:r>
+              <a:rPr lang="en-US" dirty="0" err="1"/>
+              <a:t>parrhi</a:t>
+            </a:r>
             <a:endParaRPr lang="en-US" dirty="0"/>
+          </a:p>
+          <a:p>
+            <a:r>
+              <a:rPr lang="en-US" dirty="0"/>
+              <a:t>-&gt; Called “</a:t>
+            </a:r>
+            <a:r>
+              <a:rPr lang="en-US" dirty="0" err="1"/>
+              <a:t>Parametrised</a:t>
+            </a:r>
+            <a:r>
+              <a:rPr lang="en-US" dirty="0"/>
+              <a:t> program” since written w/ placeholders (parameters). </a:t>
+            </a:r>
+          </a:p>
+          <a:p>
+            <a:r>
+              <a:rPr lang="en-US" dirty="0"/>
+              <a:t>Two types of parameters</a:t>
+            </a:r>
+          </a:p>
+          <a:p>
+            <a:pPr marL="228600" indent="-228600">
+              <a:buAutoNum type="arabicPeriod"/>
+            </a:pPr>
+            <a:r>
+              <a:rPr lang="en-US" dirty="0"/>
+              <a:t>Provided by framework</a:t>
+            </a:r>
+          </a:p>
+          <a:p>
+            <a:pPr marL="228600" indent="-228600">
+              <a:buAutoNum type="arabicPeriod"/>
+            </a:pPr>
+            <a:r>
+              <a:rPr lang="en-US" dirty="0"/>
+              <a:t>Other object</a:t>
+            </a:r>
+          </a:p>
+          <a:p>
+            <a:pPr marL="0" indent="0">
+              <a:buNone/>
+            </a:pPr>
+            <a:r>
+              <a:rPr lang="en-US" dirty="0"/>
+              <a:t>framework param? -&gt; Input module, Model</a:t>
+            </a:r>
+          </a:p>
+          <a:p>
+            <a:pPr marL="0" indent="0">
+              <a:buNone/>
+            </a:pPr>
+            <a:r>
+              <a:rPr lang="en-US" dirty="0"/>
+              <a:t>Core Routing, Output Module, AR-</a:t>
+            </a:r>
+            <a:r>
+              <a:rPr lang="en-US" dirty="0" err="1"/>
+              <a:t>RealWorld</a:t>
+            </a:r>
+            <a:br>
+              <a:rPr lang="en-US" dirty="0"/>
+            </a:br>
+            <a:r>
+              <a:rPr lang="en-US" dirty="0"/>
+              <a:t>changes </a:t>
+            </a:r>
+            <a:r>
+              <a:rPr lang="en-US" dirty="0" err="1"/>
+              <a:t>reflechted</a:t>
+            </a:r>
+            <a:r>
+              <a:rPr lang="en-US" dirty="0"/>
+              <a:t> in the next cycle, PP updated</a:t>
+            </a:r>
           </a:p>
         </p:txBody>
       </p:sp>
@@ -2372,7 +2361,7 @@
               <a:pPr>
                 <a:defRPr/>
               </a:pPr>
-              <a:t>16</a:t>
+              <a:t>15</a:t>
             </a:fld>
             <a:endParaRPr lang="en-GB"/>
           </a:p>
@@ -2381,7 +2370,7 @@
     </p:spTree>
     <p:extLst>
       <p:ext uri="{BB962C8B-B14F-4D97-AF65-F5344CB8AC3E}">
-        <p14:creationId xmlns:p14="http://schemas.microsoft.com/office/powerpoint/2010/main" val="2060223924"/>
+        <p14:creationId xmlns:p14="http://schemas.microsoft.com/office/powerpoint/2010/main" val="447753422"/>
       </p:ext>
     </p:extLst>
   </p:cSld>
@@ -2435,7 +2424,32 @@
           <a:bodyPr/>
           <a:lstStyle/>
           <a:p>
-            <a:endParaRPr lang="en-US" dirty="0"/>
+            <a:r>
+              <a:rPr lang="en-US" dirty="0"/>
+              <a:t>Focus on PP </a:t>
+            </a:r>
+            <a:r>
+              <a:rPr lang="en-US" dirty="0" err="1"/>
+              <a:t>bc</a:t>
+            </a:r>
+            <a:r>
+              <a:rPr lang="en-US" dirty="0"/>
+              <a:t> core component,</a:t>
+            </a:r>
+          </a:p>
+          <a:p>
+            <a:r>
+              <a:rPr lang="en-US" dirty="0"/>
+              <a:t>Everything else also topic of thesis and also very </a:t>
+            </a:r>
+            <a:r>
+              <a:rPr lang="en-US" dirty="0" err="1"/>
+              <a:t>workintensive</a:t>
+            </a:r>
+            <a:r>
+              <a:rPr lang="en-US" dirty="0"/>
+              <a:t>. Conceptually not that important</a:t>
+            </a:r>
           </a:p>
         </p:txBody>
       </p:sp>
@@ -2462,7 +2476,7 @@
               <a:pPr>
                 <a:defRPr/>
               </a:pPr>
-              <a:t>18</a:t>
+              <a:t>16</a:t>
             </a:fld>
             <a:endParaRPr lang="en-GB"/>
           </a:p>
@@ -2471,7 +2485,7 @@
     </p:spTree>
     <p:extLst>
       <p:ext uri="{BB962C8B-B14F-4D97-AF65-F5344CB8AC3E}">
-        <p14:creationId xmlns:p14="http://schemas.microsoft.com/office/powerpoint/2010/main" val="3224596177"/>
+        <p14:creationId xmlns:p14="http://schemas.microsoft.com/office/powerpoint/2010/main" val="405796702"/>
       </p:ext>
     </p:extLst>
   </p:cSld>
@@ -2527,12 +2541,16 @@
           <a:p>
             <a:r>
               <a:rPr lang="en-US" dirty="0"/>
-              <a:t>´Maybe</a:t>
-            </a:r>
-            <a:r>
-              <a:rPr lang="en-US" baseline="0" dirty="0"/>
-              <a:t> more abstract to save some time</a:t>
-            </a:r>
+              <a:t>Points: Different kind of points: Important: Disclose 3D data to the public.</a:t>
+            </a:r>
+          </a:p>
+          <a:p>
+            <a:r>
+              <a:rPr lang="en-US" dirty="0"/>
+              <a:t>Some are parametrized with the robot’s data, some by fix values</a:t>
+            </a:r>
+          </a:p>
+          <a:p>
             <a:endParaRPr lang="en-US" dirty="0"/>
           </a:p>
         </p:txBody>
@@ -2560,7 +2578,7 @@
               <a:pPr>
                 <a:defRPr/>
               </a:pPr>
-              <a:t>19</a:t>
+              <a:t>17</a:t>
             </a:fld>
             <a:endParaRPr lang="en-GB"/>
           </a:p>
@@ -2569,7 +2587,7 @@
     </p:spTree>
     <p:extLst>
       <p:ext uri="{BB962C8B-B14F-4D97-AF65-F5344CB8AC3E}">
-        <p14:creationId xmlns:p14="http://schemas.microsoft.com/office/powerpoint/2010/main" val="1316663676"/>
+        <p14:creationId xmlns:p14="http://schemas.microsoft.com/office/powerpoint/2010/main" val="2060223924"/>
       </p:ext>
     </p:extLst>
   </p:cSld>
@@ -2623,13 +2641,6 @@
           <a:bodyPr/>
           <a:lstStyle/>
           <a:p>
-            <a:r>
-              <a:rPr lang="en-US" dirty="0"/>
-              <a:t>Two evaluations</a:t>
-            </a:r>
-            <a:br>
-              <a:rPr lang="en-US" dirty="0"/>
-            </a:br>
             <a:endParaRPr lang="en-US" dirty="0"/>
           </a:p>
         </p:txBody>
@@ -2657,7 +2668,7 @@
               <a:pPr>
                 <a:defRPr/>
               </a:pPr>
-              <a:t>21</a:t>
+              <a:t>19</a:t>
             </a:fld>
             <a:endParaRPr lang="en-GB"/>
           </a:p>
@@ -2666,7 +2677,7 @@
     </p:spTree>
     <p:extLst>
       <p:ext uri="{BB962C8B-B14F-4D97-AF65-F5344CB8AC3E}">
-        <p14:creationId xmlns:p14="http://schemas.microsoft.com/office/powerpoint/2010/main" val="3747027538"/>
+        <p14:creationId xmlns:p14="http://schemas.microsoft.com/office/powerpoint/2010/main" val="3224596177"/>
       </p:ext>
     </p:extLst>
   </p:cSld>
@@ -2722,27 +2733,7 @@
           <a:p>
             <a:r>
               <a:rPr lang="en-US" dirty="0"/>
-              <a:t>First: Use Case defined and programmed it once manually in Unity, and once in the PARRHI system</a:t>
-            </a:r>
-            <a:br>
-              <a:rPr lang="en-US" dirty="0"/>
-            </a:br>
-            <a:r>
-              <a:rPr lang="en-US" dirty="0"/>
-              <a:t>At the start some metrics:</a:t>
-            </a:r>
-          </a:p>
-          <a:p>
-            <a:r>
-              <a:rPr lang="en-US" dirty="0"/>
-              <a:t>Manual approach Pros, Cons</a:t>
-            </a:r>
-            <a:br>
-              <a:rPr lang="en-US" dirty="0"/>
-            </a:br>
-            <a:r>
-              <a:rPr lang="en-US" dirty="0"/>
-              <a:t>PARRHI Pros, Cons</a:t>
+              <a:t>State of the Art technology</a:t>
             </a:r>
           </a:p>
         </p:txBody>
@@ -2770,7 +2761,7 @@
               <a:pPr>
                 <a:defRPr/>
               </a:pPr>
-              <a:t>22</a:t>
+              <a:t>20</a:t>
             </a:fld>
             <a:endParaRPr lang="en-GB"/>
           </a:p>
@@ -2779,7 +2770,7 @@
     </p:spTree>
     <p:extLst>
       <p:ext uri="{BB962C8B-B14F-4D97-AF65-F5344CB8AC3E}">
-        <p14:creationId xmlns:p14="http://schemas.microsoft.com/office/powerpoint/2010/main" val="3700975213"/>
+        <p14:creationId xmlns:p14="http://schemas.microsoft.com/office/powerpoint/2010/main" val="1316663676"/>
       </p:ext>
     </p:extLst>
   </p:cSld>
@@ -2835,48 +2826,11 @@
           <a:p>
             <a:r>
               <a:rPr lang="en-US" dirty="0"/>
-              <a:t>Other people tried the PARRHI system</a:t>
-            </a:r>
-          </a:p>
-          <a:p>
-            <a:r>
+              <a:t>Two evaluations</a:t>
+            </a:r>
+            <a:br>
               <a:rPr lang="en-US" dirty="0"/>
-              <a:t>6 participants</a:t>
-            </a:r>
-          </a:p>
-          <a:p>
-            <a:r>
-              <a:rPr lang="en-US" dirty="0"/>
-              <a:t>Their task: Write a PP that follows the workflow</a:t>
-            </a:r>
-          </a:p>
-          <a:p>
-            <a:r>
-              <a:rPr lang="en-US" dirty="0"/>
-              <a:t>Disclaimer: I next them, answer general questions but none concerning params</a:t>
-            </a:r>
-          </a:p>
-          <a:p>
-            <a:r>
-              <a:rPr lang="en-US" dirty="0"/>
-              <a:t>Avg 42 min, 5/6 succeeded</a:t>
-            </a:r>
-          </a:p>
-          <a:p>
-            <a:r>
-              <a:rPr lang="en-US" dirty="0"/>
-              <a:t>Not like classical programming -&gt; different styles</a:t>
-            </a:r>
-          </a:p>
-          <a:p>
-            <a:r>
-              <a:rPr lang="en-US" dirty="0"/>
-              <a:t>Feedback: Overview, </a:t>
-            </a:r>
-            <a:r>
-              <a:rPr lang="en-US" dirty="0" err="1"/>
-              <a:t>Extendability</a:t>
-            </a:r>
+            </a:br>
             <a:endParaRPr lang="en-US" dirty="0"/>
           </a:p>
         </p:txBody>
@@ -2904,7 +2858,7 @@
               <a:pPr>
                 <a:defRPr/>
               </a:pPr>
-              <a:t>23</a:t>
+              <a:t>22</a:t>
             </a:fld>
             <a:endParaRPr lang="en-GB"/>
           </a:p>
@@ -2913,7 +2867,7 @@
     </p:spTree>
     <p:extLst>
       <p:ext uri="{BB962C8B-B14F-4D97-AF65-F5344CB8AC3E}">
-        <p14:creationId xmlns:p14="http://schemas.microsoft.com/office/powerpoint/2010/main" val="1449786685"/>
+        <p14:creationId xmlns:p14="http://schemas.microsoft.com/office/powerpoint/2010/main" val="3747027538"/>
       </p:ext>
     </p:extLst>
   </p:cSld>
@@ -3060,6 +3014,63 @@
           <a:bodyPr/>
           <a:lstStyle/>
           <a:p>
+            <a:r>
+              <a:rPr lang="en-US" dirty="0"/>
+              <a:t>First: Use Case defined and programmed it once manually in Unity, and once in the PARRHI system</a:t>
+            </a:r>
+            <a:br>
+              <a:rPr lang="en-US" dirty="0"/>
+            </a:br>
+            <a:r>
+              <a:rPr lang="en-US" dirty="0"/>
+              <a:t>At the start some metrics:</a:t>
+            </a:r>
+          </a:p>
+          <a:p>
+            <a:r>
+              <a:rPr lang="en-US" dirty="0"/>
+              <a:t>Manual approach Pros, Cons</a:t>
+            </a:r>
+            <a:br>
+              <a:rPr lang="en-US" dirty="0"/>
+            </a:br>
+            <a:r>
+              <a:rPr lang="en-US" dirty="0"/>
+              <a:t>PARRHI Pros, Cons</a:t>
+            </a:r>
+          </a:p>
+          <a:p>
+            <a:endParaRPr lang="en-US" dirty="0"/>
+          </a:p>
+          <a:p>
+            <a:r>
+              <a:rPr lang="en-US" dirty="0" err="1"/>
+              <a:t>Großer</a:t>
+            </a:r>
+            <a:r>
+              <a:rPr lang="en-US" dirty="0"/>
+              <a:t> </a:t>
+            </a:r>
+            <a:r>
+              <a:rPr lang="en-US" dirty="0" err="1"/>
+              <a:t>Teil</a:t>
+            </a:r>
+            <a:r>
+              <a:rPr lang="en-US" dirty="0"/>
+              <a:t> von </a:t>
+            </a:r>
+            <a:r>
+              <a:rPr lang="en-US" dirty="0" err="1"/>
+              <a:t>einfachen</a:t>
+            </a:r>
+            <a:r>
+              <a:rPr lang="en-US" dirty="0"/>
+              <a:t> </a:t>
+            </a:r>
+            <a:r>
+              <a:rPr lang="en-US" dirty="0" err="1"/>
+              <a:t>Visualierungen</a:t>
+            </a:r>
             <a:endParaRPr lang="en-US" dirty="0"/>
           </a:p>
         </p:txBody>
@@ -3087,7 +3098,231 @@
               <a:pPr>
                 <a:defRPr/>
               </a:pPr>
-              <a:t>25</a:t>
+              <a:t>23</a:t>
+            </a:fld>
+            <a:endParaRPr lang="en-GB"/>
+          </a:p>
+        </p:txBody>
+      </p:sp>
+    </p:spTree>
+    <p:extLst>
+      <p:ext uri="{BB962C8B-B14F-4D97-AF65-F5344CB8AC3E}">
+        <p14:creationId xmlns:p14="http://schemas.microsoft.com/office/powerpoint/2010/main" val="3700975213"/>
+      </p:ext>
+    </p:extLst>
+  </p:cSld>
+  <p:clrMapOvr>
+    <a:masterClrMapping/>
+  </p:clrMapOvr>
+</p:notes>
+</file>
+
+<file path=ppt/notesSlides/notesSlide21.xml><?xml version="1.0" encoding="utf-8"?>
+<p:notes xmlns:a="http://schemas.openxmlformats.org/drawingml/2006/main" xmlns:r="http://schemas.openxmlformats.org/officeDocument/2006/relationships" xmlns:p="http://schemas.openxmlformats.org/presentationml/2006/main">
+  <p:cSld>
+    <p:spTree>
+      <p:nvGrpSpPr>
+        <p:cNvPr id="1" name=""/>
+        <p:cNvGrpSpPr/>
+        <p:nvPr/>
+      </p:nvGrpSpPr>
+      <p:grpSpPr>
+        <a:xfrm>
+          <a:off x="0" y="0"/>
+          <a:ext cx="0" cy="0"/>
+          <a:chOff x="0" y="0"/>
+          <a:chExt cx="0" cy="0"/>
+        </a:xfrm>
+      </p:grpSpPr>
+      <p:sp>
+        <p:nvSpPr>
+          <p:cNvPr id="2" name="Folienbildplatzhalter 1"/>
+          <p:cNvSpPr>
+            <a:spLocks noGrp="1" noRot="1" noChangeAspect="1"/>
+          </p:cNvSpPr>
+          <p:nvPr>
+            <p:ph type="sldImg"/>
+          </p:nvPr>
+        </p:nvSpPr>
+        <p:spPr/>
+      </p:sp>
+      <p:sp>
+        <p:nvSpPr>
+          <p:cNvPr id="3" name="Notizenplatzhalter 2"/>
+          <p:cNvSpPr>
+            <a:spLocks noGrp="1"/>
+          </p:cNvSpPr>
+          <p:nvPr>
+            <p:ph type="body" idx="1"/>
+          </p:nvPr>
+        </p:nvSpPr>
+        <p:spPr/>
+        <p:txBody>
+          <a:bodyPr/>
+          <a:lstStyle/>
+          <a:p>
+            <a:r>
+              <a:rPr lang="en-US" dirty="0"/>
+              <a:t>Other people tried the PARRHI system</a:t>
+            </a:r>
+          </a:p>
+          <a:p>
+            <a:r>
+              <a:rPr lang="en-US" dirty="0"/>
+              <a:t>6 participants</a:t>
+            </a:r>
+          </a:p>
+          <a:p>
+            <a:r>
+              <a:rPr lang="en-US" dirty="0"/>
+              <a:t>Their task: Write a PP that follows the workflow</a:t>
+            </a:r>
+          </a:p>
+          <a:p>
+            <a:r>
+              <a:rPr lang="en-US" dirty="0"/>
+              <a:t>Disclaimer: I next them, answer general questions but none concerning params</a:t>
+            </a:r>
+          </a:p>
+          <a:p>
+            <a:r>
+              <a:rPr lang="en-US" dirty="0"/>
+              <a:t>Avg 42 min, 5/6 succeeded</a:t>
+            </a:r>
+          </a:p>
+          <a:p>
+            <a:r>
+              <a:rPr lang="en-US" dirty="0"/>
+              <a:t>Not like classical programming -&gt; different styles</a:t>
+            </a:r>
+          </a:p>
+          <a:p>
+            <a:r>
+              <a:rPr lang="en-US" dirty="0"/>
+              <a:t>Feedback: Overview, </a:t>
+            </a:r>
+            <a:r>
+              <a:rPr lang="en-US" dirty="0" err="1"/>
+              <a:t>Extendability</a:t>
+            </a:r>
+            <a:endParaRPr lang="en-US" dirty="0"/>
+          </a:p>
+        </p:txBody>
+      </p:sp>
+      <p:sp>
+        <p:nvSpPr>
+          <p:cNvPr id="4" name="Foliennummernplatzhalter 3"/>
+          <p:cNvSpPr>
+            <a:spLocks noGrp="1"/>
+          </p:cNvSpPr>
+          <p:nvPr>
+            <p:ph type="sldNum" sz="quarter" idx="5"/>
+          </p:nvPr>
+        </p:nvSpPr>
+        <p:spPr/>
+        <p:txBody>
+          <a:bodyPr/>
+          <a:lstStyle/>
+          <a:p>
+            <a:pPr>
+              <a:defRPr/>
+            </a:pPr>
+            <a:fld id="{00AFC6D0-44D5-4EB7-828F-6F464F83D79A}" type="slidenum">
+              <a:rPr lang="en-GB" smtClean="0"/>
+              <a:pPr>
+                <a:defRPr/>
+              </a:pPr>
+              <a:t>24</a:t>
+            </a:fld>
+            <a:endParaRPr lang="en-GB"/>
+          </a:p>
+        </p:txBody>
+      </p:sp>
+    </p:spTree>
+    <p:extLst>
+      <p:ext uri="{BB962C8B-B14F-4D97-AF65-F5344CB8AC3E}">
+        <p14:creationId xmlns:p14="http://schemas.microsoft.com/office/powerpoint/2010/main" val="1449786685"/>
+      </p:ext>
+    </p:extLst>
+  </p:cSld>
+  <p:clrMapOvr>
+    <a:masterClrMapping/>
+  </p:clrMapOvr>
+</p:notes>
+</file>
+
+<file path=ppt/notesSlides/notesSlide22.xml><?xml version="1.0" encoding="utf-8"?>
+<p:notes xmlns:a="http://schemas.openxmlformats.org/drawingml/2006/main" xmlns:r="http://schemas.openxmlformats.org/officeDocument/2006/relationships" xmlns:p="http://schemas.openxmlformats.org/presentationml/2006/main">
+  <p:cSld>
+    <p:spTree>
+      <p:nvGrpSpPr>
+        <p:cNvPr id="1" name=""/>
+        <p:cNvGrpSpPr/>
+        <p:nvPr/>
+      </p:nvGrpSpPr>
+      <p:grpSpPr>
+        <a:xfrm>
+          <a:off x="0" y="0"/>
+          <a:ext cx="0" cy="0"/>
+          <a:chOff x="0" y="0"/>
+          <a:chExt cx="0" cy="0"/>
+        </a:xfrm>
+      </p:grpSpPr>
+      <p:sp>
+        <p:nvSpPr>
+          <p:cNvPr id="2" name="Folienbildplatzhalter 1"/>
+          <p:cNvSpPr>
+            <a:spLocks noGrp="1" noRot="1" noChangeAspect="1"/>
+          </p:cNvSpPr>
+          <p:nvPr>
+            <p:ph type="sldImg"/>
+          </p:nvPr>
+        </p:nvSpPr>
+        <p:spPr/>
+      </p:sp>
+      <p:sp>
+        <p:nvSpPr>
+          <p:cNvPr id="3" name="Notizenplatzhalter 2"/>
+          <p:cNvSpPr>
+            <a:spLocks noGrp="1"/>
+          </p:cNvSpPr>
+          <p:nvPr>
+            <p:ph type="body" idx="1"/>
+          </p:nvPr>
+        </p:nvSpPr>
+        <p:spPr/>
+        <p:txBody>
+          <a:bodyPr/>
+          <a:lstStyle/>
+          <a:p>
+            <a:endParaRPr lang="en-US" dirty="0"/>
+          </a:p>
+        </p:txBody>
+      </p:sp>
+      <p:sp>
+        <p:nvSpPr>
+          <p:cNvPr id="4" name="Foliennummernplatzhalter 3"/>
+          <p:cNvSpPr>
+            <a:spLocks noGrp="1"/>
+          </p:cNvSpPr>
+          <p:nvPr>
+            <p:ph type="sldNum" sz="quarter" idx="5"/>
+          </p:nvPr>
+        </p:nvSpPr>
+        <p:spPr/>
+        <p:txBody>
+          <a:bodyPr/>
+          <a:lstStyle/>
+          <a:p>
+            <a:pPr>
+              <a:defRPr/>
+            </a:pPr>
+            <a:fld id="{00AFC6D0-44D5-4EB7-828F-6F464F83D79A}" type="slidenum">
+              <a:rPr lang="en-GB" smtClean="0"/>
+              <a:pPr>
+                <a:defRPr/>
+              </a:pPr>
+              <a:t>26</a:t>
             </a:fld>
             <a:endParaRPr lang="en-GB"/>
           </a:p>
@@ -3097,6 +3332,96 @@
     <p:extLst>
       <p:ext uri="{BB962C8B-B14F-4D97-AF65-F5344CB8AC3E}">
         <p14:creationId xmlns:p14="http://schemas.microsoft.com/office/powerpoint/2010/main" val="3007091068"/>
+      </p:ext>
+    </p:extLst>
+  </p:cSld>
+  <p:clrMapOvr>
+    <a:masterClrMapping/>
+  </p:clrMapOvr>
+</p:notes>
+</file>
+
+<file path=ppt/notesSlides/notesSlide23.xml><?xml version="1.0" encoding="utf-8"?>
+<p:notes xmlns:a="http://schemas.openxmlformats.org/drawingml/2006/main" xmlns:r="http://schemas.openxmlformats.org/officeDocument/2006/relationships" xmlns:p="http://schemas.openxmlformats.org/presentationml/2006/main">
+  <p:cSld>
+    <p:spTree>
+      <p:nvGrpSpPr>
+        <p:cNvPr id="1" name=""/>
+        <p:cNvGrpSpPr/>
+        <p:nvPr/>
+      </p:nvGrpSpPr>
+      <p:grpSpPr>
+        <a:xfrm>
+          <a:off x="0" y="0"/>
+          <a:ext cx="0" cy="0"/>
+          <a:chOff x="0" y="0"/>
+          <a:chExt cx="0" cy="0"/>
+        </a:xfrm>
+      </p:grpSpPr>
+      <p:sp>
+        <p:nvSpPr>
+          <p:cNvPr id="2" name="Folienbildplatzhalter 1"/>
+          <p:cNvSpPr>
+            <a:spLocks noGrp="1" noRot="1" noChangeAspect="1"/>
+          </p:cNvSpPr>
+          <p:nvPr>
+            <p:ph type="sldImg"/>
+          </p:nvPr>
+        </p:nvSpPr>
+        <p:spPr/>
+      </p:sp>
+      <p:sp>
+        <p:nvSpPr>
+          <p:cNvPr id="3" name="Notizenplatzhalter 2"/>
+          <p:cNvSpPr>
+            <a:spLocks noGrp="1"/>
+          </p:cNvSpPr>
+          <p:nvPr>
+            <p:ph type="body" idx="1"/>
+          </p:nvPr>
+        </p:nvSpPr>
+        <p:spPr/>
+        <p:txBody>
+          <a:bodyPr/>
+          <a:lstStyle/>
+          <a:p>
+            <a:endParaRPr lang="en-US" dirty="0"/>
+          </a:p>
+        </p:txBody>
+      </p:sp>
+      <p:sp>
+        <p:nvSpPr>
+          <p:cNvPr id="4" name="Foliennummernplatzhalter 3"/>
+          <p:cNvSpPr>
+            <a:spLocks noGrp="1"/>
+          </p:cNvSpPr>
+          <p:nvPr>
+            <p:ph type="sldNum" sz="quarter" idx="5"/>
+          </p:nvPr>
+        </p:nvSpPr>
+        <p:spPr/>
+        <p:txBody>
+          <a:bodyPr/>
+          <a:lstStyle/>
+          <a:p>
+            <a:pPr>
+              <a:defRPr/>
+            </a:pPr>
+            <a:fld id="{00AFC6D0-44D5-4EB7-828F-6F464F83D79A}" type="slidenum">
+              <a:rPr lang="en-GB" smtClean="0"/>
+              <a:pPr>
+                <a:defRPr/>
+              </a:pPr>
+              <a:t>27</a:t>
+            </a:fld>
+            <a:endParaRPr lang="en-GB"/>
+          </a:p>
+        </p:txBody>
+      </p:sp>
+    </p:spTree>
+    <p:extLst>
+      <p:ext uri="{BB962C8B-B14F-4D97-AF65-F5344CB8AC3E}">
+        <p14:creationId xmlns:p14="http://schemas.microsoft.com/office/powerpoint/2010/main" val="3559792520"/>
       </p:ext>
     </p:extLst>
   </p:cSld>
@@ -3240,36 +3565,6 @@
           <a:bodyPr/>
           <a:lstStyle/>
           <a:p>
-            <a:r>
-              <a:rPr lang="en-US" dirty="0"/>
-              <a:t>Like to clearly state why AR is helpful</a:t>
-            </a:r>
-          </a:p>
-          <a:p>
-            <a:endParaRPr lang="en-US" dirty="0"/>
-          </a:p>
-          <a:p>
-            <a:r>
-              <a:rPr lang="en-US" dirty="0"/>
-              <a:t>Imagine: Agile factory, complex customizable products, need to be…</a:t>
-            </a:r>
-          </a:p>
-          <a:p>
-            <a:endParaRPr lang="en-US" dirty="0"/>
-          </a:p>
-          <a:p>
-            <a:r>
-              <a:rPr lang="en-US" dirty="0"/>
-              <a:t>This requires M+M</a:t>
-            </a:r>
-          </a:p>
-          <a:p>
-            <a:r>
-              <a:rPr lang="en-US" dirty="0"/>
-              <a:t>Neither of them is good enough</a:t>
-            </a:r>
-          </a:p>
-          <a:p>
             <a:endParaRPr lang="en-US" dirty="0"/>
           </a:p>
           <a:p>
@@ -3312,7 +3607,7 @@
     </p:spTree>
     <p:extLst>
       <p:ext uri="{BB962C8B-B14F-4D97-AF65-F5344CB8AC3E}">
-        <p14:creationId xmlns:p14="http://schemas.microsoft.com/office/powerpoint/2010/main" val="1872413382"/>
+        <p14:creationId xmlns:p14="http://schemas.microsoft.com/office/powerpoint/2010/main" val="1795116825"/>
       </p:ext>
     </p:extLst>
   </p:cSld>
@@ -3361,40 +3656,17 @@
             <p:ph type="body" idx="1"/>
           </p:nvPr>
         </p:nvSpPr>
-        <p:spPr>
-          <a:xfrm>
-            <a:off x="1000973" y="3166309"/>
-            <a:ext cx="7940040" cy="2999661"/>
-          </a:xfrm>
-        </p:spPr>
+        <p:spPr/>
         <p:txBody>
           <a:bodyPr/>
           <a:lstStyle/>
           <a:p>
+            <a:endParaRPr lang="en-US" dirty="0"/>
+          </a:p>
+          <a:p>
             <a:r>
               <a:rPr lang="en-US" dirty="0"/>
-              <a:t>AR can help here</a:t>
-            </a:r>
-          </a:p>
-          <a:p>
-            <a:endParaRPr lang="en-US" dirty="0"/>
-          </a:p>
-          <a:p>
-            <a:r>
-              <a:rPr lang="en-US" dirty="0"/>
-              <a:t>What if: The robot comm. his intent to the human</a:t>
-            </a:r>
-          </a:p>
-          <a:p>
-            <a:r>
-              <a:rPr lang="en-US" dirty="0"/>
-              <a:t>And likewise, the human tells the robot what he wants to do,</a:t>
-            </a:r>
-          </a:p>
-          <a:p>
-            <a:r>
-              <a:rPr lang="en-US" dirty="0"/>
-              <a:t>The other can react</a:t>
+              <a:t>Thing is: Not good at communicating</a:t>
             </a:r>
           </a:p>
         </p:txBody>
@@ -3431,7 +3703,7 @@
     </p:spTree>
     <p:extLst>
       <p:ext uri="{BB962C8B-B14F-4D97-AF65-F5344CB8AC3E}">
-        <p14:creationId xmlns:p14="http://schemas.microsoft.com/office/powerpoint/2010/main" val="4216378701"/>
+        <p14:creationId xmlns:p14="http://schemas.microsoft.com/office/powerpoint/2010/main" val="1872413382"/>
       </p:ext>
     </p:extLst>
   </p:cSld>
@@ -3480,59 +3752,40 @@
             <p:ph type="body" idx="1"/>
           </p:nvPr>
         </p:nvSpPr>
-        <p:spPr/>
+        <p:spPr>
+          <a:xfrm>
+            <a:off x="1000973" y="3166309"/>
+            <a:ext cx="7940040" cy="2999661"/>
+          </a:xfrm>
+        </p:spPr>
         <p:txBody>
           <a:bodyPr/>
           <a:lstStyle/>
           <a:p>
             <a:r>
               <a:rPr lang="en-US" dirty="0"/>
-              <a:t>Thing is: Not easy!</a:t>
-            </a:r>
-          </a:p>
-          <a:p>
-            <a:pPr marL="171450" indent="-171450">
-              <a:buFontTx/>
-              <a:buChar char="-"/>
-            </a:pPr>
+              <a:t>AR can help here</a:t>
+            </a:r>
+          </a:p>
+          <a:p>
+            <a:endParaRPr lang="en-US" dirty="0"/>
+          </a:p>
+          <a:p>
             <a:r>
               <a:rPr lang="en-US" dirty="0"/>
-              <a:t>Responsible Person not AR specialist</a:t>
-            </a:r>
-          </a:p>
-          <a:p>
-            <a:pPr marL="171450" indent="-171450">
-              <a:buFontTx/>
-              <a:buChar char="-"/>
-            </a:pPr>
+              <a:t>What if: The robot comm. his intent to the human</a:t>
+            </a:r>
+          </a:p>
+          <a:p>
             <a:r>
               <a:rPr lang="en-US" dirty="0"/>
-              <a:t>Time consuming</a:t>
-            </a:r>
-          </a:p>
-          <a:p>
-            <a:pPr marL="171450" indent="-171450">
-              <a:buFontTx/>
-              <a:buChar char="-"/>
-            </a:pPr>
+              <a:t>And likewise, the human tells the robot what he wants to do,</a:t>
+            </a:r>
+          </a:p>
+          <a:p>
             <a:r>
               <a:rPr lang="en-US" dirty="0"/>
-              <a:t>Expensive</a:t>
-            </a:r>
-          </a:p>
-          <a:p>
-            <a:r>
-              <a:rPr lang="en-US" dirty="0"/>
-              <a:t>Both are not things that companies can typically afford</a:t>
-            </a:r>
-          </a:p>
-          <a:p>
-            <a:endParaRPr lang="en-US" dirty="0"/>
-          </a:p>
-          <a:p>
-            <a:r>
-              <a:rPr lang="en-US" dirty="0"/>
-              <a:t>This is the topic of my thesis: Mitigate the challenges in industrial AR development</a:t>
+              <a:t>The other can react</a:t>
             </a:r>
           </a:p>
         </p:txBody>
@@ -3569,7 +3822,7 @@
     </p:spTree>
     <p:extLst>
       <p:ext uri="{BB962C8B-B14F-4D97-AF65-F5344CB8AC3E}">
-        <p14:creationId xmlns:p14="http://schemas.microsoft.com/office/powerpoint/2010/main" val="3942344167"/>
+        <p14:creationId xmlns:p14="http://schemas.microsoft.com/office/powerpoint/2010/main" val="4216378701"/>
       </p:ext>
     </p:extLst>
   </p:cSld>
@@ -3625,7 +3878,52 @@
           <a:p>
             <a:r>
               <a:rPr lang="en-US" dirty="0"/>
-              <a:t>No what has been done?</a:t>
+              <a:t>Thing is: Not easy!</a:t>
+            </a:r>
+          </a:p>
+          <a:p>
+            <a:pPr marL="171450" indent="-171450">
+              <a:buFontTx/>
+              <a:buChar char="-"/>
+            </a:pPr>
+            <a:r>
+              <a:rPr lang="en-US" dirty="0"/>
+              <a:t>Responsible Person not AR specialist</a:t>
+            </a:r>
+          </a:p>
+          <a:p>
+            <a:pPr marL="171450" indent="-171450">
+              <a:buFontTx/>
+              <a:buChar char="-"/>
+            </a:pPr>
+            <a:r>
+              <a:rPr lang="en-US" dirty="0"/>
+              <a:t>Time consuming</a:t>
+            </a:r>
+          </a:p>
+          <a:p>
+            <a:pPr marL="171450" indent="-171450">
+              <a:buFontTx/>
+              <a:buChar char="-"/>
+            </a:pPr>
+            <a:r>
+              <a:rPr lang="en-US" dirty="0"/>
+              <a:t>Expensive</a:t>
+            </a:r>
+          </a:p>
+          <a:p>
+            <a:r>
+              <a:rPr lang="en-US" dirty="0"/>
+              <a:t>Both are not things that companies can typically afford</a:t>
+            </a:r>
+          </a:p>
+          <a:p>
+            <a:endParaRPr lang="en-US" dirty="0"/>
+          </a:p>
+          <a:p>
+            <a:r>
+              <a:rPr lang="en-US" dirty="0"/>
+              <a:t>This is the topic of my thesis: Mitigate the challenges in industrial AR development</a:t>
             </a:r>
           </a:p>
         </p:txBody>
@@ -3662,7 +3960,7 @@
     </p:spTree>
     <p:extLst>
       <p:ext uri="{BB962C8B-B14F-4D97-AF65-F5344CB8AC3E}">
-        <p14:creationId xmlns:p14="http://schemas.microsoft.com/office/powerpoint/2010/main" val="2390896905"/>
+        <p14:creationId xmlns:p14="http://schemas.microsoft.com/office/powerpoint/2010/main" val="3942344167"/>
       </p:ext>
     </p:extLst>
   </p:cSld>
@@ -3718,73 +4016,7 @@
           <a:p>
             <a:r>
               <a:rPr lang="en-US" dirty="0"/>
-              <a:t>Four core technologies</a:t>
-            </a:r>
-          </a:p>
-          <a:p>
-            <a:pPr marL="171450" indent="-171450">
-              <a:buFontTx/>
-              <a:buChar char="-"/>
-            </a:pPr>
-            <a:r>
-              <a:rPr lang="en-US" dirty="0"/>
-              <a:t>AR – old. But no existing standards for robot communication</a:t>
-            </a:r>
-          </a:p>
-          <a:p>
-            <a:pPr marL="171450" indent="-171450">
-              <a:buFontTx/>
-              <a:buChar char="-"/>
-            </a:pPr>
-            <a:r>
-              <a:rPr lang="en-US" dirty="0"/>
-              <a:t>Robot + Machine: Topic of the last 5-10 years, proven to benefit during development, testing % operation of r</a:t>
-            </a:r>
-          </a:p>
-          <a:p>
-            <a:pPr marL="171450" indent="-171450">
-              <a:buFontTx/>
-              <a:buChar char="-"/>
-            </a:pPr>
-            <a:r>
-              <a:rPr lang="en-US" dirty="0"/>
-              <a:t>Proven that AR helps H&amp;R communication through intent and context</a:t>
-            </a:r>
-          </a:p>
-          <a:p>
-            <a:pPr marL="171450" indent="-171450">
-              <a:buFontTx/>
-              <a:buChar char="-"/>
-            </a:pPr>
-            <a:r>
-              <a:rPr lang="en-US" dirty="0"/>
-              <a:t>Separate, </a:t>
-            </a:r>
-            <a:r>
-              <a:rPr lang="en-US" dirty="0" err="1"/>
-              <a:t>sth</a:t>
-            </a:r>
-            <a:r>
-              <a:rPr lang="en-US" dirty="0"/>
-              <a:t> called parametrized thinking -&gt; recent years popular in architecture e.g.</a:t>
-            </a:r>
-          </a:p>
-          <a:p>
-            <a:pPr marL="354013" lvl="1" indent="-171450">
-              <a:buFontTx/>
-              <a:buChar char="-"/>
-            </a:pPr>
-            <a:r>
-              <a:rPr lang="en-US" dirty="0"/>
-              <a:t>Enables expression of param. &amp; rules, that together define encode and clarify . relationship </a:t>
-            </a:r>
-            <a:r>
-              <a:rPr lang="en-US" dirty="0" err="1"/>
-              <a:t>betw</a:t>
-            </a:r>
-            <a:r>
-              <a:rPr lang="en-US" dirty="0"/>
-              <a:t>. Intent and response</a:t>
+              <a:t>No what has been done?</a:t>
             </a:r>
           </a:p>
         </p:txBody>
@@ -3821,7 +4053,7 @@
     </p:spTree>
     <p:extLst>
       <p:ext uri="{BB962C8B-B14F-4D97-AF65-F5344CB8AC3E}">
-        <p14:creationId xmlns:p14="http://schemas.microsoft.com/office/powerpoint/2010/main" val="133514542"/>
+        <p14:creationId xmlns:p14="http://schemas.microsoft.com/office/powerpoint/2010/main" val="2390896905"/>
       </p:ext>
     </p:extLst>
   </p:cSld>
@@ -3875,7 +4107,76 @@
           <a:bodyPr/>
           <a:lstStyle/>
           <a:p>
-            <a:endParaRPr lang="en-US"/>
+            <a:r>
+              <a:rPr lang="en-US" dirty="0"/>
+              <a:t>Four core technologies</a:t>
+            </a:r>
+          </a:p>
+          <a:p>
+            <a:pPr marL="171450" indent="-171450">
+              <a:buFontTx/>
+              <a:buChar char="-"/>
+            </a:pPr>
+            <a:r>
+              <a:rPr lang="en-US" dirty="0"/>
+              <a:t>AR – old. But no existing standards for robot communication</a:t>
+            </a:r>
+          </a:p>
+          <a:p>
+            <a:pPr marL="171450" indent="-171450">
+              <a:buFontTx/>
+              <a:buChar char="-"/>
+            </a:pPr>
+            <a:r>
+              <a:rPr lang="en-US" dirty="0"/>
+              <a:t>Robot + Machine: Topic of the last 5-10 years, proven to benefit during development, testing % operation of r</a:t>
+            </a:r>
+          </a:p>
+          <a:p>
+            <a:pPr marL="171450" indent="-171450">
+              <a:buFontTx/>
+              <a:buChar char="-"/>
+            </a:pPr>
+            <a:r>
+              <a:rPr lang="en-US" dirty="0"/>
+              <a:t>Proven that AR helps H&amp;R communication through intent and context</a:t>
+            </a:r>
+          </a:p>
+          <a:p>
+            <a:pPr marL="171450" indent="-171450">
+              <a:buFontTx/>
+              <a:buChar char="-"/>
+            </a:pPr>
+            <a:r>
+              <a:rPr lang="en-US" dirty="0"/>
+              <a:t>Separate, </a:t>
+            </a:r>
+            <a:r>
+              <a:rPr lang="en-US" dirty="0" err="1"/>
+              <a:t>sth</a:t>
+            </a:r>
+            <a:r>
+              <a:rPr lang="en-US" dirty="0"/>
+              <a:t> called parametrized thinking -&gt; recent years popular in architecture e.g.</a:t>
+            </a:r>
+          </a:p>
+          <a:p>
+            <a:pPr marL="354013" lvl="1" indent="-171450">
+              <a:buFontTx/>
+              <a:buChar char="-"/>
+            </a:pPr>
+            <a:r>
+              <a:rPr lang="en-US" dirty="0"/>
+              <a:t>Enables expression of param. &amp; rules, that together define encode and clarify . relationship </a:t>
+            </a:r>
+            <a:r>
+              <a:rPr lang="en-US" dirty="0" err="1"/>
+              <a:t>betw</a:t>
+            </a:r>
+            <a:r>
+              <a:rPr lang="en-US" dirty="0"/>
+              <a:t>. Intent and response</a:t>
+            </a:r>
           </a:p>
         </p:txBody>
       </p:sp>
@@ -3911,7 +4212,7 @@
     </p:spTree>
     <p:extLst>
       <p:ext uri="{BB962C8B-B14F-4D97-AF65-F5344CB8AC3E}">
-        <p14:creationId xmlns:p14="http://schemas.microsoft.com/office/powerpoint/2010/main" val="3858514661"/>
+        <p14:creationId xmlns:p14="http://schemas.microsoft.com/office/powerpoint/2010/main" val="133514542"/>
       </p:ext>
     </p:extLst>
   </p:cSld>
@@ -4100,8 +4401,16 @@
           <a:lstStyle/>
           <a:p>
             <a:r>
-              <a:rPr lang="de-DE"/>
-              <a:t>Dr. rer. nat. Erika Mustermann (TUM) | kann beliebig erweitert werden | Infos mit Strich trennen</a:t>
+              <a:rPr lang="de-DE" dirty="0"/>
+              <a:t>Dr. </a:t>
+            </a:r>
+            <a:r>
+              <a:rPr lang="de-DE" dirty="0" err="1"/>
+              <a:t>rer</a:t>
+            </a:r>
+            <a:r>
+              <a:rPr lang="de-DE" dirty="0"/>
+              <a:t>. nat. Erika Mustermann (TUM) | kann beliebig erweitert werden | Infos mit Strich trennen</a:t>
             </a:r>
             <a:endParaRPr lang="en-US" dirty="0"/>
           </a:p>
@@ -8664,7 +8973,7 @@
   <p:sldLayoutIdLst>
     <p:sldLayoutId id="2147483664" r:id="rId1"/>
   </p:sldLayoutIdLst>
-  <p:hf hdr="0" dt="0"/>
+  <p:hf hdr="0" ftr="0" dt="0"/>
   <p:txStyles>
     <p:titleStyle>
       <a:lvl1pPr algn="l" rtl="0" eaLnBrk="1" fontAlgn="base" hangingPunct="1">
@@ -9272,7 +9581,7 @@
   <p:sldLayoutIdLst>
     <p:sldLayoutId id="2147483669" r:id="rId1"/>
   </p:sldLayoutIdLst>
-  <p:hf hdr="0" dt="0"/>
+  <p:hf hdr="0" ftr="0" dt="0"/>
   <p:txStyles>
     <p:titleStyle>
       <a:lvl1pPr algn="l" rtl="0" eaLnBrk="0" fontAlgn="base" hangingPunct="0">
@@ -9906,7 +10215,7 @@
     <p:sldLayoutId id="2147483717" r:id="rId7"/>
     <p:sldLayoutId id="2147483718" r:id="rId8"/>
   </p:sldLayoutIdLst>
-  <p:hf hdr="0" dt="0"/>
+  <p:hf hdr="0" ftr="0" dt="0"/>
   <p:txStyles>
     <p:titleStyle>
       <a:lvl1pPr algn="l" rtl="0" eaLnBrk="0" fontAlgn="base" hangingPunct="0">
@@ -10451,7 +10760,7 @@
     <p:sldLayoutId id="2147483653" r:id="rId7"/>
     <p:sldLayoutId id="2147483656" r:id="rId8"/>
   </p:sldLayoutIdLst>
-  <p:hf hdr="0" dt="0"/>
+  <p:hf hdr="0" ftr="0" dt="0"/>
   <p:txStyles>
     <p:titleStyle>
       <a:lvl1pPr algn="l" rtl="0" eaLnBrk="0" fontAlgn="base" hangingPunct="0">
@@ -11041,7 +11350,7 @@
   <p:sldLayoutIdLst>
     <p:sldLayoutId id="2147483685" r:id="rId1"/>
   </p:sldLayoutIdLst>
-  <p:hf hdr="0" dt="0"/>
+  <p:hf hdr="0" ftr="0" dt="0"/>
   <p:txStyles>
     <p:titleStyle>
       <a:lvl1pPr algn="l" rtl="0" eaLnBrk="0" fontAlgn="base" hangingPunct="0">
@@ -11638,7 +11947,7 @@
   <p:sldLayoutIdLst>
     <p:sldLayoutId id="2147483698" r:id="rId1"/>
   </p:sldLayoutIdLst>
-  <p:hf hdr="0" dt="0"/>
+  <p:hf hdr="0" ftr="0" dt="0"/>
   <p:txStyles>
     <p:titleStyle>
       <a:lvl1pPr algn="l" rtl="0" eaLnBrk="0" fontAlgn="base" hangingPunct="0">
@@ -12112,7 +12421,7 @@
         </p:blipFill>
         <p:spPr>
           <a:xfrm>
-            <a:off x="4927101" y="3051360"/>
+            <a:off x="4739532" y="3182619"/>
             <a:ext cx="3892489" cy="3397419"/>
           </a:xfrm>
           <a:prstGeom prst="rect">
@@ -12202,6 +12511,36 @@
           </a:prstGeom>
         </p:spPr>
       </p:pic>
+      <p:sp>
+        <p:nvSpPr>
+          <p:cNvPr id="4" name="Foliennummernplatzhalter 3">
+            <a:extLst>
+              <a:ext uri="{FF2B5EF4-FFF2-40B4-BE49-F238E27FC236}">
+                <a16:creationId xmlns:a16="http://schemas.microsoft.com/office/drawing/2014/main" id="{AAF53D54-E3DD-403A-9E16-C7B31BBB29CA}"/>
+              </a:ext>
+            </a:extLst>
+          </p:cNvPr>
+          <p:cNvSpPr>
+            <a:spLocks noGrp="1"/>
+          </p:cNvSpPr>
+          <p:nvPr>
+            <p:ph type="sldNum" sz="quarter" idx="12"/>
+          </p:nvPr>
+        </p:nvSpPr>
+        <p:spPr/>
+        <p:txBody>
+          <a:bodyPr/>
+          <a:lstStyle/>
+          <a:p>
+            <a:fld id="{CE58CB1E-F828-4F11-99E0-327109AF9DA4}" type="slidenum">
+              <a:rPr lang="de-DE" smtClean="0"/>
+              <a:pPr/>
+              <a:t>1</a:t>
+            </a:fld>
+            <a:endParaRPr lang="de-DE" dirty="0"/>
+          </a:p>
+        </p:txBody>
+      </p:sp>
     </p:spTree>
   </p:cSld>
   <p:clrMapOvr>
@@ -12229,6 +12568,220 @@
       </p:grpSpPr>
       <p:sp>
         <p:nvSpPr>
+          <p:cNvPr id="2" name="Inhaltsplatzhalter 1">
+            <a:extLst>
+              <a:ext uri="{FF2B5EF4-FFF2-40B4-BE49-F238E27FC236}">
+                <a16:creationId xmlns:a16="http://schemas.microsoft.com/office/drawing/2014/main" id="{3AE51EEE-5768-455A-9D22-F07025773052}"/>
+              </a:ext>
+            </a:extLst>
+          </p:cNvPr>
+          <p:cNvSpPr>
+            <a:spLocks noGrp="1"/>
+          </p:cNvSpPr>
+          <p:nvPr>
+            <p:ph idx="10"/>
+          </p:nvPr>
+        </p:nvSpPr>
+        <p:spPr>
+          <a:xfrm>
+            <a:off x="319088" y="1978720"/>
+            <a:ext cx="8508999" cy="3171618"/>
+          </a:xfrm>
+        </p:spPr>
+        <p:txBody>
+          <a:bodyPr/>
+          <a:lstStyle/>
+          <a:p>
+            <a:pPr marL="342900" indent="-342900">
+              <a:buAutoNum type="arabicPeriod"/>
+            </a:pPr>
+            <a:r>
+              <a:rPr lang="en-US" sz="2000" dirty="0">
+                <a:solidFill>
+                  <a:schemeClr val="bg1">
+                    <a:lumMod val="65000"/>
+                  </a:schemeClr>
+                </a:solidFill>
+              </a:rPr>
+              <a:t>Introduction</a:t>
+            </a:r>
+          </a:p>
+          <a:p>
+            <a:pPr marL="342900" indent="-342900">
+              <a:buAutoNum type="arabicPeriod"/>
+            </a:pPr>
+            <a:r>
+              <a:rPr lang="en-US" sz="2000" dirty="0">
+                <a:solidFill>
+                  <a:schemeClr val="bg1">
+                    <a:lumMod val="65000"/>
+                  </a:schemeClr>
+                </a:solidFill>
+              </a:rPr>
+              <a:t>State of the Art</a:t>
+            </a:r>
+          </a:p>
+          <a:p>
+            <a:pPr marL="342900" indent="-342900">
+              <a:buAutoNum type="arabicPeriod"/>
+            </a:pPr>
+            <a:r>
+              <a:rPr lang="en-US" sz="2000" dirty="0"/>
+              <a:t>Requirements</a:t>
+            </a:r>
+          </a:p>
+          <a:p>
+            <a:pPr marL="342900" indent="-342900">
+              <a:buAutoNum type="arabicPeriod"/>
+            </a:pPr>
+            <a:r>
+              <a:rPr lang="en-US" sz="2000" dirty="0">
+                <a:solidFill>
+                  <a:schemeClr val="bg1">
+                    <a:lumMod val="65000"/>
+                  </a:schemeClr>
+                </a:solidFill>
+              </a:rPr>
+              <a:t>Concept</a:t>
+            </a:r>
+          </a:p>
+          <a:p>
+            <a:pPr marL="342900" indent="-342900">
+              <a:buAutoNum type="arabicPeriod"/>
+            </a:pPr>
+            <a:r>
+              <a:rPr lang="en-US" sz="2000" dirty="0">
+                <a:solidFill>
+                  <a:schemeClr val="bg1">
+                    <a:lumMod val="65000"/>
+                  </a:schemeClr>
+                </a:solidFill>
+              </a:rPr>
+              <a:t>Implementation</a:t>
+            </a:r>
+          </a:p>
+          <a:p>
+            <a:pPr marL="342900" indent="-342900">
+              <a:buAutoNum type="arabicPeriod"/>
+            </a:pPr>
+            <a:r>
+              <a:rPr lang="en-US" sz="2000" dirty="0">
+                <a:solidFill>
+                  <a:schemeClr val="bg1">
+                    <a:lumMod val="65000"/>
+                  </a:schemeClr>
+                </a:solidFill>
+              </a:rPr>
+              <a:t>Evaluation</a:t>
+            </a:r>
+          </a:p>
+          <a:p>
+            <a:pPr marL="342900" indent="-342900">
+              <a:buAutoNum type="arabicPeriod"/>
+            </a:pPr>
+            <a:r>
+              <a:rPr lang="en-US" sz="2000" dirty="0">
+                <a:solidFill>
+                  <a:schemeClr val="bg1">
+                    <a:lumMod val="65000"/>
+                  </a:schemeClr>
+                </a:solidFill>
+              </a:rPr>
+              <a:t>Conclusion</a:t>
+            </a:r>
+          </a:p>
+        </p:txBody>
+      </p:sp>
+      <p:sp>
+        <p:nvSpPr>
+          <p:cNvPr id="3" name="Titel 2">
+            <a:extLst>
+              <a:ext uri="{FF2B5EF4-FFF2-40B4-BE49-F238E27FC236}">
+                <a16:creationId xmlns:a16="http://schemas.microsoft.com/office/drawing/2014/main" id="{F182C14F-233D-4F18-B0A7-515FB9A72BFA}"/>
+              </a:ext>
+            </a:extLst>
+          </p:cNvPr>
+          <p:cNvSpPr>
+            <a:spLocks noGrp="1"/>
+          </p:cNvSpPr>
+          <p:nvPr>
+            <p:ph type="title"/>
+          </p:nvPr>
+        </p:nvSpPr>
+        <p:spPr/>
+        <p:txBody>
+          <a:bodyPr/>
+          <a:lstStyle/>
+          <a:p>
+            <a:r>
+              <a:rPr lang="en-US" dirty="0"/>
+              <a:t>Table of Contents</a:t>
+            </a:r>
+          </a:p>
+        </p:txBody>
+      </p:sp>
+      <p:sp>
+        <p:nvSpPr>
+          <p:cNvPr id="5" name="Foliennummernplatzhalter 4">
+            <a:extLst>
+              <a:ext uri="{FF2B5EF4-FFF2-40B4-BE49-F238E27FC236}">
+                <a16:creationId xmlns:a16="http://schemas.microsoft.com/office/drawing/2014/main" id="{7376362E-4484-4430-9BE9-E8CAAA0533A3}"/>
+              </a:ext>
+            </a:extLst>
+          </p:cNvPr>
+          <p:cNvSpPr>
+            <a:spLocks noGrp="1"/>
+          </p:cNvSpPr>
+          <p:nvPr>
+            <p:ph type="sldNum" sz="quarter" idx="12"/>
+          </p:nvPr>
+        </p:nvSpPr>
+        <p:spPr/>
+        <p:txBody>
+          <a:bodyPr/>
+          <a:lstStyle/>
+          <a:p>
+            <a:fld id="{CE58CB1E-F828-4F11-99E0-327109AF9DA4}" type="slidenum">
+              <a:rPr lang="de-DE" smtClean="0"/>
+              <a:pPr/>
+              <a:t>10</a:t>
+            </a:fld>
+            <a:endParaRPr lang="de-DE" dirty="0"/>
+          </a:p>
+        </p:txBody>
+      </p:sp>
+    </p:spTree>
+    <p:extLst>
+      <p:ext uri="{BB962C8B-B14F-4D97-AF65-F5344CB8AC3E}">
+        <p14:creationId xmlns:p14="http://schemas.microsoft.com/office/powerpoint/2010/main" val="1327308815"/>
+      </p:ext>
+    </p:extLst>
+  </p:cSld>
+  <p:clrMapOvr>
+    <a:masterClrMapping/>
+  </p:clrMapOvr>
+</p:sld>
+</file>
+
+<file path=ppt/slides/slide11.xml><?xml version="1.0" encoding="utf-8"?>
+<p:sld xmlns:a="http://schemas.openxmlformats.org/drawingml/2006/main" xmlns:r="http://schemas.openxmlformats.org/officeDocument/2006/relationships" xmlns:p="http://schemas.openxmlformats.org/presentationml/2006/main">
+  <p:cSld>
+    <p:spTree>
+      <p:nvGrpSpPr>
+        <p:cNvPr id="1" name=""/>
+        <p:cNvGrpSpPr/>
+        <p:nvPr/>
+      </p:nvGrpSpPr>
+      <p:grpSpPr>
+        <a:xfrm>
+          <a:off x="0" y="0"/>
+          <a:ext cx="0" cy="0"/>
+          <a:chOff x="0" y="0"/>
+          <a:chExt cx="0" cy="0"/>
+        </a:xfrm>
+      </p:grpSpPr>
+      <p:sp>
+        <p:nvSpPr>
           <p:cNvPr id="3" name="Titel 2">
             <a:extLst>
               <a:ext uri="{FF2B5EF4-FFF2-40B4-BE49-F238E27FC236}">
@@ -12251,196 +12804,6 @@
             <a:r>
               <a:rPr lang="en-US" dirty="0"/>
               <a:t>Who is the User of the PARRHI Framework?</a:t>
-            </a:r>
-          </a:p>
-        </p:txBody>
-      </p:sp>
-      <p:sp>
-        <p:nvSpPr>
-          <p:cNvPr id="4" name="Titel 2">
-            <a:extLst>
-              <a:ext uri="{FF2B5EF4-FFF2-40B4-BE49-F238E27FC236}">
-                <a16:creationId xmlns:a16="http://schemas.microsoft.com/office/drawing/2014/main" id="{C1298B93-9A55-48CC-8BD1-7AE85D7D8D53}"/>
-              </a:ext>
-            </a:extLst>
-          </p:cNvPr>
-          <p:cNvSpPr txBox="1">
-            <a:spLocks/>
-          </p:cNvSpPr>
-          <p:nvPr/>
-        </p:nvSpPr>
-        <p:spPr>
-          <a:xfrm>
-            <a:off x="121704" y="0"/>
-            <a:ext cx="9128976" cy="360355"/>
-          </a:xfrm>
-          <a:prstGeom prst="rect">
-            <a:avLst/>
-          </a:prstGeom>
-          <a:noFill/>
-          <a:ln w="9525">
-            <a:noFill/>
-            <a:miter lim="800000"/>
-            <a:headEnd/>
-            <a:tailEnd/>
-          </a:ln>
-        </p:spPr>
-        <p:txBody>
-          <a:bodyPr vert="horz" wrap="square" lIns="0" tIns="0" rIns="0" bIns="0" numCol="1" anchor="t" anchorCtr="0" compatLnSpc="1">
-            <a:prstTxWarp prst="textNoShape">
-              <a:avLst/>
-            </a:prstTxWarp>
-            <a:spAutoFit/>
-          </a:bodyPr>
-          <a:lstStyle>
-            <a:lvl1pPr algn="l" rtl="0" eaLnBrk="1" fontAlgn="base" hangingPunct="1">
-              <a:lnSpc>
-                <a:spcPts val="3200"/>
-              </a:lnSpc>
-              <a:spcBef>
-                <a:spcPct val="0"/>
-              </a:spcBef>
-              <a:spcAft>
-                <a:spcPct val="0"/>
-              </a:spcAft>
-              <a:defRPr lang="de-DE" sz="3000" b="0" kern="1200" noProof="0" dirty="0">
-                <a:solidFill>
-                  <a:schemeClr val="tx1"/>
-                </a:solidFill>
-                <a:latin typeface="+mj-lt"/>
-                <a:ea typeface="+mj-ea"/>
-                <a:cs typeface="+mj-cs"/>
-              </a:defRPr>
-            </a:lvl1pPr>
-            <a:lvl2pPr algn="l" rtl="0" eaLnBrk="1" fontAlgn="base" hangingPunct="1">
-              <a:spcBef>
-                <a:spcPct val="0"/>
-              </a:spcBef>
-              <a:spcAft>
-                <a:spcPct val="0"/>
-              </a:spcAft>
-              <a:defRPr sz="2000" b="1">
-                <a:solidFill>
-                  <a:schemeClr val="tx2"/>
-                </a:solidFill>
-                <a:latin typeface="Arial" charset="0"/>
-                <a:cs typeface="Arial" charset="0"/>
-              </a:defRPr>
-            </a:lvl2pPr>
-            <a:lvl3pPr algn="l" rtl="0" eaLnBrk="1" fontAlgn="base" hangingPunct="1">
-              <a:spcBef>
-                <a:spcPct val="0"/>
-              </a:spcBef>
-              <a:spcAft>
-                <a:spcPct val="0"/>
-              </a:spcAft>
-              <a:defRPr sz="2000" b="1">
-                <a:solidFill>
-                  <a:schemeClr val="tx2"/>
-                </a:solidFill>
-                <a:latin typeface="Arial" charset="0"/>
-                <a:cs typeface="Arial" charset="0"/>
-              </a:defRPr>
-            </a:lvl3pPr>
-            <a:lvl4pPr algn="l" rtl="0" eaLnBrk="1" fontAlgn="base" hangingPunct="1">
-              <a:spcBef>
-                <a:spcPct val="0"/>
-              </a:spcBef>
-              <a:spcAft>
-                <a:spcPct val="0"/>
-              </a:spcAft>
-              <a:defRPr sz="2000" b="1">
-                <a:solidFill>
-                  <a:schemeClr val="tx2"/>
-                </a:solidFill>
-                <a:latin typeface="Arial" charset="0"/>
-                <a:cs typeface="Arial" charset="0"/>
-              </a:defRPr>
-            </a:lvl4pPr>
-            <a:lvl5pPr algn="l" rtl="0" eaLnBrk="1" fontAlgn="base" hangingPunct="1">
-              <a:spcBef>
-                <a:spcPct val="0"/>
-              </a:spcBef>
-              <a:spcAft>
-                <a:spcPct val="0"/>
-              </a:spcAft>
-              <a:defRPr sz="2000" b="1">
-                <a:solidFill>
-                  <a:schemeClr val="tx2"/>
-                </a:solidFill>
-                <a:latin typeface="Arial" charset="0"/>
-                <a:cs typeface="Arial" charset="0"/>
-              </a:defRPr>
-            </a:lvl5pPr>
-            <a:lvl6pPr marL="457200" algn="l" rtl="0" eaLnBrk="1" fontAlgn="base" hangingPunct="1">
-              <a:spcBef>
-                <a:spcPct val="0"/>
-              </a:spcBef>
-              <a:spcAft>
-                <a:spcPct val="0"/>
-              </a:spcAft>
-              <a:defRPr sz="2000" b="1">
-                <a:solidFill>
-                  <a:schemeClr val="tx2"/>
-                </a:solidFill>
-                <a:latin typeface="Arial" charset="0"/>
-                <a:cs typeface="Arial" charset="0"/>
-              </a:defRPr>
-            </a:lvl6pPr>
-            <a:lvl7pPr marL="914400" algn="l" rtl="0" eaLnBrk="1" fontAlgn="base" hangingPunct="1">
-              <a:spcBef>
-                <a:spcPct val="0"/>
-              </a:spcBef>
-              <a:spcAft>
-                <a:spcPct val="0"/>
-              </a:spcAft>
-              <a:defRPr sz="2000" b="1">
-                <a:solidFill>
-                  <a:schemeClr val="tx2"/>
-                </a:solidFill>
-                <a:latin typeface="Arial" charset="0"/>
-                <a:cs typeface="Arial" charset="0"/>
-              </a:defRPr>
-            </a:lvl7pPr>
-            <a:lvl8pPr marL="1371600" algn="l" rtl="0" eaLnBrk="1" fontAlgn="base" hangingPunct="1">
-              <a:spcBef>
-                <a:spcPct val="0"/>
-              </a:spcBef>
-              <a:spcAft>
-                <a:spcPct val="0"/>
-              </a:spcAft>
-              <a:defRPr sz="2000" b="1">
-                <a:solidFill>
-                  <a:schemeClr val="tx2"/>
-                </a:solidFill>
-                <a:latin typeface="Arial" charset="0"/>
-                <a:cs typeface="Arial" charset="0"/>
-              </a:defRPr>
-            </a:lvl8pPr>
-            <a:lvl9pPr marL="1828800" algn="l" rtl="0" eaLnBrk="1" fontAlgn="base" hangingPunct="1">
-              <a:spcBef>
-                <a:spcPct val="0"/>
-              </a:spcBef>
-              <a:spcAft>
-                <a:spcPct val="0"/>
-              </a:spcAft>
-              <a:defRPr sz="2000" b="1">
-                <a:solidFill>
-                  <a:schemeClr val="tx2"/>
-                </a:solidFill>
-                <a:latin typeface="Arial" charset="0"/>
-                <a:cs typeface="Arial" charset="0"/>
-              </a:defRPr>
-            </a:lvl9pPr>
-          </a:lstStyle>
-          <a:p>
-            <a:r>
-              <a:rPr lang="en-US" sz="1800" dirty="0">
-                <a:solidFill>
-                  <a:srgbClr val="FF0000"/>
-                </a:solidFill>
-              </a:rPr>
-              <a:t>Goal: Describe which characteristics the user of the PARRHI framework has</a:t>
             </a:r>
           </a:p>
         </p:txBody>
@@ -12666,6 +13029,36 @@
           </a:p>
         </p:txBody>
       </p:sp>
+      <p:sp>
+        <p:nvSpPr>
+          <p:cNvPr id="5" name="Foliennummernplatzhalter 4">
+            <a:extLst>
+              <a:ext uri="{FF2B5EF4-FFF2-40B4-BE49-F238E27FC236}">
+                <a16:creationId xmlns:a16="http://schemas.microsoft.com/office/drawing/2014/main" id="{6D97BD58-7154-4945-A250-2332C7F782ED}"/>
+              </a:ext>
+            </a:extLst>
+          </p:cNvPr>
+          <p:cNvSpPr>
+            <a:spLocks noGrp="1"/>
+          </p:cNvSpPr>
+          <p:nvPr>
+            <p:ph type="sldNum" sz="quarter" idx="12"/>
+          </p:nvPr>
+        </p:nvSpPr>
+        <p:spPr/>
+        <p:txBody>
+          <a:bodyPr/>
+          <a:lstStyle/>
+          <a:p>
+            <a:fld id="{CE58CB1E-F828-4F11-99E0-327109AF9DA4}" type="slidenum">
+              <a:rPr lang="de-DE" smtClean="0"/>
+              <a:pPr/>
+              <a:t>11</a:t>
+            </a:fld>
+            <a:endParaRPr lang="de-DE" dirty="0"/>
+          </a:p>
+        </p:txBody>
+      </p:sp>
     </p:spTree>
     <p:extLst>
       <p:ext uri="{BB962C8B-B14F-4D97-AF65-F5344CB8AC3E}">
@@ -12679,7 +13072,7 @@
 </p:sld>
 </file>
 
-<file path=ppt/slides/slide11.xml><?xml version="1.0" encoding="utf-8"?>
+<file path=ppt/slides/slide12.xml><?xml version="1.0" encoding="utf-8"?>
 <p:sld xmlns:a="http://schemas.openxmlformats.org/drawingml/2006/main" xmlns:r="http://schemas.openxmlformats.org/officeDocument/2006/relationships" xmlns:p="http://schemas.openxmlformats.org/presentationml/2006/main">
   <p:cSld>
     <p:spTree>
@@ -12720,196 +13113,6 @@
             <a:r>
               <a:rPr lang="en-US" dirty="0"/>
               <a:t>Example Use Case</a:t>
-            </a:r>
-          </a:p>
-        </p:txBody>
-      </p:sp>
-      <p:sp>
-        <p:nvSpPr>
-          <p:cNvPr id="4" name="Titel 2">
-            <a:extLst>
-              <a:ext uri="{FF2B5EF4-FFF2-40B4-BE49-F238E27FC236}">
-                <a16:creationId xmlns:a16="http://schemas.microsoft.com/office/drawing/2014/main" id="{C1298B93-9A55-48CC-8BD1-7AE85D7D8D53}"/>
-              </a:ext>
-            </a:extLst>
-          </p:cNvPr>
-          <p:cNvSpPr txBox="1">
-            <a:spLocks/>
-          </p:cNvSpPr>
-          <p:nvPr/>
-        </p:nvSpPr>
-        <p:spPr>
-          <a:xfrm>
-            <a:off x="121704" y="0"/>
-            <a:ext cx="9128976" cy="360355"/>
-          </a:xfrm>
-          <a:prstGeom prst="rect">
-            <a:avLst/>
-          </a:prstGeom>
-          <a:noFill/>
-          <a:ln w="9525">
-            <a:noFill/>
-            <a:miter lim="800000"/>
-            <a:headEnd/>
-            <a:tailEnd/>
-          </a:ln>
-        </p:spPr>
-        <p:txBody>
-          <a:bodyPr vert="horz" wrap="square" lIns="0" tIns="0" rIns="0" bIns="0" numCol="1" anchor="t" anchorCtr="0" compatLnSpc="1">
-            <a:prstTxWarp prst="textNoShape">
-              <a:avLst/>
-            </a:prstTxWarp>
-            <a:spAutoFit/>
-          </a:bodyPr>
-          <a:lstStyle>
-            <a:lvl1pPr algn="l" rtl="0" eaLnBrk="1" fontAlgn="base" hangingPunct="1">
-              <a:lnSpc>
-                <a:spcPts val="3200"/>
-              </a:lnSpc>
-              <a:spcBef>
-                <a:spcPct val="0"/>
-              </a:spcBef>
-              <a:spcAft>
-                <a:spcPct val="0"/>
-              </a:spcAft>
-              <a:defRPr lang="de-DE" sz="3000" b="0" kern="1200" noProof="0" dirty="0">
-                <a:solidFill>
-                  <a:schemeClr val="tx1"/>
-                </a:solidFill>
-                <a:latin typeface="+mj-lt"/>
-                <a:ea typeface="+mj-ea"/>
-                <a:cs typeface="+mj-cs"/>
-              </a:defRPr>
-            </a:lvl1pPr>
-            <a:lvl2pPr algn="l" rtl="0" eaLnBrk="1" fontAlgn="base" hangingPunct="1">
-              <a:spcBef>
-                <a:spcPct val="0"/>
-              </a:spcBef>
-              <a:spcAft>
-                <a:spcPct val="0"/>
-              </a:spcAft>
-              <a:defRPr sz="2000" b="1">
-                <a:solidFill>
-                  <a:schemeClr val="tx2"/>
-                </a:solidFill>
-                <a:latin typeface="Arial" charset="0"/>
-                <a:cs typeface="Arial" charset="0"/>
-              </a:defRPr>
-            </a:lvl2pPr>
-            <a:lvl3pPr algn="l" rtl="0" eaLnBrk="1" fontAlgn="base" hangingPunct="1">
-              <a:spcBef>
-                <a:spcPct val="0"/>
-              </a:spcBef>
-              <a:spcAft>
-                <a:spcPct val="0"/>
-              </a:spcAft>
-              <a:defRPr sz="2000" b="1">
-                <a:solidFill>
-                  <a:schemeClr val="tx2"/>
-                </a:solidFill>
-                <a:latin typeface="Arial" charset="0"/>
-                <a:cs typeface="Arial" charset="0"/>
-              </a:defRPr>
-            </a:lvl3pPr>
-            <a:lvl4pPr algn="l" rtl="0" eaLnBrk="1" fontAlgn="base" hangingPunct="1">
-              <a:spcBef>
-                <a:spcPct val="0"/>
-              </a:spcBef>
-              <a:spcAft>
-                <a:spcPct val="0"/>
-              </a:spcAft>
-              <a:defRPr sz="2000" b="1">
-                <a:solidFill>
-                  <a:schemeClr val="tx2"/>
-                </a:solidFill>
-                <a:latin typeface="Arial" charset="0"/>
-                <a:cs typeface="Arial" charset="0"/>
-              </a:defRPr>
-            </a:lvl4pPr>
-            <a:lvl5pPr algn="l" rtl="0" eaLnBrk="1" fontAlgn="base" hangingPunct="1">
-              <a:spcBef>
-                <a:spcPct val="0"/>
-              </a:spcBef>
-              <a:spcAft>
-                <a:spcPct val="0"/>
-              </a:spcAft>
-              <a:defRPr sz="2000" b="1">
-                <a:solidFill>
-                  <a:schemeClr val="tx2"/>
-                </a:solidFill>
-                <a:latin typeface="Arial" charset="0"/>
-                <a:cs typeface="Arial" charset="0"/>
-              </a:defRPr>
-            </a:lvl5pPr>
-            <a:lvl6pPr marL="457200" algn="l" rtl="0" eaLnBrk="1" fontAlgn="base" hangingPunct="1">
-              <a:spcBef>
-                <a:spcPct val="0"/>
-              </a:spcBef>
-              <a:spcAft>
-                <a:spcPct val="0"/>
-              </a:spcAft>
-              <a:defRPr sz="2000" b="1">
-                <a:solidFill>
-                  <a:schemeClr val="tx2"/>
-                </a:solidFill>
-                <a:latin typeface="Arial" charset="0"/>
-                <a:cs typeface="Arial" charset="0"/>
-              </a:defRPr>
-            </a:lvl6pPr>
-            <a:lvl7pPr marL="914400" algn="l" rtl="0" eaLnBrk="1" fontAlgn="base" hangingPunct="1">
-              <a:spcBef>
-                <a:spcPct val="0"/>
-              </a:spcBef>
-              <a:spcAft>
-                <a:spcPct val="0"/>
-              </a:spcAft>
-              <a:defRPr sz="2000" b="1">
-                <a:solidFill>
-                  <a:schemeClr val="tx2"/>
-                </a:solidFill>
-                <a:latin typeface="Arial" charset="0"/>
-                <a:cs typeface="Arial" charset="0"/>
-              </a:defRPr>
-            </a:lvl7pPr>
-            <a:lvl8pPr marL="1371600" algn="l" rtl="0" eaLnBrk="1" fontAlgn="base" hangingPunct="1">
-              <a:spcBef>
-                <a:spcPct val="0"/>
-              </a:spcBef>
-              <a:spcAft>
-                <a:spcPct val="0"/>
-              </a:spcAft>
-              <a:defRPr sz="2000" b="1">
-                <a:solidFill>
-                  <a:schemeClr val="tx2"/>
-                </a:solidFill>
-                <a:latin typeface="Arial" charset="0"/>
-                <a:cs typeface="Arial" charset="0"/>
-              </a:defRPr>
-            </a:lvl8pPr>
-            <a:lvl9pPr marL="1828800" algn="l" rtl="0" eaLnBrk="1" fontAlgn="base" hangingPunct="1">
-              <a:spcBef>
-                <a:spcPct val="0"/>
-              </a:spcBef>
-              <a:spcAft>
-                <a:spcPct val="0"/>
-              </a:spcAft>
-              <a:defRPr sz="2000" b="1">
-                <a:solidFill>
-                  <a:schemeClr val="tx2"/>
-                </a:solidFill>
-                <a:latin typeface="Arial" charset="0"/>
-                <a:cs typeface="Arial" charset="0"/>
-              </a:defRPr>
-            </a:lvl9pPr>
-          </a:lstStyle>
-          <a:p>
-            <a:r>
-              <a:rPr lang="en-US" sz="1800" dirty="0">
-                <a:solidFill>
-                  <a:srgbClr val="FF0000"/>
-                </a:solidFill>
-              </a:rPr>
-              <a:t>Goal: Show a short use case</a:t>
             </a:r>
           </a:p>
         </p:txBody>
@@ -13074,8 +13277,17 @@
               <a:rPr lang="en-US" sz="1600" dirty="0">
                 <a:latin typeface="+mn-lt"/>
               </a:rPr>
-              <a:t>Agile factory with many production lines</a:t>
-            </a:r>
+              <a:t>Agile factory with many </a:t>
+            </a:r>
+            <a:r>
+              <a:rPr lang="en-US" sz="1600">
+                <a:latin typeface="+mn-lt"/>
+              </a:rPr>
+              <a:t>production lines</a:t>
+            </a:r>
+            <a:endParaRPr lang="en-US" sz="1600" dirty="0">
+              <a:latin typeface="+mn-lt"/>
+            </a:endParaRPr>
           </a:p>
         </p:txBody>
       </p:sp>
@@ -13241,6 +13453,36 @@
               </a:rPr>
               <a:t>Stop the machine if the human is in danger</a:t>
             </a:r>
+          </a:p>
+        </p:txBody>
+      </p:sp>
+      <p:sp>
+        <p:nvSpPr>
+          <p:cNvPr id="6" name="Foliennummernplatzhalter 5">
+            <a:extLst>
+              <a:ext uri="{FF2B5EF4-FFF2-40B4-BE49-F238E27FC236}">
+                <a16:creationId xmlns:a16="http://schemas.microsoft.com/office/drawing/2014/main" id="{17D8EA23-BFB2-46BA-9365-1F18DE15916F}"/>
+              </a:ext>
+            </a:extLst>
+          </p:cNvPr>
+          <p:cNvSpPr>
+            <a:spLocks noGrp="1"/>
+          </p:cNvSpPr>
+          <p:nvPr>
+            <p:ph type="sldNum" sz="quarter" idx="12"/>
+          </p:nvPr>
+        </p:nvSpPr>
+        <p:spPr/>
+        <p:txBody>
+          <a:bodyPr/>
+          <a:lstStyle/>
+          <a:p>
+            <a:fld id="{CE58CB1E-F828-4F11-99E0-327109AF9DA4}" type="slidenum">
+              <a:rPr lang="de-DE" smtClean="0"/>
+              <a:pPr/>
+              <a:t>12</a:t>
+            </a:fld>
+            <a:endParaRPr lang="de-DE" dirty="0"/>
           </a:p>
         </p:txBody>
       </p:sp>
@@ -13378,7 +13620,7 @@
 </p:sld>
 </file>
 
-<file path=ppt/slides/slide12.xml><?xml version="1.0" encoding="utf-8"?>
+<file path=ppt/slides/slide13.xml><?xml version="1.0" encoding="utf-8"?>
 <p:sld xmlns:a="http://schemas.openxmlformats.org/drawingml/2006/main" xmlns:r="http://schemas.openxmlformats.org/officeDocument/2006/relationships" xmlns:p="http://schemas.openxmlformats.org/presentationml/2006/main">
   <p:cSld>
     <p:spTree>
@@ -13418,197 +13660,7 @@
           <a:p>
             <a:r>
               <a:rPr lang="en-US" dirty="0"/>
-              <a:t>PARRHI requirements:</a:t>
-            </a:r>
-          </a:p>
-        </p:txBody>
-      </p:sp>
-      <p:sp>
-        <p:nvSpPr>
-          <p:cNvPr id="4" name="Titel 2">
-            <a:extLst>
-              <a:ext uri="{FF2B5EF4-FFF2-40B4-BE49-F238E27FC236}">
-                <a16:creationId xmlns:a16="http://schemas.microsoft.com/office/drawing/2014/main" id="{C1298B93-9A55-48CC-8BD1-7AE85D7D8D53}"/>
-              </a:ext>
-            </a:extLst>
-          </p:cNvPr>
-          <p:cNvSpPr txBox="1">
-            <a:spLocks/>
-          </p:cNvSpPr>
-          <p:nvPr/>
-        </p:nvSpPr>
-        <p:spPr>
-          <a:xfrm>
-            <a:off x="121704" y="0"/>
-            <a:ext cx="9128976" cy="360355"/>
-          </a:xfrm>
-          <a:prstGeom prst="rect">
-            <a:avLst/>
-          </a:prstGeom>
-          <a:noFill/>
-          <a:ln w="9525">
-            <a:noFill/>
-            <a:miter lim="800000"/>
-            <a:headEnd/>
-            <a:tailEnd/>
-          </a:ln>
-        </p:spPr>
-        <p:txBody>
-          <a:bodyPr vert="horz" wrap="square" lIns="0" tIns="0" rIns="0" bIns="0" numCol="1" anchor="t" anchorCtr="0" compatLnSpc="1">
-            <a:prstTxWarp prst="textNoShape">
-              <a:avLst/>
-            </a:prstTxWarp>
-            <a:spAutoFit/>
-          </a:bodyPr>
-          <a:lstStyle>
-            <a:lvl1pPr algn="l" rtl="0" eaLnBrk="1" fontAlgn="base" hangingPunct="1">
-              <a:lnSpc>
-                <a:spcPts val="3200"/>
-              </a:lnSpc>
-              <a:spcBef>
-                <a:spcPct val="0"/>
-              </a:spcBef>
-              <a:spcAft>
-                <a:spcPct val="0"/>
-              </a:spcAft>
-              <a:defRPr lang="de-DE" sz="3000" b="0" kern="1200" noProof="0" dirty="0">
-                <a:solidFill>
-                  <a:schemeClr val="tx1"/>
-                </a:solidFill>
-                <a:latin typeface="+mj-lt"/>
-                <a:ea typeface="+mj-ea"/>
-                <a:cs typeface="+mj-cs"/>
-              </a:defRPr>
-            </a:lvl1pPr>
-            <a:lvl2pPr algn="l" rtl="0" eaLnBrk="1" fontAlgn="base" hangingPunct="1">
-              <a:spcBef>
-                <a:spcPct val="0"/>
-              </a:spcBef>
-              <a:spcAft>
-                <a:spcPct val="0"/>
-              </a:spcAft>
-              <a:defRPr sz="2000" b="1">
-                <a:solidFill>
-                  <a:schemeClr val="tx2"/>
-                </a:solidFill>
-                <a:latin typeface="Arial" charset="0"/>
-                <a:cs typeface="Arial" charset="0"/>
-              </a:defRPr>
-            </a:lvl2pPr>
-            <a:lvl3pPr algn="l" rtl="0" eaLnBrk="1" fontAlgn="base" hangingPunct="1">
-              <a:spcBef>
-                <a:spcPct val="0"/>
-              </a:spcBef>
-              <a:spcAft>
-                <a:spcPct val="0"/>
-              </a:spcAft>
-              <a:defRPr sz="2000" b="1">
-                <a:solidFill>
-                  <a:schemeClr val="tx2"/>
-                </a:solidFill>
-                <a:latin typeface="Arial" charset="0"/>
-                <a:cs typeface="Arial" charset="0"/>
-              </a:defRPr>
-            </a:lvl3pPr>
-            <a:lvl4pPr algn="l" rtl="0" eaLnBrk="1" fontAlgn="base" hangingPunct="1">
-              <a:spcBef>
-                <a:spcPct val="0"/>
-              </a:spcBef>
-              <a:spcAft>
-                <a:spcPct val="0"/>
-              </a:spcAft>
-              <a:defRPr sz="2000" b="1">
-                <a:solidFill>
-                  <a:schemeClr val="tx2"/>
-                </a:solidFill>
-                <a:latin typeface="Arial" charset="0"/>
-                <a:cs typeface="Arial" charset="0"/>
-              </a:defRPr>
-            </a:lvl4pPr>
-            <a:lvl5pPr algn="l" rtl="0" eaLnBrk="1" fontAlgn="base" hangingPunct="1">
-              <a:spcBef>
-                <a:spcPct val="0"/>
-              </a:spcBef>
-              <a:spcAft>
-                <a:spcPct val="0"/>
-              </a:spcAft>
-              <a:defRPr sz="2000" b="1">
-                <a:solidFill>
-                  <a:schemeClr val="tx2"/>
-                </a:solidFill>
-                <a:latin typeface="Arial" charset="0"/>
-                <a:cs typeface="Arial" charset="0"/>
-              </a:defRPr>
-            </a:lvl5pPr>
-            <a:lvl6pPr marL="457200" algn="l" rtl="0" eaLnBrk="1" fontAlgn="base" hangingPunct="1">
-              <a:spcBef>
-                <a:spcPct val="0"/>
-              </a:spcBef>
-              <a:spcAft>
-                <a:spcPct val="0"/>
-              </a:spcAft>
-              <a:defRPr sz="2000" b="1">
-                <a:solidFill>
-                  <a:schemeClr val="tx2"/>
-                </a:solidFill>
-                <a:latin typeface="Arial" charset="0"/>
-                <a:cs typeface="Arial" charset="0"/>
-              </a:defRPr>
-            </a:lvl6pPr>
-            <a:lvl7pPr marL="914400" algn="l" rtl="0" eaLnBrk="1" fontAlgn="base" hangingPunct="1">
-              <a:spcBef>
-                <a:spcPct val="0"/>
-              </a:spcBef>
-              <a:spcAft>
-                <a:spcPct val="0"/>
-              </a:spcAft>
-              <a:defRPr sz="2000" b="1">
-                <a:solidFill>
-                  <a:schemeClr val="tx2"/>
-                </a:solidFill>
-                <a:latin typeface="Arial" charset="0"/>
-                <a:cs typeface="Arial" charset="0"/>
-              </a:defRPr>
-            </a:lvl7pPr>
-            <a:lvl8pPr marL="1371600" algn="l" rtl="0" eaLnBrk="1" fontAlgn="base" hangingPunct="1">
-              <a:spcBef>
-                <a:spcPct val="0"/>
-              </a:spcBef>
-              <a:spcAft>
-                <a:spcPct val="0"/>
-              </a:spcAft>
-              <a:defRPr sz="2000" b="1">
-                <a:solidFill>
-                  <a:schemeClr val="tx2"/>
-                </a:solidFill>
-                <a:latin typeface="Arial" charset="0"/>
-                <a:cs typeface="Arial" charset="0"/>
-              </a:defRPr>
-            </a:lvl8pPr>
-            <a:lvl9pPr marL="1828800" algn="l" rtl="0" eaLnBrk="1" fontAlgn="base" hangingPunct="1">
-              <a:spcBef>
-                <a:spcPct val="0"/>
-              </a:spcBef>
-              <a:spcAft>
-                <a:spcPct val="0"/>
-              </a:spcAft>
-              <a:defRPr sz="2000" b="1">
-                <a:solidFill>
-                  <a:schemeClr val="tx2"/>
-                </a:solidFill>
-                <a:latin typeface="Arial" charset="0"/>
-                <a:cs typeface="Arial" charset="0"/>
-              </a:defRPr>
-            </a:lvl9pPr>
-          </a:lstStyle>
-          <a:p>
-            <a:r>
-              <a:rPr lang="en-US" sz="1800" dirty="0">
-                <a:solidFill>
-                  <a:srgbClr val="FF0000"/>
-                </a:solidFill>
-              </a:rPr>
-              <a:t>Goal: What should the framework be able to do?</a:t>
+              <a:t>PARRHI framework requirements:</a:t>
             </a:r>
           </a:p>
         </p:txBody>
@@ -13903,48 +13955,6 @@
       </p:sp>
       <p:sp>
         <p:nvSpPr>
-          <p:cNvPr id="15" name="Textfeld 14">
-            <a:extLst>
-              <a:ext uri="{FF2B5EF4-FFF2-40B4-BE49-F238E27FC236}">
-                <a16:creationId xmlns:a16="http://schemas.microsoft.com/office/drawing/2014/main" id="{267A56B0-80BF-4CE1-AF65-4C1D9920AE8C}"/>
-              </a:ext>
-            </a:extLst>
-          </p:cNvPr>
-          <p:cNvSpPr txBox="1"/>
-          <p:nvPr/>
-        </p:nvSpPr>
-        <p:spPr>
-          <a:xfrm>
-            <a:off x="2400732" y="5624000"/>
-            <a:ext cx="3531288" cy="257250"/>
-          </a:xfrm>
-          <a:prstGeom prst="rect">
-            <a:avLst/>
-          </a:prstGeom>
-          <a:noFill/>
-        </p:spPr>
-        <p:txBody>
-          <a:bodyPr wrap="none" lIns="0" tIns="0" rIns="0" bIns="0" rtlCol="0">
-            <a:spAutoFit/>
-          </a:bodyPr>
-          <a:lstStyle/>
-          <a:p>
-            <a:pPr>
-              <a:lnSpc>
-                <a:spcPct val="114000"/>
-              </a:lnSpc>
-            </a:pPr>
-            <a:r>
-              <a:rPr lang="en-US" sz="1600" dirty="0">
-                <a:latin typeface="+mn-lt"/>
-              </a:rPr>
-              <a:t>Combine real-world with AR world data</a:t>
-            </a:r>
-          </a:p>
-        </p:txBody>
-      </p:sp>
-      <p:sp>
-        <p:nvSpPr>
           <p:cNvPr id="18" name="Textfeld 17">
             <a:extLst>
               <a:ext uri="{FF2B5EF4-FFF2-40B4-BE49-F238E27FC236}">
@@ -14021,42 +14031,36 @@
           </a:prstGeom>
         </p:spPr>
       </p:pic>
-      <p:pic>
-        <p:nvPicPr>
-          <p:cNvPr id="21" name="Grafik 20" descr="Netzplandiagramm">
+      <p:sp>
+        <p:nvSpPr>
+          <p:cNvPr id="6" name="Foliennummernplatzhalter 5">
             <a:extLst>
               <a:ext uri="{FF2B5EF4-FFF2-40B4-BE49-F238E27FC236}">
-                <a16:creationId xmlns:a16="http://schemas.microsoft.com/office/drawing/2014/main" id="{F595357A-7912-4EFB-8911-C493FDCACEAF}"/>
+                <a16:creationId xmlns:a16="http://schemas.microsoft.com/office/drawing/2014/main" id="{091A2BE9-6C3C-4958-8A80-66EAE7EB0B54}"/>
               </a:ext>
             </a:extLst>
           </p:cNvPr>
-          <p:cNvPicPr>
-            <a:picLocks noChangeAspect="1"/>
-          </p:cNvPicPr>
-          <p:nvPr/>
-        </p:nvPicPr>
-        <p:blipFill>
-          <a:blip r:embed="rId11">
-            <a:extLst>
-              <a:ext uri="{96DAC541-7B7A-43D3-8B79-37D633B846F1}">
-                <asvg:svgBlip xmlns:asvg="http://schemas.microsoft.com/office/drawing/2016/SVG/main" r:embed="rId12"/>
-              </a:ext>
-            </a:extLst>
-          </a:blip>
-          <a:stretch>
-            <a:fillRect/>
-          </a:stretch>
-        </p:blipFill>
-        <p:spPr>
-          <a:xfrm>
-            <a:off x="1502971" y="5445451"/>
-            <a:ext cx="625615" cy="625615"/>
-          </a:xfrm>
-          <a:prstGeom prst="rect">
-            <a:avLst/>
-          </a:prstGeom>
-        </p:spPr>
-      </p:pic>
+          <p:cNvSpPr>
+            <a:spLocks noGrp="1"/>
+          </p:cNvSpPr>
+          <p:nvPr>
+            <p:ph type="sldNum" sz="quarter" idx="12"/>
+          </p:nvPr>
+        </p:nvSpPr>
+        <p:spPr/>
+        <p:txBody>
+          <a:bodyPr/>
+          <a:lstStyle/>
+          <a:p>
+            <a:fld id="{CE58CB1E-F828-4F11-99E0-327109AF9DA4}" type="slidenum">
+              <a:rPr lang="de-DE" smtClean="0"/>
+              <a:pPr/>
+              <a:t>13</a:t>
+            </a:fld>
+            <a:endParaRPr lang="de-DE" dirty="0"/>
+          </a:p>
+        </p:txBody>
+      </p:sp>
     </p:spTree>
     <p:extLst>
       <p:ext uri="{BB962C8B-B14F-4D97-AF65-F5344CB8AC3E}">
@@ -14251,94 +14255,6 @@
                       </p:childTnLst>
                     </p:cTn>
                   </p:par>
-                  <p:par>
-                    <p:cTn id="19" fill="hold">
-                      <p:stCondLst>
-                        <p:cond delay="indefinite"/>
-                      </p:stCondLst>
-                      <p:childTnLst>
-                        <p:par>
-                          <p:cTn id="20" fill="hold">
-                            <p:stCondLst>
-                              <p:cond delay="0"/>
-                            </p:stCondLst>
-                            <p:childTnLst>
-                              <p:par>
-                                <p:cTn id="21" presetID="10" presetClass="entr" presetSubtype="0" fill="hold" nodeType="clickEffect">
-                                  <p:stCondLst>
-                                    <p:cond delay="0"/>
-                                  </p:stCondLst>
-                                  <p:childTnLst>
-                                    <p:set>
-                                      <p:cBhvr>
-                                        <p:cTn id="22" dur="1" fill="hold">
-                                          <p:stCondLst>
-                                            <p:cond delay="0"/>
-                                          </p:stCondLst>
-                                        </p:cTn>
-                                        <p:tgtEl>
-                                          <p:spTgt spid="21"/>
-                                        </p:tgtEl>
-                                        <p:attrNameLst>
-                                          <p:attrName>style.visibility</p:attrName>
-                                        </p:attrNameLst>
-                                      </p:cBhvr>
-                                      <p:to>
-                                        <p:strVal val="visible"/>
-                                      </p:to>
-                                    </p:set>
-                                    <p:animEffect transition="in" filter="fade">
-                                      <p:cBhvr>
-                                        <p:cTn id="23" dur="500"/>
-                                        <p:tgtEl>
-                                          <p:spTgt spid="21"/>
-                                        </p:tgtEl>
-                                      </p:cBhvr>
-                                    </p:animEffect>
-                                  </p:childTnLst>
-                                </p:cTn>
-                              </p:par>
-                              <p:par>
-                                <p:cTn id="24" presetID="10" presetClass="entr" presetSubtype="0" fill="hold" grpId="0" nodeType="withEffect">
-                                  <p:stCondLst>
-                                    <p:cond delay="0"/>
-                                  </p:stCondLst>
-                                  <p:childTnLst>
-                                    <p:set>
-                                      <p:cBhvr>
-                                        <p:cTn id="25" dur="1" fill="hold">
-                                          <p:stCondLst>
-                                            <p:cond delay="0"/>
-                                          </p:stCondLst>
-                                        </p:cTn>
-                                        <p:tgtEl>
-                                          <p:spTgt spid="15"/>
-                                        </p:tgtEl>
-                                        <p:attrNameLst>
-                                          <p:attrName>style.visibility</p:attrName>
-                                        </p:attrNameLst>
-                                      </p:cBhvr>
-                                      <p:to>
-                                        <p:strVal val="visible"/>
-                                      </p:to>
-                                    </p:set>
-                                    <p:animEffect transition="in" filter="fade">
-                                      <p:cBhvr>
-                                        <p:cTn id="26" dur="500"/>
-                                        <p:tgtEl>
-                                          <p:spTgt spid="15"/>
-                                        </p:tgtEl>
-                                      </p:cBhvr>
-                                    </p:animEffect>
-                                  </p:childTnLst>
-                                </p:cTn>
-                              </p:par>
-                            </p:childTnLst>
-                          </p:cTn>
-                        </p:par>
-                      </p:childTnLst>
-                    </p:cTn>
-                  </p:par>
                 </p:childTnLst>
               </p:cTn>
               <p:prevCondLst>
@@ -14362,194 +14278,9 @@
     </p:tnLst>
     <p:bldLst>
       <p:bldP spid="14" grpId="0"/>
-      <p:bldP spid="15" grpId="0"/>
       <p:bldP spid="18" grpId="0"/>
     </p:bldLst>
   </p:timing>
-</p:sld>
-</file>
-
-<file path=ppt/slides/slide13.xml><?xml version="1.0" encoding="utf-8"?>
-<p:sld xmlns:a="http://schemas.openxmlformats.org/drawingml/2006/main" xmlns:r="http://schemas.openxmlformats.org/officeDocument/2006/relationships" xmlns:p="http://schemas.openxmlformats.org/presentationml/2006/main">
-  <p:cSld>
-    <p:spTree>
-      <p:nvGrpSpPr>
-        <p:cNvPr id="1" name=""/>
-        <p:cNvGrpSpPr/>
-        <p:nvPr/>
-      </p:nvGrpSpPr>
-      <p:grpSpPr>
-        <a:xfrm>
-          <a:off x="0" y="0"/>
-          <a:ext cx="0" cy="0"/>
-          <a:chOff x="0" y="0"/>
-          <a:chExt cx="0" cy="0"/>
-        </a:xfrm>
-      </p:grpSpPr>
-      <p:sp>
-        <p:nvSpPr>
-          <p:cNvPr id="2" name="Inhaltsplatzhalter 1">
-            <a:extLst>
-              <a:ext uri="{FF2B5EF4-FFF2-40B4-BE49-F238E27FC236}">
-                <a16:creationId xmlns:a16="http://schemas.microsoft.com/office/drawing/2014/main" id="{3AE51EEE-5768-455A-9D22-F07025773052}"/>
-              </a:ext>
-            </a:extLst>
-          </p:cNvPr>
-          <p:cNvSpPr>
-            <a:spLocks noGrp="1"/>
-          </p:cNvSpPr>
-          <p:nvPr>
-            <p:ph idx="10"/>
-          </p:nvPr>
-        </p:nvSpPr>
-        <p:spPr>
-          <a:xfrm>
-            <a:off x="319088" y="1978720"/>
-            <a:ext cx="8508999" cy="3171618"/>
-          </a:xfrm>
-        </p:spPr>
-        <p:txBody>
-          <a:bodyPr/>
-          <a:lstStyle/>
-          <a:p>
-            <a:pPr marL="342900" indent="-342900">
-              <a:buAutoNum type="arabicPeriod"/>
-            </a:pPr>
-            <a:r>
-              <a:rPr lang="en-US" sz="2000" dirty="0">
-                <a:solidFill>
-                  <a:schemeClr val="bg1">
-                    <a:lumMod val="65000"/>
-                  </a:schemeClr>
-                </a:solidFill>
-              </a:rPr>
-              <a:t>Introduction</a:t>
-            </a:r>
-          </a:p>
-          <a:p>
-            <a:pPr marL="342900" indent="-342900">
-              <a:buAutoNum type="arabicPeriod"/>
-            </a:pPr>
-            <a:r>
-              <a:rPr lang="en-US" sz="2000" dirty="0">
-                <a:solidFill>
-                  <a:schemeClr val="bg1">
-                    <a:lumMod val="65000"/>
-                  </a:schemeClr>
-                </a:solidFill>
-              </a:rPr>
-              <a:t>State of the Art</a:t>
-            </a:r>
-          </a:p>
-          <a:p>
-            <a:pPr marL="342900" indent="-342900">
-              <a:buAutoNum type="arabicPeriod"/>
-            </a:pPr>
-            <a:r>
-              <a:rPr lang="en-US" sz="2000" dirty="0">
-                <a:solidFill>
-                  <a:schemeClr val="bg1">
-                    <a:lumMod val="65000"/>
-                  </a:schemeClr>
-                </a:solidFill>
-              </a:rPr>
-              <a:t>Requirements</a:t>
-            </a:r>
-          </a:p>
-          <a:p>
-            <a:pPr marL="342900" indent="-342900">
-              <a:buAutoNum type="arabicPeriod"/>
-            </a:pPr>
-            <a:r>
-              <a:rPr lang="en-US" sz="2000" dirty="0"/>
-              <a:t>Concept</a:t>
-            </a:r>
-          </a:p>
-          <a:p>
-            <a:pPr marL="342900" indent="-342900">
-              <a:buAutoNum type="arabicPeriod"/>
-            </a:pPr>
-            <a:r>
-              <a:rPr lang="en-US" sz="2000" dirty="0">
-                <a:solidFill>
-                  <a:schemeClr val="bg1">
-                    <a:lumMod val="65000"/>
-                  </a:schemeClr>
-                </a:solidFill>
-              </a:rPr>
-              <a:t>Implementation</a:t>
-            </a:r>
-          </a:p>
-          <a:p>
-            <a:pPr marL="342900" indent="-342900">
-              <a:buAutoNum type="arabicPeriod"/>
-            </a:pPr>
-            <a:r>
-              <a:rPr lang="en-US" sz="2000" dirty="0">
-                <a:solidFill>
-                  <a:schemeClr val="bg1">
-                    <a:lumMod val="65000"/>
-                  </a:schemeClr>
-                </a:solidFill>
-              </a:rPr>
-              <a:t>Evaluation</a:t>
-            </a:r>
-          </a:p>
-          <a:p>
-            <a:pPr marL="342900" indent="-342900">
-              <a:buAutoNum type="arabicPeriod"/>
-            </a:pPr>
-            <a:r>
-              <a:rPr lang="en-US" sz="2000" dirty="0">
-                <a:solidFill>
-                  <a:schemeClr val="bg1">
-                    <a:lumMod val="65000"/>
-                  </a:schemeClr>
-                </a:solidFill>
-              </a:rPr>
-              <a:t>Conclusion</a:t>
-            </a:r>
-          </a:p>
-        </p:txBody>
-      </p:sp>
-      <p:sp>
-        <p:nvSpPr>
-          <p:cNvPr id="3" name="Titel 2">
-            <a:extLst>
-              <a:ext uri="{FF2B5EF4-FFF2-40B4-BE49-F238E27FC236}">
-                <a16:creationId xmlns:a16="http://schemas.microsoft.com/office/drawing/2014/main" id="{F182C14F-233D-4F18-B0A7-515FB9A72BFA}"/>
-              </a:ext>
-            </a:extLst>
-          </p:cNvPr>
-          <p:cNvSpPr>
-            <a:spLocks noGrp="1"/>
-          </p:cNvSpPr>
-          <p:nvPr>
-            <p:ph type="title"/>
-          </p:nvPr>
-        </p:nvSpPr>
-        <p:spPr/>
-        <p:txBody>
-          <a:bodyPr/>
-          <a:lstStyle/>
-          <a:p>
-            <a:r>
-              <a:rPr lang="en-US" dirty="0"/>
-              <a:t>Table of Contents</a:t>
-            </a:r>
-          </a:p>
-        </p:txBody>
-      </p:sp>
-    </p:spTree>
-    <p:extLst>
-      <p:ext uri="{BB962C8B-B14F-4D97-AF65-F5344CB8AC3E}">
-        <p14:creationId xmlns:p14="http://schemas.microsoft.com/office/powerpoint/2010/main" val="2823964078"/>
-      </p:ext>
-    </p:extLst>
-  </p:cSld>
-  <p:clrMapOvr>
-    <a:masterClrMapping/>
-  </p:clrMapOvr>
 </p:sld>
 </file>
 
@@ -14572,6 +14303,220 @@
       </p:grpSpPr>
       <p:sp>
         <p:nvSpPr>
+          <p:cNvPr id="2" name="Inhaltsplatzhalter 1">
+            <a:extLst>
+              <a:ext uri="{FF2B5EF4-FFF2-40B4-BE49-F238E27FC236}">
+                <a16:creationId xmlns:a16="http://schemas.microsoft.com/office/drawing/2014/main" id="{3AE51EEE-5768-455A-9D22-F07025773052}"/>
+              </a:ext>
+            </a:extLst>
+          </p:cNvPr>
+          <p:cNvSpPr>
+            <a:spLocks noGrp="1"/>
+          </p:cNvSpPr>
+          <p:nvPr>
+            <p:ph idx="10"/>
+          </p:nvPr>
+        </p:nvSpPr>
+        <p:spPr>
+          <a:xfrm>
+            <a:off x="319088" y="1978720"/>
+            <a:ext cx="8508999" cy="3171618"/>
+          </a:xfrm>
+        </p:spPr>
+        <p:txBody>
+          <a:bodyPr/>
+          <a:lstStyle/>
+          <a:p>
+            <a:pPr marL="342900" indent="-342900">
+              <a:buAutoNum type="arabicPeriod"/>
+            </a:pPr>
+            <a:r>
+              <a:rPr lang="en-US" sz="2000" dirty="0">
+                <a:solidFill>
+                  <a:schemeClr val="bg1">
+                    <a:lumMod val="65000"/>
+                  </a:schemeClr>
+                </a:solidFill>
+              </a:rPr>
+              <a:t>Introduction</a:t>
+            </a:r>
+          </a:p>
+          <a:p>
+            <a:pPr marL="342900" indent="-342900">
+              <a:buAutoNum type="arabicPeriod"/>
+            </a:pPr>
+            <a:r>
+              <a:rPr lang="en-US" sz="2000" dirty="0">
+                <a:solidFill>
+                  <a:schemeClr val="bg1">
+                    <a:lumMod val="65000"/>
+                  </a:schemeClr>
+                </a:solidFill>
+              </a:rPr>
+              <a:t>State of the Art</a:t>
+            </a:r>
+          </a:p>
+          <a:p>
+            <a:pPr marL="342900" indent="-342900">
+              <a:buAutoNum type="arabicPeriod"/>
+            </a:pPr>
+            <a:r>
+              <a:rPr lang="en-US" sz="2000" dirty="0">
+                <a:solidFill>
+                  <a:schemeClr val="bg1">
+                    <a:lumMod val="65000"/>
+                  </a:schemeClr>
+                </a:solidFill>
+              </a:rPr>
+              <a:t>Requirements</a:t>
+            </a:r>
+          </a:p>
+          <a:p>
+            <a:pPr marL="342900" indent="-342900">
+              <a:buAutoNum type="arabicPeriod"/>
+            </a:pPr>
+            <a:r>
+              <a:rPr lang="en-US" sz="2000" dirty="0"/>
+              <a:t>Concept</a:t>
+            </a:r>
+          </a:p>
+          <a:p>
+            <a:pPr marL="342900" indent="-342900">
+              <a:buAutoNum type="arabicPeriod"/>
+            </a:pPr>
+            <a:r>
+              <a:rPr lang="en-US" sz="2000" dirty="0">
+                <a:solidFill>
+                  <a:schemeClr val="bg1">
+                    <a:lumMod val="65000"/>
+                  </a:schemeClr>
+                </a:solidFill>
+              </a:rPr>
+              <a:t>Implementation</a:t>
+            </a:r>
+          </a:p>
+          <a:p>
+            <a:pPr marL="342900" indent="-342900">
+              <a:buAutoNum type="arabicPeriod"/>
+            </a:pPr>
+            <a:r>
+              <a:rPr lang="en-US" sz="2000" dirty="0">
+                <a:solidFill>
+                  <a:schemeClr val="bg1">
+                    <a:lumMod val="65000"/>
+                  </a:schemeClr>
+                </a:solidFill>
+              </a:rPr>
+              <a:t>Evaluation</a:t>
+            </a:r>
+          </a:p>
+          <a:p>
+            <a:pPr marL="342900" indent="-342900">
+              <a:buAutoNum type="arabicPeriod"/>
+            </a:pPr>
+            <a:r>
+              <a:rPr lang="en-US" sz="2000" dirty="0">
+                <a:solidFill>
+                  <a:schemeClr val="bg1">
+                    <a:lumMod val="65000"/>
+                  </a:schemeClr>
+                </a:solidFill>
+              </a:rPr>
+              <a:t>Conclusion</a:t>
+            </a:r>
+          </a:p>
+        </p:txBody>
+      </p:sp>
+      <p:sp>
+        <p:nvSpPr>
+          <p:cNvPr id="3" name="Titel 2">
+            <a:extLst>
+              <a:ext uri="{FF2B5EF4-FFF2-40B4-BE49-F238E27FC236}">
+                <a16:creationId xmlns:a16="http://schemas.microsoft.com/office/drawing/2014/main" id="{F182C14F-233D-4F18-B0A7-515FB9A72BFA}"/>
+              </a:ext>
+            </a:extLst>
+          </p:cNvPr>
+          <p:cNvSpPr>
+            <a:spLocks noGrp="1"/>
+          </p:cNvSpPr>
+          <p:nvPr>
+            <p:ph type="title"/>
+          </p:nvPr>
+        </p:nvSpPr>
+        <p:spPr/>
+        <p:txBody>
+          <a:bodyPr/>
+          <a:lstStyle/>
+          <a:p>
+            <a:r>
+              <a:rPr lang="en-US" dirty="0"/>
+              <a:t>Table of Contents</a:t>
+            </a:r>
+          </a:p>
+        </p:txBody>
+      </p:sp>
+      <p:sp>
+        <p:nvSpPr>
+          <p:cNvPr id="5" name="Foliennummernplatzhalter 4">
+            <a:extLst>
+              <a:ext uri="{FF2B5EF4-FFF2-40B4-BE49-F238E27FC236}">
+                <a16:creationId xmlns:a16="http://schemas.microsoft.com/office/drawing/2014/main" id="{DF7A54E9-8383-49CB-ACB0-AC094769A2DE}"/>
+              </a:ext>
+            </a:extLst>
+          </p:cNvPr>
+          <p:cNvSpPr>
+            <a:spLocks noGrp="1"/>
+          </p:cNvSpPr>
+          <p:nvPr>
+            <p:ph type="sldNum" sz="quarter" idx="12"/>
+          </p:nvPr>
+        </p:nvSpPr>
+        <p:spPr/>
+        <p:txBody>
+          <a:bodyPr/>
+          <a:lstStyle/>
+          <a:p>
+            <a:fld id="{CE58CB1E-F828-4F11-99E0-327109AF9DA4}" type="slidenum">
+              <a:rPr lang="de-DE" smtClean="0"/>
+              <a:pPr/>
+              <a:t>14</a:t>
+            </a:fld>
+            <a:endParaRPr lang="de-DE" dirty="0"/>
+          </a:p>
+        </p:txBody>
+      </p:sp>
+    </p:spTree>
+    <p:extLst>
+      <p:ext uri="{BB962C8B-B14F-4D97-AF65-F5344CB8AC3E}">
+        <p14:creationId xmlns:p14="http://schemas.microsoft.com/office/powerpoint/2010/main" val="2823964078"/>
+      </p:ext>
+    </p:extLst>
+  </p:cSld>
+  <p:clrMapOvr>
+    <a:masterClrMapping/>
+  </p:clrMapOvr>
+</p:sld>
+</file>
+
+<file path=ppt/slides/slide15.xml><?xml version="1.0" encoding="utf-8"?>
+<p:sld xmlns:a="http://schemas.openxmlformats.org/drawingml/2006/main" xmlns:r="http://schemas.openxmlformats.org/officeDocument/2006/relationships" xmlns:p="http://schemas.openxmlformats.org/presentationml/2006/main">
+  <p:cSld>
+    <p:spTree>
+      <p:nvGrpSpPr>
+        <p:cNvPr id="1" name=""/>
+        <p:cNvGrpSpPr/>
+        <p:nvPr/>
+      </p:nvGrpSpPr>
+      <p:grpSpPr>
+        <a:xfrm>
+          <a:off x="0" y="0"/>
+          <a:ext cx="0" cy="0"/>
+          <a:chOff x="0" y="0"/>
+          <a:chExt cx="0" cy="0"/>
+        </a:xfrm>
+      </p:grpSpPr>
+      <p:sp>
+        <p:nvSpPr>
           <p:cNvPr id="3" name="Titel 2">
             <a:extLst>
               <a:ext uri="{FF2B5EF4-FFF2-40B4-BE49-F238E27FC236}">
@@ -14599,196 +14544,6 @@
             <a:r>
               <a:rPr lang="en-US" dirty="0"/>
               <a:t>PARRHI concept:</a:t>
-            </a:r>
-          </a:p>
-        </p:txBody>
-      </p:sp>
-      <p:sp>
-        <p:nvSpPr>
-          <p:cNvPr id="4" name="Titel 2">
-            <a:extLst>
-              <a:ext uri="{FF2B5EF4-FFF2-40B4-BE49-F238E27FC236}">
-                <a16:creationId xmlns:a16="http://schemas.microsoft.com/office/drawing/2014/main" id="{C1298B93-9A55-48CC-8BD1-7AE85D7D8D53}"/>
-              </a:ext>
-            </a:extLst>
-          </p:cNvPr>
-          <p:cNvSpPr txBox="1">
-            <a:spLocks/>
-          </p:cNvSpPr>
-          <p:nvPr/>
-        </p:nvSpPr>
-        <p:spPr>
-          <a:xfrm>
-            <a:off x="121704" y="0"/>
-            <a:ext cx="9128976" cy="360355"/>
-          </a:xfrm>
-          <a:prstGeom prst="rect">
-            <a:avLst/>
-          </a:prstGeom>
-          <a:noFill/>
-          <a:ln w="9525">
-            <a:noFill/>
-            <a:miter lim="800000"/>
-            <a:headEnd/>
-            <a:tailEnd/>
-          </a:ln>
-        </p:spPr>
-        <p:txBody>
-          <a:bodyPr vert="horz" wrap="square" lIns="0" tIns="0" rIns="0" bIns="0" numCol="1" anchor="t" anchorCtr="0" compatLnSpc="1">
-            <a:prstTxWarp prst="textNoShape">
-              <a:avLst/>
-            </a:prstTxWarp>
-            <a:spAutoFit/>
-          </a:bodyPr>
-          <a:lstStyle>
-            <a:lvl1pPr algn="l" rtl="0" eaLnBrk="1" fontAlgn="base" hangingPunct="1">
-              <a:lnSpc>
-                <a:spcPts val="3200"/>
-              </a:lnSpc>
-              <a:spcBef>
-                <a:spcPct val="0"/>
-              </a:spcBef>
-              <a:spcAft>
-                <a:spcPct val="0"/>
-              </a:spcAft>
-              <a:defRPr lang="de-DE" sz="3000" b="0" kern="1200" noProof="0" dirty="0">
-                <a:solidFill>
-                  <a:schemeClr val="tx1"/>
-                </a:solidFill>
-                <a:latin typeface="+mj-lt"/>
-                <a:ea typeface="+mj-ea"/>
-                <a:cs typeface="+mj-cs"/>
-              </a:defRPr>
-            </a:lvl1pPr>
-            <a:lvl2pPr algn="l" rtl="0" eaLnBrk="1" fontAlgn="base" hangingPunct="1">
-              <a:spcBef>
-                <a:spcPct val="0"/>
-              </a:spcBef>
-              <a:spcAft>
-                <a:spcPct val="0"/>
-              </a:spcAft>
-              <a:defRPr sz="2000" b="1">
-                <a:solidFill>
-                  <a:schemeClr val="tx2"/>
-                </a:solidFill>
-                <a:latin typeface="Arial" charset="0"/>
-                <a:cs typeface="Arial" charset="0"/>
-              </a:defRPr>
-            </a:lvl2pPr>
-            <a:lvl3pPr algn="l" rtl="0" eaLnBrk="1" fontAlgn="base" hangingPunct="1">
-              <a:spcBef>
-                <a:spcPct val="0"/>
-              </a:spcBef>
-              <a:spcAft>
-                <a:spcPct val="0"/>
-              </a:spcAft>
-              <a:defRPr sz="2000" b="1">
-                <a:solidFill>
-                  <a:schemeClr val="tx2"/>
-                </a:solidFill>
-                <a:latin typeface="Arial" charset="0"/>
-                <a:cs typeface="Arial" charset="0"/>
-              </a:defRPr>
-            </a:lvl3pPr>
-            <a:lvl4pPr algn="l" rtl="0" eaLnBrk="1" fontAlgn="base" hangingPunct="1">
-              <a:spcBef>
-                <a:spcPct val="0"/>
-              </a:spcBef>
-              <a:spcAft>
-                <a:spcPct val="0"/>
-              </a:spcAft>
-              <a:defRPr sz="2000" b="1">
-                <a:solidFill>
-                  <a:schemeClr val="tx2"/>
-                </a:solidFill>
-                <a:latin typeface="Arial" charset="0"/>
-                <a:cs typeface="Arial" charset="0"/>
-              </a:defRPr>
-            </a:lvl4pPr>
-            <a:lvl5pPr algn="l" rtl="0" eaLnBrk="1" fontAlgn="base" hangingPunct="1">
-              <a:spcBef>
-                <a:spcPct val="0"/>
-              </a:spcBef>
-              <a:spcAft>
-                <a:spcPct val="0"/>
-              </a:spcAft>
-              <a:defRPr sz="2000" b="1">
-                <a:solidFill>
-                  <a:schemeClr val="tx2"/>
-                </a:solidFill>
-                <a:latin typeface="Arial" charset="0"/>
-                <a:cs typeface="Arial" charset="0"/>
-              </a:defRPr>
-            </a:lvl5pPr>
-            <a:lvl6pPr marL="457200" algn="l" rtl="0" eaLnBrk="1" fontAlgn="base" hangingPunct="1">
-              <a:spcBef>
-                <a:spcPct val="0"/>
-              </a:spcBef>
-              <a:spcAft>
-                <a:spcPct val="0"/>
-              </a:spcAft>
-              <a:defRPr sz="2000" b="1">
-                <a:solidFill>
-                  <a:schemeClr val="tx2"/>
-                </a:solidFill>
-                <a:latin typeface="Arial" charset="0"/>
-                <a:cs typeface="Arial" charset="0"/>
-              </a:defRPr>
-            </a:lvl6pPr>
-            <a:lvl7pPr marL="914400" algn="l" rtl="0" eaLnBrk="1" fontAlgn="base" hangingPunct="1">
-              <a:spcBef>
-                <a:spcPct val="0"/>
-              </a:spcBef>
-              <a:spcAft>
-                <a:spcPct val="0"/>
-              </a:spcAft>
-              <a:defRPr sz="2000" b="1">
-                <a:solidFill>
-                  <a:schemeClr val="tx2"/>
-                </a:solidFill>
-                <a:latin typeface="Arial" charset="0"/>
-                <a:cs typeface="Arial" charset="0"/>
-              </a:defRPr>
-            </a:lvl7pPr>
-            <a:lvl8pPr marL="1371600" algn="l" rtl="0" eaLnBrk="1" fontAlgn="base" hangingPunct="1">
-              <a:spcBef>
-                <a:spcPct val="0"/>
-              </a:spcBef>
-              <a:spcAft>
-                <a:spcPct val="0"/>
-              </a:spcAft>
-              <a:defRPr sz="2000" b="1">
-                <a:solidFill>
-                  <a:schemeClr val="tx2"/>
-                </a:solidFill>
-                <a:latin typeface="Arial" charset="0"/>
-                <a:cs typeface="Arial" charset="0"/>
-              </a:defRPr>
-            </a:lvl8pPr>
-            <a:lvl9pPr marL="1828800" algn="l" rtl="0" eaLnBrk="1" fontAlgn="base" hangingPunct="1">
-              <a:spcBef>
-                <a:spcPct val="0"/>
-              </a:spcBef>
-              <a:spcAft>
-                <a:spcPct val="0"/>
-              </a:spcAft>
-              <a:defRPr sz="2000" b="1">
-                <a:solidFill>
-                  <a:schemeClr val="tx2"/>
-                </a:solidFill>
-                <a:latin typeface="Arial" charset="0"/>
-                <a:cs typeface="Arial" charset="0"/>
-              </a:defRPr>
-            </a:lvl9pPr>
-          </a:lstStyle>
-          <a:p>
-            <a:r>
-              <a:rPr lang="en-US" sz="1800" dirty="0">
-                <a:solidFill>
-                  <a:srgbClr val="FF0000"/>
-                </a:solidFill>
-              </a:rPr>
-              <a:t>Goal: Main concept</a:t>
             </a:r>
           </a:p>
         </p:txBody>
@@ -16683,6 +16438,36 @@
           </a:fontRef>
         </p:style>
       </p:cxnSp>
+      <p:sp>
+        <p:nvSpPr>
+          <p:cNvPr id="5" name="Foliennummernplatzhalter 4">
+            <a:extLst>
+              <a:ext uri="{FF2B5EF4-FFF2-40B4-BE49-F238E27FC236}">
+                <a16:creationId xmlns:a16="http://schemas.microsoft.com/office/drawing/2014/main" id="{7F7E7E21-891F-4B05-8E9E-504FCCB9D422}"/>
+              </a:ext>
+            </a:extLst>
+          </p:cNvPr>
+          <p:cNvSpPr>
+            <a:spLocks noGrp="1"/>
+          </p:cNvSpPr>
+          <p:nvPr>
+            <p:ph type="sldNum" sz="quarter" idx="12"/>
+          </p:nvPr>
+        </p:nvSpPr>
+        <p:spPr/>
+        <p:txBody>
+          <a:bodyPr/>
+          <a:lstStyle/>
+          <a:p>
+            <a:fld id="{CE58CB1E-F828-4F11-99E0-327109AF9DA4}" type="slidenum">
+              <a:rPr lang="de-DE" smtClean="0"/>
+              <a:pPr/>
+              <a:t>15</a:t>
+            </a:fld>
+            <a:endParaRPr lang="de-DE" dirty="0"/>
+          </a:p>
+        </p:txBody>
+      </p:sp>
     </p:spTree>
     <p:extLst>
       <p:ext uri="{BB962C8B-B14F-4D97-AF65-F5344CB8AC3E}">
@@ -16696,7 +16481,7 @@
 </p:sld>
 </file>
 
-<file path=ppt/slides/slide15.xml><?xml version="1.0" encoding="utf-8"?>
+<file path=ppt/slides/slide16.xml><?xml version="1.0" encoding="utf-8"?>
 <p:sld xmlns:a="http://schemas.openxmlformats.org/drawingml/2006/main" xmlns:r="http://schemas.openxmlformats.org/officeDocument/2006/relationships" xmlns:p="http://schemas.openxmlformats.org/presentationml/2006/main">
   <p:cSld>
     <p:spTree>
@@ -16737,196 +16522,6 @@
             <a:r>
               <a:rPr lang="en-US" dirty="0"/>
               <a:t>PARRHI concept:</a:t>
-            </a:r>
-          </a:p>
-        </p:txBody>
-      </p:sp>
-      <p:sp>
-        <p:nvSpPr>
-          <p:cNvPr id="4" name="Titel 2">
-            <a:extLst>
-              <a:ext uri="{FF2B5EF4-FFF2-40B4-BE49-F238E27FC236}">
-                <a16:creationId xmlns:a16="http://schemas.microsoft.com/office/drawing/2014/main" id="{C1298B93-9A55-48CC-8BD1-7AE85D7D8D53}"/>
-              </a:ext>
-            </a:extLst>
-          </p:cNvPr>
-          <p:cNvSpPr txBox="1">
-            <a:spLocks/>
-          </p:cNvSpPr>
-          <p:nvPr/>
-        </p:nvSpPr>
-        <p:spPr>
-          <a:xfrm>
-            <a:off x="121704" y="0"/>
-            <a:ext cx="9128976" cy="360355"/>
-          </a:xfrm>
-          <a:prstGeom prst="rect">
-            <a:avLst/>
-          </a:prstGeom>
-          <a:noFill/>
-          <a:ln w="9525">
-            <a:noFill/>
-            <a:miter lim="800000"/>
-            <a:headEnd/>
-            <a:tailEnd/>
-          </a:ln>
-        </p:spPr>
-        <p:txBody>
-          <a:bodyPr vert="horz" wrap="square" lIns="0" tIns="0" rIns="0" bIns="0" numCol="1" anchor="t" anchorCtr="0" compatLnSpc="1">
-            <a:prstTxWarp prst="textNoShape">
-              <a:avLst/>
-            </a:prstTxWarp>
-            <a:spAutoFit/>
-          </a:bodyPr>
-          <a:lstStyle>
-            <a:lvl1pPr algn="l" rtl="0" eaLnBrk="1" fontAlgn="base" hangingPunct="1">
-              <a:lnSpc>
-                <a:spcPts val="3200"/>
-              </a:lnSpc>
-              <a:spcBef>
-                <a:spcPct val="0"/>
-              </a:spcBef>
-              <a:spcAft>
-                <a:spcPct val="0"/>
-              </a:spcAft>
-              <a:defRPr lang="de-DE" sz="3000" b="0" kern="1200" noProof="0" dirty="0">
-                <a:solidFill>
-                  <a:schemeClr val="tx1"/>
-                </a:solidFill>
-                <a:latin typeface="+mj-lt"/>
-                <a:ea typeface="+mj-ea"/>
-                <a:cs typeface="+mj-cs"/>
-              </a:defRPr>
-            </a:lvl1pPr>
-            <a:lvl2pPr algn="l" rtl="0" eaLnBrk="1" fontAlgn="base" hangingPunct="1">
-              <a:spcBef>
-                <a:spcPct val="0"/>
-              </a:spcBef>
-              <a:spcAft>
-                <a:spcPct val="0"/>
-              </a:spcAft>
-              <a:defRPr sz="2000" b="1">
-                <a:solidFill>
-                  <a:schemeClr val="tx2"/>
-                </a:solidFill>
-                <a:latin typeface="Arial" charset="0"/>
-                <a:cs typeface="Arial" charset="0"/>
-              </a:defRPr>
-            </a:lvl2pPr>
-            <a:lvl3pPr algn="l" rtl="0" eaLnBrk="1" fontAlgn="base" hangingPunct="1">
-              <a:spcBef>
-                <a:spcPct val="0"/>
-              </a:spcBef>
-              <a:spcAft>
-                <a:spcPct val="0"/>
-              </a:spcAft>
-              <a:defRPr sz="2000" b="1">
-                <a:solidFill>
-                  <a:schemeClr val="tx2"/>
-                </a:solidFill>
-                <a:latin typeface="Arial" charset="0"/>
-                <a:cs typeface="Arial" charset="0"/>
-              </a:defRPr>
-            </a:lvl3pPr>
-            <a:lvl4pPr algn="l" rtl="0" eaLnBrk="1" fontAlgn="base" hangingPunct="1">
-              <a:spcBef>
-                <a:spcPct val="0"/>
-              </a:spcBef>
-              <a:spcAft>
-                <a:spcPct val="0"/>
-              </a:spcAft>
-              <a:defRPr sz="2000" b="1">
-                <a:solidFill>
-                  <a:schemeClr val="tx2"/>
-                </a:solidFill>
-                <a:latin typeface="Arial" charset="0"/>
-                <a:cs typeface="Arial" charset="0"/>
-              </a:defRPr>
-            </a:lvl4pPr>
-            <a:lvl5pPr algn="l" rtl="0" eaLnBrk="1" fontAlgn="base" hangingPunct="1">
-              <a:spcBef>
-                <a:spcPct val="0"/>
-              </a:spcBef>
-              <a:spcAft>
-                <a:spcPct val="0"/>
-              </a:spcAft>
-              <a:defRPr sz="2000" b="1">
-                <a:solidFill>
-                  <a:schemeClr val="tx2"/>
-                </a:solidFill>
-                <a:latin typeface="Arial" charset="0"/>
-                <a:cs typeface="Arial" charset="0"/>
-              </a:defRPr>
-            </a:lvl5pPr>
-            <a:lvl6pPr marL="457200" algn="l" rtl="0" eaLnBrk="1" fontAlgn="base" hangingPunct="1">
-              <a:spcBef>
-                <a:spcPct val="0"/>
-              </a:spcBef>
-              <a:spcAft>
-                <a:spcPct val="0"/>
-              </a:spcAft>
-              <a:defRPr sz="2000" b="1">
-                <a:solidFill>
-                  <a:schemeClr val="tx2"/>
-                </a:solidFill>
-                <a:latin typeface="Arial" charset="0"/>
-                <a:cs typeface="Arial" charset="0"/>
-              </a:defRPr>
-            </a:lvl6pPr>
-            <a:lvl7pPr marL="914400" algn="l" rtl="0" eaLnBrk="1" fontAlgn="base" hangingPunct="1">
-              <a:spcBef>
-                <a:spcPct val="0"/>
-              </a:spcBef>
-              <a:spcAft>
-                <a:spcPct val="0"/>
-              </a:spcAft>
-              <a:defRPr sz="2000" b="1">
-                <a:solidFill>
-                  <a:schemeClr val="tx2"/>
-                </a:solidFill>
-                <a:latin typeface="Arial" charset="0"/>
-                <a:cs typeface="Arial" charset="0"/>
-              </a:defRPr>
-            </a:lvl7pPr>
-            <a:lvl8pPr marL="1371600" algn="l" rtl="0" eaLnBrk="1" fontAlgn="base" hangingPunct="1">
-              <a:spcBef>
-                <a:spcPct val="0"/>
-              </a:spcBef>
-              <a:spcAft>
-                <a:spcPct val="0"/>
-              </a:spcAft>
-              <a:defRPr sz="2000" b="1">
-                <a:solidFill>
-                  <a:schemeClr val="tx2"/>
-                </a:solidFill>
-                <a:latin typeface="Arial" charset="0"/>
-                <a:cs typeface="Arial" charset="0"/>
-              </a:defRPr>
-            </a:lvl8pPr>
-            <a:lvl9pPr marL="1828800" algn="l" rtl="0" eaLnBrk="1" fontAlgn="base" hangingPunct="1">
-              <a:spcBef>
-                <a:spcPct val="0"/>
-              </a:spcBef>
-              <a:spcAft>
-                <a:spcPct val="0"/>
-              </a:spcAft>
-              <a:defRPr sz="2000" b="1">
-                <a:solidFill>
-                  <a:schemeClr val="tx2"/>
-                </a:solidFill>
-                <a:latin typeface="Arial" charset="0"/>
-                <a:cs typeface="Arial" charset="0"/>
-              </a:defRPr>
-            </a:lvl9pPr>
-          </a:lstStyle>
-          <a:p>
-            <a:r>
-              <a:rPr lang="en-US" sz="1800" dirty="0">
-                <a:solidFill>
-                  <a:srgbClr val="FF0000"/>
-                </a:solidFill>
-              </a:rPr>
-              <a:t>Goal: Main concept</a:t>
             </a:r>
           </a:p>
         </p:txBody>
@@ -18267,13 +17862,13 @@
             <p:nvPr/>
           </p:nvPicPr>
           <p:blipFill>
-            <a:blip r:embed="rId2">
+            <a:blip r:embed="rId3">
               <a:extLst>
                 <a:ext uri="{28A0092B-C50C-407E-A947-70E740481C1C}">
                   <a14:useLocalDpi xmlns:a14="http://schemas.microsoft.com/office/drawing/2010/main" val="0"/>
                 </a:ext>
                 <a:ext uri="{96DAC541-7B7A-43D3-8B79-37D633B846F1}">
-                  <asvg:svgBlip xmlns:asvg="http://schemas.microsoft.com/office/drawing/2016/SVG/main" r:embed="rId3"/>
+                  <asvg:svgBlip xmlns:asvg="http://schemas.microsoft.com/office/drawing/2016/SVG/main" r:embed="rId4"/>
                 </a:ext>
               </a:extLst>
             </a:blip>
@@ -18520,13 +18115,13 @@
           <p:nvPr/>
         </p:nvPicPr>
         <p:blipFill>
-          <a:blip r:embed="rId4">
+          <a:blip r:embed="rId5">
             <a:extLst>
               <a:ext uri="{28A0092B-C50C-407E-A947-70E740481C1C}">
                 <a14:useLocalDpi xmlns:a14="http://schemas.microsoft.com/office/drawing/2010/main" val="0"/>
               </a:ext>
               <a:ext uri="{96DAC541-7B7A-43D3-8B79-37D633B846F1}">
-                <asvg:svgBlip xmlns:asvg="http://schemas.microsoft.com/office/drawing/2016/SVG/main" r:embed="rId5"/>
+                <asvg:svgBlip xmlns:asvg="http://schemas.microsoft.com/office/drawing/2016/SVG/main" r:embed="rId6"/>
               </a:ext>
             </a:extLst>
           </a:blip>
@@ -19185,6 +18780,36 @@
           </a:fontRef>
         </p:style>
       </p:cxnSp>
+      <p:sp>
+        <p:nvSpPr>
+          <p:cNvPr id="5" name="Foliennummernplatzhalter 4">
+            <a:extLst>
+              <a:ext uri="{FF2B5EF4-FFF2-40B4-BE49-F238E27FC236}">
+                <a16:creationId xmlns:a16="http://schemas.microsoft.com/office/drawing/2014/main" id="{5392F383-1BBE-4F45-BADA-BC78F99CB75A}"/>
+              </a:ext>
+            </a:extLst>
+          </p:cNvPr>
+          <p:cNvSpPr>
+            <a:spLocks noGrp="1"/>
+          </p:cNvSpPr>
+          <p:nvPr>
+            <p:ph type="sldNum" sz="quarter" idx="12"/>
+          </p:nvPr>
+        </p:nvSpPr>
+        <p:spPr/>
+        <p:txBody>
+          <a:bodyPr/>
+          <a:lstStyle/>
+          <a:p>
+            <a:fld id="{CE58CB1E-F828-4F11-99E0-327109AF9DA4}" type="slidenum">
+              <a:rPr lang="de-DE" smtClean="0"/>
+              <a:pPr/>
+              <a:t>16</a:t>
+            </a:fld>
+            <a:endParaRPr lang="de-DE" dirty="0"/>
+          </a:p>
+        </p:txBody>
+      </p:sp>
     </p:spTree>
     <p:extLst>
       <p:ext uri="{BB962C8B-B14F-4D97-AF65-F5344CB8AC3E}">
@@ -19210,7 +18835,7 @@
 </p:sld>
 </file>
 
-<file path=ppt/slides/slide16.xml><?xml version="1.0" encoding="utf-8"?>
+<file path=ppt/slides/slide17.xml><?xml version="1.0" encoding="utf-8"?>
 <p:sld xmlns:a="http://schemas.openxmlformats.org/drawingml/2006/main" xmlns:r="http://schemas.openxmlformats.org/officeDocument/2006/relationships" xmlns:p="http://schemas.openxmlformats.org/presentationml/2006/main">
   <p:cSld>
     <p:spTree>
@@ -19260,196 +18885,6 @@
             <a:r>
               <a:rPr lang="en-US" dirty="0"/>
               <a:t> Program:</a:t>
-            </a:r>
-          </a:p>
-        </p:txBody>
-      </p:sp>
-      <p:sp>
-        <p:nvSpPr>
-          <p:cNvPr id="4" name="Titel 2">
-            <a:extLst>
-              <a:ext uri="{FF2B5EF4-FFF2-40B4-BE49-F238E27FC236}">
-                <a16:creationId xmlns:a16="http://schemas.microsoft.com/office/drawing/2014/main" id="{C1298B93-9A55-48CC-8BD1-7AE85D7D8D53}"/>
-              </a:ext>
-            </a:extLst>
-          </p:cNvPr>
-          <p:cNvSpPr txBox="1">
-            <a:spLocks/>
-          </p:cNvSpPr>
-          <p:nvPr/>
-        </p:nvSpPr>
-        <p:spPr>
-          <a:xfrm>
-            <a:off x="121704" y="0"/>
-            <a:ext cx="9128976" cy="360355"/>
-          </a:xfrm>
-          <a:prstGeom prst="rect">
-            <a:avLst/>
-          </a:prstGeom>
-          <a:noFill/>
-          <a:ln w="9525">
-            <a:noFill/>
-            <a:miter lim="800000"/>
-            <a:headEnd/>
-            <a:tailEnd/>
-          </a:ln>
-        </p:spPr>
-        <p:txBody>
-          <a:bodyPr vert="horz" wrap="square" lIns="0" tIns="0" rIns="0" bIns="0" numCol="1" anchor="t" anchorCtr="0" compatLnSpc="1">
-            <a:prstTxWarp prst="textNoShape">
-              <a:avLst/>
-            </a:prstTxWarp>
-            <a:spAutoFit/>
-          </a:bodyPr>
-          <a:lstStyle>
-            <a:lvl1pPr algn="l" rtl="0" eaLnBrk="1" fontAlgn="base" hangingPunct="1">
-              <a:lnSpc>
-                <a:spcPts val="3200"/>
-              </a:lnSpc>
-              <a:spcBef>
-                <a:spcPct val="0"/>
-              </a:spcBef>
-              <a:spcAft>
-                <a:spcPct val="0"/>
-              </a:spcAft>
-              <a:defRPr lang="de-DE" sz="3000" b="0" kern="1200" noProof="0" dirty="0">
-                <a:solidFill>
-                  <a:schemeClr val="tx1"/>
-                </a:solidFill>
-                <a:latin typeface="+mj-lt"/>
-                <a:ea typeface="+mj-ea"/>
-                <a:cs typeface="+mj-cs"/>
-              </a:defRPr>
-            </a:lvl1pPr>
-            <a:lvl2pPr algn="l" rtl="0" eaLnBrk="1" fontAlgn="base" hangingPunct="1">
-              <a:spcBef>
-                <a:spcPct val="0"/>
-              </a:spcBef>
-              <a:spcAft>
-                <a:spcPct val="0"/>
-              </a:spcAft>
-              <a:defRPr sz="2000" b="1">
-                <a:solidFill>
-                  <a:schemeClr val="tx2"/>
-                </a:solidFill>
-                <a:latin typeface="Arial" charset="0"/>
-                <a:cs typeface="Arial" charset="0"/>
-              </a:defRPr>
-            </a:lvl2pPr>
-            <a:lvl3pPr algn="l" rtl="0" eaLnBrk="1" fontAlgn="base" hangingPunct="1">
-              <a:spcBef>
-                <a:spcPct val="0"/>
-              </a:spcBef>
-              <a:spcAft>
-                <a:spcPct val="0"/>
-              </a:spcAft>
-              <a:defRPr sz="2000" b="1">
-                <a:solidFill>
-                  <a:schemeClr val="tx2"/>
-                </a:solidFill>
-                <a:latin typeface="Arial" charset="0"/>
-                <a:cs typeface="Arial" charset="0"/>
-              </a:defRPr>
-            </a:lvl3pPr>
-            <a:lvl4pPr algn="l" rtl="0" eaLnBrk="1" fontAlgn="base" hangingPunct="1">
-              <a:spcBef>
-                <a:spcPct val="0"/>
-              </a:spcBef>
-              <a:spcAft>
-                <a:spcPct val="0"/>
-              </a:spcAft>
-              <a:defRPr sz="2000" b="1">
-                <a:solidFill>
-                  <a:schemeClr val="tx2"/>
-                </a:solidFill>
-                <a:latin typeface="Arial" charset="0"/>
-                <a:cs typeface="Arial" charset="0"/>
-              </a:defRPr>
-            </a:lvl4pPr>
-            <a:lvl5pPr algn="l" rtl="0" eaLnBrk="1" fontAlgn="base" hangingPunct="1">
-              <a:spcBef>
-                <a:spcPct val="0"/>
-              </a:spcBef>
-              <a:spcAft>
-                <a:spcPct val="0"/>
-              </a:spcAft>
-              <a:defRPr sz="2000" b="1">
-                <a:solidFill>
-                  <a:schemeClr val="tx2"/>
-                </a:solidFill>
-                <a:latin typeface="Arial" charset="0"/>
-                <a:cs typeface="Arial" charset="0"/>
-              </a:defRPr>
-            </a:lvl5pPr>
-            <a:lvl6pPr marL="457200" algn="l" rtl="0" eaLnBrk="1" fontAlgn="base" hangingPunct="1">
-              <a:spcBef>
-                <a:spcPct val="0"/>
-              </a:spcBef>
-              <a:spcAft>
-                <a:spcPct val="0"/>
-              </a:spcAft>
-              <a:defRPr sz="2000" b="1">
-                <a:solidFill>
-                  <a:schemeClr val="tx2"/>
-                </a:solidFill>
-                <a:latin typeface="Arial" charset="0"/>
-                <a:cs typeface="Arial" charset="0"/>
-              </a:defRPr>
-            </a:lvl6pPr>
-            <a:lvl7pPr marL="914400" algn="l" rtl="0" eaLnBrk="1" fontAlgn="base" hangingPunct="1">
-              <a:spcBef>
-                <a:spcPct val="0"/>
-              </a:spcBef>
-              <a:spcAft>
-                <a:spcPct val="0"/>
-              </a:spcAft>
-              <a:defRPr sz="2000" b="1">
-                <a:solidFill>
-                  <a:schemeClr val="tx2"/>
-                </a:solidFill>
-                <a:latin typeface="Arial" charset="0"/>
-                <a:cs typeface="Arial" charset="0"/>
-              </a:defRPr>
-            </a:lvl7pPr>
-            <a:lvl8pPr marL="1371600" algn="l" rtl="0" eaLnBrk="1" fontAlgn="base" hangingPunct="1">
-              <a:spcBef>
-                <a:spcPct val="0"/>
-              </a:spcBef>
-              <a:spcAft>
-                <a:spcPct val="0"/>
-              </a:spcAft>
-              <a:defRPr sz="2000" b="1">
-                <a:solidFill>
-                  <a:schemeClr val="tx2"/>
-                </a:solidFill>
-                <a:latin typeface="Arial" charset="0"/>
-                <a:cs typeface="Arial" charset="0"/>
-              </a:defRPr>
-            </a:lvl8pPr>
-            <a:lvl9pPr marL="1828800" algn="l" rtl="0" eaLnBrk="1" fontAlgn="base" hangingPunct="1">
-              <a:spcBef>
-                <a:spcPct val="0"/>
-              </a:spcBef>
-              <a:spcAft>
-                <a:spcPct val="0"/>
-              </a:spcAft>
-              <a:defRPr sz="2000" b="1">
-                <a:solidFill>
-                  <a:schemeClr val="tx2"/>
-                </a:solidFill>
-                <a:latin typeface="Arial" charset="0"/>
-                <a:cs typeface="Arial" charset="0"/>
-              </a:defRPr>
-            </a:lvl9pPr>
-          </a:lstStyle>
-          <a:p>
-            <a:r>
-              <a:rPr lang="en-US" sz="1800" dirty="0">
-                <a:solidFill>
-                  <a:srgbClr val="FF0000"/>
-                </a:solidFill>
-              </a:rPr>
-              <a:t>Goal: Detail about PP objects</a:t>
             </a:r>
           </a:p>
         </p:txBody>
@@ -20270,6 +19705,36 @@
               </a:rPr>
               <a:t>Command Robot</a:t>
             </a:r>
+          </a:p>
+        </p:txBody>
+      </p:sp>
+      <p:sp>
+        <p:nvSpPr>
+          <p:cNvPr id="5" name="Foliennummernplatzhalter 4">
+            <a:extLst>
+              <a:ext uri="{FF2B5EF4-FFF2-40B4-BE49-F238E27FC236}">
+                <a16:creationId xmlns:a16="http://schemas.microsoft.com/office/drawing/2014/main" id="{82778D5F-A79B-45A1-A6C1-5451B656C45C}"/>
+              </a:ext>
+            </a:extLst>
+          </p:cNvPr>
+          <p:cNvSpPr>
+            <a:spLocks noGrp="1"/>
+          </p:cNvSpPr>
+          <p:nvPr>
+            <p:ph type="sldNum" sz="quarter" idx="12"/>
+          </p:nvPr>
+        </p:nvSpPr>
+        <p:spPr/>
+        <p:txBody>
+          <a:bodyPr/>
+          <a:lstStyle/>
+          <a:p>
+            <a:fld id="{CE58CB1E-F828-4F11-99E0-327109AF9DA4}" type="slidenum">
+              <a:rPr lang="de-DE" smtClean="0"/>
+              <a:pPr/>
+              <a:t>17</a:t>
+            </a:fld>
+            <a:endParaRPr lang="de-DE" dirty="0"/>
           </a:p>
         </p:txBody>
       </p:sp>
@@ -20973,190 +20438,6 @@
 </p:sld>
 </file>
 
-<file path=ppt/slides/slide17.xml><?xml version="1.0" encoding="utf-8"?>
-<p:sld xmlns:a="http://schemas.openxmlformats.org/drawingml/2006/main" xmlns:r="http://schemas.openxmlformats.org/officeDocument/2006/relationships" xmlns:p="http://schemas.openxmlformats.org/presentationml/2006/main">
-  <p:cSld>
-    <p:spTree>
-      <p:nvGrpSpPr>
-        <p:cNvPr id="1" name=""/>
-        <p:cNvGrpSpPr/>
-        <p:nvPr/>
-      </p:nvGrpSpPr>
-      <p:grpSpPr>
-        <a:xfrm>
-          <a:off x="0" y="0"/>
-          <a:ext cx="0" cy="0"/>
-          <a:chOff x="0" y="0"/>
-          <a:chExt cx="0" cy="0"/>
-        </a:xfrm>
-      </p:grpSpPr>
-      <p:sp>
-        <p:nvSpPr>
-          <p:cNvPr id="2" name="Inhaltsplatzhalter 1">
-            <a:extLst>
-              <a:ext uri="{FF2B5EF4-FFF2-40B4-BE49-F238E27FC236}">
-                <a16:creationId xmlns:a16="http://schemas.microsoft.com/office/drawing/2014/main" id="{3AE51EEE-5768-455A-9D22-F07025773052}"/>
-              </a:ext>
-            </a:extLst>
-          </p:cNvPr>
-          <p:cNvSpPr>
-            <a:spLocks noGrp="1"/>
-          </p:cNvSpPr>
-          <p:nvPr>
-            <p:ph idx="10"/>
-          </p:nvPr>
-        </p:nvSpPr>
-        <p:spPr>
-          <a:xfrm>
-            <a:off x="319088" y="1978720"/>
-            <a:ext cx="8508999" cy="3171618"/>
-          </a:xfrm>
-        </p:spPr>
-        <p:txBody>
-          <a:bodyPr/>
-          <a:lstStyle/>
-          <a:p>
-            <a:pPr marL="342900" indent="-342900">
-              <a:buAutoNum type="arabicPeriod"/>
-            </a:pPr>
-            <a:r>
-              <a:rPr lang="en-US" sz="2000" dirty="0">
-                <a:solidFill>
-                  <a:schemeClr val="bg1">
-                    <a:lumMod val="65000"/>
-                  </a:schemeClr>
-                </a:solidFill>
-              </a:rPr>
-              <a:t>Introduction</a:t>
-            </a:r>
-          </a:p>
-          <a:p>
-            <a:pPr marL="342900" indent="-342900">
-              <a:buAutoNum type="arabicPeriod"/>
-            </a:pPr>
-            <a:r>
-              <a:rPr lang="en-US" sz="2000" dirty="0">
-                <a:solidFill>
-                  <a:schemeClr val="bg1">
-                    <a:lumMod val="65000"/>
-                  </a:schemeClr>
-                </a:solidFill>
-              </a:rPr>
-              <a:t>State of the Art</a:t>
-            </a:r>
-          </a:p>
-          <a:p>
-            <a:pPr marL="342900" indent="-342900">
-              <a:buAutoNum type="arabicPeriod"/>
-            </a:pPr>
-            <a:r>
-              <a:rPr lang="en-US" sz="2000" dirty="0">
-                <a:solidFill>
-                  <a:schemeClr val="bg1">
-                    <a:lumMod val="65000"/>
-                  </a:schemeClr>
-                </a:solidFill>
-              </a:rPr>
-              <a:t>Requirements</a:t>
-            </a:r>
-          </a:p>
-          <a:p>
-            <a:pPr marL="342900" indent="-342900">
-              <a:buAutoNum type="arabicPeriod"/>
-            </a:pPr>
-            <a:r>
-              <a:rPr lang="en-US" sz="2000" dirty="0">
-                <a:solidFill>
-                  <a:schemeClr val="bg1">
-                    <a:lumMod val="65000"/>
-                  </a:schemeClr>
-                </a:solidFill>
-              </a:rPr>
-              <a:t>Concept</a:t>
-            </a:r>
-          </a:p>
-          <a:p>
-            <a:pPr marL="342900" indent="-342900">
-              <a:buAutoNum type="arabicPeriod"/>
-            </a:pPr>
-            <a:r>
-              <a:rPr lang="en-US" sz="2000" dirty="0"/>
-              <a:t>Implementation</a:t>
-            </a:r>
-          </a:p>
-          <a:p>
-            <a:pPr marL="342900" indent="-342900">
-              <a:buAutoNum type="arabicPeriod"/>
-            </a:pPr>
-            <a:r>
-              <a:rPr lang="en-US" sz="2000" dirty="0">
-                <a:solidFill>
-                  <a:schemeClr val="bg1">
-                    <a:lumMod val="65000"/>
-                  </a:schemeClr>
-                </a:solidFill>
-              </a:rPr>
-              <a:t>Evaluation</a:t>
-            </a:r>
-          </a:p>
-          <a:p>
-            <a:pPr marL="342900" indent="-342900">
-              <a:buAutoNum type="arabicPeriod"/>
-            </a:pPr>
-            <a:r>
-              <a:rPr lang="en-US" sz="2000" dirty="0">
-                <a:solidFill>
-                  <a:schemeClr val="bg1">
-                    <a:lumMod val="65000"/>
-                  </a:schemeClr>
-                </a:solidFill>
-              </a:rPr>
-              <a:t>Conclusion</a:t>
-            </a:r>
-          </a:p>
-        </p:txBody>
-      </p:sp>
-      <p:sp>
-        <p:nvSpPr>
-          <p:cNvPr id="3" name="Titel 2">
-            <a:extLst>
-              <a:ext uri="{FF2B5EF4-FFF2-40B4-BE49-F238E27FC236}">
-                <a16:creationId xmlns:a16="http://schemas.microsoft.com/office/drawing/2014/main" id="{F182C14F-233D-4F18-B0A7-515FB9A72BFA}"/>
-              </a:ext>
-            </a:extLst>
-          </p:cNvPr>
-          <p:cNvSpPr>
-            <a:spLocks noGrp="1"/>
-          </p:cNvSpPr>
-          <p:nvPr>
-            <p:ph type="title"/>
-          </p:nvPr>
-        </p:nvSpPr>
-        <p:spPr/>
-        <p:txBody>
-          <a:bodyPr/>
-          <a:lstStyle/>
-          <a:p>
-            <a:r>
-              <a:rPr lang="en-US" dirty="0"/>
-              <a:t>Table of Contents</a:t>
-            </a:r>
-          </a:p>
-        </p:txBody>
-      </p:sp>
-    </p:spTree>
-    <p:extLst>
-      <p:ext uri="{BB962C8B-B14F-4D97-AF65-F5344CB8AC3E}">
-        <p14:creationId xmlns:p14="http://schemas.microsoft.com/office/powerpoint/2010/main" val="3346800965"/>
-      </p:ext>
-    </p:extLst>
-  </p:cSld>
-  <p:clrMapOvr>
-    <a:masterClrMapping/>
-  </p:clrMapOvr>
-</p:sld>
-</file>
-
 <file path=ppt/slides/slide18.xml><?xml version="1.0" encoding="utf-8"?>
 <p:sld xmlns:a="http://schemas.openxmlformats.org/drawingml/2006/main" xmlns:r="http://schemas.openxmlformats.org/officeDocument/2006/relationships" xmlns:p="http://schemas.openxmlformats.org/presentationml/2006/main">
   <p:cSld>
@@ -21176,6 +20457,220 @@
       </p:grpSpPr>
       <p:sp>
         <p:nvSpPr>
+          <p:cNvPr id="2" name="Inhaltsplatzhalter 1">
+            <a:extLst>
+              <a:ext uri="{FF2B5EF4-FFF2-40B4-BE49-F238E27FC236}">
+                <a16:creationId xmlns:a16="http://schemas.microsoft.com/office/drawing/2014/main" id="{3AE51EEE-5768-455A-9D22-F07025773052}"/>
+              </a:ext>
+            </a:extLst>
+          </p:cNvPr>
+          <p:cNvSpPr>
+            <a:spLocks noGrp="1"/>
+          </p:cNvSpPr>
+          <p:nvPr>
+            <p:ph idx="10"/>
+          </p:nvPr>
+        </p:nvSpPr>
+        <p:spPr>
+          <a:xfrm>
+            <a:off x="319088" y="1978720"/>
+            <a:ext cx="8508999" cy="3171618"/>
+          </a:xfrm>
+        </p:spPr>
+        <p:txBody>
+          <a:bodyPr/>
+          <a:lstStyle/>
+          <a:p>
+            <a:pPr marL="342900" indent="-342900">
+              <a:buAutoNum type="arabicPeriod"/>
+            </a:pPr>
+            <a:r>
+              <a:rPr lang="en-US" sz="2000" dirty="0">
+                <a:solidFill>
+                  <a:schemeClr val="bg1">
+                    <a:lumMod val="65000"/>
+                  </a:schemeClr>
+                </a:solidFill>
+              </a:rPr>
+              <a:t>Introduction</a:t>
+            </a:r>
+          </a:p>
+          <a:p>
+            <a:pPr marL="342900" indent="-342900">
+              <a:buAutoNum type="arabicPeriod"/>
+            </a:pPr>
+            <a:r>
+              <a:rPr lang="en-US" sz="2000" dirty="0">
+                <a:solidFill>
+                  <a:schemeClr val="bg1">
+                    <a:lumMod val="65000"/>
+                  </a:schemeClr>
+                </a:solidFill>
+              </a:rPr>
+              <a:t>State of the Art</a:t>
+            </a:r>
+          </a:p>
+          <a:p>
+            <a:pPr marL="342900" indent="-342900">
+              <a:buAutoNum type="arabicPeriod"/>
+            </a:pPr>
+            <a:r>
+              <a:rPr lang="en-US" sz="2000" dirty="0">
+                <a:solidFill>
+                  <a:schemeClr val="bg1">
+                    <a:lumMod val="65000"/>
+                  </a:schemeClr>
+                </a:solidFill>
+              </a:rPr>
+              <a:t>Requirements</a:t>
+            </a:r>
+          </a:p>
+          <a:p>
+            <a:pPr marL="342900" indent="-342900">
+              <a:buAutoNum type="arabicPeriod"/>
+            </a:pPr>
+            <a:r>
+              <a:rPr lang="en-US" sz="2000" dirty="0">
+                <a:solidFill>
+                  <a:schemeClr val="bg1">
+                    <a:lumMod val="65000"/>
+                  </a:schemeClr>
+                </a:solidFill>
+              </a:rPr>
+              <a:t>Concept</a:t>
+            </a:r>
+          </a:p>
+          <a:p>
+            <a:pPr marL="342900" indent="-342900">
+              <a:buAutoNum type="arabicPeriod"/>
+            </a:pPr>
+            <a:r>
+              <a:rPr lang="en-US" sz="2000" dirty="0"/>
+              <a:t>Implementation</a:t>
+            </a:r>
+          </a:p>
+          <a:p>
+            <a:pPr marL="342900" indent="-342900">
+              <a:buAutoNum type="arabicPeriod"/>
+            </a:pPr>
+            <a:r>
+              <a:rPr lang="en-US" sz="2000" dirty="0">
+                <a:solidFill>
+                  <a:schemeClr val="bg1">
+                    <a:lumMod val="65000"/>
+                  </a:schemeClr>
+                </a:solidFill>
+              </a:rPr>
+              <a:t>Evaluation</a:t>
+            </a:r>
+          </a:p>
+          <a:p>
+            <a:pPr marL="342900" indent="-342900">
+              <a:buAutoNum type="arabicPeriod"/>
+            </a:pPr>
+            <a:r>
+              <a:rPr lang="en-US" sz="2000" dirty="0">
+                <a:solidFill>
+                  <a:schemeClr val="bg1">
+                    <a:lumMod val="65000"/>
+                  </a:schemeClr>
+                </a:solidFill>
+              </a:rPr>
+              <a:t>Conclusion</a:t>
+            </a:r>
+          </a:p>
+        </p:txBody>
+      </p:sp>
+      <p:sp>
+        <p:nvSpPr>
+          <p:cNvPr id="3" name="Titel 2">
+            <a:extLst>
+              <a:ext uri="{FF2B5EF4-FFF2-40B4-BE49-F238E27FC236}">
+                <a16:creationId xmlns:a16="http://schemas.microsoft.com/office/drawing/2014/main" id="{F182C14F-233D-4F18-B0A7-515FB9A72BFA}"/>
+              </a:ext>
+            </a:extLst>
+          </p:cNvPr>
+          <p:cNvSpPr>
+            <a:spLocks noGrp="1"/>
+          </p:cNvSpPr>
+          <p:nvPr>
+            <p:ph type="title"/>
+          </p:nvPr>
+        </p:nvSpPr>
+        <p:spPr/>
+        <p:txBody>
+          <a:bodyPr/>
+          <a:lstStyle/>
+          <a:p>
+            <a:r>
+              <a:rPr lang="en-US" dirty="0"/>
+              <a:t>Table of Contents</a:t>
+            </a:r>
+          </a:p>
+        </p:txBody>
+      </p:sp>
+      <p:sp>
+        <p:nvSpPr>
+          <p:cNvPr id="5" name="Foliennummernplatzhalter 4">
+            <a:extLst>
+              <a:ext uri="{FF2B5EF4-FFF2-40B4-BE49-F238E27FC236}">
+                <a16:creationId xmlns:a16="http://schemas.microsoft.com/office/drawing/2014/main" id="{6EF588D4-39FD-497A-82FC-20DB00E6AC43}"/>
+              </a:ext>
+            </a:extLst>
+          </p:cNvPr>
+          <p:cNvSpPr>
+            <a:spLocks noGrp="1"/>
+          </p:cNvSpPr>
+          <p:nvPr>
+            <p:ph type="sldNum" sz="quarter" idx="12"/>
+          </p:nvPr>
+        </p:nvSpPr>
+        <p:spPr/>
+        <p:txBody>
+          <a:bodyPr/>
+          <a:lstStyle/>
+          <a:p>
+            <a:fld id="{CE58CB1E-F828-4F11-99E0-327109AF9DA4}" type="slidenum">
+              <a:rPr lang="de-DE" smtClean="0"/>
+              <a:pPr/>
+              <a:t>18</a:t>
+            </a:fld>
+            <a:endParaRPr lang="de-DE" dirty="0"/>
+          </a:p>
+        </p:txBody>
+      </p:sp>
+    </p:spTree>
+    <p:extLst>
+      <p:ext uri="{BB962C8B-B14F-4D97-AF65-F5344CB8AC3E}">
+        <p14:creationId xmlns:p14="http://schemas.microsoft.com/office/powerpoint/2010/main" val="3346800965"/>
+      </p:ext>
+    </p:extLst>
+  </p:cSld>
+  <p:clrMapOvr>
+    <a:masterClrMapping/>
+  </p:clrMapOvr>
+</p:sld>
+</file>
+
+<file path=ppt/slides/slide19.xml><?xml version="1.0" encoding="utf-8"?>
+<p:sld xmlns:a="http://schemas.openxmlformats.org/drawingml/2006/main" xmlns:r="http://schemas.openxmlformats.org/officeDocument/2006/relationships" xmlns:p="http://schemas.openxmlformats.org/presentationml/2006/main">
+  <p:cSld>
+    <p:spTree>
+      <p:nvGrpSpPr>
+        <p:cNvPr id="1" name=""/>
+        <p:cNvGrpSpPr/>
+        <p:nvPr/>
+      </p:nvGrpSpPr>
+      <p:grpSpPr>
+        <a:xfrm>
+          <a:off x="0" y="0"/>
+          <a:ext cx="0" cy="0"/>
+          <a:chOff x="0" y="0"/>
+          <a:chExt cx="0" cy="0"/>
+        </a:xfrm>
+      </p:grpSpPr>
+      <p:sp>
+        <p:nvSpPr>
           <p:cNvPr id="3" name="Titel 2">
             <a:extLst>
               <a:ext uri="{FF2B5EF4-FFF2-40B4-BE49-F238E27FC236}">
@@ -21205,196 +20700,6 @@
               <a:t>Implementation Software:</a:t>
             </a:r>
             <a:endParaRPr lang="en-US" dirty="0"/>
-          </a:p>
-        </p:txBody>
-      </p:sp>
-      <p:sp>
-        <p:nvSpPr>
-          <p:cNvPr id="4" name="Titel 2">
-            <a:extLst>
-              <a:ext uri="{FF2B5EF4-FFF2-40B4-BE49-F238E27FC236}">
-                <a16:creationId xmlns:a16="http://schemas.microsoft.com/office/drawing/2014/main" id="{C1298B93-9A55-48CC-8BD1-7AE85D7D8D53}"/>
-              </a:ext>
-            </a:extLst>
-          </p:cNvPr>
-          <p:cNvSpPr txBox="1">
-            <a:spLocks/>
-          </p:cNvSpPr>
-          <p:nvPr/>
-        </p:nvSpPr>
-        <p:spPr>
-          <a:xfrm>
-            <a:off x="121704" y="0"/>
-            <a:ext cx="9128976" cy="360355"/>
-          </a:xfrm>
-          <a:prstGeom prst="rect">
-            <a:avLst/>
-          </a:prstGeom>
-          <a:noFill/>
-          <a:ln w="9525">
-            <a:noFill/>
-            <a:miter lim="800000"/>
-            <a:headEnd/>
-            <a:tailEnd/>
-          </a:ln>
-        </p:spPr>
-        <p:txBody>
-          <a:bodyPr vert="horz" wrap="square" lIns="0" tIns="0" rIns="0" bIns="0" numCol="1" anchor="t" anchorCtr="0" compatLnSpc="1">
-            <a:prstTxWarp prst="textNoShape">
-              <a:avLst/>
-            </a:prstTxWarp>
-            <a:spAutoFit/>
-          </a:bodyPr>
-          <a:lstStyle>
-            <a:lvl1pPr algn="l" rtl="0" eaLnBrk="1" fontAlgn="base" hangingPunct="1">
-              <a:lnSpc>
-                <a:spcPts val="3200"/>
-              </a:lnSpc>
-              <a:spcBef>
-                <a:spcPct val="0"/>
-              </a:spcBef>
-              <a:spcAft>
-                <a:spcPct val="0"/>
-              </a:spcAft>
-              <a:defRPr lang="de-DE" sz="3000" b="0" kern="1200" noProof="0" dirty="0">
-                <a:solidFill>
-                  <a:schemeClr val="tx1"/>
-                </a:solidFill>
-                <a:latin typeface="+mj-lt"/>
-                <a:ea typeface="+mj-ea"/>
-                <a:cs typeface="+mj-cs"/>
-              </a:defRPr>
-            </a:lvl1pPr>
-            <a:lvl2pPr algn="l" rtl="0" eaLnBrk="1" fontAlgn="base" hangingPunct="1">
-              <a:spcBef>
-                <a:spcPct val="0"/>
-              </a:spcBef>
-              <a:spcAft>
-                <a:spcPct val="0"/>
-              </a:spcAft>
-              <a:defRPr sz="2000" b="1">
-                <a:solidFill>
-                  <a:schemeClr val="tx2"/>
-                </a:solidFill>
-                <a:latin typeface="Arial" charset="0"/>
-                <a:cs typeface="Arial" charset="0"/>
-              </a:defRPr>
-            </a:lvl2pPr>
-            <a:lvl3pPr algn="l" rtl="0" eaLnBrk="1" fontAlgn="base" hangingPunct="1">
-              <a:spcBef>
-                <a:spcPct val="0"/>
-              </a:spcBef>
-              <a:spcAft>
-                <a:spcPct val="0"/>
-              </a:spcAft>
-              <a:defRPr sz="2000" b="1">
-                <a:solidFill>
-                  <a:schemeClr val="tx2"/>
-                </a:solidFill>
-                <a:latin typeface="Arial" charset="0"/>
-                <a:cs typeface="Arial" charset="0"/>
-              </a:defRPr>
-            </a:lvl3pPr>
-            <a:lvl4pPr algn="l" rtl="0" eaLnBrk="1" fontAlgn="base" hangingPunct="1">
-              <a:spcBef>
-                <a:spcPct val="0"/>
-              </a:spcBef>
-              <a:spcAft>
-                <a:spcPct val="0"/>
-              </a:spcAft>
-              <a:defRPr sz="2000" b="1">
-                <a:solidFill>
-                  <a:schemeClr val="tx2"/>
-                </a:solidFill>
-                <a:latin typeface="Arial" charset="0"/>
-                <a:cs typeface="Arial" charset="0"/>
-              </a:defRPr>
-            </a:lvl4pPr>
-            <a:lvl5pPr algn="l" rtl="0" eaLnBrk="1" fontAlgn="base" hangingPunct="1">
-              <a:spcBef>
-                <a:spcPct val="0"/>
-              </a:spcBef>
-              <a:spcAft>
-                <a:spcPct val="0"/>
-              </a:spcAft>
-              <a:defRPr sz="2000" b="1">
-                <a:solidFill>
-                  <a:schemeClr val="tx2"/>
-                </a:solidFill>
-                <a:latin typeface="Arial" charset="0"/>
-                <a:cs typeface="Arial" charset="0"/>
-              </a:defRPr>
-            </a:lvl5pPr>
-            <a:lvl6pPr marL="457200" algn="l" rtl="0" eaLnBrk="1" fontAlgn="base" hangingPunct="1">
-              <a:spcBef>
-                <a:spcPct val="0"/>
-              </a:spcBef>
-              <a:spcAft>
-                <a:spcPct val="0"/>
-              </a:spcAft>
-              <a:defRPr sz="2000" b="1">
-                <a:solidFill>
-                  <a:schemeClr val="tx2"/>
-                </a:solidFill>
-                <a:latin typeface="Arial" charset="0"/>
-                <a:cs typeface="Arial" charset="0"/>
-              </a:defRPr>
-            </a:lvl6pPr>
-            <a:lvl7pPr marL="914400" algn="l" rtl="0" eaLnBrk="1" fontAlgn="base" hangingPunct="1">
-              <a:spcBef>
-                <a:spcPct val="0"/>
-              </a:spcBef>
-              <a:spcAft>
-                <a:spcPct val="0"/>
-              </a:spcAft>
-              <a:defRPr sz="2000" b="1">
-                <a:solidFill>
-                  <a:schemeClr val="tx2"/>
-                </a:solidFill>
-                <a:latin typeface="Arial" charset="0"/>
-                <a:cs typeface="Arial" charset="0"/>
-              </a:defRPr>
-            </a:lvl7pPr>
-            <a:lvl8pPr marL="1371600" algn="l" rtl="0" eaLnBrk="1" fontAlgn="base" hangingPunct="1">
-              <a:spcBef>
-                <a:spcPct val="0"/>
-              </a:spcBef>
-              <a:spcAft>
-                <a:spcPct val="0"/>
-              </a:spcAft>
-              <a:defRPr sz="2000" b="1">
-                <a:solidFill>
-                  <a:schemeClr val="tx2"/>
-                </a:solidFill>
-                <a:latin typeface="Arial" charset="0"/>
-                <a:cs typeface="Arial" charset="0"/>
-              </a:defRPr>
-            </a:lvl8pPr>
-            <a:lvl9pPr marL="1828800" algn="l" rtl="0" eaLnBrk="1" fontAlgn="base" hangingPunct="1">
-              <a:spcBef>
-                <a:spcPct val="0"/>
-              </a:spcBef>
-              <a:spcAft>
-                <a:spcPct val="0"/>
-              </a:spcAft>
-              <a:defRPr sz="2000" b="1">
-                <a:solidFill>
-                  <a:schemeClr val="tx2"/>
-                </a:solidFill>
-                <a:latin typeface="Arial" charset="0"/>
-                <a:cs typeface="Arial" charset="0"/>
-              </a:defRPr>
-            </a:lvl9pPr>
-          </a:lstStyle>
-          <a:p>
-            <a:r>
-              <a:rPr lang="en-US" sz="1800" dirty="0">
-                <a:solidFill>
-                  <a:srgbClr val="FF0000"/>
-                </a:solidFill>
-              </a:rPr>
-              <a:t>Goal: Detail about Software</a:t>
-            </a:r>
           </a:p>
         </p:txBody>
       </p:sp>
@@ -21699,7 +21004,7 @@
         <p:spPr>
           <a:xfrm>
             <a:off x="3374669" y="5302730"/>
-            <a:ext cx="3055578" cy="818686"/>
+            <a:ext cx="3055578" cy="537968"/>
           </a:xfrm>
           <a:prstGeom prst="rect">
             <a:avLst/>
@@ -21735,26 +21040,41 @@
               <a:buChar char="•"/>
             </a:pPr>
             <a:r>
-              <a:rPr lang="en-US" sz="1600" dirty="0">
-                <a:latin typeface="+mn-lt"/>
-              </a:rPr>
-              <a:t>Image Tracking w. Vuforia</a:t>
-            </a:r>
-          </a:p>
-          <a:p>
-            <a:pPr marL="285750" indent="-285750">
-              <a:lnSpc>
-                <a:spcPct val="114000"/>
-              </a:lnSpc>
-              <a:buFont typeface="Arial" panose="020B0604020202020204" pitchFamily="34" charset="0"/>
-              <a:buChar char="•"/>
-            </a:pPr>
-            <a:r>
               <a:rPr lang="en-US" sz="1600" b="1" dirty="0">
                 <a:latin typeface="+mn-lt"/>
               </a:rPr>
               <a:t>Hosts the other libraries</a:t>
             </a:r>
+          </a:p>
+        </p:txBody>
+      </p:sp>
+      <p:sp>
+        <p:nvSpPr>
+          <p:cNvPr id="6" name="Foliennummernplatzhalter 5">
+            <a:extLst>
+              <a:ext uri="{FF2B5EF4-FFF2-40B4-BE49-F238E27FC236}">
+                <a16:creationId xmlns:a16="http://schemas.microsoft.com/office/drawing/2014/main" id="{FA5B7141-5657-4B23-91BC-21AD11662228}"/>
+              </a:ext>
+            </a:extLst>
+          </p:cNvPr>
+          <p:cNvSpPr>
+            <a:spLocks noGrp="1"/>
+          </p:cNvSpPr>
+          <p:nvPr>
+            <p:ph type="sldNum" sz="quarter" idx="12"/>
+          </p:nvPr>
+        </p:nvSpPr>
+        <p:spPr/>
+        <p:txBody>
+          <a:bodyPr/>
+          <a:lstStyle/>
+          <a:p>
+            <a:fld id="{CE58CB1E-F828-4F11-99E0-327109AF9DA4}" type="slidenum">
+              <a:rPr lang="de-DE" smtClean="0"/>
+              <a:pPr/>
+              <a:t>19</a:t>
+            </a:fld>
+            <a:endParaRPr lang="de-DE" dirty="0"/>
           </a:p>
         </p:txBody>
       </p:sp>
@@ -21977,7 +21297,7 @@
 </p:sld>
 </file>
 
-<file path=ppt/slides/slide19.xml><?xml version="1.0" encoding="utf-8"?>
+<file path=ppt/slides/slide2.xml><?xml version="1.0" encoding="utf-8"?>
 <p:sld xmlns:a="http://schemas.openxmlformats.org/drawingml/2006/main" xmlns:r="http://schemas.openxmlformats.org/officeDocument/2006/relationships" xmlns:p="http://schemas.openxmlformats.org/presentationml/2006/main">
   <p:cSld>
     <p:spTree>
@@ -21996,6 +21316,184 @@
       </p:grpSpPr>
       <p:sp>
         <p:nvSpPr>
+          <p:cNvPr id="2" name="Inhaltsplatzhalter 1">
+            <a:extLst>
+              <a:ext uri="{FF2B5EF4-FFF2-40B4-BE49-F238E27FC236}">
+                <a16:creationId xmlns:a16="http://schemas.microsoft.com/office/drawing/2014/main" id="{3AE51EEE-5768-455A-9D22-F07025773052}"/>
+              </a:ext>
+            </a:extLst>
+          </p:cNvPr>
+          <p:cNvSpPr>
+            <a:spLocks noGrp="1"/>
+          </p:cNvSpPr>
+          <p:nvPr>
+            <p:ph idx="10"/>
+          </p:nvPr>
+        </p:nvSpPr>
+        <p:spPr>
+          <a:xfrm>
+            <a:off x="319088" y="1978720"/>
+            <a:ext cx="8508999" cy="3171618"/>
+          </a:xfrm>
+        </p:spPr>
+        <p:txBody>
+          <a:bodyPr/>
+          <a:lstStyle/>
+          <a:p>
+            <a:pPr marL="342900" indent="-342900">
+              <a:buAutoNum type="arabicPeriod"/>
+            </a:pPr>
+            <a:r>
+              <a:rPr lang="en-US" sz="2000" dirty="0"/>
+              <a:t>Introduction</a:t>
+            </a:r>
+          </a:p>
+          <a:p>
+            <a:pPr marL="342900" indent="-342900">
+              <a:buAutoNum type="arabicPeriod"/>
+            </a:pPr>
+            <a:r>
+              <a:rPr lang="en-US" sz="2000" dirty="0"/>
+              <a:t>State of the Art</a:t>
+            </a:r>
+          </a:p>
+          <a:p>
+            <a:pPr marL="342900" indent="-342900">
+              <a:buAutoNum type="arabicPeriod"/>
+            </a:pPr>
+            <a:r>
+              <a:rPr lang="en-US" sz="2000" dirty="0"/>
+              <a:t>Requirements</a:t>
+            </a:r>
+          </a:p>
+          <a:p>
+            <a:pPr marL="342900" indent="-342900">
+              <a:buAutoNum type="arabicPeriod"/>
+            </a:pPr>
+            <a:r>
+              <a:rPr lang="en-US" sz="2000" dirty="0"/>
+              <a:t>Concept</a:t>
+            </a:r>
+          </a:p>
+          <a:p>
+            <a:pPr marL="342900" indent="-342900">
+              <a:buAutoNum type="arabicPeriod"/>
+            </a:pPr>
+            <a:r>
+              <a:rPr lang="en-US" sz="2000" dirty="0"/>
+              <a:t>Implementation</a:t>
+            </a:r>
+          </a:p>
+          <a:p>
+            <a:pPr marL="342900" indent="-342900">
+              <a:buAutoNum type="arabicPeriod"/>
+            </a:pPr>
+            <a:r>
+              <a:rPr lang="en-US" sz="2000" dirty="0"/>
+              <a:t>Evaluation</a:t>
+            </a:r>
+          </a:p>
+          <a:p>
+            <a:pPr marL="342900" indent="-342900">
+              <a:buAutoNum type="arabicPeriod"/>
+            </a:pPr>
+            <a:r>
+              <a:rPr lang="en-US" sz="2000" dirty="0"/>
+              <a:t>Conclusion</a:t>
+            </a:r>
+          </a:p>
+        </p:txBody>
+      </p:sp>
+      <p:sp>
+        <p:nvSpPr>
+          <p:cNvPr id="3" name="Titel 2">
+            <a:extLst>
+              <a:ext uri="{FF2B5EF4-FFF2-40B4-BE49-F238E27FC236}">
+                <a16:creationId xmlns:a16="http://schemas.microsoft.com/office/drawing/2014/main" id="{F182C14F-233D-4F18-B0A7-515FB9A72BFA}"/>
+              </a:ext>
+            </a:extLst>
+          </p:cNvPr>
+          <p:cNvSpPr>
+            <a:spLocks noGrp="1"/>
+          </p:cNvSpPr>
+          <p:nvPr>
+            <p:ph type="title"/>
+          </p:nvPr>
+        </p:nvSpPr>
+        <p:spPr/>
+        <p:txBody>
+          <a:bodyPr/>
+          <a:lstStyle/>
+          <a:p>
+            <a:r>
+              <a:rPr lang="en-US" dirty="0"/>
+              <a:t>Table of Contents</a:t>
+            </a:r>
+          </a:p>
+        </p:txBody>
+      </p:sp>
+      <p:sp>
+        <p:nvSpPr>
+          <p:cNvPr id="5" name="Foliennummernplatzhalter 4">
+            <a:extLst>
+              <a:ext uri="{FF2B5EF4-FFF2-40B4-BE49-F238E27FC236}">
+                <a16:creationId xmlns:a16="http://schemas.microsoft.com/office/drawing/2014/main" id="{4A42F38A-5D35-4527-9769-8CA391C447E9}"/>
+              </a:ext>
+            </a:extLst>
+          </p:cNvPr>
+          <p:cNvSpPr>
+            <a:spLocks noGrp="1"/>
+          </p:cNvSpPr>
+          <p:nvPr>
+            <p:ph type="sldNum" sz="quarter" idx="12"/>
+          </p:nvPr>
+        </p:nvSpPr>
+        <p:spPr/>
+        <p:txBody>
+          <a:bodyPr/>
+          <a:lstStyle/>
+          <a:p>
+            <a:fld id="{CE58CB1E-F828-4F11-99E0-327109AF9DA4}" type="slidenum">
+              <a:rPr lang="de-DE" smtClean="0"/>
+              <a:pPr/>
+              <a:t>2</a:t>
+            </a:fld>
+            <a:endParaRPr lang="de-DE" dirty="0"/>
+          </a:p>
+        </p:txBody>
+      </p:sp>
+    </p:spTree>
+    <p:extLst>
+      <p:ext uri="{BB962C8B-B14F-4D97-AF65-F5344CB8AC3E}">
+        <p14:creationId xmlns:p14="http://schemas.microsoft.com/office/powerpoint/2010/main" val="3286202917"/>
+      </p:ext>
+    </p:extLst>
+  </p:cSld>
+  <p:clrMapOvr>
+    <a:masterClrMapping/>
+  </p:clrMapOvr>
+</p:sld>
+</file>
+
+<file path=ppt/slides/slide20.xml><?xml version="1.0" encoding="utf-8"?>
+<p:sld xmlns:a="http://schemas.openxmlformats.org/drawingml/2006/main" xmlns:r="http://schemas.openxmlformats.org/officeDocument/2006/relationships" xmlns:p="http://schemas.openxmlformats.org/presentationml/2006/main">
+  <p:cSld>
+    <p:spTree>
+      <p:nvGrpSpPr>
+        <p:cNvPr id="1" name=""/>
+        <p:cNvGrpSpPr/>
+        <p:nvPr/>
+      </p:nvGrpSpPr>
+      <p:grpSpPr>
+        <a:xfrm>
+          <a:off x="0" y="0"/>
+          <a:ext cx="0" cy="0"/>
+          <a:chOff x="0" y="0"/>
+          <a:chExt cx="0" cy="0"/>
+        </a:xfrm>
+      </p:grpSpPr>
+      <p:sp>
+        <p:nvSpPr>
           <p:cNvPr id="3" name="Titel 2">
             <a:extLst>
               <a:ext uri="{FF2B5EF4-FFF2-40B4-BE49-F238E27FC236}">
@@ -22025,196 +21523,6 @@
               <a:t>Implementation Hardware:</a:t>
             </a:r>
             <a:endParaRPr lang="en-US" dirty="0"/>
-          </a:p>
-        </p:txBody>
-      </p:sp>
-      <p:sp>
-        <p:nvSpPr>
-          <p:cNvPr id="4" name="Titel 2">
-            <a:extLst>
-              <a:ext uri="{FF2B5EF4-FFF2-40B4-BE49-F238E27FC236}">
-                <a16:creationId xmlns:a16="http://schemas.microsoft.com/office/drawing/2014/main" id="{C1298B93-9A55-48CC-8BD1-7AE85D7D8D53}"/>
-              </a:ext>
-            </a:extLst>
-          </p:cNvPr>
-          <p:cNvSpPr txBox="1">
-            <a:spLocks/>
-          </p:cNvSpPr>
-          <p:nvPr/>
-        </p:nvSpPr>
-        <p:spPr>
-          <a:xfrm>
-            <a:off x="121704" y="0"/>
-            <a:ext cx="9128976" cy="360355"/>
-          </a:xfrm>
-          <a:prstGeom prst="rect">
-            <a:avLst/>
-          </a:prstGeom>
-          <a:noFill/>
-          <a:ln w="9525">
-            <a:noFill/>
-            <a:miter lim="800000"/>
-            <a:headEnd/>
-            <a:tailEnd/>
-          </a:ln>
-        </p:spPr>
-        <p:txBody>
-          <a:bodyPr vert="horz" wrap="square" lIns="0" tIns="0" rIns="0" bIns="0" numCol="1" anchor="t" anchorCtr="0" compatLnSpc="1">
-            <a:prstTxWarp prst="textNoShape">
-              <a:avLst/>
-            </a:prstTxWarp>
-            <a:spAutoFit/>
-          </a:bodyPr>
-          <a:lstStyle>
-            <a:lvl1pPr algn="l" rtl="0" eaLnBrk="1" fontAlgn="base" hangingPunct="1">
-              <a:lnSpc>
-                <a:spcPts val="3200"/>
-              </a:lnSpc>
-              <a:spcBef>
-                <a:spcPct val="0"/>
-              </a:spcBef>
-              <a:spcAft>
-                <a:spcPct val="0"/>
-              </a:spcAft>
-              <a:defRPr lang="de-DE" sz="3000" b="0" kern="1200" noProof="0" dirty="0">
-                <a:solidFill>
-                  <a:schemeClr val="tx1"/>
-                </a:solidFill>
-                <a:latin typeface="+mj-lt"/>
-                <a:ea typeface="+mj-ea"/>
-                <a:cs typeface="+mj-cs"/>
-              </a:defRPr>
-            </a:lvl1pPr>
-            <a:lvl2pPr algn="l" rtl="0" eaLnBrk="1" fontAlgn="base" hangingPunct="1">
-              <a:spcBef>
-                <a:spcPct val="0"/>
-              </a:spcBef>
-              <a:spcAft>
-                <a:spcPct val="0"/>
-              </a:spcAft>
-              <a:defRPr sz="2000" b="1">
-                <a:solidFill>
-                  <a:schemeClr val="tx2"/>
-                </a:solidFill>
-                <a:latin typeface="Arial" charset="0"/>
-                <a:cs typeface="Arial" charset="0"/>
-              </a:defRPr>
-            </a:lvl2pPr>
-            <a:lvl3pPr algn="l" rtl="0" eaLnBrk="1" fontAlgn="base" hangingPunct="1">
-              <a:spcBef>
-                <a:spcPct val="0"/>
-              </a:spcBef>
-              <a:spcAft>
-                <a:spcPct val="0"/>
-              </a:spcAft>
-              <a:defRPr sz="2000" b="1">
-                <a:solidFill>
-                  <a:schemeClr val="tx2"/>
-                </a:solidFill>
-                <a:latin typeface="Arial" charset="0"/>
-                <a:cs typeface="Arial" charset="0"/>
-              </a:defRPr>
-            </a:lvl3pPr>
-            <a:lvl4pPr algn="l" rtl="0" eaLnBrk="1" fontAlgn="base" hangingPunct="1">
-              <a:spcBef>
-                <a:spcPct val="0"/>
-              </a:spcBef>
-              <a:spcAft>
-                <a:spcPct val="0"/>
-              </a:spcAft>
-              <a:defRPr sz="2000" b="1">
-                <a:solidFill>
-                  <a:schemeClr val="tx2"/>
-                </a:solidFill>
-                <a:latin typeface="Arial" charset="0"/>
-                <a:cs typeface="Arial" charset="0"/>
-              </a:defRPr>
-            </a:lvl4pPr>
-            <a:lvl5pPr algn="l" rtl="0" eaLnBrk="1" fontAlgn="base" hangingPunct="1">
-              <a:spcBef>
-                <a:spcPct val="0"/>
-              </a:spcBef>
-              <a:spcAft>
-                <a:spcPct val="0"/>
-              </a:spcAft>
-              <a:defRPr sz="2000" b="1">
-                <a:solidFill>
-                  <a:schemeClr val="tx2"/>
-                </a:solidFill>
-                <a:latin typeface="Arial" charset="0"/>
-                <a:cs typeface="Arial" charset="0"/>
-              </a:defRPr>
-            </a:lvl5pPr>
-            <a:lvl6pPr marL="457200" algn="l" rtl="0" eaLnBrk="1" fontAlgn="base" hangingPunct="1">
-              <a:spcBef>
-                <a:spcPct val="0"/>
-              </a:spcBef>
-              <a:spcAft>
-                <a:spcPct val="0"/>
-              </a:spcAft>
-              <a:defRPr sz="2000" b="1">
-                <a:solidFill>
-                  <a:schemeClr val="tx2"/>
-                </a:solidFill>
-                <a:latin typeface="Arial" charset="0"/>
-                <a:cs typeface="Arial" charset="0"/>
-              </a:defRPr>
-            </a:lvl6pPr>
-            <a:lvl7pPr marL="914400" algn="l" rtl="0" eaLnBrk="1" fontAlgn="base" hangingPunct="1">
-              <a:spcBef>
-                <a:spcPct val="0"/>
-              </a:spcBef>
-              <a:spcAft>
-                <a:spcPct val="0"/>
-              </a:spcAft>
-              <a:defRPr sz="2000" b="1">
-                <a:solidFill>
-                  <a:schemeClr val="tx2"/>
-                </a:solidFill>
-                <a:latin typeface="Arial" charset="0"/>
-                <a:cs typeface="Arial" charset="0"/>
-              </a:defRPr>
-            </a:lvl7pPr>
-            <a:lvl8pPr marL="1371600" algn="l" rtl="0" eaLnBrk="1" fontAlgn="base" hangingPunct="1">
-              <a:spcBef>
-                <a:spcPct val="0"/>
-              </a:spcBef>
-              <a:spcAft>
-                <a:spcPct val="0"/>
-              </a:spcAft>
-              <a:defRPr sz="2000" b="1">
-                <a:solidFill>
-                  <a:schemeClr val="tx2"/>
-                </a:solidFill>
-                <a:latin typeface="Arial" charset="0"/>
-                <a:cs typeface="Arial" charset="0"/>
-              </a:defRPr>
-            </a:lvl8pPr>
-            <a:lvl9pPr marL="1828800" algn="l" rtl="0" eaLnBrk="1" fontAlgn="base" hangingPunct="1">
-              <a:spcBef>
-                <a:spcPct val="0"/>
-              </a:spcBef>
-              <a:spcAft>
-                <a:spcPct val="0"/>
-              </a:spcAft>
-              <a:defRPr sz="2000" b="1">
-                <a:solidFill>
-                  <a:schemeClr val="tx2"/>
-                </a:solidFill>
-                <a:latin typeface="Arial" charset="0"/>
-                <a:cs typeface="Arial" charset="0"/>
-              </a:defRPr>
-            </a:lvl9pPr>
-          </a:lstStyle>
-          <a:p>
-            <a:r>
-              <a:rPr lang="en-US" sz="1800" dirty="0">
-                <a:solidFill>
-                  <a:srgbClr val="FF0000"/>
-                </a:solidFill>
-              </a:rPr>
-              <a:t>Goal: Detail about Hardware</a:t>
-            </a:r>
           </a:p>
         </p:txBody>
       </p:sp>
@@ -22575,6 +21883,36 @@
             <a:endParaRPr lang="en-US" sz="1600" dirty="0">
               <a:latin typeface="+mn-lt"/>
             </a:endParaRPr>
+          </a:p>
+        </p:txBody>
+      </p:sp>
+      <p:sp>
+        <p:nvSpPr>
+          <p:cNvPr id="5" name="Foliennummernplatzhalter 4">
+            <a:extLst>
+              <a:ext uri="{FF2B5EF4-FFF2-40B4-BE49-F238E27FC236}">
+                <a16:creationId xmlns:a16="http://schemas.microsoft.com/office/drawing/2014/main" id="{50BAEF58-D6CE-4F04-AEC6-90AE1F624C8D}"/>
+              </a:ext>
+            </a:extLst>
+          </p:cNvPr>
+          <p:cNvSpPr>
+            <a:spLocks noGrp="1"/>
+          </p:cNvSpPr>
+          <p:nvPr>
+            <p:ph type="sldNum" sz="quarter" idx="12"/>
+          </p:nvPr>
+        </p:nvSpPr>
+        <p:spPr/>
+        <p:txBody>
+          <a:bodyPr/>
+          <a:lstStyle/>
+          <a:p>
+            <a:fld id="{CE58CB1E-F828-4F11-99E0-327109AF9DA4}" type="slidenum">
+              <a:rPr lang="de-DE" smtClean="0"/>
+              <a:pPr/>
+              <a:t>20</a:t>
+            </a:fld>
+            <a:endParaRPr lang="de-DE" dirty="0"/>
           </a:p>
         </p:txBody>
       </p:sp>
@@ -22991,155 +22329,7 @@
 </p:sld>
 </file>
 
-<file path=ppt/slides/slide2.xml><?xml version="1.0" encoding="utf-8"?>
-<p:sld xmlns:a="http://schemas.openxmlformats.org/drawingml/2006/main" xmlns:r="http://schemas.openxmlformats.org/officeDocument/2006/relationships" xmlns:p="http://schemas.openxmlformats.org/presentationml/2006/main">
-  <p:cSld>
-    <p:spTree>
-      <p:nvGrpSpPr>
-        <p:cNvPr id="1" name=""/>
-        <p:cNvGrpSpPr/>
-        <p:nvPr/>
-      </p:nvGrpSpPr>
-      <p:grpSpPr>
-        <a:xfrm>
-          <a:off x="0" y="0"/>
-          <a:ext cx="0" cy="0"/>
-          <a:chOff x="0" y="0"/>
-          <a:chExt cx="0" cy="0"/>
-        </a:xfrm>
-      </p:grpSpPr>
-      <p:sp>
-        <p:nvSpPr>
-          <p:cNvPr id="2" name="Inhaltsplatzhalter 1">
-            <a:extLst>
-              <a:ext uri="{FF2B5EF4-FFF2-40B4-BE49-F238E27FC236}">
-                <a16:creationId xmlns:a16="http://schemas.microsoft.com/office/drawing/2014/main" id="{3AE51EEE-5768-455A-9D22-F07025773052}"/>
-              </a:ext>
-            </a:extLst>
-          </p:cNvPr>
-          <p:cNvSpPr>
-            <a:spLocks noGrp="1"/>
-          </p:cNvSpPr>
-          <p:nvPr>
-            <p:ph idx="10"/>
-          </p:nvPr>
-        </p:nvSpPr>
-        <p:spPr>
-          <a:xfrm>
-            <a:off x="319088" y="1978720"/>
-            <a:ext cx="8508999" cy="3171618"/>
-          </a:xfrm>
-        </p:spPr>
-        <p:txBody>
-          <a:bodyPr/>
-          <a:lstStyle/>
-          <a:p>
-            <a:pPr marL="342900" indent="-342900">
-              <a:buAutoNum type="arabicPeriod"/>
-            </a:pPr>
-            <a:r>
-              <a:rPr lang="en-US" sz="2000" dirty="0"/>
-              <a:t>Introduction</a:t>
-            </a:r>
-          </a:p>
-          <a:p>
-            <a:pPr marL="342900" indent="-342900">
-              <a:buAutoNum type="arabicPeriod"/>
-            </a:pPr>
-            <a:r>
-              <a:rPr lang="en-US" sz="2000" dirty="0"/>
-              <a:t>State of the Art</a:t>
-            </a:r>
-          </a:p>
-          <a:p>
-            <a:pPr marL="342900" indent="-342900">
-              <a:buAutoNum type="arabicPeriod"/>
-            </a:pPr>
-            <a:r>
-              <a:rPr lang="en-US" sz="2000" dirty="0"/>
-              <a:t>Requirements</a:t>
-            </a:r>
-          </a:p>
-          <a:p>
-            <a:pPr marL="342900" indent="-342900">
-              <a:buAutoNum type="arabicPeriod"/>
-            </a:pPr>
-            <a:r>
-              <a:rPr lang="en-US" sz="2000" dirty="0"/>
-              <a:t>Concept</a:t>
-            </a:r>
-          </a:p>
-          <a:p>
-            <a:pPr marL="342900" indent="-342900">
-              <a:buAutoNum type="arabicPeriod"/>
-            </a:pPr>
-            <a:r>
-              <a:rPr lang="en-US" sz="2000" dirty="0"/>
-              <a:t>Implementation</a:t>
-            </a:r>
-          </a:p>
-          <a:p>
-            <a:pPr marL="342900" indent="-342900">
-              <a:buAutoNum type="arabicPeriod"/>
-            </a:pPr>
-            <a:r>
-              <a:rPr lang="en-US" sz="2000" dirty="0"/>
-              <a:t>Evaluation</a:t>
-            </a:r>
-          </a:p>
-          <a:p>
-            <a:pPr marL="342900" indent="-342900">
-              <a:buAutoNum type="arabicPeriod"/>
-            </a:pPr>
-            <a:r>
-              <a:rPr lang="en-US" sz="2000" dirty="0"/>
-              <a:t>Conclusion</a:t>
-            </a:r>
-          </a:p>
-        </p:txBody>
-      </p:sp>
-      <p:sp>
-        <p:nvSpPr>
-          <p:cNvPr id="3" name="Titel 2">
-            <a:extLst>
-              <a:ext uri="{FF2B5EF4-FFF2-40B4-BE49-F238E27FC236}">
-                <a16:creationId xmlns:a16="http://schemas.microsoft.com/office/drawing/2014/main" id="{F182C14F-233D-4F18-B0A7-515FB9A72BFA}"/>
-              </a:ext>
-            </a:extLst>
-          </p:cNvPr>
-          <p:cNvSpPr>
-            <a:spLocks noGrp="1"/>
-          </p:cNvSpPr>
-          <p:nvPr>
-            <p:ph type="title"/>
-          </p:nvPr>
-        </p:nvSpPr>
-        <p:spPr/>
-        <p:txBody>
-          <a:bodyPr/>
-          <a:lstStyle/>
-          <a:p>
-            <a:r>
-              <a:rPr lang="en-US" dirty="0"/>
-              <a:t>Table of Contents</a:t>
-            </a:r>
-          </a:p>
-        </p:txBody>
-      </p:sp>
-    </p:spTree>
-    <p:extLst>
-      <p:ext uri="{BB962C8B-B14F-4D97-AF65-F5344CB8AC3E}">
-        <p14:creationId xmlns:p14="http://schemas.microsoft.com/office/powerpoint/2010/main" val="3286202917"/>
-      </p:ext>
-    </p:extLst>
-  </p:cSld>
-  <p:clrMapOvr>
-    <a:masterClrMapping/>
-  </p:clrMapOvr>
-</p:sld>
-</file>
-
-<file path=ppt/slides/slide20.xml><?xml version="1.0" encoding="utf-8"?>
+<file path=ppt/slides/slide21.xml><?xml version="1.0" encoding="utf-8"?>
 <p:sld xmlns:a="http://schemas.openxmlformats.org/drawingml/2006/main" xmlns:r="http://schemas.openxmlformats.org/officeDocument/2006/relationships" xmlns:p="http://schemas.openxmlformats.org/presentationml/2006/main">
   <p:cSld>
     <p:spTree>
@@ -23664,6 +22854,36 @@
           <a:p>
             <a:pPr algn="ctr"/>
             <a:endParaRPr lang="en-GB" dirty="0"/>
+          </a:p>
+        </p:txBody>
+      </p:sp>
+      <p:sp>
+        <p:nvSpPr>
+          <p:cNvPr id="3" name="Foliennummernplatzhalter 2">
+            <a:extLst>
+              <a:ext uri="{FF2B5EF4-FFF2-40B4-BE49-F238E27FC236}">
+                <a16:creationId xmlns:a16="http://schemas.microsoft.com/office/drawing/2014/main" id="{FAF5A079-8358-45C1-A509-8029358949DB}"/>
+              </a:ext>
+            </a:extLst>
+          </p:cNvPr>
+          <p:cNvSpPr>
+            <a:spLocks noGrp="1"/>
+          </p:cNvSpPr>
+          <p:nvPr>
+            <p:ph type="sldNum" sz="quarter" idx="12"/>
+          </p:nvPr>
+        </p:nvSpPr>
+        <p:spPr/>
+        <p:txBody>
+          <a:bodyPr/>
+          <a:lstStyle/>
+          <a:p>
+            <a:fld id="{CE58CB1E-F828-4F11-99E0-327109AF9DA4}" type="slidenum">
+              <a:rPr lang="de-DE" smtClean="0"/>
+              <a:pPr/>
+              <a:t>21</a:t>
+            </a:fld>
+            <a:endParaRPr lang="de-DE" dirty="0"/>
           </a:p>
         </p:txBody>
       </p:sp>
@@ -24036,7 +23256,7 @@
 </p:sld>
 </file>
 
-<file path=ppt/slides/slide21.xml><?xml version="1.0" encoding="utf-8"?>
+<file path=ppt/slides/slide22.xml><?xml version="1.0" encoding="utf-8"?>
 <p:sld xmlns:a="http://schemas.openxmlformats.org/drawingml/2006/main" xmlns:r="http://schemas.openxmlformats.org/officeDocument/2006/relationships" xmlns:p="http://schemas.openxmlformats.org/presentationml/2006/main">
   <p:cSld>
     <p:spTree>
@@ -24207,6 +23427,36 @@
           </a:p>
         </p:txBody>
       </p:sp>
+      <p:sp>
+        <p:nvSpPr>
+          <p:cNvPr id="5" name="Foliennummernplatzhalter 4">
+            <a:extLst>
+              <a:ext uri="{FF2B5EF4-FFF2-40B4-BE49-F238E27FC236}">
+                <a16:creationId xmlns:a16="http://schemas.microsoft.com/office/drawing/2014/main" id="{35075E7A-1137-4E9E-9670-38CE8B876D8F}"/>
+              </a:ext>
+            </a:extLst>
+          </p:cNvPr>
+          <p:cNvSpPr>
+            <a:spLocks noGrp="1"/>
+          </p:cNvSpPr>
+          <p:nvPr>
+            <p:ph type="sldNum" sz="quarter" idx="12"/>
+          </p:nvPr>
+        </p:nvSpPr>
+        <p:spPr/>
+        <p:txBody>
+          <a:bodyPr/>
+          <a:lstStyle/>
+          <a:p>
+            <a:fld id="{CE58CB1E-F828-4F11-99E0-327109AF9DA4}" type="slidenum">
+              <a:rPr lang="de-DE" smtClean="0"/>
+              <a:pPr/>
+              <a:t>22</a:t>
+            </a:fld>
+            <a:endParaRPr lang="de-DE" dirty="0"/>
+          </a:p>
+        </p:txBody>
+      </p:sp>
     </p:spTree>
     <p:extLst>
       <p:ext uri="{BB962C8B-B14F-4D97-AF65-F5344CB8AC3E}">
@@ -24220,7 +23470,7 @@
 </p:sld>
 </file>
 
-<file path=ppt/slides/slide22.xml><?xml version="1.0" encoding="utf-8"?>
+<file path=ppt/slides/slide23.xml><?xml version="1.0" encoding="utf-8"?>
 <p:sld xmlns:a="http://schemas.openxmlformats.org/drawingml/2006/main" xmlns:r="http://schemas.openxmlformats.org/officeDocument/2006/relationships" xmlns:p="http://schemas.openxmlformats.org/presentationml/2006/main">
   <p:cSld>
     <p:bg>
@@ -24293,7 +23543,7 @@
         <p:spPr>
           <a:xfrm>
             <a:off x="4572000" y="1676400"/>
-            <a:ext cx="0" cy="4710347"/>
+            <a:ext cx="0" cy="3657600"/>
           </a:xfrm>
           <a:prstGeom prst="line">
             <a:avLst/>
@@ -24422,7 +23672,7 @@
         <p:spPr>
           <a:xfrm>
             <a:off x="457201" y="3603036"/>
-            <a:ext cx="3752837" cy="2783711"/>
+            <a:ext cx="3752837" cy="1099404"/>
           </a:xfrm>
           <a:prstGeom prst="rect">
             <a:avLst/>
@@ -24459,7 +23709,7 @@
               <a:rPr lang="en-US" sz="1600" dirty="0">
                 <a:latin typeface="+mn-lt"/>
               </a:rPr>
-              <a:t>Special implementations possible</a:t>
+              <a:t>Flexible</a:t>
             </a:r>
           </a:p>
           <a:p>
@@ -24474,30 +23724,7 @@
               <a:rPr lang="en-US" sz="1600" dirty="0">
                 <a:latin typeface="+mn-lt"/>
               </a:rPr>
-              <a:t>Theoretically every workflow buildable</a:t>
-            </a:r>
-          </a:p>
-          <a:p>
-            <a:pPr>
-              <a:lnSpc>
-                <a:spcPct val="114000"/>
-              </a:lnSpc>
-            </a:pPr>
-            <a:endParaRPr lang="en-US" sz="1600" dirty="0">
-              <a:latin typeface="+mn-lt"/>
-            </a:endParaRPr>
-          </a:p>
-          <a:p>
-            <a:pPr>
-              <a:lnSpc>
-                <a:spcPct val="114000"/>
-              </a:lnSpc>
-            </a:pPr>
-            <a:r>
-              <a:rPr lang="en-US" sz="1600" dirty="0">
-                <a:latin typeface="+mn-lt"/>
-              </a:rPr>
-              <a:t>Con:</a:t>
+              <a:t>Software engineering</a:t>
             </a:r>
           </a:p>
           <a:p>
@@ -24512,50 +23739,8 @@
               <a:rPr lang="en-US" sz="1600" dirty="0">
                 <a:latin typeface="+mn-lt"/>
               </a:rPr>
-              <a:t>Software engineering necessary</a:t>
-            </a:r>
-          </a:p>
-          <a:p>
-            <a:pPr marL="285750" indent="-285750">
-              <a:lnSpc>
-                <a:spcPct val="114000"/>
-              </a:lnSpc>
-              <a:buFontTx/>
-              <a:buChar char="-"/>
-            </a:pPr>
-            <a:r>
-              <a:rPr lang="en-US" sz="1600" dirty="0">
-                <a:latin typeface="+mn-lt"/>
-              </a:rPr>
-              <a:t>Image tracking &amp; gesture recognition</a:t>
-            </a:r>
-          </a:p>
-          <a:p>
-            <a:pPr marL="285750" indent="-285750">
-              <a:lnSpc>
-                <a:spcPct val="114000"/>
-              </a:lnSpc>
-              <a:buFontTx/>
-              <a:buChar char="-"/>
-            </a:pPr>
-            <a:r>
-              <a:rPr lang="en-US" sz="1600" dirty="0">
-                <a:latin typeface="+mn-lt"/>
-              </a:rPr>
-              <a:t>Small steps have to be implemented manually</a:t>
-            </a:r>
-          </a:p>
-          <a:p>
-            <a:pPr marL="285750" indent="-285750">
-              <a:lnSpc>
-                <a:spcPct val="114000"/>
-              </a:lnSpc>
-              <a:buFontTx/>
-              <a:buChar char="-"/>
-            </a:pPr>
-            <a:endParaRPr lang="en-US" sz="1600" dirty="0">
-              <a:latin typeface="+mn-lt"/>
-            </a:endParaRPr>
+              <a:t>Manual work</a:t>
+            </a:r>
           </a:p>
         </p:txBody>
       </p:sp>
@@ -24574,7 +23759,7 @@
         <p:spPr>
           <a:xfrm>
             <a:off x="5064845" y="3603036"/>
-            <a:ext cx="3917229" cy="2783711"/>
+            <a:ext cx="3917229" cy="1380121"/>
           </a:xfrm>
           <a:prstGeom prst="rect">
             <a:avLst/>
@@ -24611,7 +23796,7 @@
               <a:rPr lang="en-US" sz="1600" dirty="0">
                 <a:latin typeface="+mn-lt"/>
               </a:rPr>
-              <a:t>No AR related challenges</a:t>
+              <a:t>Simpler</a:t>
             </a:r>
           </a:p>
           <a:p>
@@ -24626,7 +23811,20 @@
               <a:rPr lang="en-US" sz="1600" dirty="0">
                 <a:latin typeface="+mn-lt"/>
               </a:rPr>
-              <a:t>No SE necessary</a:t>
+              <a:t>Focus on workflow</a:t>
+            </a:r>
+          </a:p>
+          <a:p>
+            <a:pPr>
+              <a:lnSpc>
+                <a:spcPct val="114000"/>
+              </a:lnSpc>
+            </a:pPr>
+            <a:r>
+              <a:rPr lang="en-US" sz="1600" dirty="0">
+                <a:latin typeface="+mn-lt"/>
+              </a:rPr>
+              <a:t>Con:</a:t>
             </a:r>
           </a:p>
           <a:p>
@@ -24638,73 +23836,11 @@
               <a:buChar char="-"/>
             </a:pPr>
             <a:r>
-              <a:rPr lang="en-US" sz="1600" dirty="0">
+              <a:rPr lang="en-US" sz="1600" dirty="0" err="1">
                 <a:latin typeface="+mn-lt"/>
               </a:rPr>
-              <a:t>Good for “quick prototypes”</a:t>
-            </a:r>
-          </a:p>
-          <a:p>
-            <a:pPr>
-              <a:lnSpc>
-                <a:spcPct val="114000"/>
-              </a:lnSpc>
-            </a:pPr>
-            <a:endParaRPr lang="en-US" sz="1600" dirty="0">
-              <a:latin typeface="+mn-lt"/>
-            </a:endParaRPr>
-          </a:p>
-          <a:p>
-            <a:pPr>
-              <a:lnSpc>
-                <a:spcPct val="114000"/>
-              </a:lnSpc>
-            </a:pPr>
-            <a:r>
-              <a:rPr lang="en-US" sz="1600" dirty="0">
-                <a:latin typeface="+mn-lt"/>
-              </a:rPr>
-              <a:t>Con:</a:t>
-            </a:r>
-          </a:p>
-          <a:p>
-            <a:pPr marL="285750" indent="-285750">
-              <a:lnSpc>
-                <a:spcPct val="114000"/>
-              </a:lnSpc>
-              <a:buFontTx/>
-              <a:buChar char="-"/>
-            </a:pPr>
-            <a:r>
-              <a:rPr lang="en-US" sz="1600" dirty="0">
-                <a:latin typeface="+mn-lt"/>
-              </a:rPr>
-              <a:t>Limited by provided Parametrized Program objects (triggers, actions…)</a:t>
-            </a:r>
-          </a:p>
-          <a:p>
-            <a:pPr marL="285750" indent="-285750">
-              <a:lnSpc>
-                <a:spcPct val="114000"/>
-              </a:lnSpc>
-              <a:buFontTx/>
-              <a:buChar char="-"/>
-            </a:pPr>
-            <a:r>
-              <a:rPr lang="en-US" sz="1600" dirty="0">
-                <a:latin typeface="+mn-lt"/>
-              </a:rPr>
-              <a:t>Hard to keep the overview</a:t>
-            </a:r>
-          </a:p>
-          <a:p>
-            <a:pPr marL="285750" indent="-285750">
-              <a:lnSpc>
-                <a:spcPct val="114000"/>
-              </a:lnSpc>
-              <a:buFontTx/>
-              <a:buChar char="-"/>
-            </a:pPr>
+              <a:t>Limite</a:t>
+            </a:r>
             <a:endParaRPr lang="en-US" sz="1600" dirty="0">
               <a:latin typeface="+mn-lt"/>
             </a:endParaRPr>
@@ -24794,7 +23930,7 @@
         <p:spPr>
           <a:xfrm>
             <a:off x="5002937" y="2610314"/>
-            <a:ext cx="3752837" cy="818686"/>
+            <a:ext cx="3752837" cy="537968"/>
           </a:xfrm>
           <a:prstGeom prst="rect">
             <a:avLst/>
@@ -24829,18 +23965,38 @@
               <a:rPr lang="en-US" sz="1600" dirty="0">
                 <a:latin typeface="+mn-lt"/>
               </a:rPr>
-              <a:t>5 points, 4 holograms, eight triggers, 21 actions </a:t>
-            </a:r>
-            <a:r>
-              <a:rPr lang="en-GB" sz="1600" dirty="0"/>
-              <a:t>→</a:t>
-            </a:r>
-            <a:r>
-              <a:rPr lang="en-US" sz="1600" dirty="0">
-                <a:latin typeface="+mn-lt"/>
-              </a:rPr>
-              <a:t> 38 lines parametrized program</a:t>
-            </a:r>
+              <a:t>38 lines parametrized program</a:t>
+            </a:r>
+          </a:p>
+        </p:txBody>
+      </p:sp>
+      <p:sp>
+        <p:nvSpPr>
+          <p:cNvPr id="4" name="Foliennummernplatzhalter 3">
+            <a:extLst>
+              <a:ext uri="{FF2B5EF4-FFF2-40B4-BE49-F238E27FC236}">
+                <a16:creationId xmlns:a16="http://schemas.microsoft.com/office/drawing/2014/main" id="{ECC4EC5D-C510-420C-BD05-D97C24F40D31}"/>
+              </a:ext>
+            </a:extLst>
+          </p:cNvPr>
+          <p:cNvSpPr>
+            <a:spLocks noGrp="1"/>
+          </p:cNvSpPr>
+          <p:nvPr>
+            <p:ph type="sldNum" sz="quarter" idx="12"/>
+          </p:nvPr>
+        </p:nvSpPr>
+        <p:spPr/>
+        <p:txBody>
+          <a:bodyPr/>
+          <a:lstStyle/>
+          <a:p>
+            <a:fld id="{CE58CB1E-F828-4F11-99E0-327109AF9DA4}" type="slidenum">
+              <a:rPr lang="de-DE" smtClean="0"/>
+              <a:pPr/>
+              <a:t>23</a:t>
+            </a:fld>
+            <a:endParaRPr lang="de-DE" dirty="0"/>
           </a:p>
         </p:txBody>
       </p:sp>
@@ -25069,7 +24225,7 @@
 </p:sld>
 </file>
 
-<file path=ppt/slides/slide23.xml><?xml version="1.0" encoding="utf-8"?>
+<file path=ppt/slides/slide24.xml><?xml version="1.0" encoding="utf-8"?>
 <p:sld xmlns:a="http://schemas.openxmlformats.org/drawingml/2006/main" xmlns:r="http://schemas.openxmlformats.org/officeDocument/2006/relationships" xmlns:p="http://schemas.openxmlformats.org/presentationml/2006/main">
   <p:cSld>
     <p:spTree>
@@ -26492,7 +25648,6 @@
               </a:rPr>
               <a:t>Summary:</a:t>
             </a:r>
-            <a:endParaRPr lang="en-US" sz="1600" dirty="0"/>
           </a:p>
           <a:p>
             <a:pPr marL="285750" indent="-285750">
@@ -26503,12 +25658,12 @@
               <a:buChar char="-"/>
             </a:pPr>
             <a:r>
-              <a:rPr lang="en-US" sz="1600" dirty="0"/>
-              <a:t>Provided a cheat sheet</a:t>
-            </a:r>
-            <a:endParaRPr lang="en-US" sz="1600" dirty="0">
-              <a:latin typeface="+mn-lt"/>
-            </a:endParaRPr>
+              <a:rPr lang="en-US" sz="1600" dirty="0">
+                <a:latin typeface="+mn-lt"/>
+              </a:rPr>
+              <a:t>20 min introduction</a:t>
+            </a:r>
+            <a:endParaRPr lang="en-US" sz="1600" dirty="0"/>
           </a:p>
           <a:p>
             <a:pPr marL="285750" indent="-285750">
@@ -26519,12 +25674,9 @@
               <a:buChar char="-"/>
             </a:pPr>
             <a:r>
-              <a:rPr lang="en-US" sz="1600" dirty="0">
-                <a:latin typeface="+mn-lt"/>
-              </a:rPr>
-              <a:t>42 minutes on average to achieve the task</a:t>
-            </a:r>
-            <a:endParaRPr lang="en-US" sz="1600" dirty="0"/>
+              <a:rPr lang="en-US" sz="1600" dirty="0"/>
+              <a:t>Provided a cheat sheet</a:t>
+            </a:r>
           </a:p>
           <a:p>
             <a:pPr marL="285750" indent="-285750">
@@ -26535,12 +25687,11 @@
               <a:buChar char="-"/>
             </a:pPr>
             <a:r>
-              <a:rPr lang="en-US" sz="1600" dirty="0"/>
-              <a:t>5 succeeded, 1 failed</a:t>
-            </a:r>
-            <a:endParaRPr lang="en-US" sz="1600" dirty="0">
-              <a:latin typeface="+mn-lt"/>
-            </a:endParaRPr>
+              <a:rPr lang="en-US" sz="1600" dirty="0">
+                <a:latin typeface="+mn-lt"/>
+              </a:rPr>
+              <a:t>Only minor questions answered</a:t>
+            </a:r>
           </a:p>
           <a:p>
             <a:pPr marL="285750" indent="-285750">
@@ -26554,8 +25705,9 @@
               <a:rPr lang="en-US" sz="1600" dirty="0">
                 <a:latin typeface="+mn-lt"/>
               </a:rPr>
-              <a:t>5 used a chronological approach</a:t>
-            </a:r>
+              <a:t>42 minutes on average to achieve the task</a:t>
+            </a:r>
+            <a:endParaRPr lang="en-US" sz="1600" dirty="0"/>
           </a:p>
           <a:p>
             <a:pPr marL="285750" indent="-285750">
@@ -26566,11 +25718,12 @@
               <a:buChar char="-"/>
             </a:pPr>
             <a:r>
-              <a:rPr lang="en-US" sz="1600" dirty="0">
-                <a:latin typeface="+mn-lt"/>
-              </a:rPr>
-              <a:t>1 used a “non-chronological” appr.</a:t>
-            </a:r>
+              <a:rPr lang="en-US" sz="1600" dirty="0"/>
+              <a:t>5 succeeded, 1 failed</a:t>
+            </a:r>
+            <a:endParaRPr lang="en-US" sz="1600" dirty="0">
+              <a:latin typeface="+mn-lt"/>
+            </a:endParaRPr>
           </a:p>
         </p:txBody>
       </p:sp>
@@ -26626,7 +25779,7 @@
               <a:rPr lang="en-US" sz="1600" dirty="0">
                 <a:latin typeface="+mn-lt"/>
               </a:rPr>
-              <a:t>Many lost the overview</a:t>
+              <a:t>Overview hard to keep</a:t>
             </a:r>
           </a:p>
           <a:p>
@@ -26643,6 +25796,36 @@
               </a:rPr>
               <a:t>Custom extensions not possible</a:t>
             </a:r>
+          </a:p>
+        </p:txBody>
+      </p:sp>
+      <p:sp>
+        <p:nvSpPr>
+          <p:cNvPr id="5" name="Foliennummernplatzhalter 4">
+            <a:extLst>
+              <a:ext uri="{FF2B5EF4-FFF2-40B4-BE49-F238E27FC236}">
+                <a16:creationId xmlns:a16="http://schemas.microsoft.com/office/drawing/2014/main" id="{FEAB1621-ECE7-48B6-8549-D9B41BF71B20}"/>
+              </a:ext>
+            </a:extLst>
+          </p:cNvPr>
+          <p:cNvSpPr>
+            <a:spLocks noGrp="1"/>
+          </p:cNvSpPr>
+          <p:nvPr>
+            <p:ph type="sldNum" sz="quarter" idx="12"/>
+          </p:nvPr>
+        </p:nvSpPr>
+        <p:spPr/>
+        <p:txBody>
+          <a:bodyPr/>
+          <a:lstStyle/>
+          <a:p>
+            <a:fld id="{CE58CB1E-F828-4F11-99E0-327109AF9DA4}" type="slidenum">
+              <a:rPr lang="de-DE" smtClean="0"/>
+              <a:pPr/>
+              <a:t>24</a:t>
+            </a:fld>
+            <a:endParaRPr lang="de-DE" dirty="0"/>
           </a:p>
         </p:txBody>
       </p:sp>
@@ -26799,190 +25982,6 @@
 </p:sld>
 </file>
 
-<file path=ppt/slides/slide24.xml><?xml version="1.0" encoding="utf-8"?>
-<p:sld xmlns:a="http://schemas.openxmlformats.org/drawingml/2006/main" xmlns:r="http://schemas.openxmlformats.org/officeDocument/2006/relationships" xmlns:p="http://schemas.openxmlformats.org/presentationml/2006/main">
-  <p:cSld>
-    <p:spTree>
-      <p:nvGrpSpPr>
-        <p:cNvPr id="1" name=""/>
-        <p:cNvGrpSpPr/>
-        <p:nvPr/>
-      </p:nvGrpSpPr>
-      <p:grpSpPr>
-        <a:xfrm>
-          <a:off x="0" y="0"/>
-          <a:ext cx="0" cy="0"/>
-          <a:chOff x="0" y="0"/>
-          <a:chExt cx="0" cy="0"/>
-        </a:xfrm>
-      </p:grpSpPr>
-      <p:sp>
-        <p:nvSpPr>
-          <p:cNvPr id="2" name="Inhaltsplatzhalter 1">
-            <a:extLst>
-              <a:ext uri="{FF2B5EF4-FFF2-40B4-BE49-F238E27FC236}">
-                <a16:creationId xmlns:a16="http://schemas.microsoft.com/office/drawing/2014/main" id="{3AE51EEE-5768-455A-9D22-F07025773052}"/>
-              </a:ext>
-            </a:extLst>
-          </p:cNvPr>
-          <p:cNvSpPr>
-            <a:spLocks noGrp="1"/>
-          </p:cNvSpPr>
-          <p:nvPr>
-            <p:ph idx="10"/>
-          </p:nvPr>
-        </p:nvSpPr>
-        <p:spPr>
-          <a:xfrm>
-            <a:off x="319088" y="1978720"/>
-            <a:ext cx="8508999" cy="3171618"/>
-          </a:xfrm>
-        </p:spPr>
-        <p:txBody>
-          <a:bodyPr/>
-          <a:lstStyle/>
-          <a:p>
-            <a:pPr marL="342900" indent="-342900">
-              <a:buAutoNum type="arabicPeriod"/>
-            </a:pPr>
-            <a:r>
-              <a:rPr lang="en-US" sz="2000" dirty="0">
-                <a:solidFill>
-                  <a:schemeClr val="bg1">
-                    <a:lumMod val="65000"/>
-                  </a:schemeClr>
-                </a:solidFill>
-              </a:rPr>
-              <a:t>Introduction</a:t>
-            </a:r>
-          </a:p>
-          <a:p>
-            <a:pPr marL="342900" indent="-342900">
-              <a:buAutoNum type="arabicPeriod"/>
-            </a:pPr>
-            <a:r>
-              <a:rPr lang="en-US" sz="2000" dirty="0">
-                <a:solidFill>
-                  <a:schemeClr val="bg1">
-                    <a:lumMod val="65000"/>
-                  </a:schemeClr>
-                </a:solidFill>
-              </a:rPr>
-              <a:t>State of the Art</a:t>
-            </a:r>
-          </a:p>
-          <a:p>
-            <a:pPr marL="342900" indent="-342900">
-              <a:buAutoNum type="arabicPeriod"/>
-            </a:pPr>
-            <a:r>
-              <a:rPr lang="en-US" sz="2000" dirty="0">
-                <a:solidFill>
-                  <a:schemeClr val="bg1">
-                    <a:lumMod val="65000"/>
-                  </a:schemeClr>
-                </a:solidFill>
-              </a:rPr>
-              <a:t>Requirements</a:t>
-            </a:r>
-          </a:p>
-          <a:p>
-            <a:pPr marL="342900" indent="-342900">
-              <a:buAutoNum type="arabicPeriod"/>
-            </a:pPr>
-            <a:r>
-              <a:rPr lang="en-US" sz="2000" dirty="0">
-                <a:solidFill>
-                  <a:schemeClr val="bg1">
-                    <a:lumMod val="65000"/>
-                  </a:schemeClr>
-                </a:solidFill>
-              </a:rPr>
-              <a:t>Concept</a:t>
-            </a:r>
-          </a:p>
-          <a:p>
-            <a:pPr marL="342900" indent="-342900">
-              <a:buAutoNum type="arabicPeriod"/>
-            </a:pPr>
-            <a:r>
-              <a:rPr lang="en-US" sz="2000" dirty="0">
-                <a:solidFill>
-                  <a:schemeClr val="bg1">
-                    <a:lumMod val="65000"/>
-                  </a:schemeClr>
-                </a:solidFill>
-              </a:rPr>
-              <a:t>Implementation</a:t>
-            </a:r>
-          </a:p>
-          <a:p>
-            <a:pPr marL="342900" indent="-342900">
-              <a:buAutoNum type="arabicPeriod"/>
-            </a:pPr>
-            <a:r>
-              <a:rPr lang="en-US" sz="2000" dirty="0">
-                <a:solidFill>
-                  <a:schemeClr val="bg1">
-                    <a:lumMod val="65000"/>
-                  </a:schemeClr>
-                </a:solidFill>
-              </a:rPr>
-              <a:t>Evaluation</a:t>
-            </a:r>
-          </a:p>
-          <a:p>
-            <a:pPr marL="342900" indent="-342900">
-              <a:buAutoNum type="arabicPeriod"/>
-            </a:pPr>
-            <a:r>
-              <a:rPr lang="en-US" sz="2000" dirty="0"/>
-              <a:t>Conclusion</a:t>
-            </a:r>
-          </a:p>
-        </p:txBody>
-      </p:sp>
-      <p:sp>
-        <p:nvSpPr>
-          <p:cNvPr id="3" name="Titel 2">
-            <a:extLst>
-              <a:ext uri="{FF2B5EF4-FFF2-40B4-BE49-F238E27FC236}">
-                <a16:creationId xmlns:a16="http://schemas.microsoft.com/office/drawing/2014/main" id="{F182C14F-233D-4F18-B0A7-515FB9A72BFA}"/>
-              </a:ext>
-            </a:extLst>
-          </p:cNvPr>
-          <p:cNvSpPr>
-            <a:spLocks noGrp="1"/>
-          </p:cNvSpPr>
-          <p:nvPr>
-            <p:ph type="title"/>
-          </p:nvPr>
-        </p:nvSpPr>
-        <p:spPr/>
-        <p:txBody>
-          <a:bodyPr/>
-          <a:lstStyle/>
-          <a:p>
-            <a:r>
-              <a:rPr lang="en-US" dirty="0"/>
-              <a:t>Table of Contents</a:t>
-            </a:r>
-          </a:p>
-        </p:txBody>
-      </p:sp>
-    </p:spTree>
-    <p:extLst>
-      <p:ext uri="{BB962C8B-B14F-4D97-AF65-F5344CB8AC3E}">
-        <p14:creationId xmlns:p14="http://schemas.microsoft.com/office/powerpoint/2010/main" val="1747038721"/>
-      </p:ext>
-    </p:extLst>
-  </p:cSld>
-  <p:clrMapOvr>
-    <a:masterClrMapping/>
-  </p:clrMapOvr>
-</p:sld>
-</file>
-
 <file path=ppt/slides/slide25.xml><?xml version="1.0" encoding="utf-8"?>
 <p:sld xmlns:a="http://schemas.openxmlformats.org/drawingml/2006/main" xmlns:r="http://schemas.openxmlformats.org/officeDocument/2006/relationships" xmlns:p="http://schemas.openxmlformats.org/presentationml/2006/main">
   <p:cSld>
@@ -27002,10 +26001,136 @@
       </p:grpSpPr>
       <p:sp>
         <p:nvSpPr>
+          <p:cNvPr id="2" name="Inhaltsplatzhalter 1">
+            <a:extLst>
+              <a:ext uri="{FF2B5EF4-FFF2-40B4-BE49-F238E27FC236}">
+                <a16:creationId xmlns:a16="http://schemas.microsoft.com/office/drawing/2014/main" id="{3AE51EEE-5768-455A-9D22-F07025773052}"/>
+              </a:ext>
+            </a:extLst>
+          </p:cNvPr>
+          <p:cNvSpPr>
+            <a:spLocks noGrp="1"/>
+          </p:cNvSpPr>
+          <p:nvPr>
+            <p:ph idx="10"/>
+          </p:nvPr>
+        </p:nvSpPr>
+        <p:spPr>
+          <a:xfrm>
+            <a:off x="319088" y="1978720"/>
+            <a:ext cx="8508999" cy="3171618"/>
+          </a:xfrm>
+        </p:spPr>
+        <p:txBody>
+          <a:bodyPr/>
+          <a:lstStyle/>
+          <a:p>
+            <a:pPr marL="342900" indent="-342900">
+              <a:buAutoNum type="arabicPeriod"/>
+            </a:pPr>
+            <a:r>
+              <a:rPr lang="en-US" sz="2000" dirty="0">
+                <a:solidFill>
+                  <a:schemeClr val="bg1">
+                    <a:lumMod val="65000"/>
+                  </a:schemeClr>
+                </a:solidFill>
+              </a:rPr>
+              <a:t>Introduction</a:t>
+            </a:r>
+          </a:p>
+          <a:p>
+            <a:pPr marL="342900" indent="-342900">
+              <a:buAutoNum type="arabicPeriod"/>
+            </a:pPr>
+            <a:r>
+              <a:rPr lang="en-US" sz="2000" dirty="0">
+                <a:solidFill>
+                  <a:schemeClr val="bg1">
+                    <a:lumMod val="65000"/>
+                  </a:schemeClr>
+                </a:solidFill>
+              </a:rPr>
+              <a:t>State of the Art</a:t>
+            </a:r>
+          </a:p>
+          <a:p>
+            <a:pPr marL="342900" indent="-342900">
+              <a:buAutoNum type="arabicPeriod"/>
+            </a:pPr>
+            <a:r>
+              <a:rPr lang="en-US" sz="2000" dirty="0">
+                <a:solidFill>
+                  <a:schemeClr val="bg1">
+                    <a:lumMod val="65000"/>
+                  </a:schemeClr>
+                </a:solidFill>
+              </a:rPr>
+              <a:t>Requirements</a:t>
+            </a:r>
+          </a:p>
+          <a:p>
+            <a:pPr marL="342900" indent="-342900">
+              <a:buAutoNum type="arabicPeriod"/>
+            </a:pPr>
+            <a:r>
+              <a:rPr lang="en-US" sz="2000" dirty="0">
+                <a:solidFill>
+                  <a:schemeClr val="bg1">
+                    <a:lumMod val="65000"/>
+                  </a:schemeClr>
+                </a:solidFill>
+              </a:rPr>
+              <a:t>Concept</a:t>
+            </a:r>
+          </a:p>
+          <a:p>
+            <a:pPr marL="342900" indent="-342900">
+              <a:buAutoNum type="arabicPeriod"/>
+            </a:pPr>
+            <a:r>
+              <a:rPr lang="en-US" sz="2000" dirty="0">
+                <a:solidFill>
+                  <a:schemeClr val="bg1">
+                    <a:lumMod val="65000"/>
+                  </a:schemeClr>
+                </a:solidFill>
+              </a:rPr>
+              <a:t>Implementation</a:t>
+            </a:r>
+          </a:p>
+          <a:p>
+            <a:pPr marL="342900" indent="-342900">
+              <a:buAutoNum type="arabicPeriod"/>
+            </a:pPr>
+            <a:r>
+              <a:rPr lang="en-US" sz="2000" dirty="0">
+                <a:solidFill>
+                  <a:schemeClr val="bg1">
+                    <a:lumMod val="65000"/>
+                  </a:schemeClr>
+                </a:solidFill>
+              </a:rPr>
+              <a:t>Evaluation</a:t>
+            </a:r>
+          </a:p>
+          <a:p>
+            <a:pPr marL="342900" indent="-342900">
+              <a:buAutoNum type="arabicPeriod"/>
+            </a:pPr>
+            <a:r>
+              <a:rPr lang="en-US" sz="2000" dirty="0"/>
+              <a:t>Conclusion</a:t>
+            </a:r>
+          </a:p>
+        </p:txBody>
+      </p:sp>
+      <p:sp>
+        <p:nvSpPr>
           <p:cNvPr id="3" name="Titel 2">
             <a:extLst>
               <a:ext uri="{FF2B5EF4-FFF2-40B4-BE49-F238E27FC236}">
-                <a16:creationId xmlns:a16="http://schemas.microsoft.com/office/drawing/2014/main" id="{F345004C-5228-407F-BC3C-DC2D1CE217F8}"/>
+                <a16:creationId xmlns:a16="http://schemas.microsoft.com/office/drawing/2014/main" id="{F182C14F-233D-4F18-B0A7-515FB9A72BFA}"/>
               </a:ext>
             </a:extLst>
           </p:cNvPr>
@@ -27016,169 +26141,52 @@
             <p:ph type="title"/>
           </p:nvPr>
         </p:nvSpPr>
-        <p:spPr>
-          <a:xfrm>
-            <a:off x="319090" y="994334"/>
-            <a:ext cx="8508999" cy="410369"/>
-          </a:xfrm>
-        </p:spPr>
+        <p:spPr/>
         <p:txBody>
           <a:bodyPr/>
           <a:lstStyle/>
           <a:p>
             <a:r>
               <a:rPr lang="en-US" dirty="0"/>
-              <a:t>Conclusion</a:t>
-            </a:r>
-          </a:p>
-        </p:txBody>
-      </p:sp>
-      <p:sp>
-        <p:nvSpPr>
-          <p:cNvPr id="40" name="Textfeld 39">
+              <a:t>Table of Contents</a:t>
+            </a:r>
+          </a:p>
+        </p:txBody>
+      </p:sp>
+      <p:sp>
+        <p:nvSpPr>
+          <p:cNvPr id="5" name="Foliennummernplatzhalter 4">
             <a:extLst>
               <a:ext uri="{FF2B5EF4-FFF2-40B4-BE49-F238E27FC236}">
-                <a16:creationId xmlns:a16="http://schemas.microsoft.com/office/drawing/2014/main" id="{0943027B-0B77-4A60-8D06-67C40F475B1E}"/>
+                <a16:creationId xmlns:a16="http://schemas.microsoft.com/office/drawing/2014/main" id="{70E1CCAA-37A0-415D-83F0-63B54E066211}"/>
               </a:ext>
             </a:extLst>
           </p:cNvPr>
-          <p:cNvSpPr txBox="1"/>
-          <p:nvPr/>
-        </p:nvSpPr>
-        <p:spPr>
-          <a:xfrm>
-            <a:off x="1371600" y="2107611"/>
-            <a:ext cx="6400800" cy="1380121"/>
-          </a:xfrm>
-          <a:prstGeom prst="rect">
-            <a:avLst/>
-          </a:prstGeom>
-          <a:noFill/>
-        </p:spPr>
-        <p:txBody>
-          <a:bodyPr wrap="square" lIns="0" tIns="0" rIns="0" bIns="0" rtlCol="0">
-            <a:spAutoFit/>
-          </a:bodyPr>
+          <p:cNvSpPr>
+            <a:spLocks noGrp="1"/>
+          </p:cNvSpPr>
+          <p:nvPr>
+            <p:ph type="sldNum" sz="quarter" idx="12"/>
+          </p:nvPr>
+        </p:nvSpPr>
+        <p:spPr/>
+        <p:txBody>
+          <a:bodyPr/>
           <a:lstStyle/>
           <a:p>
-            <a:pPr>
-              <a:lnSpc>
-                <a:spcPct val="114000"/>
-              </a:lnSpc>
-            </a:pPr>
-            <a:r>
-              <a:rPr lang="en-US" sz="1600" dirty="0">
-                <a:latin typeface="+mn-lt"/>
-              </a:rPr>
-              <a:t>Parametrized Augmented Reality Robot Human Interface (PARRHI):</a:t>
-            </a:r>
-            <a:br>
-              <a:rPr lang="en-US" sz="1600" dirty="0">
-                <a:latin typeface="+mn-lt"/>
-              </a:rPr>
-            </a:br>
-            <a:r>
-              <a:rPr lang="en-US" sz="1600" b="1" dirty="0">
-                <a:latin typeface="+mn-lt"/>
-              </a:rPr>
-              <a:t>Development framework </a:t>
-            </a:r>
-            <a:r>
-              <a:rPr lang="en-US" sz="1600" dirty="0">
-                <a:latin typeface="+mn-lt"/>
-              </a:rPr>
-              <a:t>using a parameterized approach, to create </a:t>
-            </a:r>
-            <a:r>
-              <a:rPr lang="en-US" sz="1600" b="1" dirty="0">
-                <a:latin typeface="+mn-lt"/>
-              </a:rPr>
-              <a:t>AR Human-Robot collaboration applications.</a:t>
-            </a:r>
-          </a:p>
-          <a:p>
-            <a:pPr>
-              <a:lnSpc>
-                <a:spcPct val="114000"/>
-              </a:lnSpc>
-            </a:pPr>
-            <a:endParaRPr lang="en-US" sz="1600" b="1" dirty="0">
-              <a:latin typeface="+mn-lt"/>
-            </a:endParaRPr>
-          </a:p>
-          <a:p>
-            <a:pPr>
-              <a:lnSpc>
-                <a:spcPct val="114000"/>
-              </a:lnSpc>
-            </a:pPr>
-            <a:endParaRPr lang="en-US" sz="1600" dirty="0">
-              <a:latin typeface="+mn-lt"/>
-            </a:endParaRPr>
-          </a:p>
-        </p:txBody>
-      </p:sp>
-      <p:sp>
-        <p:nvSpPr>
-          <p:cNvPr id="4" name="Textfeld 3">
-            <a:extLst>
-              <a:ext uri="{FF2B5EF4-FFF2-40B4-BE49-F238E27FC236}">
-                <a16:creationId xmlns:a16="http://schemas.microsoft.com/office/drawing/2014/main" id="{0070FED8-44D2-4A8D-A435-FE5E7E057648}"/>
-              </a:ext>
-            </a:extLst>
-          </p:cNvPr>
-          <p:cNvSpPr txBox="1"/>
-          <p:nvPr/>
-        </p:nvSpPr>
-        <p:spPr>
-          <a:xfrm>
-            <a:off x="1371600" y="4350068"/>
-            <a:ext cx="6400800" cy="537968"/>
-          </a:xfrm>
-          <a:prstGeom prst="rect">
-            <a:avLst/>
-          </a:prstGeom>
-          <a:noFill/>
-        </p:spPr>
-        <p:txBody>
-          <a:bodyPr wrap="square" lIns="0" tIns="0" rIns="0" bIns="0" rtlCol="0">
-            <a:spAutoFit/>
-          </a:bodyPr>
-          <a:lstStyle/>
-          <a:p>
-            <a:pPr marL="342900" indent="-342900">
-              <a:lnSpc>
-                <a:spcPct val="114000"/>
-              </a:lnSpc>
-              <a:buAutoNum type="arabicPeriod"/>
-            </a:pPr>
-            <a:r>
-              <a:rPr lang="en-US" sz="1600" dirty="0">
-                <a:latin typeface="+mn-lt"/>
-              </a:rPr>
-              <a:t>Thorough evaluation with statistical significance</a:t>
-            </a:r>
-          </a:p>
-          <a:p>
-            <a:pPr marL="342900" indent="-342900">
-              <a:lnSpc>
-                <a:spcPct val="114000"/>
-              </a:lnSpc>
-              <a:buAutoNum type="arabicPeriod"/>
-            </a:pPr>
-            <a:r>
-              <a:rPr lang="en-US" sz="1600" dirty="0">
-                <a:latin typeface="+mn-lt"/>
-              </a:rPr>
-              <a:t>Re-collect requirements with industry partners</a:t>
-            </a:r>
+            <a:fld id="{CE58CB1E-F828-4F11-99E0-327109AF9DA4}" type="slidenum">
+              <a:rPr lang="de-DE" smtClean="0"/>
+              <a:pPr/>
+              <a:t>25</a:t>
+            </a:fld>
+            <a:endParaRPr lang="de-DE" dirty="0"/>
           </a:p>
         </p:txBody>
       </p:sp>
     </p:spTree>
     <p:extLst>
       <p:ext uri="{BB962C8B-B14F-4D97-AF65-F5344CB8AC3E}">
-        <p14:creationId xmlns:p14="http://schemas.microsoft.com/office/powerpoint/2010/main" val="1917053597"/>
+        <p14:creationId xmlns:p14="http://schemas.microsoft.com/office/powerpoint/2010/main" val="1747038721"/>
       </p:ext>
     </p:extLst>
   </p:cSld>
@@ -27207,6 +26215,354 @@
       </p:grpSpPr>
       <p:sp>
         <p:nvSpPr>
+          <p:cNvPr id="3" name="Titel 2">
+            <a:extLst>
+              <a:ext uri="{FF2B5EF4-FFF2-40B4-BE49-F238E27FC236}">
+                <a16:creationId xmlns:a16="http://schemas.microsoft.com/office/drawing/2014/main" id="{F345004C-5228-407F-BC3C-DC2D1CE217F8}"/>
+              </a:ext>
+            </a:extLst>
+          </p:cNvPr>
+          <p:cNvSpPr>
+            <a:spLocks noGrp="1"/>
+          </p:cNvSpPr>
+          <p:nvPr>
+            <p:ph type="title"/>
+          </p:nvPr>
+        </p:nvSpPr>
+        <p:spPr>
+          <a:xfrm>
+            <a:off x="319090" y="994334"/>
+            <a:ext cx="8508999" cy="410369"/>
+          </a:xfrm>
+        </p:spPr>
+        <p:txBody>
+          <a:bodyPr/>
+          <a:lstStyle/>
+          <a:p>
+            <a:r>
+              <a:rPr lang="en-US" dirty="0"/>
+              <a:t>Conclusion</a:t>
+            </a:r>
+          </a:p>
+        </p:txBody>
+      </p:sp>
+      <p:sp>
+        <p:nvSpPr>
+          <p:cNvPr id="40" name="Textfeld 39">
+            <a:extLst>
+              <a:ext uri="{FF2B5EF4-FFF2-40B4-BE49-F238E27FC236}">
+                <a16:creationId xmlns:a16="http://schemas.microsoft.com/office/drawing/2014/main" id="{0943027B-0B77-4A60-8D06-67C40F475B1E}"/>
+              </a:ext>
+            </a:extLst>
+          </p:cNvPr>
+          <p:cNvSpPr txBox="1"/>
+          <p:nvPr/>
+        </p:nvSpPr>
+        <p:spPr>
+          <a:xfrm>
+            <a:off x="1371600" y="2107611"/>
+            <a:ext cx="6400800" cy="1380121"/>
+          </a:xfrm>
+          <a:prstGeom prst="rect">
+            <a:avLst/>
+          </a:prstGeom>
+          <a:noFill/>
+        </p:spPr>
+        <p:txBody>
+          <a:bodyPr wrap="square" lIns="0" tIns="0" rIns="0" bIns="0" rtlCol="0">
+            <a:spAutoFit/>
+          </a:bodyPr>
+          <a:lstStyle/>
+          <a:p>
+            <a:pPr>
+              <a:lnSpc>
+                <a:spcPct val="114000"/>
+              </a:lnSpc>
+            </a:pPr>
+            <a:r>
+              <a:rPr lang="en-US" sz="1600" dirty="0">
+                <a:latin typeface="+mn-lt"/>
+              </a:rPr>
+              <a:t>Parametrized Augmented Reality Robot Human Interface (PARRHI):</a:t>
+            </a:r>
+            <a:br>
+              <a:rPr lang="en-US" sz="1600" dirty="0">
+                <a:latin typeface="+mn-lt"/>
+              </a:rPr>
+            </a:br>
+            <a:r>
+              <a:rPr lang="en-US" sz="1600" b="1" dirty="0">
+                <a:latin typeface="+mn-lt"/>
+              </a:rPr>
+              <a:t>Development framework </a:t>
+            </a:r>
+            <a:r>
+              <a:rPr lang="en-US" sz="1600" dirty="0">
+                <a:latin typeface="+mn-lt"/>
+              </a:rPr>
+              <a:t>using a parameterized approach, to create </a:t>
+            </a:r>
+            <a:r>
+              <a:rPr lang="en-US" sz="1600" b="1" dirty="0">
+                <a:latin typeface="+mn-lt"/>
+              </a:rPr>
+              <a:t>AR Human-Robot collaboration applications.</a:t>
+            </a:r>
+          </a:p>
+          <a:p>
+            <a:pPr>
+              <a:lnSpc>
+                <a:spcPct val="114000"/>
+              </a:lnSpc>
+            </a:pPr>
+            <a:endParaRPr lang="en-US" sz="1600" b="1" dirty="0">
+              <a:latin typeface="+mn-lt"/>
+            </a:endParaRPr>
+          </a:p>
+          <a:p>
+            <a:pPr>
+              <a:lnSpc>
+                <a:spcPct val="114000"/>
+              </a:lnSpc>
+            </a:pPr>
+            <a:endParaRPr lang="en-US" sz="1600" dirty="0">
+              <a:latin typeface="+mn-lt"/>
+            </a:endParaRPr>
+          </a:p>
+        </p:txBody>
+      </p:sp>
+      <p:sp>
+        <p:nvSpPr>
+          <p:cNvPr id="4" name="Textfeld 3">
+            <a:extLst>
+              <a:ext uri="{FF2B5EF4-FFF2-40B4-BE49-F238E27FC236}">
+                <a16:creationId xmlns:a16="http://schemas.microsoft.com/office/drawing/2014/main" id="{0070FED8-44D2-4A8D-A435-FE5E7E057648}"/>
+              </a:ext>
+            </a:extLst>
+          </p:cNvPr>
+          <p:cNvSpPr txBox="1"/>
+          <p:nvPr/>
+        </p:nvSpPr>
+        <p:spPr>
+          <a:xfrm>
+            <a:off x="1371600" y="4350068"/>
+            <a:ext cx="6400800" cy="1099404"/>
+          </a:xfrm>
+          <a:prstGeom prst="rect">
+            <a:avLst/>
+          </a:prstGeom>
+          <a:noFill/>
+        </p:spPr>
+        <p:txBody>
+          <a:bodyPr wrap="square" lIns="0" tIns="0" rIns="0" bIns="0" rtlCol="0">
+            <a:spAutoFit/>
+          </a:bodyPr>
+          <a:lstStyle/>
+          <a:p>
+            <a:pPr>
+              <a:lnSpc>
+                <a:spcPct val="114000"/>
+              </a:lnSpc>
+            </a:pPr>
+            <a:r>
+              <a:rPr lang="en-US" sz="1600" dirty="0">
+                <a:latin typeface="+mn-lt"/>
+              </a:rPr>
+              <a:t>Future Work:</a:t>
+            </a:r>
+          </a:p>
+          <a:p>
+            <a:pPr marL="342900" indent="-342900">
+              <a:lnSpc>
+                <a:spcPct val="114000"/>
+              </a:lnSpc>
+              <a:buAutoNum type="arabicPeriod"/>
+            </a:pPr>
+            <a:r>
+              <a:rPr lang="en-US" sz="1600" dirty="0">
+                <a:latin typeface="+mn-lt"/>
+              </a:rPr>
+              <a:t>Thorough evaluation with statistical significance</a:t>
+            </a:r>
+          </a:p>
+          <a:p>
+            <a:pPr marL="342900" indent="-342900">
+              <a:lnSpc>
+                <a:spcPct val="114000"/>
+              </a:lnSpc>
+              <a:buAutoNum type="arabicPeriod"/>
+            </a:pPr>
+            <a:r>
+              <a:rPr lang="en-US" sz="1600" dirty="0">
+                <a:latin typeface="+mn-lt"/>
+              </a:rPr>
+              <a:t>Re-collect requirements with industry partners</a:t>
+            </a:r>
+          </a:p>
+          <a:p>
+            <a:pPr marL="342900" indent="-342900">
+              <a:lnSpc>
+                <a:spcPct val="114000"/>
+              </a:lnSpc>
+              <a:buAutoNum type="arabicPeriod"/>
+            </a:pPr>
+            <a:r>
+              <a:rPr lang="en-US" sz="1600" dirty="0">
+                <a:latin typeface="+mn-lt"/>
+              </a:rPr>
+              <a:t>Transfer to other machines for a wider variety of use cases</a:t>
+            </a:r>
+          </a:p>
+        </p:txBody>
+      </p:sp>
+      <p:sp>
+        <p:nvSpPr>
+          <p:cNvPr id="5" name="Foliennummernplatzhalter 4">
+            <a:extLst>
+              <a:ext uri="{FF2B5EF4-FFF2-40B4-BE49-F238E27FC236}">
+                <a16:creationId xmlns:a16="http://schemas.microsoft.com/office/drawing/2014/main" id="{EC49AF3F-8754-4C11-BDCF-42112A62D141}"/>
+              </a:ext>
+            </a:extLst>
+          </p:cNvPr>
+          <p:cNvSpPr>
+            <a:spLocks noGrp="1"/>
+          </p:cNvSpPr>
+          <p:nvPr>
+            <p:ph type="sldNum" sz="quarter" idx="12"/>
+          </p:nvPr>
+        </p:nvSpPr>
+        <p:spPr/>
+        <p:txBody>
+          <a:bodyPr/>
+          <a:lstStyle/>
+          <a:p>
+            <a:fld id="{CE58CB1E-F828-4F11-99E0-327109AF9DA4}" type="slidenum">
+              <a:rPr lang="de-DE" smtClean="0"/>
+              <a:pPr/>
+              <a:t>26</a:t>
+            </a:fld>
+            <a:endParaRPr lang="de-DE" dirty="0"/>
+          </a:p>
+        </p:txBody>
+      </p:sp>
+    </p:spTree>
+    <p:extLst>
+      <p:ext uri="{BB962C8B-B14F-4D97-AF65-F5344CB8AC3E}">
+        <p14:creationId xmlns:p14="http://schemas.microsoft.com/office/powerpoint/2010/main" val="1917053597"/>
+      </p:ext>
+    </p:extLst>
+  </p:cSld>
+  <p:clrMapOvr>
+    <a:masterClrMapping/>
+  </p:clrMapOvr>
+  <p:timing>
+    <p:tnLst>
+      <p:par>
+        <p:cTn id="1" dur="indefinite" restart="never" nodeType="tmRoot">
+          <p:childTnLst>
+            <p:seq concurrent="1" nextAc="seek">
+              <p:cTn id="2" dur="indefinite" nodeType="mainSeq">
+                <p:childTnLst>
+                  <p:par>
+                    <p:cTn id="3" fill="hold">
+                      <p:stCondLst>
+                        <p:cond delay="indefinite"/>
+                      </p:stCondLst>
+                      <p:childTnLst>
+                        <p:par>
+                          <p:cTn id="4" fill="hold">
+                            <p:stCondLst>
+                              <p:cond delay="0"/>
+                            </p:stCondLst>
+                            <p:childTnLst>
+                              <p:par>
+                                <p:cTn id="5" presetID="10" presetClass="entr" presetSubtype="0" fill="hold" grpId="0" nodeType="clickEffect">
+                                  <p:stCondLst>
+                                    <p:cond delay="0"/>
+                                  </p:stCondLst>
+                                  <p:childTnLst>
+                                    <p:set>
+                                      <p:cBhvr>
+                                        <p:cTn id="6" dur="1" fill="hold">
+                                          <p:stCondLst>
+                                            <p:cond delay="0"/>
+                                          </p:stCondLst>
+                                        </p:cTn>
+                                        <p:tgtEl>
+                                          <p:spTgt spid="4"/>
+                                        </p:tgtEl>
+                                        <p:attrNameLst>
+                                          <p:attrName>style.visibility</p:attrName>
+                                        </p:attrNameLst>
+                                      </p:cBhvr>
+                                      <p:to>
+                                        <p:strVal val="visible"/>
+                                      </p:to>
+                                    </p:set>
+                                    <p:animEffect transition="in" filter="fade">
+                                      <p:cBhvr>
+                                        <p:cTn id="7" dur="500"/>
+                                        <p:tgtEl>
+                                          <p:spTgt spid="4"/>
+                                        </p:tgtEl>
+                                      </p:cBhvr>
+                                    </p:animEffect>
+                                  </p:childTnLst>
+                                </p:cTn>
+                              </p:par>
+                            </p:childTnLst>
+                          </p:cTn>
+                        </p:par>
+                      </p:childTnLst>
+                    </p:cTn>
+                  </p:par>
+                </p:childTnLst>
+              </p:cTn>
+              <p:prevCondLst>
+                <p:cond evt="onPrev" delay="0">
+                  <p:tgtEl>
+                    <p:sldTgt/>
+                  </p:tgtEl>
+                </p:cond>
+              </p:prevCondLst>
+              <p:nextCondLst>
+                <p:cond evt="onNext" delay="0">
+                  <p:tgtEl>
+                    <p:sldTgt/>
+                  </p:tgtEl>
+                </p:cond>
+              </p:nextCondLst>
+            </p:seq>
+          </p:childTnLst>
+        </p:cTn>
+      </p:par>
+    </p:tnLst>
+    <p:bldLst>
+      <p:bldP spid="4" grpId="0"/>
+    </p:bldLst>
+  </p:timing>
+</p:sld>
+</file>
+
+<file path=ppt/slides/slide27.xml><?xml version="1.0" encoding="utf-8"?>
+<p:sld xmlns:a="http://schemas.openxmlformats.org/drawingml/2006/main" xmlns:r="http://schemas.openxmlformats.org/officeDocument/2006/relationships" xmlns:p="http://schemas.openxmlformats.org/presentationml/2006/main">
+  <p:cSld>
+    <p:spTree>
+      <p:nvGrpSpPr>
+        <p:cNvPr id="1" name=""/>
+        <p:cNvGrpSpPr/>
+        <p:nvPr/>
+      </p:nvGrpSpPr>
+      <p:grpSpPr>
+        <a:xfrm>
+          <a:off x="0" y="0"/>
+          <a:ext cx="0" cy="0"/>
+          <a:chOff x="0" y="0"/>
+          <a:chExt cx="0" cy="0"/>
+        </a:xfrm>
+      </p:grpSpPr>
+      <p:sp>
+        <p:nvSpPr>
           <p:cNvPr id="2" name="Inhaltsplatzhalter 1">
             <a:extLst>
               <a:ext uri="{FF2B5EF4-FFF2-40B4-BE49-F238E27FC236}">
@@ -27223,8 +26579,8 @@
         </p:nvSpPr>
         <p:spPr>
           <a:xfrm>
-            <a:off x="319088" y="1978720"/>
-            <a:ext cx="8508999" cy="3171618"/>
+            <a:off x="319090" y="1581429"/>
+            <a:ext cx="8508999" cy="5257009"/>
           </a:xfrm>
         </p:spPr>
         <p:txBody>
@@ -27344,6 +26700,82 @@
             <a:r>
               <a:rPr lang="en-GB" sz="1200" dirty="0"/>
               <a:t> for advanced architecture”, International journal of applied mathematics and informatics, vol. 5, no. 1, pp. 9–16, 2011</a:t>
+            </a:r>
+          </a:p>
+          <a:p>
+            <a:pPr marL="342900" indent="-342900">
+              <a:buAutoNum type="arabicPeriod"/>
+            </a:pPr>
+            <a:r>
+              <a:rPr lang="en-GB" sz="1200" dirty="0"/>
+              <a:t>M. Walker, H. </a:t>
+            </a:r>
+            <a:r>
+              <a:rPr lang="en-GB" sz="1200" dirty="0" err="1"/>
+              <a:t>Hedayati</a:t>
+            </a:r>
+            <a:r>
+              <a:rPr lang="en-GB" sz="1200" dirty="0"/>
+              <a:t>, J. Lee, and D. </a:t>
+            </a:r>
+            <a:r>
+              <a:rPr lang="en-GB" sz="1200" dirty="0" err="1"/>
+              <a:t>Szafir</a:t>
+            </a:r>
+            <a:r>
+              <a:rPr lang="en-GB" sz="1200" dirty="0"/>
+              <a:t>, “Communicating robot motion intent with augmented reality”, in Proceedings of the 2018 ACM/IEEE International Conference on Human-Robot Interaction, ACM, 2018, pp. 316–324</a:t>
+            </a:r>
+          </a:p>
+          <a:p>
+            <a:pPr marL="342900" indent="-342900">
+              <a:buAutoNum type="arabicPeriod"/>
+            </a:pPr>
+            <a:r>
+              <a:rPr lang="en-GB" sz="1200" dirty="0"/>
+              <a:t>R. S. Magazine. (2018). The grand challenges of science robotics, [Online]. Available: https : / / robotics . </a:t>
+            </a:r>
+            <a:r>
+              <a:rPr lang="en-GB" sz="1200" dirty="0" err="1"/>
+              <a:t>sciencemag</a:t>
+            </a:r>
+            <a:r>
+              <a:rPr lang="en-GB" sz="1200" dirty="0"/>
+              <a:t> . org / content / 3 / 14 / eaar7650 (visited on 04/25/2019).</a:t>
+            </a:r>
+          </a:p>
+          <a:p>
+            <a:pPr marL="342900" indent="-342900">
+              <a:buAutoNum type="arabicPeriod"/>
+            </a:pPr>
+            <a:r>
+              <a:rPr lang="en-GB" sz="1200" dirty="0"/>
+              <a:t>H. J. Baker. (2017). 2018’s software engineering talent shortage — it’s quality, not just quantity, [Online]. Available: https : / / </a:t>
+            </a:r>
+            <a:r>
+              <a:rPr lang="en-GB" sz="1200" dirty="0" err="1"/>
+              <a:t>hackernoon</a:t>
+            </a:r>
+            <a:r>
+              <a:rPr lang="en-GB" sz="1200" dirty="0"/>
+              <a:t> . com / 2018s - software - engineering-talent-shortage-its-quality-not-just-quantity-6bdfa366b899 (visited on 04/25/2019).</a:t>
+            </a:r>
+          </a:p>
+          <a:p>
+            <a:pPr marL="342900" indent="-342900">
+              <a:buAutoNum type="arabicPeriod"/>
+            </a:pPr>
+            <a:r>
+              <a:rPr lang="en-GB" sz="1200" dirty="0"/>
+              <a:t>P. Figueroa, R. </a:t>
+            </a:r>
+            <a:r>
+              <a:rPr lang="en-GB" sz="1200" dirty="0" err="1"/>
+              <a:t>Dachselt</a:t>
+            </a:r>
+            <a:r>
+              <a:rPr lang="en-GB" sz="1200" dirty="0"/>
+              <a:t>, and I. Lindt, “A conceptual model and specification language for mixed reality interface components”, in VR 2006, In Proc. of the Workshop “Specification of Mixed Reality User Interfaces: Approaches, Languages, Standardization, 2006, pp. 4–11.</a:t>
             </a:r>
           </a:p>
           <a:p>
@@ -27379,6 +26811,36 @@
               <a:rPr lang="en-US" dirty="0"/>
               <a:t>Sources</a:t>
             </a:r>
+          </a:p>
+        </p:txBody>
+      </p:sp>
+      <p:sp>
+        <p:nvSpPr>
+          <p:cNvPr id="5" name="Foliennummernplatzhalter 4">
+            <a:extLst>
+              <a:ext uri="{FF2B5EF4-FFF2-40B4-BE49-F238E27FC236}">
+                <a16:creationId xmlns:a16="http://schemas.microsoft.com/office/drawing/2014/main" id="{AB34726E-FA6C-4172-A310-BFC87B66AD26}"/>
+              </a:ext>
+            </a:extLst>
+          </p:cNvPr>
+          <p:cNvSpPr>
+            <a:spLocks noGrp="1"/>
+          </p:cNvSpPr>
+          <p:nvPr>
+            <p:ph type="sldNum" sz="quarter" idx="12"/>
+          </p:nvPr>
+        </p:nvSpPr>
+        <p:spPr/>
+        <p:txBody>
+          <a:bodyPr/>
+          <a:lstStyle/>
+          <a:p>
+            <a:fld id="{CE58CB1E-F828-4F11-99E0-327109AF9DA4}" type="slidenum">
+              <a:rPr lang="de-DE" smtClean="0"/>
+              <a:pPr/>
+              <a:t>27</a:t>
+            </a:fld>
+            <a:endParaRPr lang="de-DE" dirty="0"/>
           </a:p>
         </p:txBody>
       </p:sp>
@@ -27566,6 +27028,36 @@
           </a:p>
         </p:txBody>
       </p:sp>
+      <p:sp>
+        <p:nvSpPr>
+          <p:cNvPr id="5" name="Foliennummernplatzhalter 4">
+            <a:extLst>
+              <a:ext uri="{FF2B5EF4-FFF2-40B4-BE49-F238E27FC236}">
+                <a16:creationId xmlns:a16="http://schemas.microsoft.com/office/drawing/2014/main" id="{685C81D6-033C-42FB-837D-D710868D1D9E}"/>
+              </a:ext>
+            </a:extLst>
+          </p:cNvPr>
+          <p:cNvSpPr>
+            <a:spLocks noGrp="1"/>
+          </p:cNvSpPr>
+          <p:nvPr>
+            <p:ph type="sldNum" sz="quarter" idx="12"/>
+          </p:nvPr>
+        </p:nvSpPr>
+        <p:spPr/>
+        <p:txBody>
+          <a:bodyPr/>
+          <a:lstStyle/>
+          <a:p>
+            <a:fld id="{CE58CB1E-F828-4F11-99E0-327109AF9DA4}" type="slidenum">
+              <a:rPr lang="de-DE" smtClean="0"/>
+              <a:pPr/>
+              <a:t>3</a:t>
+            </a:fld>
+            <a:endParaRPr lang="de-DE" dirty="0"/>
+          </a:p>
+        </p:txBody>
+      </p:sp>
     </p:spTree>
     <p:extLst>
       <p:ext uri="{BB962C8B-B14F-4D97-AF65-F5344CB8AC3E}">
@@ -27624,51 +27116,42 @@
           </a:p>
         </p:txBody>
       </p:sp>
-      <p:pic>
-        <p:nvPicPr>
-          <p:cNvPr id="5" name="Grafik 4" descr="Bauarbeiter">
+      <p:sp>
+        <p:nvSpPr>
+          <p:cNvPr id="4" name="Foliennummernplatzhalter 3">
             <a:extLst>
               <a:ext uri="{FF2B5EF4-FFF2-40B4-BE49-F238E27FC236}">
-                <a16:creationId xmlns:a16="http://schemas.microsoft.com/office/drawing/2014/main" id="{4D7D9EAF-DDA6-4D68-983E-17086F7BA5A1}"/>
+                <a16:creationId xmlns:a16="http://schemas.microsoft.com/office/drawing/2014/main" id="{C105C4B1-650F-462D-9C9E-16EA38898171}"/>
               </a:ext>
             </a:extLst>
           </p:cNvPr>
-          <p:cNvPicPr>
-            <a:picLocks noChangeAspect="1"/>
-          </p:cNvPicPr>
-          <p:nvPr/>
-        </p:nvPicPr>
-        <p:blipFill>
-          <a:blip r:embed="rId3">
-            <a:extLst>
-              <a:ext uri="{28A0092B-C50C-407E-A947-70E740481C1C}">
-                <a14:useLocalDpi xmlns:a14="http://schemas.microsoft.com/office/drawing/2010/main" val="0"/>
-              </a:ext>
-              <a:ext uri="{96DAC541-7B7A-43D3-8B79-37D633B846F1}">
-                <asvg:svgBlip xmlns:asvg="http://schemas.microsoft.com/office/drawing/2016/SVG/main" r:embed="rId4"/>
-              </a:ext>
-            </a:extLst>
-          </a:blip>
-          <a:stretch>
-            <a:fillRect/>
-          </a:stretch>
-        </p:blipFill>
-        <p:spPr>
-          <a:xfrm>
-            <a:off x="4969759" y="3422223"/>
-            <a:ext cx="1099404" cy="1099404"/>
-          </a:xfrm>
-          <a:prstGeom prst="rect">
-            <a:avLst/>
-          </a:prstGeom>
-        </p:spPr>
-      </p:pic>
+          <p:cNvSpPr>
+            <a:spLocks noGrp="1"/>
+          </p:cNvSpPr>
+          <p:nvPr>
+            <p:ph type="sldNum" sz="quarter" idx="12"/>
+          </p:nvPr>
+        </p:nvSpPr>
+        <p:spPr/>
+        <p:txBody>
+          <a:bodyPr/>
+          <a:lstStyle/>
+          <a:p>
+            <a:fld id="{CE58CB1E-F828-4F11-99E0-327109AF9DA4}" type="slidenum">
+              <a:rPr lang="de-DE" smtClean="0"/>
+              <a:pPr/>
+              <a:t>4</a:t>
+            </a:fld>
+            <a:endParaRPr lang="de-DE" dirty="0"/>
+          </a:p>
+        </p:txBody>
+      </p:sp>
       <p:pic>
         <p:nvPicPr>
-          <p:cNvPr id="6" name="Picture 4" descr="Bildergebnis für Fanuc Cr7 png">
+          <p:cNvPr id="8" name="Picture 4" descr="Bildergebnis für Fanuc Cr7 png">
             <a:extLst>
               <a:ext uri="{FF2B5EF4-FFF2-40B4-BE49-F238E27FC236}">
-                <a16:creationId xmlns:a16="http://schemas.microsoft.com/office/drawing/2014/main" id="{D380D12A-6AA7-4F53-8E14-DA91904DA554}"/>
+                <a16:creationId xmlns:a16="http://schemas.microsoft.com/office/drawing/2014/main" id="{FAAB8C04-DC37-4DE4-AEB5-A52FCF3206FC}"/>
               </a:ext>
             </a:extLst>
           </p:cNvPr>
@@ -27678,12 +27161,12 @@
           <p:nvPr/>
         </p:nvPicPr>
         <p:blipFill>
-          <a:blip r:embed="rId5">
+          <a:blip r:embed="rId3">
             <a:biLevel thresh="50000"/>
             <a:extLst>
               <a:ext uri="{BEBA8EAE-BF5A-486C-A8C5-ECC9F3942E4B}">
                 <a14:imgProps xmlns:a14="http://schemas.microsoft.com/office/drawing/2010/main">
-                  <a14:imgLayer r:embed="rId6">
+                  <a14:imgLayer r:embed="rId4">
                     <a14:imgEffect>
                       <a14:backgroundRemoval t="9455" b="93818" l="9290" r="89071">
                         <a14:foregroundMark x1="43716" y1="89818" x2="54645" y2="90909"/>
@@ -27708,8 +27191,8 @@
         </p:blipFill>
         <p:spPr bwMode="auto">
           <a:xfrm>
-            <a:off x="6836789" y="2841422"/>
-            <a:ext cx="1382661" cy="2077769"/>
+            <a:off x="6774934" y="3111878"/>
+            <a:ext cx="1037185" cy="1558611"/>
           </a:xfrm>
           <a:prstGeom prst="rect">
             <a:avLst/>
@@ -27726,149 +27209,75 @@
           </a:extLst>
         </p:spPr>
       </p:pic>
-      <p:sp>
-        <p:nvSpPr>
-          <p:cNvPr id="7" name="Textfeld 6">
+      <p:pic>
+        <p:nvPicPr>
+          <p:cNvPr id="9" name="Picture 4" descr="Bildergebnis für Fanuc Cr7 png">
             <a:extLst>
               <a:ext uri="{FF2B5EF4-FFF2-40B4-BE49-F238E27FC236}">
-                <a16:creationId xmlns:a16="http://schemas.microsoft.com/office/drawing/2014/main" id="{3F09E5B3-E6CE-44E8-B067-648833CC2C82}"/>
+                <a16:creationId xmlns:a16="http://schemas.microsoft.com/office/drawing/2014/main" id="{D2D4A8B6-4166-40DC-AC87-A8F406745A43}"/>
               </a:ext>
             </a:extLst>
           </p:cNvPr>
-          <p:cNvSpPr txBox="1"/>
+          <p:cNvPicPr>
+            <a:picLocks noChangeAspect="1" noChangeArrowheads="1"/>
+          </p:cNvPicPr>
           <p:nvPr/>
-        </p:nvSpPr>
-        <p:spPr>
+        </p:nvPicPr>
+        <p:blipFill>
+          <a:blip r:embed="rId3">
+            <a:biLevel thresh="50000"/>
+            <a:extLst>
+              <a:ext uri="{BEBA8EAE-BF5A-486C-A8C5-ECC9F3942E4B}">
+                <a14:imgProps xmlns:a14="http://schemas.microsoft.com/office/drawing/2010/main">
+                  <a14:imgLayer r:embed="rId4">
+                    <a14:imgEffect>
+                      <a14:backgroundRemoval t="9455" b="93818" l="9290" r="89071">
+                        <a14:foregroundMark x1="43716" y1="89818" x2="54645" y2="90909"/>
+                        <a14:foregroundMark x1="43716" y1="93818" x2="67213" y2="92727"/>
+                      </a14:backgroundRemoval>
+                    </a14:imgEffect>
+                    <a14:imgEffect>
+                      <a14:saturation sat="0"/>
+                    </a14:imgEffect>
+                  </a14:imgLayer>
+                </a14:imgProps>
+              </a:ext>
+              <a:ext uri="{28A0092B-C50C-407E-A947-70E740481C1C}">
+                <a14:useLocalDpi xmlns:a14="http://schemas.microsoft.com/office/drawing/2010/main" val="0"/>
+              </a:ext>
+            </a:extLst>
+          </a:blip>
+          <a:srcRect/>
+          <a:stretch>
+            <a:fillRect/>
+          </a:stretch>
+        </p:blipFill>
+        <p:spPr bwMode="auto">
           <a:xfrm>
-            <a:off x="655320" y="2536622"/>
-            <a:ext cx="3318216" cy="2222275"/>
+            <a:off x="7353986" y="3293586"/>
+            <a:ext cx="916266" cy="1376903"/>
           </a:xfrm>
           <a:prstGeom prst="rect">
             <a:avLst/>
           </a:prstGeom>
           <a:noFill/>
+          <a:extLst>
+            <a:ext uri="{909E8E84-426E-40DD-AFC4-6F175D3DCCD1}">
+              <a14:hiddenFill xmlns:a14="http://schemas.microsoft.com/office/drawing/2010/main">
+                <a:solidFill>
+                  <a:srgbClr val="FFFFFF"/>
+                </a:solidFill>
+              </a14:hiddenFill>
+            </a:ext>
+          </a:extLst>
         </p:spPr>
-        <p:txBody>
-          <a:bodyPr wrap="none" lIns="0" tIns="0" rIns="0" bIns="0" rtlCol="0">
-            <a:spAutoFit/>
-          </a:bodyPr>
-          <a:lstStyle/>
-          <a:p>
-            <a:pPr>
-              <a:lnSpc>
-                <a:spcPct val="114000"/>
-              </a:lnSpc>
-            </a:pPr>
-            <a:r>
-              <a:rPr lang="en-US" sz="1600" dirty="0">
-                <a:latin typeface="+mn-lt"/>
-              </a:rPr>
-              <a:t>Modern production plants should be:</a:t>
-            </a:r>
-          </a:p>
-          <a:p>
-            <a:pPr marL="285750" indent="-285750">
-              <a:lnSpc>
-                <a:spcPct val="114000"/>
-              </a:lnSpc>
-              <a:buFont typeface="Arial" panose="020B0604020202020204" pitchFamily="34" charset="0"/>
-              <a:buChar char="•"/>
-            </a:pPr>
-            <a:r>
-              <a:rPr lang="en-US" sz="1600" dirty="0">
-                <a:latin typeface="+mn-lt"/>
-              </a:rPr>
-              <a:t>Agile</a:t>
-            </a:r>
-          </a:p>
-          <a:p>
-            <a:pPr marL="285750" indent="-285750">
-              <a:lnSpc>
-                <a:spcPct val="114000"/>
-              </a:lnSpc>
-              <a:buFont typeface="Arial" panose="020B0604020202020204" pitchFamily="34" charset="0"/>
-              <a:buChar char="•"/>
-            </a:pPr>
-            <a:r>
-              <a:rPr lang="en-US" sz="1600" dirty="0">
-                <a:latin typeface="+mn-lt"/>
-              </a:rPr>
-              <a:t>Safe</a:t>
-            </a:r>
-          </a:p>
-          <a:p>
-            <a:pPr marL="285750" indent="-285750">
-              <a:lnSpc>
-                <a:spcPct val="114000"/>
-              </a:lnSpc>
-              <a:buFont typeface="Arial" panose="020B0604020202020204" pitchFamily="34" charset="0"/>
-              <a:buChar char="•"/>
-            </a:pPr>
-            <a:r>
-              <a:rPr lang="en-US" sz="1600" dirty="0">
-                <a:latin typeface="+mn-lt"/>
-              </a:rPr>
-              <a:t>Efficient</a:t>
-            </a:r>
-          </a:p>
-          <a:p>
-            <a:pPr marL="285750" indent="-285750">
-              <a:lnSpc>
-                <a:spcPct val="114000"/>
-              </a:lnSpc>
-              <a:buFont typeface="Arial" panose="020B0604020202020204" pitchFamily="34" charset="0"/>
-              <a:buChar char="•"/>
-            </a:pPr>
-            <a:endParaRPr lang="en-US" sz="1600" dirty="0">
-              <a:latin typeface="+mn-lt"/>
-            </a:endParaRPr>
-          </a:p>
-          <a:p>
-            <a:pPr>
-              <a:lnSpc>
-                <a:spcPct val="114000"/>
-              </a:lnSpc>
-            </a:pPr>
-            <a:r>
-              <a:rPr lang="en-US" sz="1600" dirty="0">
-                <a:latin typeface="+mn-lt"/>
-              </a:rPr>
-              <a:t>This requires:</a:t>
-            </a:r>
-          </a:p>
-          <a:p>
-            <a:pPr marL="285750" indent="-285750">
-              <a:lnSpc>
-                <a:spcPct val="114000"/>
-              </a:lnSpc>
-              <a:buFont typeface="Arial" panose="020B0604020202020204" pitchFamily="34" charset="0"/>
-              <a:buChar char="•"/>
-            </a:pPr>
-            <a:r>
-              <a:rPr lang="en-US" sz="1600" dirty="0">
-                <a:latin typeface="+mn-lt"/>
-              </a:rPr>
-              <a:t>Mind + Machine Collaboration</a:t>
-            </a:r>
-          </a:p>
-          <a:p>
-            <a:pPr>
-              <a:lnSpc>
-                <a:spcPct val="114000"/>
-              </a:lnSpc>
-            </a:pPr>
-            <a:endParaRPr lang="en-US" sz="1600" dirty="0">
-              <a:latin typeface="+mn-lt"/>
-            </a:endParaRPr>
-          </a:p>
-        </p:txBody>
-      </p:sp>
-      <p:sp>
-        <p:nvSpPr>
-          <p:cNvPr id="8" name="Titel 2">
+      </p:pic>
+      <p:sp>
+        <p:nvSpPr>
+          <p:cNvPr id="13" name="Titel 2">
             <a:extLst>
               <a:ext uri="{FF2B5EF4-FFF2-40B4-BE49-F238E27FC236}">
-                <a16:creationId xmlns:a16="http://schemas.microsoft.com/office/drawing/2014/main" id="{329EB000-FF4D-4F6C-B331-04A00FD14A80}"/>
+                <a16:creationId xmlns:a16="http://schemas.microsoft.com/office/drawing/2014/main" id="{73B1B162-7B54-4812-89AC-9DE1DC0F3D0E}"/>
               </a:ext>
             </a:extLst>
           </p:cNvPr>
@@ -27879,8 +27288,8 @@
         </p:nvSpPr>
         <p:spPr>
           <a:xfrm>
-            <a:off x="15024" y="8922"/>
-            <a:ext cx="9128976" cy="360355"/>
+            <a:off x="788330" y="3111878"/>
+            <a:ext cx="3303341" cy="1608902"/>
           </a:xfrm>
           <a:prstGeom prst="rect">
             <a:avLst/>
@@ -28043,22 +27452,48 @@
           </a:lstStyle>
           <a:p>
             <a:r>
-              <a:rPr lang="en-US" sz="1800" dirty="0">
-                <a:solidFill>
-                  <a:srgbClr val="FF0000"/>
-                </a:solidFill>
-              </a:rPr>
-              <a:t>Goal: Describe Why AR is important</a:t>
+              <a:rPr lang="en-US" sz="2400" dirty="0"/>
+              <a:t>Modern factories:</a:t>
+            </a:r>
+          </a:p>
+          <a:p>
+            <a:pPr marL="342900" indent="-342900">
+              <a:buFontTx/>
+              <a:buChar char="-"/>
+            </a:pPr>
+            <a:r>
+              <a:rPr lang="en-US" sz="2400" dirty="0"/>
+              <a:t>Industry 4.0</a:t>
+            </a:r>
+          </a:p>
+          <a:p>
+            <a:pPr marL="342900" indent="-342900">
+              <a:buFontTx/>
+              <a:buChar char="-"/>
+            </a:pPr>
+            <a:r>
+              <a:rPr lang="en-US" sz="2400" dirty="0"/>
+              <a:t>Agile</a:t>
+            </a:r>
+          </a:p>
+          <a:p>
+            <a:pPr marL="342900" indent="-342900">
+              <a:buFontTx/>
+              <a:buChar char="-"/>
+            </a:pPr>
+            <a:r>
+              <a:rPr lang="en-US" sz="2400" dirty="0"/>
+              <a:t>Flexible</a:t>
             </a:r>
           </a:p>
         </p:txBody>
       </p:sp>
       <p:pic>
         <p:nvPicPr>
-          <p:cNvPr id="10" name="Grafik 9" descr="Unterhaltung">
+          <p:cNvPr id="14" name="Grafik 13" descr="Bauarbeiter">
             <a:extLst>
               <a:ext uri="{FF2B5EF4-FFF2-40B4-BE49-F238E27FC236}">
-                <a16:creationId xmlns:a16="http://schemas.microsoft.com/office/drawing/2014/main" id="{321E6A6E-03E5-464A-A58C-7F4A4A7E978F}"/>
+                <a16:creationId xmlns:a16="http://schemas.microsoft.com/office/drawing/2014/main" id="{81D0D7B6-E99D-4C9E-A4AB-1E1165EFD298}"/>
               </a:ext>
             </a:extLst>
           </p:cNvPr>
@@ -28068,10 +27503,13 @@
           <p:nvPr/>
         </p:nvPicPr>
         <p:blipFill>
-          <a:blip r:embed="rId7">
+          <a:blip r:embed="rId5">
             <a:extLst>
+              <a:ext uri="{28A0092B-C50C-407E-A947-70E740481C1C}">
+                <a14:useLocalDpi xmlns:a14="http://schemas.microsoft.com/office/drawing/2010/main" val="0"/>
+              </a:ext>
               <a:ext uri="{96DAC541-7B7A-43D3-8B79-37D633B846F1}">
-                <asvg:svgBlip xmlns:asvg="http://schemas.microsoft.com/office/drawing/2016/SVG/main" r:embed="rId8"/>
+                <asvg:svgBlip xmlns:asvg="http://schemas.microsoft.com/office/drawing/2016/SVG/main" r:embed="rId6"/>
               </a:ext>
             </a:extLst>
           </a:blip>
@@ -28081,78 +27519,18 @@
         </p:blipFill>
         <p:spPr>
           <a:xfrm>
-            <a:off x="6002108" y="2572685"/>
-            <a:ext cx="914400" cy="914400"/>
+            <a:off x="4417098" y="3571085"/>
+            <a:ext cx="1099404" cy="1099404"/>
           </a:xfrm>
           <a:prstGeom prst="rect">
             <a:avLst/>
           </a:prstGeom>
         </p:spPr>
       </p:pic>
-      <p:sp>
-        <p:nvSpPr>
-          <p:cNvPr id="11" name="Multiplikationszeichen 10">
-            <a:extLst>
-              <a:ext uri="{FF2B5EF4-FFF2-40B4-BE49-F238E27FC236}">
-                <a16:creationId xmlns:a16="http://schemas.microsoft.com/office/drawing/2014/main" id="{308DF638-3772-4BC7-888B-CE04C89440B5}"/>
-              </a:ext>
-            </a:extLst>
-          </p:cNvPr>
-          <p:cNvSpPr/>
-          <p:nvPr/>
-        </p:nvSpPr>
-        <p:spPr>
-          <a:xfrm>
-            <a:off x="5840566" y="2410722"/>
-            <a:ext cx="1237483" cy="1238326"/>
-          </a:xfrm>
-          <a:prstGeom prst="mathMultiply">
-            <a:avLst>
-              <a:gd name="adj1" fmla="val 7510"/>
-            </a:avLst>
-          </a:prstGeom>
-          <a:ln>
-            <a:solidFill>
-              <a:srgbClr val="FF0000"/>
-            </a:solidFill>
-          </a:ln>
-        </p:spPr>
-        <p:style>
-          <a:lnRef idx="2">
-            <a:schemeClr val="accent6"/>
-          </a:lnRef>
-          <a:fillRef idx="1">
-            <a:schemeClr val="lt1"/>
-          </a:fillRef>
-          <a:effectRef idx="0">
-            <a:schemeClr val="accent6"/>
-          </a:effectRef>
-          <a:fontRef idx="minor">
-            <a:schemeClr val="dk1"/>
-          </a:fontRef>
-        </p:style>
-        <p:txBody>
-          <a:bodyPr rot="0" spcFirstLastPara="0" vertOverflow="overflow" horzOverflow="overflow" vert="horz" wrap="square" lIns="91440" tIns="45720" rIns="91440" bIns="45720" numCol="1" spcCol="0" rtlCol="0" fromWordArt="0" anchor="t" anchorCtr="0" forceAA="0" compatLnSpc="1">
-            <a:prstTxWarp prst="textNoShape">
-              <a:avLst/>
-            </a:prstTxWarp>
-            <a:noAutofit/>
-          </a:bodyPr>
-          <a:lstStyle/>
-          <a:p>
-            <a:pPr algn="ctr">
-              <a:lnSpc>
-                <a:spcPct val="114000"/>
-              </a:lnSpc>
-            </a:pPr>
-            <a:endParaRPr lang="en-US" dirty="0"/>
-          </a:p>
-        </p:txBody>
-      </p:sp>
     </p:spTree>
     <p:extLst>
       <p:ext uri="{BB962C8B-B14F-4D97-AF65-F5344CB8AC3E}">
-        <p14:creationId xmlns:p14="http://schemas.microsoft.com/office/powerpoint/2010/main" val="3547064299"/>
+        <p14:creationId xmlns:p14="http://schemas.microsoft.com/office/powerpoint/2010/main" val="4070386732"/>
       </p:ext>
     </p:extLst>
   </p:cSld>
@@ -28193,11 +27571,7 @@
                                           </p:stCondLst>
                                         </p:cTn>
                                         <p:tgtEl>
-                                          <p:spTgt spid="7">
-                                            <p:txEl>
-                                              <p:pRg st="0" end="0"/>
-                                            </p:txEl>
-                                          </p:spTgt>
+                                          <p:spTgt spid="8"/>
                                         </p:tgtEl>
                                         <p:attrNameLst>
                                           <p:attrName>style.visibility</p:attrName>
@@ -28211,11 +27585,7 @@
                                       <p:cBhvr>
                                         <p:cTn id="7" dur="500"/>
                                         <p:tgtEl>
-                                          <p:spTgt spid="7">
-                                            <p:txEl>
-                                              <p:pRg st="0" end="0"/>
-                                            </p:txEl>
-                                          </p:spTgt>
+                                          <p:spTgt spid="8"/>
                                         </p:tgtEl>
                                       </p:cBhvr>
                                     </p:animEffect>
@@ -28236,11 +27606,7 @@
                                           </p:stCondLst>
                                         </p:cTn>
                                         <p:tgtEl>
-                                          <p:spTgt spid="7">
-                                            <p:txEl>
-                                              <p:pRg st="1" end="1"/>
-                                            </p:txEl>
-                                          </p:spTgt>
+                                          <p:spTgt spid="9"/>
                                         </p:tgtEl>
                                         <p:attrNameLst>
                                           <p:attrName>style.visibility</p:attrName>
@@ -28254,11 +27620,7 @@
                                       <p:cBhvr>
                                         <p:cTn id="10" dur="500"/>
                                         <p:tgtEl>
-                                          <p:spTgt spid="7">
-                                            <p:txEl>
-                                              <p:pRg st="1" end="1"/>
-                                            </p:txEl>
-                                          </p:spTgt>
+                                          <p:spTgt spid="9"/>
                                         </p:tgtEl>
                                       </p:cBhvr>
                                     </p:animEffect>
@@ -28266,7 +27628,7 @@
                                 </p:cTn>
                               </p:par>
                               <p:par>
-                                <p:cTn id="11" presetID="10" presetClass="entr" presetSubtype="0" fill="hold" nodeType="withEffect">
+                                <p:cTn id="11" presetID="10" presetClass="entr" presetSubtype="0" fill="hold" grpId="0" nodeType="withEffect">
                                   <p:stCondLst>
                                     <p:cond delay="0"/>
                                   </p:stCondLst>
@@ -28279,11 +27641,7 @@
                                           </p:stCondLst>
                                         </p:cTn>
                                         <p:tgtEl>
-                                          <p:spTgt spid="7">
-                                            <p:txEl>
-                                              <p:pRg st="2" end="2"/>
-                                            </p:txEl>
-                                          </p:spTgt>
+                                          <p:spTgt spid="13"/>
                                         </p:tgtEl>
                                         <p:attrNameLst>
                                           <p:attrName>style.visibility</p:attrName>
@@ -28297,11 +27655,7 @@
                                       <p:cBhvr>
                                         <p:cTn id="13" dur="500"/>
                                         <p:tgtEl>
-                                          <p:spTgt spid="7">
-                                            <p:txEl>
-                                              <p:pRg st="2" end="2"/>
-                                            </p:txEl>
-                                          </p:spTgt>
+                                          <p:spTgt spid="13"/>
                                         </p:tgtEl>
                                       </p:cBhvr>
                                     </p:animEffect>
@@ -28322,11 +27676,7 @@
                                           </p:stCondLst>
                                         </p:cTn>
                                         <p:tgtEl>
-                                          <p:spTgt spid="7">
-                                            <p:txEl>
-                                              <p:pRg st="3" end="3"/>
-                                            </p:txEl>
-                                          </p:spTgt>
+                                          <p:spTgt spid="14"/>
                                         </p:tgtEl>
                                         <p:attrNameLst>
                                           <p:attrName>style.visibility</p:attrName>
@@ -28340,11 +27690,7 @@
                                       <p:cBhvr>
                                         <p:cTn id="16" dur="500"/>
                                         <p:tgtEl>
-                                          <p:spTgt spid="7">
-                                            <p:txEl>
-                                              <p:pRg st="3" end="3"/>
-                                            </p:txEl>
-                                          </p:spTgt>
+                                          <p:spTgt spid="14"/>
                                         </p:tgtEl>
                                       </p:cBhvr>
                                     </p:animEffect>
@@ -28357,219 +27703,358 @@
                       </p:childTnLst>
                     </p:cTn>
                   </p:par>
+                </p:childTnLst>
+              </p:cTn>
+              <p:prevCondLst>
+                <p:cond evt="onPrev" delay="0">
+                  <p:tgtEl>
+                    <p:sldTgt/>
+                  </p:tgtEl>
+                </p:cond>
+              </p:prevCondLst>
+              <p:nextCondLst>
+                <p:cond evt="onNext" delay="0">
+                  <p:tgtEl>
+                    <p:sldTgt/>
+                  </p:tgtEl>
+                </p:cond>
+              </p:nextCondLst>
+            </p:seq>
+          </p:childTnLst>
+        </p:cTn>
+      </p:par>
+    </p:tnLst>
+    <p:bldLst>
+      <p:bldP spid="13" grpId="0"/>
+    </p:bldLst>
+  </p:timing>
+</p:sld>
+</file>
+
+<file path=ppt/slides/slide5.xml><?xml version="1.0" encoding="utf-8"?>
+<p:sld xmlns:a="http://schemas.openxmlformats.org/drawingml/2006/main" xmlns:r="http://schemas.openxmlformats.org/officeDocument/2006/relationships" xmlns:p="http://schemas.openxmlformats.org/presentationml/2006/main">
+  <p:cSld>
+    <p:spTree>
+      <p:nvGrpSpPr>
+        <p:cNvPr id="1" name=""/>
+        <p:cNvGrpSpPr/>
+        <p:nvPr/>
+      </p:nvGrpSpPr>
+      <p:grpSpPr>
+        <a:xfrm>
+          <a:off x="0" y="0"/>
+          <a:ext cx="0" cy="0"/>
+          <a:chOff x="0" y="0"/>
+          <a:chExt cx="0" cy="0"/>
+        </a:xfrm>
+      </p:grpSpPr>
+      <p:sp>
+        <p:nvSpPr>
+          <p:cNvPr id="3" name="Titel 2">
+            <a:extLst>
+              <a:ext uri="{FF2B5EF4-FFF2-40B4-BE49-F238E27FC236}">
+                <a16:creationId xmlns:a16="http://schemas.microsoft.com/office/drawing/2014/main" id="{B56F3934-6BBB-4372-9E59-E467418379AF}"/>
+              </a:ext>
+            </a:extLst>
+          </p:cNvPr>
+          <p:cNvSpPr>
+            <a:spLocks noGrp="1"/>
+          </p:cNvSpPr>
+          <p:nvPr>
+            <p:ph type="title"/>
+          </p:nvPr>
+        </p:nvSpPr>
+        <p:spPr/>
+        <p:txBody>
+          <a:bodyPr/>
+          <a:lstStyle/>
+          <a:p>
+            <a:r>
+              <a:rPr lang="en-US" dirty="0"/>
+              <a:t>Why is Augmented Reality helpful?</a:t>
+            </a:r>
+          </a:p>
+        </p:txBody>
+      </p:sp>
+      <p:pic>
+        <p:nvPicPr>
+          <p:cNvPr id="5" name="Grafik 4" descr="Bauarbeiter">
+            <a:extLst>
+              <a:ext uri="{FF2B5EF4-FFF2-40B4-BE49-F238E27FC236}">
+                <a16:creationId xmlns:a16="http://schemas.microsoft.com/office/drawing/2014/main" id="{4D7D9EAF-DDA6-4D68-983E-17086F7BA5A1}"/>
+              </a:ext>
+            </a:extLst>
+          </p:cNvPr>
+          <p:cNvPicPr>
+            <a:picLocks noChangeAspect="1"/>
+          </p:cNvPicPr>
+          <p:nvPr/>
+        </p:nvPicPr>
+        <p:blipFill>
+          <a:blip r:embed="rId3">
+            <a:extLst>
+              <a:ext uri="{28A0092B-C50C-407E-A947-70E740481C1C}">
+                <a14:useLocalDpi xmlns:a14="http://schemas.microsoft.com/office/drawing/2010/main" val="0"/>
+              </a:ext>
+              <a:ext uri="{96DAC541-7B7A-43D3-8B79-37D633B846F1}">
+                <asvg:svgBlip xmlns:asvg="http://schemas.microsoft.com/office/drawing/2016/SVG/main" r:embed="rId4"/>
+              </a:ext>
+            </a:extLst>
+          </a:blip>
+          <a:stretch>
+            <a:fillRect/>
+          </a:stretch>
+        </p:blipFill>
+        <p:spPr>
+          <a:xfrm>
+            <a:off x="3010329" y="3478920"/>
+            <a:ext cx="1099404" cy="1099404"/>
+          </a:xfrm>
+          <a:prstGeom prst="rect">
+            <a:avLst/>
+          </a:prstGeom>
+        </p:spPr>
+      </p:pic>
+      <p:pic>
+        <p:nvPicPr>
+          <p:cNvPr id="6" name="Picture 4" descr="Bildergebnis für Fanuc Cr7 png">
+            <a:extLst>
+              <a:ext uri="{FF2B5EF4-FFF2-40B4-BE49-F238E27FC236}">
+                <a16:creationId xmlns:a16="http://schemas.microsoft.com/office/drawing/2014/main" id="{D380D12A-6AA7-4F53-8E14-DA91904DA554}"/>
+              </a:ext>
+            </a:extLst>
+          </p:cNvPr>
+          <p:cNvPicPr>
+            <a:picLocks noChangeAspect="1" noChangeArrowheads="1"/>
+          </p:cNvPicPr>
+          <p:nvPr/>
+        </p:nvPicPr>
+        <p:blipFill>
+          <a:blip r:embed="rId5">
+            <a:biLevel thresh="50000"/>
+            <a:extLst>
+              <a:ext uri="{BEBA8EAE-BF5A-486C-A8C5-ECC9F3942E4B}">
+                <a14:imgProps xmlns:a14="http://schemas.microsoft.com/office/drawing/2010/main">
+                  <a14:imgLayer r:embed="rId6">
+                    <a14:imgEffect>
+                      <a14:backgroundRemoval t="9455" b="93818" l="9290" r="89071">
+                        <a14:foregroundMark x1="43716" y1="89818" x2="54645" y2="90909"/>
+                        <a14:foregroundMark x1="43716" y1="93818" x2="67213" y2="92727"/>
+                      </a14:backgroundRemoval>
+                    </a14:imgEffect>
+                    <a14:imgEffect>
+                      <a14:saturation sat="0"/>
+                    </a14:imgEffect>
+                  </a14:imgLayer>
+                </a14:imgProps>
+              </a:ext>
+              <a:ext uri="{28A0092B-C50C-407E-A947-70E740481C1C}">
+                <a14:useLocalDpi xmlns:a14="http://schemas.microsoft.com/office/drawing/2010/main" val="0"/>
+              </a:ext>
+            </a:extLst>
+          </a:blip>
+          <a:srcRect/>
+          <a:stretch>
+            <a:fillRect/>
+          </a:stretch>
+        </p:blipFill>
+        <p:spPr bwMode="auto">
+          <a:xfrm>
+            <a:off x="4877359" y="2909842"/>
+            <a:ext cx="1382661" cy="2077769"/>
+          </a:xfrm>
+          <a:prstGeom prst="rect">
+            <a:avLst/>
+          </a:prstGeom>
+          <a:noFill/>
+          <a:extLst>
+            <a:ext uri="{909E8E84-426E-40DD-AFC4-6F175D3DCCD1}">
+              <a14:hiddenFill xmlns:a14="http://schemas.microsoft.com/office/drawing/2010/main">
+                <a:solidFill>
+                  <a:srgbClr val="FFFFFF"/>
+                </a:solidFill>
+              </a14:hiddenFill>
+            </a:ext>
+          </a:extLst>
+        </p:spPr>
+      </p:pic>
+      <p:pic>
+        <p:nvPicPr>
+          <p:cNvPr id="10" name="Grafik 9" descr="Unterhaltung">
+            <a:extLst>
+              <a:ext uri="{FF2B5EF4-FFF2-40B4-BE49-F238E27FC236}">
+                <a16:creationId xmlns:a16="http://schemas.microsoft.com/office/drawing/2014/main" id="{321E6A6E-03E5-464A-A58C-7F4A4A7E978F}"/>
+              </a:ext>
+            </a:extLst>
+          </p:cNvPr>
+          <p:cNvPicPr>
+            <a:picLocks noChangeAspect="1"/>
+          </p:cNvPicPr>
+          <p:nvPr/>
+        </p:nvPicPr>
+        <p:blipFill>
+          <a:blip r:embed="rId7">
+            <a:extLst>
+              <a:ext uri="{96DAC541-7B7A-43D3-8B79-37D633B846F1}">
+                <asvg:svgBlip xmlns:asvg="http://schemas.microsoft.com/office/drawing/2016/SVG/main" r:embed="rId8"/>
+              </a:ext>
+            </a:extLst>
+          </a:blip>
+          <a:stretch>
+            <a:fillRect/>
+          </a:stretch>
+        </p:blipFill>
+        <p:spPr>
+          <a:xfrm>
+            <a:off x="4042678" y="2641105"/>
+            <a:ext cx="914400" cy="914400"/>
+          </a:xfrm>
+          <a:prstGeom prst="rect">
+            <a:avLst/>
+          </a:prstGeom>
+        </p:spPr>
+      </p:pic>
+      <p:sp>
+        <p:nvSpPr>
+          <p:cNvPr id="11" name="Multiplikationszeichen 10">
+            <a:extLst>
+              <a:ext uri="{FF2B5EF4-FFF2-40B4-BE49-F238E27FC236}">
+                <a16:creationId xmlns:a16="http://schemas.microsoft.com/office/drawing/2014/main" id="{308DF638-3772-4BC7-888B-CE04C89440B5}"/>
+              </a:ext>
+            </a:extLst>
+          </p:cNvPr>
+          <p:cNvSpPr/>
+          <p:nvPr/>
+        </p:nvSpPr>
+        <p:spPr>
+          <a:xfrm>
+            <a:off x="3881136" y="2479142"/>
+            <a:ext cx="1237483" cy="1238326"/>
+          </a:xfrm>
+          <a:prstGeom prst="mathMultiply">
+            <a:avLst>
+              <a:gd name="adj1" fmla="val 7510"/>
+            </a:avLst>
+          </a:prstGeom>
+          <a:ln>
+            <a:solidFill>
+              <a:srgbClr val="FF0000"/>
+            </a:solidFill>
+          </a:ln>
+        </p:spPr>
+        <p:style>
+          <a:lnRef idx="2">
+            <a:schemeClr val="accent6"/>
+          </a:lnRef>
+          <a:fillRef idx="1">
+            <a:schemeClr val="lt1"/>
+          </a:fillRef>
+          <a:effectRef idx="0">
+            <a:schemeClr val="accent6"/>
+          </a:effectRef>
+          <a:fontRef idx="minor">
+            <a:schemeClr val="dk1"/>
+          </a:fontRef>
+        </p:style>
+        <p:txBody>
+          <a:bodyPr rot="0" spcFirstLastPara="0" vertOverflow="overflow" horzOverflow="overflow" vert="horz" wrap="square" lIns="91440" tIns="45720" rIns="91440" bIns="45720" numCol="1" spcCol="0" rtlCol="0" fromWordArt="0" anchor="t" anchorCtr="0" forceAA="0" compatLnSpc="1">
+            <a:prstTxWarp prst="textNoShape">
+              <a:avLst/>
+            </a:prstTxWarp>
+            <a:noAutofit/>
+          </a:bodyPr>
+          <a:lstStyle/>
+          <a:p>
+            <a:pPr algn="ctr">
+              <a:lnSpc>
+                <a:spcPct val="114000"/>
+              </a:lnSpc>
+            </a:pPr>
+            <a:endParaRPr lang="en-US" dirty="0"/>
+          </a:p>
+        </p:txBody>
+      </p:sp>
+      <p:sp>
+        <p:nvSpPr>
+          <p:cNvPr id="4" name="Foliennummernplatzhalter 3">
+            <a:extLst>
+              <a:ext uri="{FF2B5EF4-FFF2-40B4-BE49-F238E27FC236}">
+                <a16:creationId xmlns:a16="http://schemas.microsoft.com/office/drawing/2014/main" id="{C105C4B1-650F-462D-9C9E-16EA38898171}"/>
+              </a:ext>
+            </a:extLst>
+          </p:cNvPr>
+          <p:cNvSpPr>
+            <a:spLocks noGrp="1"/>
+          </p:cNvSpPr>
+          <p:nvPr>
+            <p:ph type="sldNum" sz="quarter" idx="12"/>
+          </p:nvPr>
+        </p:nvSpPr>
+        <p:spPr/>
+        <p:txBody>
+          <a:bodyPr/>
+          <a:lstStyle/>
+          <a:p>
+            <a:fld id="{CE58CB1E-F828-4F11-99E0-327109AF9DA4}" type="slidenum">
+              <a:rPr lang="de-DE" smtClean="0"/>
+              <a:pPr/>
+              <a:t>5</a:t>
+            </a:fld>
+            <a:endParaRPr lang="de-DE" dirty="0"/>
+          </a:p>
+        </p:txBody>
+      </p:sp>
+    </p:spTree>
+    <p:extLst>
+      <p:ext uri="{BB962C8B-B14F-4D97-AF65-F5344CB8AC3E}">
+        <p14:creationId xmlns:p14="http://schemas.microsoft.com/office/powerpoint/2010/main" val="3547064299"/>
+      </p:ext>
+    </p:extLst>
+  </p:cSld>
+  <p:clrMapOvr>
+    <a:masterClrMapping/>
+  </p:clrMapOvr>
+  <mc:AlternateContent xmlns:mc="http://schemas.openxmlformats.org/markup-compatibility/2006">
+    <mc:Choice xmlns:p159="http://schemas.microsoft.com/office/powerpoint/2015/09/main" Requires="p159">
+      <p:transition xmlns:p14="http://schemas.microsoft.com/office/powerpoint/2010/main" spd="slow" p14:dur="2000">
+        <p159:morph option="byObject"/>
+      </p:transition>
+    </mc:Choice>
+    <mc:Fallback>
+      <p:transition spd="slow">
+        <p:fade/>
+      </p:transition>
+    </mc:Fallback>
+  </mc:AlternateContent>
+  <p:timing>
+    <p:tnLst>
+      <p:par>
+        <p:cTn id="1" dur="indefinite" restart="never" nodeType="tmRoot">
+          <p:childTnLst>
+            <p:seq concurrent="1" nextAc="seek">
+              <p:cTn id="2" dur="indefinite" nodeType="mainSeq">
+                <p:childTnLst>
                   <p:par>
-                    <p:cTn id="17" fill="hold">
+                    <p:cTn id="3" fill="hold">
                       <p:stCondLst>
                         <p:cond delay="indefinite"/>
                       </p:stCondLst>
                       <p:childTnLst>
                         <p:par>
-                          <p:cTn id="18" fill="hold">
+                          <p:cTn id="4" fill="hold">
                             <p:stCondLst>
                               <p:cond delay="0"/>
                             </p:stCondLst>
                             <p:childTnLst>
                               <p:par>
-                                <p:cTn id="19" presetID="10" presetClass="entr" presetSubtype="0" fill="hold" nodeType="clickEffect">
+                                <p:cTn id="5" presetID="10" presetClass="entr" presetSubtype="0" fill="hold" nodeType="clickEffect">
                                   <p:stCondLst>
                                     <p:cond delay="0"/>
                                   </p:stCondLst>
                                   <p:childTnLst>
                                     <p:set>
                                       <p:cBhvr>
-                                        <p:cTn id="20" dur="1" fill="hold">
-                                          <p:stCondLst>
-                                            <p:cond delay="0"/>
-                                          </p:stCondLst>
-                                        </p:cTn>
-                                        <p:tgtEl>
-                                          <p:spTgt spid="7">
-                                            <p:txEl>
-                                              <p:pRg st="5" end="5"/>
-                                            </p:txEl>
-                                          </p:spTgt>
-                                        </p:tgtEl>
-                                        <p:attrNameLst>
-                                          <p:attrName>style.visibility</p:attrName>
-                                        </p:attrNameLst>
-                                      </p:cBhvr>
-                                      <p:to>
-                                        <p:strVal val="visible"/>
-                                      </p:to>
-                                    </p:set>
-                                    <p:animEffect transition="in" filter="fade">
-                                      <p:cBhvr>
-                                        <p:cTn id="21" dur="500"/>
-                                        <p:tgtEl>
-                                          <p:spTgt spid="7">
-                                            <p:txEl>
-                                              <p:pRg st="5" end="5"/>
-                                            </p:txEl>
-                                          </p:spTgt>
-                                        </p:tgtEl>
-                                      </p:cBhvr>
-                                    </p:animEffect>
-                                  </p:childTnLst>
-                                </p:cTn>
-                              </p:par>
-                              <p:par>
-                                <p:cTn id="22" presetID="10" presetClass="entr" presetSubtype="0" fill="hold" nodeType="withEffect">
-                                  <p:stCondLst>
-                                    <p:cond delay="0"/>
-                                  </p:stCondLst>
-                                  <p:childTnLst>
-                                    <p:set>
-                                      <p:cBhvr>
-                                        <p:cTn id="23" dur="1" fill="hold">
-                                          <p:stCondLst>
-                                            <p:cond delay="0"/>
-                                          </p:stCondLst>
-                                        </p:cTn>
-                                        <p:tgtEl>
-                                          <p:spTgt spid="7">
-                                            <p:txEl>
-                                              <p:pRg st="6" end="6"/>
-                                            </p:txEl>
-                                          </p:spTgt>
-                                        </p:tgtEl>
-                                        <p:attrNameLst>
-                                          <p:attrName>style.visibility</p:attrName>
-                                        </p:attrNameLst>
-                                      </p:cBhvr>
-                                      <p:to>
-                                        <p:strVal val="visible"/>
-                                      </p:to>
-                                    </p:set>
-                                    <p:animEffect transition="in" filter="fade">
-                                      <p:cBhvr>
-                                        <p:cTn id="24" dur="500"/>
-                                        <p:tgtEl>
-                                          <p:spTgt spid="7">
-                                            <p:txEl>
-                                              <p:pRg st="6" end="6"/>
-                                            </p:txEl>
-                                          </p:spTgt>
-                                        </p:tgtEl>
-                                      </p:cBhvr>
-                                    </p:animEffect>
-                                  </p:childTnLst>
-                                </p:cTn>
-                              </p:par>
-                            </p:childTnLst>
-                          </p:cTn>
-                        </p:par>
-                      </p:childTnLst>
-                    </p:cTn>
-                  </p:par>
-                  <p:par>
-                    <p:cTn id="25" fill="hold">
-                      <p:stCondLst>
-                        <p:cond delay="indefinite"/>
-                      </p:stCondLst>
-                      <p:childTnLst>
-                        <p:par>
-                          <p:cTn id="26" fill="hold">
-                            <p:stCondLst>
-                              <p:cond delay="0"/>
-                            </p:stCondLst>
-                            <p:childTnLst>
-                              <p:par>
-                                <p:cTn id="27" presetID="10" presetClass="entr" presetSubtype="0" fill="hold" nodeType="clickEffect">
-                                  <p:stCondLst>
-                                    <p:cond delay="0"/>
-                                  </p:stCondLst>
-                                  <p:childTnLst>
-                                    <p:set>
-                                      <p:cBhvr>
-                                        <p:cTn id="28" dur="1" fill="hold">
-                                          <p:stCondLst>
-                                            <p:cond delay="0"/>
-                                          </p:stCondLst>
-                                        </p:cTn>
-                                        <p:tgtEl>
-                                          <p:spTgt spid="5"/>
-                                        </p:tgtEl>
-                                        <p:attrNameLst>
-                                          <p:attrName>style.visibility</p:attrName>
-                                        </p:attrNameLst>
-                                      </p:cBhvr>
-                                      <p:to>
-                                        <p:strVal val="visible"/>
-                                      </p:to>
-                                    </p:set>
-                                    <p:animEffect transition="in" filter="fade">
-                                      <p:cBhvr>
-                                        <p:cTn id="29" dur="500"/>
-                                        <p:tgtEl>
-                                          <p:spTgt spid="5"/>
-                                        </p:tgtEl>
-                                      </p:cBhvr>
-                                    </p:animEffect>
-                                  </p:childTnLst>
-                                </p:cTn>
-                              </p:par>
-                              <p:par>
-                                <p:cTn id="30" presetID="10" presetClass="entr" presetSubtype="0" fill="hold" nodeType="withEffect">
-                                  <p:stCondLst>
-                                    <p:cond delay="0"/>
-                                  </p:stCondLst>
-                                  <p:childTnLst>
-                                    <p:set>
-                                      <p:cBhvr>
-                                        <p:cTn id="31" dur="1" fill="hold">
-                                          <p:stCondLst>
-                                            <p:cond delay="0"/>
-                                          </p:stCondLst>
-                                        </p:cTn>
-                                        <p:tgtEl>
-                                          <p:spTgt spid="6"/>
-                                        </p:tgtEl>
-                                        <p:attrNameLst>
-                                          <p:attrName>style.visibility</p:attrName>
-                                        </p:attrNameLst>
-                                      </p:cBhvr>
-                                      <p:to>
-                                        <p:strVal val="visible"/>
-                                      </p:to>
-                                    </p:set>
-                                    <p:animEffect transition="in" filter="fade">
-                                      <p:cBhvr>
-                                        <p:cTn id="32" dur="500"/>
-                                        <p:tgtEl>
-                                          <p:spTgt spid="6"/>
-                                        </p:tgtEl>
-                                      </p:cBhvr>
-                                    </p:animEffect>
-                                  </p:childTnLst>
-                                </p:cTn>
-                              </p:par>
-                            </p:childTnLst>
-                          </p:cTn>
-                        </p:par>
-                      </p:childTnLst>
-                    </p:cTn>
-                  </p:par>
-                  <p:par>
-                    <p:cTn id="33" fill="hold">
-                      <p:stCondLst>
-                        <p:cond delay="indefinite"/>
-                      </p:stCondLst>
-                      <p:childTnLst>
-                        <p:par>
-                          <p:cTn id="34" fill="hold">
-                            <p:stCondLst>
-                              <p:cond delay="0"/>
-                            </p:stCondLst>
-                            <p:childTnLst>
-                              <p:par>
-                                <p:cTn id="35" presetID="10" presetClass="entr" presetSubtype="0" fill="hold" nodeType="clickEffect">
-                                  <p:stCondLst>
-                                    <p:cond delay="0"/>
-                                  </p:stCondLst>
-                                  <p:childTnLst>
-                                    <p:set>
-                                      <p:cBhvr>
-                                        <p:cTn id="36" dur="1" fill="hold">
+                                        <p:cTn id="6" dur="1" fill="hold">
                                           <p:stCondLst>
                                             <p:cond delay="0"/>
                                           </p:stCondLst>
@@ -28587,7 +28072,7 @@
                                     </p:set>
                                     <p:animEffect transition="in" filter="fade">
                                       <p:cBhvr>
-                                        <p:cTn id="37" dur="500"/>
+                                        <p:cTn id="7" dur="500"/>
                                         <p:tgtEl>
                                           <p:spTgt spid="10"/>
                                         </p:tgtEl>
@@ -28597,14 +28082,14 @@
                                 </p:cTn>
                               </p:par>
                               <p:par>
-                                <p:cTn id="38" presetID="10" presetClass="entr" presetSubtype="0" fill="hold" grpId="0" nodeType="withEffect">
+                                <p:cTn id="8" presetID="10" presetClass="entr" presetSubtype="0" fill="hold" grpId="0" nodeType="withEffect">
                                   <p:stCondLst>
                                     <p:cond delay="0"/>
                                   </p:stCondLst>
                                   <p:childTnLst>
                                     <p:set>
                                       <p:cBhvr>
-                                        <p:cTn id="39" dur="1" fill="hold">
+                                        <p:cTn id="9" dur="1" fill="hold">
                                           <p:stCondLst>
                                             <p:cond delay="0"/>
                                           </p:stCondLst>
@@ -28622,7 +28107,7 @@
                                     </p:set>
                                     <p:animEffect transition="in" filter="fade">
                                       <p:cBhvr>
-                                        <p:cTn id="40" dur="500"/>
+                                        <p:cTn id="10" dur="500"/>
                                         <p:tgtEl>
                                           <p:spTgt spid="11"/>
                                         </p:tgtEl>
@@ -28665,7 +28150,7 @@
 </p:sld>
 </file>
 
-<file path=ppt/slides/slide5.xml><?xml version="1.0" encoding="utf-8"?>
+<file path=ppt/slides/slide6.xml><?xml version="1.0" encoding="utf-8"?>
 <p:sld xmlns:a="http://schemas.openxmlformats.org/drawingml/2006/main" xmlns:r="http://schemas.openxmlformats.org/officeDocument/2006/relationships" xmlns:p="http://schemas.openxmlformats.org/presentationml/2006/main">
   <p:cSld>
     <p:spTree>
@@ -28712,7 +28197,7 @@
         </p:blipFill>
         <p:spPr>
           <a:xfrm>
-            <a:off x="7185390" y="3615350"/>
+            <a:off x="5225977" y="3677553"/>
             <a:ext cx="767625" cy="951288"/>
           </a:xfrm>
           <a:prstGeom prst="rect">
@@ -28779,7 +28264,7 @@
         </p:blipFill>
         <p:spPr>
           <a:xfrm>
-            <a:off x="4969759" y="3422223"/>
+            <a:off x="3010346" y="3484426"/>
             <a:ext cx="1099404" cy="1099404"/>
           </a:xfrm>
           <a:prstGeom prst="rect">
@@ -28787,333 +28272,6 @@
           </a:prstGeom>
         </p:spPr>
       </p:pic>
-      <p:sp>
-        <p:nvSpPr>
-          <p:cNvPr id="7" name="Textfeld 6">
-            <a:extLst>
-              <a:ext uri="{FF2B5EF4-FFF2-40B4-BE49-F238E27FC236}">
-                <a16:creationId xmlns:a16="http://schemas.microsoft.com/office/drawing/2014/main" id="{3F09E5B3-E6CE-44E8-B067-648833CC2C82}"/>
-              </a:ext>
-            </a:extLst>
-          </p:cNvPr>
-          <p:cNvSpPr txBox="1"/>
-          <p:nvPr/>
-        </p:nvSpPr>
-        <p:spPr>
-          <a:xfrm>
-            <a:off x="655320" y="2536622"/>
-            <a:ext cx="3318216" cy="2222275"/>
-          </a:xfrm>
-          <a:prstGeom prst="rect">
-            <a:avLst/>
-          </a:prstGeom>
-          <a:noFill/>
-        </p:spPr>
-        <p:txBody>
-          <a:bodyPr wrap="none" lIns="0" tIns="0" rIns="0" bIns="0" rtlCol="0">
-            <a:spAutoFit/>
-          </a:bodyPr>
-          <a:lstStyle/>
-          <a:p>
-            <a:pPr>
-              <a:lnSpc>
-                <a:spcPct val="114000"/>
-              </a:lnSpc>
-            </a:pPr>
-            <a:r>
-              <a:rPr lang="en-US" sz="1600" dirty="0">
-                <a:latin typeface="+mn-lt"/>
-              </a:rPr>
-              <a:t>Modern production plants should be:</a:t>
-            </a:r>
-          </a:p>
-          <a:p>
-            <a:pPr marL="285750" indent="-285750">
-              <a:lnSpc>
-                <a:spcPct val="114000"/>
-              </a:lnSpc>
-              <a:buFont typeface="Arial" panose="020B0604020202020204" pitchFamily="34" charset="0"/>
-              <a:buChar char="•"/>
-            </a:pPr>
-            <a:r>
-              <a:rPr lang="en-US" sz="1600" dirty="0">
-                <a:latin typeface="+mn-lt"/>
-              </a:rPr>
-              <a:t>Agile</a:t>
-            </a:r>
-          </a:p>
-          <a:p>
-            <a:pPr marL="285750" indent="-285750">
-              <a:lnSpc>
-                <a:spcPct val="114000"/>
-              </a:lnSpc>
-              <a:buFont typeface="Arial" panose="020B0604020202020204" pitchFamily="34" charset="0"/>
-              <a:buChar char="•"/>
-            </a:pPr>
-            <a:r>
-              <a:rPr lang="en-US" sz="1600" dirty="0">
-                <a:latin typeface="+mn-lt"/>
-              </a:rPr>
-              <a:t>Safe</a:t>
-            </a:r>
-          </a:p>
-          <a:p>
-            <a:pPr marL="285750" indent="-285750">
-              <a:lnSpc>
-                <a:spcPct val="114000"/>
-              </a:lnSpc>
-              <a:buFont typeface="Arial" panose="020B0604020202020204" pitchFamily="34" charset="0"/>
-              <a:buChar char="•"/>
-            </a:pPr>
-            <a:r>
-              <a:rPr lang="en-US" sz="1600" dirty="0">
-                <a:latin typeface="+mn-lt"/>
-              </a:rPr>
-              <a:t>Efficient</a:t>
-            </a:r>
-          </a:p>
-          <a:p>
-            <a:pPr marL="285750" indent="-285750">
-              <a:lnSpc>
-                <a:spcPct val="114000"/>
-              </a:lnSpc>
-              <a:buFont typeface="Arial" panose="020B0604020202020204" pitchFamily="34" charset="0"/>
-              <a:buChar char="•"/>
-            </a:pPr>
-            <a:endParaRPr lang="en-US" sz="1600" dirty="0">
-              <a:latin typeface="+mn-lt"/>
-            </a:endParaRPr>
-          </a:p>
-          <a:p>
-            <a:pPr>
-              <a:lnSpc>
-                <a:spcPct val="114000"/>
-              </a:lnSpc>
-            </a:pPr>
-            <a:r>
-              <a:rPr lang="en-US" sz="1600" dirty="0">
-                <a:latin typeface="+mn-lt"/>
-              </a:rPr>
-              <a:t>This requires:</a:t>
-            </a:r>
-          </a:p>
-          <a:p>
-            <a:pPr marL="285750" indent="-285750">
-              <a:lnSpc>
-                <a:spcPct val="114000"/>
-              </a:lnSpc>
-              <a:buFont typeface="Arial" panose="020B0604020202020204" pitchFamily="34" charset="0"/>
-              <a:buChar char="•"/>
-            </a:pPr>
-            <a:r>
-              <a:rPr lang="en-US" sz="1600" dirty="0">
-                <a:latin typeface="+mn-lt"/>
-              </a:rPr>
-              <a:t>Mind + Machine Collaboration</a:t>
-            </a:r>
-          </a:p>
-          <a:p>
-            <a:pPr>
-              <a:lnSpc>
-                <a:spcPct val="114000"/>
-              </a:lnSpc>
-            </a:pPr>
-            <a:endParaRPr lang="en-US" sz="1600" dirty="0">
-              <a:latin typeface="+mn-lt"/>
-            </a:endParaRPr>
-          </a:p>
-        </p:txBody>
-      </p:sp>
-      <p:sp>
-        <p:nvSpPr>
-          <p:cNvPr id="8" name="Titel 2">
-            <a:extLst>
-              <a:ext uri="{FF2B5EF4-FFF2-40B4-BE49-F238E27FC236}">
-                <a16:creationId xmlns:a16="http://schemas.microsoft.com/office/drawing/2014/main" id="{329EB000-FF4D-4F6C-B331-04A00FD14A80}"/>
-              </a:ext>
-            </a:extLst>
-          </p:cNvPr>
-          <p:cNvSpPr txBox="1">
-            <a:spLocks/>
-          </p:cNvSpPr>
-          <p:nvPr/>
-        </p:nvSpPr>
-        <p:spPr>
-          <a:xfrm>
-            <a:off x="15024" y="8922"/>
-            <a:ext cx="9128976" cy="360355"/>
-          </a:xfrm>
-          <a:prstGeom prst="rect">
-            <a:avLst/>
-          </a:prstGeom>
-          <a:noFill/>
-          <a:ln w="9525">
-            <a:noFill/>
-            <a:miter lim="800000"/>
-            <a:headEnd/>
-            <a:tailEnd/>
-          </a:ln>
-        </p:spPr>
-        <p:txBody>
-          <a:bodyPr vert="horz" wrap="square" lIns="0" tIns="0" rIns="0" bIns="0" numCol="1" anchor="t" anchorCtr="0" compatLnSpc="1">
-            <a:prstTxWarp prst="textNoShape">
-              <a:avLst/>
-            </a:prstTxWarp>
-            <a:spAutoFit/>
-          </a:bodyPr>
-          <a:lstStyle>
-            <a:lvl1pPr algn="l" rtl="0" eaLnBrk="1" fontAlgn="base" hangingPunct="1">
-              <a:lnSpc>
-                <a:spcPts val="3200"/>
-              </a:lnSpc>
-              <a:spcBef>
-                <a:spcPct val="0"/>
-              </a:spcBef>
-              <a:spcAft>
-                <a:spcPct val="0"/>
-              </a:spcAft>
-              <a:defRPr lang="de-DE" sz="3000" b="0" kern="1200" noProof="0" dirty="0">
-                <a:solidFill>
-                  <a:schemeClr val="tx1"/>
-                </a:solidFill>
-                <a:latin typeface="+mj-lt"/>
-                <a:ea typeface="+mj-ea"/>
-                <a:cs typeface="+mj-cs"/>
-              </a:defRPr>
-            </a:lvl1pPr>
-            <a:lvl2pPr algn="l" rtl="0" eaLnBrk="1" fontAlgn="base" hangingPunct="1">
-              <a:spcBef>
-                <a:spcPct val="0"/>
-              </a:spcBef>
-              <a:spcAft>
-                <a:spcPct val="0"/>
-              </a:spcAft>
-              <a:defRPr sz="2000" b="1">
-                <a:solidFill>
-                  <a:schemeClr val="tx2"/>
-                </a:solidFill>
-                <a:latin typeface="Arial" charset="0"/>
-                <a:cs typeface="Arial" charset="0"/>
-              </a:defRPr>
-            </a:lvl2pPr>
-            <a:lvl3pPr algn="l" rtl="0" eaLnBrk="1" fontAlgn="base" hangingPunct="1">
-              <a:spcBef>
-                <a:spcPct val="0"/>
-              </a:spcBef>
-              <a:spcAft>
-                <a:spcPct val="0"/>
-              </a:spcAft>
-              <a:defRPr sz="2000" b="1">
-                <a:solidFill>
-                  <a:schemeClr val="tx2"/>
-                </a:solidFill>
-                <a:latin typeface="Arial" charset="0"/>
-                <a:cs typeface="Arial" charset="0"/>
-              </a:defRPr>
-            </a:lvl3pPr>
-            <a:lvl4pPr algn="l" rtl="0" eaLnBrk="1" fontAlgn="base" hangingPunct="1">
-              <a:spcBef>
-                <a:spcPct val="0"/>
-              </a:spcBef>
-              <a:spcAft>
-                <a:spcPct val="0"/>
-              </a:spcAft>
-              <a:defRPr sz="2000" b="1">
-                <a:solidFill>
-                  <a:schemeClr val="tx2"/>
-                </a:solidFill>
-                <a:latin typeface="Arial" charset="0"/>
-                <a:cs typeface="Arial" charset="0"/>
-              </a:defRPr>
-            </a:lvl4pPr>
-            <a:lvl5pPr algn="l" rtl="0" eaLnBrk="1" fontAlgn="base" hangingPunct="1">
-              <a:spcBef>
-                <a:spcPct val="0"/>
-              </a:spcBef>
-              <a:spcAft>
-                <a:spcPct val="0"/>
-              </a:spcAft>
-              <a:defRPr sz="2000" b="1">
-                <a:solidFill>
-                  <a:schemeClr val="tx2"/>
-                </a:solidFill>
-                <a:latin typeface="Arial" charset="0"/>
-                <a:cs typeface="Arial" charset="0"/>
-              </a:defRPr>
-            </a:lvl5pPr>
-            <a:lvl6pPr marL="457200" algn="l" rtl="0" eaLnBrk="1" fontAlgn="base" hangingPunct="1">
-              <a:spcBef>
-                <a:spcPct val="0"/>
-              </a:spcBef>
-              <a:spcAft>
-                <a:spcPct val="0"/>
-              </a:spcAft>
-              <a:defRPr sz="2000" b="1">
-                <a:solidFill>
-                  <a:schemeClr val="tx2"/>
-                </a:solidFill>
-                <a:latin typeface="Arial" charset="0"/>
-                <a:cs typeface="Arial" charset="0"/>
-              </a:defRPr>
-            </a:lvl6pPr>
-            <a:lvl7pPr marL="914400" algn="l" rtl="0" eaLnBrk="1" fontAlgn="base" hangingPunct="1">
-              <a:spcBef>
-                <a:spcPct val="0"/>
-              </a:spcBef>
-              <a:spcAft>
-                <a:spcPct val="0"/>
-              </a:spcAft>
-              <a:defRPr sz="2000" b="1">
-                <a:solidFill>
-                  <a:schemeClr val="tx2"/>
-                </a:solidFill>
-                <a:latin typeface="Arial" charset="0"/>
-                <a:cs typeface="Arial" charset="0"/>
-              </a:defRPr>
-            </a:lvl7pPr>
-            <a:lvl8pPr marL="1371600" algn="l" rtl="0" eaLnBrk="1" fontAlgn="base" hangingPunct="1">
-              <a:spcBef>
-                <a:spcPct val="0"/>
-              </a:spcBef>
-              <a:spcAft>
-                <a:spcPct val="0"/>
-              </a:spcAft>
-              <a:defRPr sz="2000" b="1">
-                <a:solidFill>
-                  <a:schemeClr val="tx2"/>
-                </a:solidFill>
-                <a:latin typeface="Arial" charset="0"/>
-                <a:cs typeface="Arial" charset="0"/>
-              </a:defRPr>
-            </a:lvl8pPr>
-            <a:lvl9pPr marL="1828800" algn="l" rtl="0" eaLnBrk="1" fontAlgn="base" hangingPunct="1">
-              <a:spcBef>
-                <a:spcPct val="0"/>
-              </a:spcBef>
-              <a:spcAft>
-                <a:spcPct val="0"/>
-              </a:spcAft>
-              <a:defRPr sz="2000" b="1">
-                <a:solidFill>
-                  <a:schemeClr val="tx2"/>
-                </a:solidFill>
-                <a:latin typeface="Arial" charset="0"/>
-                <a:cs typeface="Arial" charset="0"/>
-              </a:defRPr>
-            </a:lvl9pPr>
-          </a:lstStyle>
-          <a:p>
-            <a:r>
-              <a:rPr lang="en-US" sz="1800" dirty="0">
-                <a:solidFill>
-                  <a:srgbClr val="FF0000"/>
-                </a:solidFill>
-              </a:rPr>
-              <a:t>Goal: Describe Why AR is important</a:t>
-            </a:r>
-          </a:p>
-        </p:txBody>
-      </p:sp>
       <p:pic>
         <p:nvPicPr>
           <p:cNvPr id="4" name="Grafik 3" descr="Rede">
@@ -29142,7 +28300,7 @@
         </p:blipFill>
         <p:spPr>
           <a:xfrm>
-            <a:off x="6896100" y="1892886"/>
+            <a:off x="4936687" y="1955089"/>
             <a:ext cx="1233999" cy="1233999"/>
           </a:xfrm>
           <a:prstGeom prst="rect">
@@ -29181,7 +28339,7 @@
         </p:blipFill>
         <p:spPr>
           <a:xfrm>
-            <a:off x="5214341" y="3422223"/>
+            <a:off x="3254928" y="3484426"/>
             <a:ext cx="610239" cy="610239"/>
           </a:xfrm>
           <a:prstGeom prst="rect">
@@ -29202,13 +28360,13 @@
           <p:nvPr>
             <p:extLst>
               <p:ext uri="{D42A27DB-BD31-4B8C-83A1-F6EECF244321}">
-                <p14:modId xmlns:p14="http://schemas.microsoft.com/office/powerpoint/2010/main" val="1535055080"/>
+                <p14:modId xmlns:p14="http://schemas.microsoft.com/office/powerpoint/2010/main" val="716007591"/>
               </p:ext>
             </p:extLst>
           </p:nvPr>
         </p:nvGraphicFramePr>
         <p:xfrm>
-          <a:off x="7081585" y="1950498"/>
+          <a:off x="5122172" y="2012701"/>
           <a:ext cx="863027" cy="890924"/>
         </p:xfrm>
         <a:graphic>
@@ -29231,7 +28389,7 @@
         </p:nvSpPr>
         <p:spPr>
           <a:xfrm>
-            <a:off x="8577343" y="3766006"/>
+            <a:off x="6617930" y="3828209"/>
             <a:ext cx="220980" cy="228600"/>
           </a:xfrm>
           <a:prstGeom prst="ellipse">
@@ -29288,7 +28446,7 @@
         </p:nvCxnSpPr>
         <p:spPr>
           <a:xfrm>
-            <a:off x="8046720" y="3299435"/>
+            <a:off x="6087307" y="3361638"/>
             <a:ext cx="562985" cy="500049"/>
           </a:xfrm>
           <a:prstGeom prst="line">
@@ -29324,7 +28482,7 @@
         </p:nvSpPr>
         <p:spPr>
           <a:xfrm rot="2478420">
-            <a:off x="8141114" y="3288288"/>
+            <a:off x="6181701" y="3350491"/>
             <a:ext cx="514564" cy="257250"/>
           </a:xfrm>
           <a:prstGeom prst="rect">
@@ -29368,7 +28526,7 @@
         </p:nvCxnSpPr>
         <p:spPr>
           <a:xfrm flipH="1">
-            <a:off x="5886392" y="3472878"/>
+            <a:off x="3926979" y="3535081"/>
             <a:ext cx="1221624" cy="210487"/>
           </a:xfrm>
           <a:prstGeom prst="line">
@@ -29404,7 +28562,7 @@
         </p:nvSpPr>
         <p:spPr>
           <a:xfrm rot="21072379">
-            <a:off x="6281453" y="3324145"/>
+            <a:off x="4322040" y="3386348"/>
             <a:ext cx="343043" cy="257250"/>
           </a:xfrm>
           <a:prstGeom prst="rect">
@@ -29460,7 +28618,7 @@
         </p:blipFill>
         <p:spPr>
           <a:xfrm>
-            <a:off x="4496621" y="2767965"/>
+            <a:off x="2537208" y="2830168"/>
             <a:ext cx="1233999" cy="882433"/>
           </a:xfrm>
           <a:prstGeom prst="rect">
@@ -29482,7 +28640,7 @@
         </p:nvSpPr>
         <p:spPr>
           <a:xfrm>
-            <a:off x="4859291" y="3021836"/>
+            <a:off x="2899878" y="3084039"/>
             <a:ext cx="559449" cy="257250"/>
           </a:xfrm>
           <a:prstGeom prst="rect">
@@ -29555,7 +28713,7 @@
         </p:blipFill>
         <p:spPr bwMode="auto">
           <a:xfrm>
-            <a:off x="6836789" y="2841422"/>
+            <a:off x="4877376" y="2903625"/>
             <a:ext cx="1382661" cy="2077769"/>
           </a:xfrm>
           <a:prstGeom prst="rect">
@@ -29587,7 +28745,7 @@
         </p:nvGrpSpPr>
         <p:grpSpPr>
           <a:xfrm>
-            <a:off x="6179094" y="3611651"/>
+            <a:off x="4219681" y="3673854"/>
             <a:ext cx="2782143" cy="1863139"/>
             <a:chOff x="6179094" y="3373526"/>
             <a:chExt cx="2782143" cy="1863139"/>
@@ -29708,6 +28866,36 @@
           </p:spPr>
         </p:pic>
       </p:grpSp>
+      <p:sp>
+        <p:nvSpPr>
+          <p:cNvPr id="7" name="Foliennummernplatzhalter 6">
+            <a:extLst>
+              <a:ext uri="{FF2B5EF4-FFF2-40B4-BE49-F238E27FC236}">
+                <a16:creationId xmlns:a16="http://schemas.microsoft.com/office/drawing/2014/main" id="{2A420955-FA04-4880-891C-33919F97AA69}"/>
+              </a:ext>
+            </a:extLst>
+          </p:cNvPr>
+          <p:cNvSpPr>
+            <a:spLocks noGrp="1"/>
+          </p:cNvSpPr>
+          <p:nvPr>
+            <p:ph type="sldNum" sz="quarter" idx="12"/>
+          </p:nvPr>
+        </p:nvSpPr>
+        <p:spPr/>
+        <p:txBody>
+          <a:bodyPr/>
+          <a:lstStyle/>
+          <a:p>
+            <a:fld id="{CE58CB1E-F828-4F11-99E0-327109AF9DA4}" type="slidenum">
+              <a:rPr lang="de-DE" smtClean="0"/>
+              <a:pPr/>
+              <a:t>6</a:t>
+            </a:fld>
+            <a:endParaRPr lang="de-DE" dirty="0"/>
+          </a:p>
+        </p:txBody>
+      </p:sp>
     </p:spTree>
     <p:extLst>
       <p:ext uri="{BB962C8B-B14F-4D97-AF65-F5344CB8AC3E}">
@@ -29718,96 +28906,10 @@
   <p:clrMapOvr>
     <a:masterClrMapping/>
   </p:clrMapOvr>
-  <p:timing>
-    <p:tnLst>
-      <p:par>
-        <p:cTn id="1" dur="indefinite" restart="never" nodeType="tmRoot">
-          <p:childTnLst>
-            <p:seq concurrent="1" nextAc="seek">
-              <p:cTn id="2" dur="indefinite" nodeType="mainSeq">
-                <p:childTnLst>
-                  <p:par>
-                    <p:cTn id="3" fill="hold">
-                      <p:stCondLst>
-                        <p:cond delay="indefinite"/>
-                        <p:cond evt="onBegin" delay="0">
-                          <p:tn val="2"/>
-                        </p:cond>
-                      </p:stCondLst>
-                      <p:childTnLst>
-                        <p:par>
-                          <p:cTn id="4" fill="hold">
-                            <p:stCondLst>
-                              <p:cond delay="0"/>
-                            </p:stCondLst>
-                            <p:childTnLst>
-                              <p:par>
-                                <p:cTn id="5" presetID="10" presetClass="entr" presetSubtype="0" fill="hold" nodeType="withEffect">
-                                  <p:stCondLst>
-                                    <p:cond delay="0"/>
-                                  </p:stCondLst>
-                                  <p:childTnLst>
-                                    <p:set>
-                                      <p:cBhvr>
-                                        <p:cTn id="6" dur="1" fill="hold">
-                                          <p:stCondLst>
-                                            <p:cond delay="0"/>
-                                          </p:stCondLst>
-                                        </p:cTn>
-                                        <p:tgtEl>
-                                          <p:spTgt spid="25"/>
-                                        </p:tgtEl>
-                                        <p:attrNameLst>
-                                          <p:attrName>style.visibility</p:attrName>
-                                        </p:attrNameLst>
-                                      </p:cBhvr>
-                                      <p:to>
-                                        <p:strVal val="visible"/>
-                                      </p:to>
-                                    </p:set>
-                                    <p:animEffect transition="in" filter="fade">
-                                      <p:cBhvr>
-                                        <p:cTn id="7" dur="500"/>
-                                        <p:tgtEl>
-                                          <p:spTgt spid="25"/>
-                                        </p:tgtEl>
-                                      </p:cBhvr>
-                                    </p:animEffect>
-                                  </p:childTnLst>
-                                </p:cTn>
-                              </p:par>
-                            </p:childTnLst>
-                          </p:cTn>
-                        </p:par>
-                      </p:childTnLst>
-                    </p:cTn>
-                  </p:par>
-                </p:childTnLst>
-              </p:cTn>
-              <p:prevCondLst>
-                <p:cond evt="onPrev" delay="0">
-                  <p:tgtEl>
-                    <p:sldTgt/>
-                  </p:tgtEl>
-                </p:cond>
-              </p:prevCondLst>
-              <p:nextCondLst>
-                <p:cond evt="onNext" delay="0">
-                  <p:tgtEl>
-                    <p:sldTgt/>
-                  </p:tgtEl>
-                </p:cond>
-              </p:nextCondLst>
-            </p:seq>
-          </p:childTnLst>
-        </p:cTn>
-      </p:par>
-    </p:tnLst>
-  </p:timing>
 </p:sld>
 </file>
 
-<file path=ppt/slides/slide6.xml><?xml version="1.0" encoding="utf-8"?>
+<file path=ppt/slides/slide7.xml><?xml version="1.0" encoding="utf-8"?>
 <p:sld xmlns:a="http://schemas.openxmlformats.org/drawingml/2006/main" xmlns:r="http://schemas.openxmlformats.org/officeDocument/2006/relationships" xmlns:p="http://schemas.openxmlformats.org/presentationml/2006/main">
   <p:cSld>
     <p:spTree>
@@ -29847,197 +28949,7 @@
           <a:p>
             <a:r>
               <a:rPr lang="en-US" dirty="0"/>
-              <a:t>AR Development</a:t>
-            </a:r>
-          </a:p>
-        </p:txBody>
-      </p:sp>
-      <p:sp>
-        <p:nvSpPr>
-          <p:cNvPr id="4" name="Titel 2">
-            <a:extLst>
-              <a:ext uri="{FF2B5EF4-FFF2-40B4-BE49-F238E27FC236}">
-                <a16:creationId xmlns:a16="http://schemas.microsoft.com/office/drawing/2014/main" id="{C1298B93-9A55-48CC-8BD1-7AE85D7D8D53}"/>
-              </a:ext>
-            </a:extLst>
-          </p:cNvPr>
-          <p:cNvSpPr txBox="1">
-            <a:spLocks/>
-          </p:cNvSpPr>
-          <p:nvPr/>
-        </p:nvSpPr>
-        <p:spPr>
-          <a:xfrm>
-            <a:off x="121704" y="0"/>
-            <a:ext cx="9128976" cy="360355"/>
-          </a:xfrm>
-          <a:prstGeom prst="rect">
-            <a:avLst/>
-          </a:prstGeom>
-          <a:noFill/>
-          <a:ln w="9525">
-            <a:noFill/>
-            <a:miter lim="800000"/>
-            <a:headEnd/>
-            <a:tailEnd/>
-          </a:ln>
-        </p:spPr>
-        <p:txBody>
-          <a:bodyPr vert="horz" wrap="square" lIns="0" tIns="0" rIns="0" bIns="0" numCol="1" anchor="t" anchorCtr="0" compatLnSpc="1">
-            <a:prstTxWarp prst="textNoShape">
-              <a:avLst/>
-            </a:prstTxWarp>
-            <a:spAutoFit/>
-          </a:bodyPr>
-          <a:lstStyle>
-            <a:lvl1pPr algn="l" rtl="0" eaLnBrk="1" fontAlgn="base" hangingPunct="1">
-              <a:lnSpc>
-                <a:spcPts val="3200"/>
-              </a:lnSpc>
-              <a:spcBef>
-                <a:spcPct val="0"/>
-              </a:spcBef>
-              <a:spcAft>
-                <a:spcPct val="0"/>
-              </a:spcAft>
-              <a:defRPr lang="de-DE" sz="3000" b="0" kern="1200" noProof="0" dirty="0">
-                <a:solidFill>
-                  <a:schemeClr val="tx1"/>
-                </a:solidFill>
-                <a:latin typeface="+mj-lt"/>
-                <a:ea typeface="+mj-ea"/>
-                <a:cs typeface="+mj-cs"/>
-              </a:defRPr>
-            </a:lvl1pPr>
-            <a:lvl2pPr algn="l" rtl="0" eaLnBrk="1" fontAlgn="base" hangingPunct="1">
-              <a:spcBef>
-                <a:spcPct val="0"/>
-              </a:spcBef>
-              <a:spcAft>
-                <a:spcPct val="0"/>
-              </a:spcAft>
-              <a:defRPr sz="2000" b="1">
-                <a:solidFill>
-                  <a:schemeClr val="tx2"/>
-                </a:solidFill>
-                <a:latin typeface="Arial" charset="0"/>
-                <a:cs typeface="Arial" charset="0"/>
-              </a:defRPr>
-            </a:lvl2pPr>
-            <a:lvl3pPr algn="l" rtl="0" eaLnBrk="1" fontAlgn="base" hangingPunct="1">
-              <a:spcBef>
-                <a:spcPct val="0"/>
-              </a:spcBef>
-              <a:spcAft>
-                <a:spcPct val="0"/>
-              </a:spcAft>
-              <a:defRPr sz="2000" b="1">
-                <a:solidFill>
-                  <a:schemeClr val="tx2"/>
-                </a:solidFill>
-                <a:latin typeface="Arial" charset="0"/>
-                <a:cs typeface="Arial" charset="0"/>
-              </a:defRPr>
-            </a:lvl3pPr>
-            <a:lvl4pPr algn="l" rtl="0" eaLnBrk="1" fontAlgn="base" hangingPunct="1">
-              <a:spcBef>
-                <a:spcPct val="0"/>
-              </a:spcBef>
-              <a:spcAft>
-                <a:spcPct val="0"/>
-              </a:spcAft>
-              <a:defRPr sz="2000" b="1">
-                <a:solidFill>
-                  <a:schemeClr val="tx2"/>
-                </a:solidFill>
-                <a:latin typeface="Arial" charset="0"/>
-                <a:cs typeface="Arial" charset="0"/>
-              </a:defRPr>
-            </a:lvl4pPr>
-            <a:lvl5pPr algn="l" rtl="0" eaLnBrk="1" fontAlgn="base" hangingPunct="1">
-              <a:spcBef>
-                <a:spcPct val="0"/>
-              </a:spcBef>
-              <a:spcAft>
-                <a:spcPct val="0"/>
-              </a:spcAft>
-              <a:defRPr sz="2000" b="1">
-                <a:solidFill>
-                  <a:schemeClr val="tx2"/>
-                </a:solidFill>
-                <a:latin typeface="Arial" charset="0"/>
-                <a:cs typeface="Arial" charset="0"/>
-              </a:defRPr>
-            </a:lvl5pPr>
-            <a:lvl6pPr marL="457200" algn="l" rtl="0" eaLnBrk="1" fontAlgn="base" hangingPunct="1">
-              <a:spcBef>
-                <a:spcPct val="0"/>
-              </a:spcBef>
-              <a:spcAft>
-                <a:spcPct val="0"/>
-              </a:spcAft>
-              <a:defRPr sz="2000" b="1">
-                <a:solidFill>
-                  <a:schemeClr val="tx2"/>
-                </a:solidFill>
-                <a:latin typeface="Arial" charset="0"/>
-                <a:cs typeface="Arial" charset="0"/>
-              </a:defRPr>
-            </a:lvl6pPr>
-            <a:lvl7pPr marL="914400" algn="l" rtl="0" eaLnBrk="1" fontAlgn="base" hangingPunct="1">
-              <a:spcBef>
-                <a:spcPct val="0"/>
-              </a:spcBef>
-              <a:spcAft>
-                <a:spcPct val="0"/>
-              </a:spcAft>
-              <a:defRPr sz="2000" b="1">
-                <a:solidFill>
-                  <a:schemeClr val="tx2"/>
-                </a:solidFill>
-                <a:latin typeface="Arial" charset="0"/>
-                <a:cs typeface="Arial" charset="0"/>
-              </a:defRPr>
-            </a:lvl7pPr>
-            <a:lvl8pPr marL="1371600" algn="l" rtl="0" eaLnBrk="1" fontAlgn="base" hangingPunct="1">
-              <a:spcBef>
-                <a:spcPct val="0"/>
-              </a:spcBef>
-              <a:spcAft>
-                <a:spcPct val="0"/>
-              </a:spcAft>
-              <a:defRPr sz="2000" b="1">
-                <a:solidFill>
-                  <a:schemeClr val="tx2"/>
-                </a:solidFill>
-                <a:latin typeface="Arial" charset="0"/>
-                <a:cs typeface="Arial" charset="0"/>
-              </a:defRPr>
-            </a:lvl8pPr>
-            <a:lvl9pPr marL="1828800" algn="l" rtl="0" eaLnBrk="1" fontAlgn="base" hangingPunct="1">
-              <a:spcBef>
-                <a:spcPct val="0"/>
-              </a:spcBef>
-              <a:spcAft>
-                <a:spcPct val="0"/>
-              </a:spcAft>
-              <a:defRPr sz="2000" b="1">
-                <a:solidFill>
-                  <a:schemeClr val="tx2"/>
-                </a:solidFill>
-                <a:latin typeface="Arial" charset="0"/>
-                <a:cs typeface="Arial" charset="0"/>
-              </a:defRPr>
-            </a:lvl9pPr>
-          </a:lstStyle>
-          <a:p>
-            <a:r>
-              <a:rPr lang="en-US" sz="1800" dirty="0">
-                <a:solidFill>
-                  <a:srgbClr val="FF0000"/>
-                </a:solidFill>
-              </a:rPr>
-              <a:t>Goal: Development of AR not easy / simple / Person responsible might not know how</a:t>
+              <a:t>AR Development is challenging</a:t>
             </a:r>
           </a:p>
         </p:txBody>
@@ -30070,7 +28982,7 @@
         </p:blipFill>
         <p:spPr>
           <a:xfrm>
-            <a:off x="1054321" y="3429000"/>
+            <a:off x="1511521" y="3723502"/>
             <a:ext cx="914400" cy="914400"/>
           </a:xfrm>
           <a:prstGeom prst="rect">
@@ -30092,11 +29004,12 @@
         </p:nvGrpSpPr>
         <p:grpSpPr>
           <a:xfrm>
-            <a:off x="961819" y="1491022"/>
+            <a:off x="1079050" y="1790967"/>
             <a:ext cx="1929241" cy="1556604"/>
             <a:chOff x="1487419" y="2142743"/>
             <a:chExt cx="1929241" cy="1556604"/>
           </a:xfrm>
+          <a:noFill/>
         </p:grpSpPr>
         <p:pic>
           <p:nvPicPr>
@@ -30227,7 +29140,7 @@
         </p:nvSpPr>
         <p:spPr>
           <a:xfrm>
-            <a:off x="3694731" y="2172126"/>
+            <a:off x="4151931" y="2466628"/>
             <a:ext cx="4487450" cy="3625864"/>
           </a:xfrm>
           <a:prstGeom prst="rect">
@@ -30250,7 +29163,7 @@
               <a:rPr lang="en-US" sz="1600" dirty="0">
                 <a:latin typeface="+mn-lt"/>
               </a:rPr>
-              <a:t>Responsible person has domain specific knowledge but no AR-Development skills</a:t>
+              <a:t>Responsible person: domain specific knowledge but no AR-Development skills</a:t>
             </a:r>
           </a:p>
           <a:p>
@@ -30399,7 +29312,7 @@
         </p:blipFill>
         <p:spPr>
           <a:xfrm>
-            <a:off x="1054321" y="4719331"/>
+            <a:off x="1511521" y="5013833"/>
             <a:ext cx="914400" cy="914400"/>
           </a:xfrm>
           <a:prstGeom prst="rect">
@@ -30407,6 +29320,36 @@
           </a:prstGeom>
         </p:spPr>
       </p:pic>
+      <p:sp>
+        <p:nvSpPr>
+          <p:cNvPr id="7" name="Foliennummernplatzhalter 6">
+            <a:extLst>
+              <a:ext uri="{FF2B5EF4-FFF2-40B4-BE49-F238E27FC236}">
+                <a16:creationId xmlns:a16="http://schemas.microsoft.com/office/drawing/2014/main" id="{C3CA520F-4A74-4A5E-8B5E-6EBAB2468437}"/>
+              </a:ext>
+            </a:extLst>
+          </p:cNvPr>
+          <p:cNvSpPr>
+            <a:spLocks noGrp="1"/>
+          </p:cNvSpPr>
+          <p:nvPr>
+            <p:ph type="sldNum" sz="quarter" idx="12"/>
+          </p:nvPr>
+        </p:nvSpPr>
+        <p:spPr/>
+        <p:txBody>
+          <a:bodyPr/>
+          <a:lstStyle/>
+          <a:p>
+            <a:fld id="{CE58CB1E-F828-4F11-99E0-327109AF9DA4}" type="slidenum">
+              <a:rPr lang="de-DE" smtClean="0"/>
+              <a:pPr/>
+              <a:t>7</a:t>
+            </a:fld>
+            <a:endParaRPr lang="de-DE" dirty="0"/>
+          </a:p>
+        </p:txBody>
+      </p:sp>
     </p:spTree>
     <p:extLst>
       <p:ext uri="{BB962C8B-B14F-4D97-AF65-F5344CB8AC3E}">
@@ -30420,7 +29363,7 @@
 </p:sld>
 </file>
 
-<file path=ppt/slides/slide7.xml><?xml version="1.0" encoding="utf-8"?>
+<file path=ppt/slides/slide8.xml><?xml version="1.0" encoding="utf-8"?>
 <p:sld xmlns:a="http://schemas.openxmlformats.org/drawingml/2006/main" xmlns:r="http://schemas.openxmlformats.org/officeDocument/2006/relationships" xmlns:p="http://schemas.openxmlformats.org/presentationml/2006/main">
   <p:cSld>
     <p:spTree>
@@ -30591,6 +29534,36 @@
           </a:p>
         </p:txBody>
       </p:sp>
+      <p:sp>
+        <p:nvSpPr>
+          <p:cNvPr id="5" name="Foliennummernplatzhalter 4">
+            <a:extLst>
+              <a:ext uri="{FF2B5EF4-FFF2-40B4-BE49-F238E27FC236}">
+                <a16:creationId xmlns:a16="http://schemas.microsoft.com/office/drawing/2014/main" id="{4C36B680-6929-4061-8EDA-2C3C7CBBE8CF}"/>
+              </a:ext>
+            </a:extLst>
+          </p:cNvPr>
+          <p:cNvSpPr>
+            <a:spLocks noGrp="1"/>
+          </p:cNvSpPr>
+          <p:nvPr>
+            <p:ph type="sldNum" sz="quarter" idx="12"/>
+          </p:nvPr>
+        </p:nvSpPr>
+        <p:spPr/>
+        <p:txBody>
+          <a:bodyPr/>
+          <a:lstStyle/>
+          <a:p>
+            <a:fld id="{CE58CB1E-F828-4F11-99E0-327109AF9DA4}" type="slidenum">
+              <a:rPr lang="de-DE" smtClean="0"/>
+              <a:pPr/>
+              <a:t>8</a:t>
+            </a:fld>
+            <a:endParaRPr lang="de-DE" dirty="0"/>
+          </a:p>
+        </p:txBody>
+      </p:sp>
     </p:spTree>
     <p:extLst>
       <p:ext uri="{BB962C8B-B14F-4D97-AF65-F5344CB8AC3E}">
@@ -30604,7 +29577,7 @@
 </p:sld>
 </file>
 
-<file path=ppt/slides/slide8.xml><?xml version="1.0" encoding="utf-8"?>
+<file path=ppt/slides/slide9.xml><?xml version="1.0" encoding="utf-8"?>
 <p:sld xmlns:a="http://schemas.openxmlformats.org/drawingml/2006/main" xmlns:r="http://schemas.openxmlformats.org/officeDocument/2006/relationships" xmlns:p="http://schemas.openxmlformats.org/presentationml/2006/main">
   <p:cSld>
     <p:spTree>
@@ -31051,196 +30024,6 @@
       </p:sp>
       <p:sp>
         <p:nvSpPr>
-          <p:cNvPr id="4" name="Titel 2">
-            <a:extLst>
-              <a:ext uri="{FF2B5EF4-FFF2-40B4-BE49-F238E27FC236}">
-                <a16:creationId xmlns:a16="http://schemas.microsoft.com/office/drawing/2014/main" id="{C1298B93-9A55-48CC-8BD1-7AE85D7D8D53}"/>
-              </a:ext>
-            </a:extLst>
-          </p:cNvPr>
-          <p:cNvSpPr txBox="1">
-            <a:spLocks/>
-          </p:cNvSpPr>
-          <p:nvPr/>
-        </p:nvSpPr>
-        <p:spPr>
-          <a:xfrm>
-            <a:off x="121704" y="0"/>
-            <a:ext cx="9128976" cy="360355"/>
-          </a:xfrm>
-          <a:prstGeom prst="rect">
-            <a:avLst/>
-          </a:prstGeom>
-          <a:noFill/>
-          <a:ln w="9525">
-            <a:noFill/>
-            <a:miter lim="800000"/>
-            <a:headEnd/>
-            <a:tailEnd/>
-          </a:ln>
-        </p:spPr>
-        <p:txBody>
-          <a:bodyPr vert="horz" wrap="square" lIns="0" tIns="0" rIns="0" bIns="0" numCol="1" anchor="t" anchorCtr="0" compatLnSpc="1">
-            <a:prstTxWarp prst="textNoShape">
-              <a:avLst/>
-            </a:prstTxWarp>
-            <a:spAutoFit/>
-          </a:bodyPr>
-          <a:lstStyle>
-            <a:lvl1pPr algn="l" rtl="0" eaLnBrk="1" fontAlgn="base" hangingPunct="1">
-              <a:lnSpc>
-                <a:spcPts val="3200"/>
-              </a:lnSpc>
-              <a:spcBef>
-                <a:spcPct val="0"/>
-              </a:spcBef>
-              <a:spcAft>
-                <a:spcPct val="0"/>
-              </a:spcAft>
-              <a:defRPr lang="de-DE" sz="3000" b="0" kern="1200" noProof="0" dirty="0">
-                <a:solidFill>
-                  <a:schemeClr val="tx1"/>
-                </a:solidFill>
-                <a:latin typeface="+mj-lt"/>
-                <a:ea typeface="+mj-ea"/>
-                <a:cs typeface="+mj-cs"/>
-              </a:defRPr>
-            </a:lvl1pPr>
-            <a:lvl2pPr algn="l" rtl="0" eaLnBrk="1" fontAlgn="base" hangingPunct="1">
-              <a:spcBef>
-                <a:spcPct val="0"/>
-              </a:spcBef>
-              <a:spcAft>
-                <a:spcPct val="0"/>
-              </a:spcAft>
-              <a:defRPr sz="2000" b="1">
-                <a:solidFill>
-                  <a:schemeClr val="tx2"/>
-                </a:solidFill>
-                <a:latin typeface="Arial" charset="0"/>
-                <a:cs typeface="Arial" charset="0"/>
-              </a:defRPr>
-            </a:lvl2pPr>
-            <a:lvl3pPr algn="l" rtl="0" eaLnBrk="1" fontAlgn="base" hangingPunct="1">
-              <a:spcBef>
-                <a:spcPct val="0"/>
-              </a:spcBef>
-              <a:spcAft>
-                <a:spcPct val="0"/>
-              </a:spcAft>
-              <a:defRPr sz="2000" b="1">
-                <a:solidFill>
-                  <a:schemeClr val="tx2"/>
-                </a:solidFill>
-                <a:latin typeface="Arial" charset="0"/>
-                <a:cs typeface="Arial" charset="0"/>
-              </a:defRPr>
-            </a:lvl3pPr>
-            <a:lvl4pPr algn="l" rtl="0" eaLnBrk="1" fontAlgn="base" hangingPunct="1">
-              <a:spcBef>
-                <a:spcPct val="0"/>
-              </a:spcBef>
-              <a:spcAft>
-                <a:spcPct val="0"/>
-              </a:spcAft>
-              <a:defRPr sz="2000" b="1">
-                <a:solidFill>
-                  <a:schemeClr val="tx2"/>
-                </a:solidFill>
-                <a:latin typeface="Arial" charset="0"/>
-                <a:cs typeface="Arial" charset="0"/>
-              </a:defRPr>
-            </a:lvl4pPr>
-            <a:lvl5pPr algn="l" rtl="0" eaLnBrk="1" fontAlgn="base" hangingPunct="1">
-              <a:spcBef>
-                <a:spcPct val="0"/>
-              </a:spcBef>
-              <a:spcAft>
-                <a:spcPct val="0"/>
-              </a:spcAft>
-              <a:defRPr sz="2000" b="1">
-                <a:solidFill>
-                  <a:schemeClr val="tx2"/>
-                </a:solidFill>
-                <a:latin typeface="Arial" charset="0"/>
-                <a:cs typeface="Arial" charset="0"/>
-              </a:defRPr>
-            </a:lvl5pPr>
-            <a:lvl6pPr marL="457200" algn="l" rtl="0" eaLnBrk="1" fontAlgn="base" hangingPunct="1">
-              <a:spcBef>
-                <a:spcPct val="0"/>
-              </a:spcBef>
-              <a:spcAft>
-                <a:spcPct val="0"/>
-              </a:spcAft>
-              <a:defRPr sz="2000" b="1">
-                <a:solidFill>
-                  <a:schemeClr val="tx2"/>
-                </a:solidFill>
-                <a:latin typeface="Arial" charset="0"/>
-                <a:cs typeface="Arial" charset="0"/>
-              </a:defRPr>
-            </a:lvl6pPr>
-            <a:lvl7pPr marL="914400" algn="l" rtl="0" eaLnBrk="1" fontAlgn="base" hangingPunct="1">
-              <a:spcBef>
-                <a:spcPct val="0"/>
-              </a:spcBef>
-              <a:spcAft>
-                <a:spcPct val="0"/>
-              </a:spcAft>
-              <a:defRPr sz="2000" b="1">
-                <a:solidFill>
-                  <a:schemeClr val="tx2"/>
-                </a:solidFill>
-                <a:latin typeface="Arial" charset="0"/>
-                <a:cs typeface="Arial" charset="0"/>
-              </a:defRPr>
-            </a:lvl7pPr>
-            <a:lvl8pPr marL="1371600" algn="l" rtl="0" eaLnBrk="1" fontAlgn="base" hangingPunct="1">
-              <a:spcBef>
-                <a:spcPct val="0"/>
-              </a:spcBef>
-              <a:spcAft>
-                <a:spcPct val="0"/>
-              </a:spcAft>
-              <a:defRPr sz="2000" b="1">
-                <a:solidFill>
-                  <a:schemeClr val="tx2"/>
-                </a:solidFill>
-                <a:latin typeface="Arial" charset="0"/>
-                <a:cs typeface="Arial" charset="0"/>
-              </a:defRPr>
-            </a:lvl8pPr>
-            <a:lvl9pPr marL="1828800" algn="l" rtl="0" eaLnBrk="1" fontAlgn="base" hangingPunct="1">
-              <a:spcBef>
-                <a:spcPct val="0"/>
-              </a:spcBef>
-              <a:spcAft>
-                <a:spcPct val="0"/>
-              </a:spcAft>
-              <a:defRPr sz="2000" b="1">
-                <a:solidFill>
-                  <a:schemeClr val="tx2"/>
-                </a:solidFill>
-                <a:latin typeface="Arial" charset="0"/>
-                <a:cs typeface="Arial" charset="0"/>
-              </a:defRPr>
-            </a:lvl9pPr>
-          </a:lstStyle>
-          <a:p>
-            <a:r>
-              <a:rPr lang="en-US" sz="1800" dirty="0">
-                <a:solidFill>
-                  <a:srgbClr val="FF0000"/>
-                </a:solidFill>
-              </a:rPr>
-              <a:t>Goal: Quickly describe what has been done</a:t>
-            </a:r>
-          </a:p>
-        </p:txBody>
-      </p:sp>
-      <p:sp>
-        <p:nvSpPr>
           <p:cNvPr id="11" name="Textfeld 10">
             <a:extLst>
               <a:ext uri="{FF2B5EF4-FFF2-40B4-BE49-F238E27FC236}">
@@ -31253,8 +30036,8 @@
         </p:nvSpPr>
         <p:spPr>
           <a:xfrm>
-            <a:off x="1525759" y="5235152"/>
-            <a:ext cx="6504986" cy="1380121"/>
+            <a:off x="869267" y="5262971"/>
+            <a:ext cx="7829066" cy="1380121"/>
           </a:xfrm>
           <a:prstGeom prst="rect">
             <a:avLst/>
@@ -31278,7 +30061,29 @@
               <a:rPr lang="en-US" sz="1600" dirty="0">
                 <a:latin typeface="+mn-lt"/>
               </a:rPr>
-              <a:t>No existing standards for AR-HR Interfaces [1]</a:t>
+              <a:t>No existing standards for AR-HR Interfaces [</a:t>
+            </a:r>
+            <a:r>
+              <a:rPr lang="en-GB" sz="1600" dirty="0" err="1"/>
+              <a:t>Perey</a:t>
+            </a:r>
+            <a:r>
+              <a:rPr lang="en-GB" sz="1600" dirty="0"/>
+              <a:t>, </a:t>
+            </a:r>
+            <a:r>
+              <a:rPr lang="en-GB" sz="1600" dirty="0" err="1"/>
+              <a:t>Engelke</a:t>
+            </a:r>
+            <a:r>
+              <a:rPr lang="en-GB" sz="1600" dirty="0"/>
+              <a:t>, and C. Reed.,</a:t>
+            </a:r>
+            <a:r>
+              <a:rPr lang="en-US" sz="1600" dirty="0">
+                <a:latin typeface="+mn-lt"/>
+              </a:rPr>
+              <a:t>1]</a:t>
             </a:r>
           </a:p>
           <a:p>
@@ -31293,7 +30098,17 @@
               <a:rPr lang="en-US" sz="1600" dirty="0">
                 <a:latin typeface="+mn-lt"/>
               </a:rPr>
-              <a:t>AR in use for Robotics during development, testing and operation [2]</a:t>
+              <a:t>AR in use for Robotics during development, testing and operation [</a:t>
+            </a:r>
+            <a:r>
+              <a:rPr lang="en-GB" sz="1600" dirty="0"/>
+              <a:t>Hoenig  et al., </a:t>
+            </a:r>
+            <a:r>
+              <a:rPr lang="en-US" sz="1600" dirty="0">
+                <a:latin typeface="+mn-lt"/>
+              </a:rPr>
+              <a:t>2]</a:t>
             </a:r>
           </a:p>
           <a:p>
@@ -31308,7 +30123,17 @@
               <a:rPr lang="en-US" sz="1600" dirty="0">
                 <a:latin typeface="+mn-lt"/>
               </a:rPr>
-              <a:t>AR helps for Robot Human Communication [3]</a:t>
+              <a:t>AR helps for Robot Human Communication [</a:t>
+            </a:r>
+            <a:r>
+              <a:rPr lang="en-GB" sz="1600" dirty="0"/>
+              <a:t>Milgram et al., </a:t>
+            </a:r>
+            <a:r>
+              <a:rPr lang="en-US" sz="1600" dirty="0">
+                <a:latin typeface="+mn-lt"/>
+              </a:rPr>
+              <a:t>3]</a:t>
             </a:r>
           </a:p>
           <a:p>
@@ -31323,7 +30148,21 @@
               <a:rPr lang="en-US" sz="1600" dirty="0">
                 <a:latin typeface="+mn-lt"/>
               </a:rPr>
-              <a:t>Parametric Design in other disciplines [4]</a:t>
+              <a:t>Parametric Design in other disciplines [</a:t>
+            </a:r>
+            <a:r>
+              <a:rPr lang="en-GB" sz="1600" dirty="0" err="1"/>
+              <a:t>Stavric</a:t>
+            </a:r>
+            <a:r>
+              <a:rPr lang="en-GB" sz="1600" dirty="0"/>
+              <a:t> and Marina, </a:t>
+            </a:r>
+            <a:r>
+              <a:rPr lang="en-US" sz="1600" dirty="0">
+                <a:latin typeface="+mn-lt"/>
+              </a:rPr>
+              <a:t>4]</a:t>
             </a:r>
           </a:p>
           <a:p>
@@ -31510,6 +30349,36 @@
           </a:prstGeom>
         </p:spPr>
       </p:pic>
+      <p:sp>
+        <p:nvSpPr>
+          <p:cNvPr id="6" name="Foliennummernplatzhalter 5">
+            <a:extLst>
+              <a:ext uri="{FF2B5EF4-FFF2-40B4-BE49-F238E27FC236}">
+                <a16:creationId xmlns:a16="http://schemas.microsoft.com/office/drawing/2014/main" id="{E6EE8A94-67F0-42FA-AE21-3076AAC97C01}"/>
+              </a:ext>
+            </a:extLst>
+          </p:cNvPr>
+          <p:cNvSpPr>
+            <a:spLocks noGrp="1"/>
+          </p:cNvSpPr>
+          <p:nvPr>
+            <p:ph type="sldNum" sz="quarter" idx="12"/>
+          </p:nvPr>
+        </p:nvSpPr>
+        <p:spPr/>
+        <p:txBody>
+          <a:bodyPr/>
+          <a:lstStyle/>
+          <a:p>
+            <a:fld id="{CE58CB1E-F828-4F11-99E0-327109AF9DA4}" type="slidenum">
+              <a:rPr lang="de-DE" smtClean="0"/>
+              <a:pPr/>
+              <a:t>9</a:t>
+            </a:fld>
+            <a:endParaRPr lang="de-DE" dirty="0"/>
+          </a:p>
+        </p:txBody>
+      </p:sp>
     </p:spTree>
     <p:extLst>
       <p:ext uri="{BB962C8B-B14F-4D97-AF65-F5344CB8AC3E}">
@@ -32138,190 +31007,6 @@
       <p:bldP spid="19" grpId="1" animBg="1"/>
     </p:bldLst>
   </p:timing>
-</p:sld>
-</file>
-
-<file path=ppt/slides/slide9.xml><?xml version="1.0" encoding="utf-8"?>
-<p:sld xmlns:a="http://schemas.openxmlformats.org/drawingml/2006/main" xmlns:r="http://schemas.openxmlformats.org/officeDocument/2006/relationships" xmlns:p="http://schemas.openxmlformats.org/presentationml/2006/main">
-  <p:cSld>
-    <p:spTree>
-      <p:nvGrpSpPr>
-        <p:cNvPr id="1" name=""/>
-        <p:cNvGrpSpPr/>
-        <p:nvPr/>
-      </p:nvGrpSpPr>
-      <p:grpSpPr>
-        <a:xfrm>
-          <a:off x="0" y="0"/>
-          <a:ext cx="0" cy="0"/>
-          <a:chOff x="0" y="0"/>
-          <a:chExt cx="0" cy="0"/>
-        </a:xfrm>
-      </p:grpSpPr>
-      <p:sp>
-        <p:nvSpPr>
-          <p:cNvPr id="2" name="Inhaltsplatzhalter 1">
-            <a:extLst>
-              <a:ext uri="{FF2B5EF4-FFF2-40B4-BE49-F238E27FC236}">
-                <a16:creationId xmlns:a16="http://schemas.microsoft.com/office/drawing/2014/main" id="{3AE51EEE-5768-455A-9D22-F07025773052}"/>
-              </a:ext>
-            </a:extLst>
-          </p:cNvPr>
-          <p:cNvSpPr>
-            <a:spLocks noGrp="1"/>
-          </p:cNvSpPr>
-          <p:nvPr>
-            <p:ph idx="10"/>
-          </p:nvPr>
-        </p:nvSpPr>
-        <p:spPr>
-          <a:xfrm>
-            <a:off x="319088" y="1978720"/>
-            <a:ext cx="8508999" cy="3171618"/>
-          </a:xfrm>
-        </p:spPr>
-        <p:txBody>
-          <a:bodyPr/>
-          <a:lstStyle/>
-          <a:p>
-            <a:pPr marL="342900" indent="-342900">
-              <a:buAutoNum type="arabicPeriod"/>
-            </a:pPr>
-            <a:r>
-              <a:rPr lang="en-US" sz="2000" dirty="0">
-                <a:solidFill>
-                  <a:schemeClr val="bg1">
-                    <a:lumMod val="65000"/>
-                  </a:schemeClr>
-                </a:solidFill>
-              </a:rPr>
-              <a:t>Introduction</a:t>
-            </a:r>
-          </a:p>
-          <a:p>
-            <a:pPr marL="342900" indent="-342900">
-              <a:buAutoNum type="arabicPeriod"/>
-            </a:pPr>
-            <a:r>
-              <a:rPr lang="en-US" sz="2000" dirty="0">
-                <a:solidFill>
-                  <a:schemeClr val="bg1">
-                    <a:lumMod val="65000"/>
-                  </a:schemeClr>
-                </a:solidFill>
-              </a:rPr>
-              <a:t>State of the Art</a:t>
-            </a:r>
-          </a:p>
-          <a:p>
-            <a:pPr marL="342900" indent="-342900">
-              <a:buAutoNum type="arabicPeriod"/>
-            </a:pPr>
-            <a:r>
-              <a:rPr lang="en-US" sz="2000" dirty="0"/>
-              <a:t>Requirements</a:t>
-            </a:r>
-          </a:p>
-          <a:p>
-            <a:pPr marL="342900" indent="-342900">
-              <a:buAutoNum type="arabicPeriod"/>
-            </a:pPr>
-            <a:r>
-              <a:rPr lang="en-US" sz="2000" dirty="0">
-                <a:solidFill>
-                  <a:schemeClr val="bg1">
-                    <a:lumMod val="65000"/>
-                  </a:schemeClr>
-                </a:solidFill>
-              </a:rPr>
-              <a:t>Concept</a:t>
-            </a:r>
-          </a:p>
-          <a:p>
-            <a:pPr marL="342900" indent="-342900">
-              <a:buAutoNum type="arabicPeriod"/>
-            </a:pPr>
-            <a:r>
-              <a:rPr lang="en-US" sz="2000" dirty="0">
-                <a:solidFill>
-                  <a:schemeClr val="bg1">
-                    <a:lumMod val="65000"/>
-                  </a:schemeClr>
-                </a:solidFill>
-              </a:rPr>
-              <a:t>Implementation</a:t>
-            </a:r>
-          </a:p>
-          <a:p>
-            <a:pPr marL="342900" indent="-342900">
-              <a:buAutoNum type="arabicPeriod"/>
-            </a:pPr>
-            <a:r>
-              <a:rPr lang="en-US" sz="2000" dirty="0">
-                <a:solidFill>
-                  <a:schemeClr val="bg1">
-                    <a:lumMod val="65000"/>
-                  </a:schemeClr>
-                </a:solidFill>
-              </a:rPr>
-              <a:t>Evaluation</a:t>
-            </a:r>
-          </a:p>
-          <a:p>
-            <a:pPr marL="342900" indent="-342900">
-              <a:buAutoNum type="arabicPeriod"/>
-            </a:pPr>
-            <a:r>
-              <a:rPr lang="en-US" sz="2000" dirty="0">
-                <a:solidFill>
-                  <a:schemeClr val="bg1">
-                    <a:lumMod val="65000"/>
-                  </a:schemeClr>
-                </a:solidFill>
-              </a:rPr>
-              <a:t>Conclusion</a:t>
-            </a:r>
-          </a:p>
-        </p:txBody>
-      </p:sp>
-      <p:sp>
-        <p:nvSpPr>
-          <p:cNvPr id="3" name="Titel 2">
-            <a:extLst>
-              <a:ext uri="{FF2B5EF4-FFF2-40B4-BE49-F238E27FC236}">
-                <a16:creationId xmlns:a16="http://schemas.microsoft.com/office/drawing/2014/main" id="{F182C14F-233D-4F18-B0A7-515FB9A72BFA}"/>
-              </a:ext>
-            </a:extLst>
-          </p:cNvPr>
-          <p:cNvSpPr>
-            <a:spLocks noGrp="1"/>
-          </p:cNvSpPr>
-          <p:nvPr>
-            <p:ph type="title"/>
-          </p:nvPr>
-        </p:nvSpPr>
-        <p:spPr/>
-        <p:txBody>
-          <a:bodyPr/>
-          <a:lstStyle/>
-          <a:p>
-            <a:r>
-              <a:rPr lang="en-US" dirty="0"/>
-              <a:t>Table of Contents</a:t>
-            </a:r>
-          </a:p>
-        </p:txBody>
-      </p:sp>
-    </p:spTree>
-    <p:extLst>
-      <p:ext uri="{BB962C8B-B14F-4D97-AF65-F5344CB8AC3E}">
-        <p14:creationId xmlns:p14="http://schemas.microsoft.com/office/powerpoint/2010/main" val="1327308815"/>
-      </p:ext>
-    </p:extLst>
-  </p:cSld>
-  <p:clrMapOvr>
-    <a:masterClrMapping/>
-  </p:clrMapOvr>
 </p:sld>
 </file>
 

--- a/05_Presentation/PARRHIPresentationv2.pptx
+++ b/05_Presentation/PARRHIPresentationv2.pptx
@@ -1016,7 +1016,7 @@
               <a:pPr>
                 <a:defRPr/>
               </a:pPr>
-              <a:t>10/07/2019</a:t>
+              <a:t>12/07/2019</a:t>
             </a:fld>
             <a:endParaRPr lang="en-GB" dirty="0"/>
           </a:p>
@@ -1235,7 +1235,7 @@
               <a:pPr>
                 <a:defRPr/>
               </a:pPr>
-              <a:t>10/07/2019</a:t>
+              <a:t>12/07/2019</a:t>
             </a:fld>
             <a:endParaRPr lang="en-GB"/>
           </a:p>
@@ -21735,7 +21735,7 @@
         </p:blipFill>
         <p:spPr bwMode="auto">
           <a:xfrm>
-            <a:off x="465674" y="5138103"/>
+            <a:off x="5081217" y="5152692"/>
             <a:ext cx="1272480" cy="814081"/>
           </a:xfrm>
           <a:prstGeom prst="rect">
@@ -21767,7 +21767,7 @@
         </p:nvSpPr>
         <p:spPr>
           <a:xfrm>
-            <a:off x="2082753" y="5416518"/>
+            <a:off x="6698296" y="5431107"/>
             <a:ext cx="2315295" cy="257250"/>
           </a:xfrm>
           <a:prstGeom prst="rect">
@@ -21825,7 +21825,7 @@
         </p:blipFill>
         <p:spPr bwMode="auto">
           <a:xfrm>
-            <a:off x="5322216" y="4591753"/>
+            <a:off x="638248" y="4694002"/>
             <a:ext cx="907134" cy="1771650"/>
           </a:xfrm>
           <a:prstGeom prst="rect">
@@ -21857,7 +21857,7 @@
         </p:nvSpPr>
         <p:spPr>
           <a:xfrm>
-            <a:off x="6691112" y="5348953"/>
+            <a:off x="2007144" y="5451202"/>
             <a:ext cx="2315295" cy="257250"/>
           </a:xfrm>
           <a:prstGeom prst="rect">
@@ -22148,7 +22148,7 @@
                                           </p:stCondLst>
                                         </p:cTn>
                                         <p:tgtEl>
-                                          <p:spTgt spid="15"/>
+                                          <p:spTgt spid="17"/>
                                         </p:tgtEl>
                                         <p:attrNameLst>
                                           <p:attrName>style.visibility</p:attrName>
@@ -22162,7 +22162,7 @@
                                       <p:cBhvr>
                                         <p:cTn id="23" dur="500"/>
                                         <p:tgtEl>
-                                          <p:spTgt spid="15"/>
+                                          <p:spTgt spid="17"/>
                                         </p:tgtEl>
                                       </p:cBhvr>
                                     </p:animEffect>
@@ -22183,7 +22183,7 @@
                                           </p:stCondLst>
                                         </p:cTn>
                                         <p:tgtEl>
-                                          <p:spTgt spid="2050"/>
+                                          <p:spTgt spid="2052"/>
                                         </p:tgtEl>
                                         <p:attrNameLst>
                                           <p:attrName>style.visibility</p:attrName>
@@ -22197,7 +22197,7 @@
                                       <p:cBhvr>
                                         <p:cTn id="26" dur="500"/>
                                         <p:tgtEl>
-                                          <p:spTgt spid="2050"/>
+                                          <p:spTgt spid="2052"/>
                                         </p:tgtEl>
                                       </p:cBhvr>
                                     </p:animEffect>
@@ -22236,7 +22236,7 @@
                                           </p:stCondLst>
                                         </p:cTn>
                                         <p:tgtEl>
-                                          <p:spTgt spid="17"/>
+                                          <p:spTgt spid="15"/>
                                         </p:tgtEl>
                                         <p:attrNameLst>
                                           <p:attrName>style.visibility</p:attrName>
@@ -22250,7 +22250,7 @@
                                       <p:cBhvr>
                                         <p:cTn id="31" dur="500"/>
                                         <p:tgtEl>
-                                          <p:spTgt spid="17"/>
+                                          <p:spTgt spid="15"/>
                                         </p:tgtEl>
                                       </p:cBhvr>
                                     </p:animEffect>
@@ -22271,7 +22271,7 @@
                                           </p:stCondLst>
                                         </p:cTn>
                                         <p:tgtEl>
-                                          <p:spTgt spid="2052"/>
+                                          <p:spTgt spid="2050"/>
                                         </p:tgtEl>
                                         <p:attrNameLst>
                                           <p:attrName>style.visibility</p:attrName>
@@ -22285,7 +22285,7 @@
                                       <p:cBhvr>
                                         <p:cTn id="34" dur="500"/>
                                         <p:tgtEl>
-                                          <p:spTgt spid="2052"/>
+                                          <p:spTgt spid="2050"/>
                                         </p:tgtEl>
                                       </p:cBhvr>
                                     </p:animEffect>
@@ -22360,8 +22360,8 @@
         </p:nvSpPr>
         <p:spPr>
           <a:xfrm>
-            <a:off x="123825" y="2139212"/>
-            <a:ext cx="9020175" cy="4401205"/>
+            <a:off x="61621" y="990683"/>
+            <a:ext cx="9337416" cy="5586145"/>
           </a:xfrm>
           <a:prstGeom prst="rect">
             <a:avLst/>
@@ -22374,7 +22374,7 @@
           <a:lstStyle/>
           <a:p>
             <a:r>
-              <a:rPr lang="en-US" sz="1400" dirty="0">
+              <a:rPr lang="en-US" sz="1700" dirty="0">
                 <a:latin typeface="Consolas" panose="020B0609020204030204" pitchFamily="49" charset="0"/>
                 <a:ea typeface="Gungsuh" panose="020B0503020000020004" pitchFamily="18" charset="-127"/>
                 <a:cs typeface="Courier New" panose="02070309020205020404" pitchFamily="49" charset="0"/>
@@ -22384,7 +22384,7 @@
           </a:p>
           <a:p>
             <a:r>
-              <a:rPr lang="en-US" sz="1400" dirty="0">
+              <a:rPr lang="en-US" sz="1700" dirty="0">
                 <a:latin typeface="Consolas" panose="020B0609020204030204" pitchFamily="49" charset="0"/>
                 <a:ea typeface="Gungsuh" panose="020B0503020000020004" pitchFamily="18" charset="-127"/>
                 <a:cs typeface="Courier New" panose="02070309020205020404" pitchFamily="49" charset="0"/>
@@ -22394,7 +22394,7 @@
           </a:p>
           <a:p>
             <a:r>
-              <a:rPr lang="en-US" sz="1400" dirty="0">
+              <a:rPr lang="en-US" sz="1700" dirty="0">
                 <a:latin typeface="Consolas" panose="020B0609020204030204" pitchFamily="49" charset="0"/>
                 <a:ea typeface="Gungsuh" panose="020B0503020000020004" pitchFamily="18" charset="-127"/>
                 <a:cs typeface="Courier New" panose="02070309020205020404" pitchFamily="49" charset="0"/>
@@ -22404,7 +22404,7 @@
           </a:p>
           <a:p>
             <a:r>
-              <a:rPr lang="en-US" sz="1400" dirty="0">
+              <a:rPr lang="en-US" sz="1700" dirty="0">
                 <a:latin typeface="Consolas" panose="020B0609020204030204" pitchFamily="49" charset="0"/>
                 <a:ea typeface="Gungsuh" panose="020B0503020000020004" pitchFamily="18" charset="-127"/>
                 <a:cs typeface="Courier New" panose="02070309020205020404" pitchFamily="49" charset="0"/>
@@ -22412,7 +22412,7 @@
               <a:t>04.    &lt;PointRobot name="</a:t>
             </a:r>
             <a:r>
-              <a:rPr lang="en-US" sz="1400" dirty="0" err="1">
+              <a:rPr lang="en-US" sz="1700" dirty="0" err="1">
                 <a:latin typeface="Consolas" panose="020B0609020204030204" pitchFamily="49" charset="0"/>
                 <a:ea typeface="Gungsuh" panose="020B0503020000020004" pitchFamily="18" charset="-127"/>
                 <a:cs typeface="Courier New" panose="02070309020205020404" pitchFamily="49" charset="0"/>
@@ -22420,7 +22420,7 @@
               <a:t>RobotTip</a:t>
             </a:r>
             <a:r>
-              <a:rPr lang="en-US" sz="1400" dirty="0">
+              <a:rPr lang="en-US" sz="1700" dirty="0">
                 <a:latin typeface="Consolas" panose="020B0609020204030204" pitchFamily="49" charset="0"/>
                 <a:ea typeface="Gungsuh" panose="020B0503020000020004" pitchFamily="18" charset="-127"/>
                 <a:cs typeface="Courier New" panose="02070309020205020404" pitchFamily="49" charset="0"/>
@@ -22430,7 +22430,7 @@
           </a:p>
           <a:p>
             <a:r>
-              <a:rPr lang="en-US" sz="1400" dirty="0">
+              <a:rPr lang="en-US" sz="1700" dirty="0">
                 <a:latin typeface="Consolas" panose="020B0609020204030204" pitchFamily="49" charset="0"/>
                 <a:ea typeface="Gungsuh" panose="020B0503020000020004" pitchFamily="18" charset="-127"/>
                 <a:cs typeface="Courier New" panose="02070309020205020404" pitchFamily="49" charset="0"/>
@@ -22440,7 +22440,7 @@
           </a:p>
           <a:p>
             <a:r>
-              <a:rPr lang="en-US" sz="1400" dirty="0">
+              <a:rPr lang="en-US" sz="1700" dirty="0">
                 <a:latin typeface="Consolas" panose="020B0609020204030204" pitchFamily="49" charset="0"/>
                 <a:ea typeface="Gungsuh" panose="020B0503020000020004" pitchFamily="18" charset="-127"/>
                 <a:cs typeface="Courier New" panose="02070309020205020404" pitchFamily="49" charset="0"/>
@@ -22450,7 +22450,7 @@
           </a:p>
           <a:p>
             <a:r>
-              <a:rPr lang="en-US" sz="1400" dirty="0">
+              <a:rPr lang="en-US" sz="1700" dirty="0">
                 <a:latin typeface="Consolas" panose="020B0609020204030204" pitchFamily="49" charset="0"/>
                 <a:ea typeface="Gungsuh" panose="020B0503020000020004" pitchFamily="18" charset="-127"/>
                 <a:cs typeface="Courier New" panose="02070309020205020404" pitchFamily="49" charset="0"/>
@@ -22458,7 +22458,7 @@
               <a:t>07.   &lt;Sphere name="Sphere" point="</a:t>
             </a:r>
             <a:r>
-              <a:rPr lang="en-US" sz="1400" dirty="0" err="1">
+              <a:rPr lang="en-US" sz="1700" dirty="0" err="1">
                 <a:latin typeface="Consolas" panose="020B0609020204030204" pitchFamily="49" charset="0"/>
                 <a:ea typeface="Gungsuh" panose="020B0503020000020004" pitchFamily="18" charset="-127"/>
                 <a:cs typeface="Courier New" panose="02070309020205020404" pitchFamily="49" charset="0"/>
@@ -22466,7 +22466,7 @@
               <a:t>RobotTip</a:t>
             </a:r>
             <a:r>
-              <a:rPr lang="en-US" sz="1400" dirty="0">
+              <a:rPr lang="en-US" sz="1700" dirty="0">
                 <a:latin typeface="Consolas" panose="020B0609020204030204" pitchFamily="49" charset="0"/>
                 <a:ea typeface="Gungsuh" panose="020B0503020000020004" pitchFamily="18" charset="-127"/>
                 <a:cs typeface="Courier New" panose="02070309020205020404" pitchFamily="49" charset="0"/>
@@ -22476,7 +22476,7 @@
           </a:p>
           <a:p>
             <a:r>
-              <a:rPr lang="en-US" sz="1400" dirty="0">
+              <a:rPr lang="en-US" sz="1700" dirty="0">
                 <a:latin typeface="Consolas" panose="020B0609020204030204" pitchFamily="49" charset="0"/>
                 <a:ea typeface="Gungsuh" panose="020B0503020000020004" pitchFamily="18" charset="-127"/>
                 <a:cs typeface="Courier New" panose="02070309020205020404" pitchFamily="49" charset="0"/>
@@ -22486,7 +22486,7 @@
           </a:p>
           <a:p>
             <a:r>
-              <a:rPr lang="en-US" sz="1400" dirty="0">
+              <a:rPr lang="en-US" sz="1700" dirty="0">
                 <a:latin typeface="Consolas" panose="020B0609020204030204" pitchFamily="49" charset="0"/>
                 <a:ea typeface="Gungsuh" panose="020B0503020000020004" pitchFamily="18" charset="-127"/>
                 <a:cs typeface="Courier New" panose="02070309020205020404" pitchFamily="49" charset="0"/>
@@ -22496,7 +22496,7 @@
           </a:p>
           <a:p>
             <a:r>
-              <a:rPr lang="en-US" sz="1400" dirty="0">
+              <a:rPr lang="en-US" sz="1700" dirty="0">
                 <a:latin typeface="Consolas" panose="020B0609020204030204" pitchFamily="49" charset="0"/>
                 <a:ea typeface="Gungsuh" panose="020B0503020000020004" pitchFamily="18" charset="-127"/>
                 <a:cs typeface="Courier New" panose="02070309020205020404" pitchFamily="49" charset="0"/>
@@ -22506,15 +22506,15 @@
           </a:p>
           <a:p>
             <a:r>
-              <a:rPr lang="en-US" sz="1400" dirty="0">
+              <a:rPr lang="en-US" sz="1700" dirty="0">
                 <a:latin typeface="Consolas" panose="020B0609020204030204" pitchFamily="49" charset="0"/>
                 <a:ea typeface="Gungsuh" panose="020B0503020000020004" pitchFamily="18" charset="-127"/>
                 <a:cs typeface="Courier New" panose="02070309020205020404" pitchFamily="49" charset="0"/>
               </a:rPr>
-              <a:t>11.    &lt;DistanceTrigger name="DTrigger" point1="ConstPoint" point2="</a:t>
-            </a:r>
-            <a:r>
-              <a:rPr lang="en-US" sz="1400" dirty="0" err="1">
+              <a:t>11.    &lt;DistanceTrigger name="DTrigger" point1="ConstPoint" 	point2="</a:t>
+            </a:r>
+            <a:r>
+              <a:rPr lang="en-US" sz="1700" dirty="0" err="1">
                 <a:latin typeface="Consolas" panose="020B0609020204030204" pitchFamily="49" charset="0"/>
                 <a:ea typeface="Gungsuh" panose="020B0503020000020004" pitchFamily="18" charset="-127"/>
                 <a:cs typeface="Courier New" panose="02070309020205020404" pitchFamily="49" charset="0"/>
@@ -22522,17 +22522,17 @@
               <a:t>RobotTip</a:t>
             </a:r>
             <a:r>
-              <a:rPr lang="en-US" sz="1400" dirty="0">
+              <a:rPr lang="en-US" sz="1700" dirty="0">
                 <a:latin typeface="Consolas" panose="020B0609020204030204" pitchFamily="49" charset="0"/>
                 <a:ea typeface="Gungsuh" panose="020B0503020000020004" pitchFamily="18" charset="-127"/>
                 <a:cs typeface="Courier New" panose="02070309020205020404" pitchFamily="49" charset="0"/>
               </a:rPr>
-              <a:t>" 	distance="15.5" actions=“Action1 Action2 Action3"/&gt;		</a:t>
-            </a:r>
-          </a:p>
-          <a:p>
-            <a:r>
-              <a:rPr lang="en-US" sz="1400" dirty="0">
+              <a:t>" distance=“50" actions=“Action1 Action2 Action3"/&gt;	</a:t>
+            </a:r>
+          </a:p>
+          <a:p>
+            <a:r>
+              <a:rPr lang="en-US" sz="1700" dirty="0">
                 <a:latin typeface="Consolas" panose="020B0609020204030204" pitchFamily="49" charset="0"/>
                 <a:ea typeface="Gungsuh" panose="020B0503020000020004" pitchFamily="18" charset="-127"/>
                 <a:cs typeface="Courier New" panose="02070309020205020404" pitchFamily="49" charset="0"/>
@@ -22542,7 +22542,7 @@
           </a:p>
           <a:p>
             <a:r>
-              <a:rPr lang="en-US" sz="1400" dirty="0">
+              <a:rPr lang="en-US" sz="1700" dirty="0">
                 <a:latin typeface="Consolas" panose="020B0609020204030204" pitchFamily="49" charset="0"/>
                 <a:ea typeface="Gungsuh" panose="020B0503020000020004" pitchFamily="18" charset="-127"/>
                 <a:cs typeface="Courier New" panose="02070309020205020404" pitchFamily="49" charset="0"/>
@@ -22552,27 +22552,43 @@
           </a:p>
           <a:p>
             <a:r>
-              <a:rPr lang="en-US" sz="1400" dirty="0">
+              <a:rPr lang="en-US" sz="1700" dirty="0">
                 <a:latin typeface="Consolas" panose="020B0609020204030204" pitchFamily="49" charset="0"/>
                 <a:ea typeface="Gungsuh" panose="020B0503020000020004" pitchFamily="18" charset="-127"/>
                 <a:cs typeface="Courier New" panose="02070309020205020404" pitchFamily="49" charset="0"/>
               </a:rPr>
-              <a:t>14.    &lt;SetHologramStateAction name=“Action1" offHolograms="Zyl1"/&gt;	</a:t>
-            </a:r>
-          </a:p>
-          <a:p>
-            <a:r>
-              <a:rPr lang="en-US" sz="1400" dirty="0">
+              <a:t>14.    &lt;SetHologramStateAction name=“Action1" </a:t>
+            </a:r>
+            <a:r>
+              <a:rPr lang="en-US" sz="1700" dirty="0" err="1">
                 <a:latin typeface="Consolas" panose="020B0609020204030204" pitchFamily="49" charset="0"/>
                 <a:ea typeface="Gungsuh" panose="020B0503020000020004" pitchFamily="18" charset="-127"/>
                 <a:cs typeface="Courier New" panose="02070309020205020404" pitchFamily="49" charset="0"/>
               </a:rPr>
-              <a:t>15.    &lt;ChangeUITextAction name=“Action2" text="Tutorial step nr. 4"/&gt;</a:t>
-            </a:r>
-          </a:p>
-          <a:p>
-            <a:r>
-              <a:rPr lang="en-US" sz="1400" dirty="0">
+              <a:t>offHolograms</a:t>
+            </a:r>
+            <a:r>
+              <a:rPr lang="en-US" sz="1700" dirty="0">
+                <a:latin typeface="Consolas" panose="020B0609020204030204" pitchFamily="49" charset="0"/>
+                <a:ea typeface="Gungsuh" panose="020B0503020000020004" pitchFamily="18" charset="-127"/>
+                <a:cs typeface="Courier New" panose="02070309020205020404" pitchFamily="49" charset="0"/>
+              </a:rPr>
+              <a:t>=“Sphere"/&gt;	</a:t>
+            </a:r>
+          </a:p>
+          <a:p>
+            <a:r>
+              <a:rPr lang="en-US" sz="1700" dirty="0">
+                <a:latin typeface="Consolas" panose="020B0609020204030204" pitchFamily="49" charset="0"/>
+                <a:ea typeface="Gungsuh" panose="020B0503020000020004" pitchFamily="18" charset="-127"/>
+                <a:cs typeface="Courier New" panose="02070309020205020404" pitchFamily="49" charset="0"/>
+              </a:rPr>
+              <a:t>15.    &lt;ChangeUITextAction name=“Action2" text=“Good! You reached the 	target"/&gt;</a:t>
+            </a:r>
+          </a:p>
+          <a:p>
+            <a:r>
+              <a:rPr lang="en-US" sz="1700" dirty="0">
                 <a:latin typeface="Consolas" panose="020B0609020204030204" pitchFamily="49" charset="0"/>
                 <a:ea typeface="Gungsuh" panose="020B0503020000020004" pitchFamily="18" charset="-127"/>
                 <a:cs typeface="Courier New" panose="02070309020205020404" pitchFamily="49" charset="0"/>
@@ -22582,7 +22598,7 @@
           </a:p>
           <a:p>
             <a:r>
-              <a:rPr lang="en-US" sz="1400" dirty="0">
+              <a:rPr lang="en-US" sz="1700" dirty="0">
                 <a:latin typeface="Consolas" panose="020B0609020204030204" pitchFamily="49" charset="0"/>
                 <a:ea typeface="Gungsuh" panose="020B0503020000020004" pitchFamily="18" charset="-127"/>
                 <a:cs typeface="Courier New" panose="02070309020205020404" pitchFamily="49" charset="0"/>
@@ -22592,7 +22608,7 @@
           </a:p>
           <a:p>
             <a:r>
-              <a:rPr lang="en-US" sz="1400" dirty="0">
+              <a:rPr lang="en-US" sz="1700" dirty="0">
                 <a:latin typeface="Consolas" panose="020B0609020204030204" pitchFamily="49" charset="0"/>
                 <a:ea typeface="Gungsuh" panose="020B0503020000020004" pitchFamily="18" charset="-127"/>
                 <a:cs typeface="Courier New" panose="02070309020205020404" pitchFamily="49" charset="0"/>
@@ -22602,7 +22618,7 @@
           </a:p>
           <a:p>
             <a:r>
-              <a:rPr lang="en-US" sz="1400" dirty="0">
+              <a:rPr lang="en-US" sz="1700" dirty="0">
                 <a:latin typeface="Consolas" panose="020B0609020204030204" pitchFamily="49" charset="0"/>
                 <a:ea typeface="Gungsuh" panose="020B0503020000020004" pitchFamily="18" charset="-127"/>
                 <a:cs typeface="Courier New" panose="02070309020205020404" pitchFamily="49" charset="0"/>
@@ -22630,7 +22646,7 @@
         </p:nvSpPr>
         <p:spPr>
           <a:xfrm>
-            <a:off x="319090" y="994334"/>
+            <a:off x="317935" y="355503"/>
             <a:ext cx="8508999" cy="410369"/>
           </a:xfrm>
         </p:spPr>
@@ -22663,8 +22679,8 @@
         </p:nvSpPr>
         <p:spPr>
           <a:xfrm>
-            <a:off x="578498" y="2401079"/>
-            <a:ext cx="5946710" cy="845974"/>
+            <a:off x="691917" y="1260855"/>
+            <a:ext cx="7109017" cy="1085602"/>
           </a:xfrm>
           <a:prstGeom prst="roundRect">
             <a:avLst>
@@ -22715,8 +22731,8 @@
         </p:nvSpPr>
         <p:spPr>
           <a:xfrm>
-            <a:off x="578498" y="3247053"/>
-            <a:ext cx="5946710" cy="653143"/>
+            <a:off x="691917" y="2332137"/>
+            <a:ext cx="7109017" cy="758889"/>
           </a:xfrm>
           <a:prstGeom prst="roundRect">
             <a:avLst>
@@ -22767,8 +22783,8 @@
         </p:nvSpPr>
         <p:spPr>
           <a:xfrm>
-            <a:off x="755779" y="4093027"/>
-            <a:ext cx="7368073" cy="901961"/>
+            <a:off x="766663" y="3390451"/>
+            <a:ext cx="8315716" cy="1049994"/>
           </a:xfrm>
           <a:prstGeom prst="roundRect">
             <a:avLst>
@@ -22819,8 +22835,8 @@
         </p:nvSpPr>
         <p:spPr>
           <a:xfrm>
-            <a:off x="755778" y="4971036"/>
-            <a:ext cx="7368073" cy="1075201"/>
+            <a:off x="766663" y="4415593"/>
+            <a:ext cx="7898366" cy="1562219"/>
           </a:xfrm>
           <a:prstGeom prst="roundRect">
             <a:avLst>
@@ -23694,7 +23710,7 @@
               <a:rPr lang="en-US" sz="1600" dirty="0">
                 <a:latin typeface="+mn-lt"/>
               </a:rPr>
-              <a:t>Pro: </a:t>
+              <a:t> </a:t>
             </a:r>
           </a:p>
           <a:p>
@@ -26294,13 +26310,25 @@
               <a:rPr lang="en-US" sz="1600" b="1" dirty="0">
                 <a:latin typeface="+mn-lt"/>
               </a:rPr>
-              <a:t>Development framework </a:t>
+              <a:t>AR</a:t>
             </a:r>
             <a:r>
               <a:rPr lang="en-US" sz="1600" dirty="0">
                 <a:latin typeface="+mn-lt"/>
               </a:rPr>
-              <a:t>using a parameterized approach, to create </a:t>
+              <a:t> </a:t>
+            </a:r>
+            <a:r>
+              <a:rPr lang="en-US" sz="1600" b="1" dirty="0">
+                <a:latin typeface="+mn-lt"/>
+              </a:rPr>
+              <a:t>framework </a:t>
+            </a:r>
+            <a:r>
+              <a:rPr lang="en-US" sz="1600" dirty="0">
+                <a:latin typeface="+mn-lt"/>
+              </a:rPr>
+              <a:t>using a parametrized approach, to create </a:t>
             </a:r>
             <a:r>
               <a:rPr lang="en-US" sz="1600" b="1" dirty="0">
@@ -28014,13 +28042,13 @@
   <p:clrMapOvr>
     <a:masterClrMapping/>
   </p:clrMapOvr>
-  <mc:AlternateContent xmlns:mc="http://schemas.openxmlformats.org/markup-compatibility/2006">
-    <mc:Choice xmlns:p159="http://schemas.microsoft.com/office/powerpoint/2015/09/main" Requires="p159">
+  <mc:AlternateContent xmlns:mc="http://schemas.openxmlformats.org/markup-compatibility/2006" xmlns:p159="http://schemas.microsoft.com/office/powerpoint/2015/09/main">
+    <mc:Choice Requires="p159">
       <p:transition xmlns:p14="http://schemas.microsoft.com/office/powerpoint/2010/main" spd="slow" p14:dur="2000">
         <p159:morph option="byObject"/>
       </p:transition>
     </mc:Choice>
-    <mc:Fallback>
+    <mc:Fallback xmlns="">
       <p:transition spd="slow">
         <p:fade/>
       </p:transition>
